--- a/Java자료구조.pptx
+++ b/Java자료구조.pptx
@@ -11,6 +11,11 @@
     <p:sldId id="259" r:id="rId5"/>
     <p:sldId id="260" r:id="rId6"/>
     <p:sldId id="261" r:id="rId7"/>
+    <p:sldId id="262" r:id="rId8"/>
+    <p:sldId id="263" r:id="rId9"/>
+    <p:sldId id="264" r:id="rId10"/>
+    <p:sldId id="265" r:id="rId11"/>
+    <p:sldId id="266" r:id="rId12"/>
   </p:sldIdLst>
   <p:sldSz cx="9144000" cy="6858000" type="screen4x3"/>
   <p:notesSz cx="6858000" cy="9144000"/>
@@ -3372,6 +3377,2013 @@
 </p:sld>
 </file>
 
+<file path=ppt/slides/slide10.xml><?xml version="1.0" encoding="utf-8"?>
+<p:sld xmlns:a="http://schemas.openxmlformats.org/drawingml/2006/main" xmlns:r="http://schemas.openxmlformats.org/officeDocument/2006/relationships" xmlns:p="http://schemas.openxmlformats.org/presentationml/2006/main">
+  <p:cSld>
+    <p:spTree>
+      <p:nvGrpSpPr>
+        <p:cNvPr id="1" name=""/>
+        <p:cNvGrpSpPr/>
+        <p:nvPr/>
+      </p:nvGrpSpPr>
+      <p:grpSpPr>
+        <a:xfrm>
+          <a:off x="0" y="0"/>
+          <a:ext cx="0" cy="0"/>
+          <a:chOff x="0" y="0"/>
+          <a:chExt cx="0" cy="0"/>
+        </a:xfrm>
+      </p:grpSpPr>
+      <p:sp>
+        <p:nvSpPr>
+          <p:cNvPr id="5" name="TextBox 4"/>
+          <p:cNvSpPr txBox="1"/>
+          <p:nvPr/>
+        </p:nvSpPr>
+        <p:spPr>
+          <a:xfrm>
+            <a:off x="251520" y="260648"/>
+            <a:ext cx="5976664" cy="400110"/>
+          </a:xfrm>
+          <a:prstGeom prst="rect">
+            <a:avLst/>
+          </a:prstGeom>
+          <a:noFill/>
+        </p:spPr>
+        <p:txBody>
+          <a:bodyPr wrap="square" rtlCol="0">
+            <a:spAutoFit/>
+          </a:bodyPr>
+          <a:lstStyle/>
+          <a:p>
+            <a:r>
+              <a:rPr lang="ko-KR" altLang="en-US" sz="2000" b="1" dirty="0" smtClean="0"/>
+              <a:t>자료구조 </a:t>
+            </a:r>
+            <a:r>
+              <a:rPr lang="en-US" altLang="ko-KR" sz="2000" b="1" dirty="0" smtClean="0"/>
+              <a:t>1</a:t>
+            </a:r>
+            <a:r>
+              <a:rPr lang="ko-KR" altLang="en-US" sz="2000" b="1" dirty="0" smtClean="0"/>
+              <a:t>일차</a:t>
+            </a:r>
+            <a:r>
+              <a:rPr lang="en-US" altLang="ko-KR" sz="2000" b="1" dirty="0" smtClean="0"/>
+              <a:t>(</a:t>
+            </a:r>
+            <a:r>
+              <a:rPr lang="ko-KR" altLang="en-US" sz="2000" b="1" dirty="0" smtClean="0"/>
+              <a:t>프로그램의 구조</a:t>
+            </a:r>
+            <a:r>
+              <a:rPr lang="en-US" altLang="ko-KR" sz="2000" b="1" dirty="0" smtClean="0"/>
+              <a:t>)</a:t>
+            </a:r>
+            <a:endParaRPr lang="ko-KR" altLang="en-US" sz="2000" b="1" dirty="0"/>
+          </a:p>
+        </p:txBody>
+      </p:sp>
+      <p:sp>
+        <p:nvSpPr>
+          <p:cNvPr id="7" name="직사각형 6"/>
+          <p:cNvSpPr/>
+          <p:nvPr/>
+        </p:nvSpPr>
+        <p:spPr>
+          <a:xfrm>
+            <a:off x="467544" y="1556792"/>
+            <a:ext cx="1440160" cy="504056"/>
+          </a:xfrm>
+          <a:prstGeom prst="rect">
+            <a:avLst/>
+          </a:prstGeom>
+          <a:solidFill>
+            <a:schemeClr val="bg1"/>
+          </a:solidFill>
+        </p:spPr>
+        <p:style>
+          <a:lnRef idx="2">
+            <a:schemeClr val="accent1">
+              <a:shade val="50000"/>
+            </a:schemeClr>
+          </a:lnRef>
+          <a:fillRef idx="1">
+            <a:schemeClr val="accent1"/>
+          </a:fillRef>
+          <a:effectRef idx="0">
+            <a:schemeClr val="accent1"/>
+          </a:effectRef>
+          <a:fontRef idx="minor">
+            <a:schemeClr val="lt1"/>
+          </a:fontRef>
+        </p:style>
+        <p:txBody>
+          <a:bodyPr rtlCol="0" anchor="ctr"/>
+          <a:lstStyle/>
+          <a:p>
+            <a:pPr algn="ctr"/>
+            <a:r>
+              <a:rPr lang="en-US" altLang="ko-KR" b="1" dirty="0" smtClean="0">
+                <a:solidFill>
+                  <a:schemeClr val="tx1"/>
+                </a:solidFill>
+              </a:rPr>
+              <a:t>Start</a:t>
+            </a:r>
+            <a:endParaRPr lang="ko-KR" altLang="en-US" b="1" dirty="0">
+              <a:solidFill>
+                <a:schemeClr val="tx1"/>
+              </a:solidFill>
+            </a:endParaRPr>
+          </a:p>
+        </p:txBody>
+      </p:sp>
+      <p:sp>
+        <p:nvSpPr>
+          <p:cNvPr id="20" name="직사각형 19"/>
+          <p:cNvSpPr/>
+          <p:nvPr/>
+        </p:nvSpPr>
+        <p:spPr>
+          <a:xfrm>
+            <a:off x="467544" y="2060848"/>
+            <a:ext cx="1440160" cy="504056"/>
+          </a:xfrm>
+          <a:prstGeom prst="rect">
+            <a:avLst/>
+          </a:prstGeom>
+          <a:solidFill>
+            <a:schemeClr val="bg1"/>
+          </a:solidFill>
+        </p:spPr>
+        <p:style>
+          <a:lnRef idx="2">
+            <a:schemeClr val="accent1">
+              <a:shade val="50000"/>
+            </a:schemeClr>
+          </a:lnRef>
+          <a:fillRef idx="1">
+            <a:schemeClr val="accent1"/>
+          </a:fillRef>
+          <a:effectRef idx="0">
+            <a:schemeClr val="accent1"/>
+          </a:effectRef>
+          <a:fontRef idx="minor">
+            <a:schemeClr val="lt1"/>
+          </a:fontRef>
+        </p:style>
+        <p:txBody>
+          <a:bodyPr rtlCol="0" anchor="ctr"/>
+          <a:lstStyle/>
+          <a:p>
+            <a:pPr algn="ctr"/>
+            <a:endParaRPr lang="ko-KR" altLang="en-US" b="1" dirty="0">
+              <a:solidFill>
+                <a:schemeClr val="tx1"/>
+              </a:solidFill>
+            </a:endParaRPr>
+          </a:p>
+        </p:txBody>
+      </p:sp>
+      <p:sp>
+        <p:nvSpPr>
+          <p:cNvPr id="21" name="직사각형 20"/>
+          <p:cNvSpPr/>
+          <p:nvPr/>
+        </p:nvSpPr>
+        <p:spPr>
+          <a:xfrm>
+            <a:off x="467544" y="2564904"/>
+            <a:ext cx="1440160" cy="504056"/>
+          </a:xfrm>
+          <a:prstGeom prst="rect">
+            <a:avLst/>
+          </a:prstGeom>
+          <a:solidFill>
+            <a:schemeClr val="bg1"/>
+          </a:solidFill>
+        </p:spPr>
+        <p:style>
+          <a:lnRef idx="2">
+            <a:schemeClr val="accent1">
+              <a:shade val="50000"/>
+            </a:schemeClr>
+          </a:lnRef>
+          <a:fillRef idx="1">
+            <a:schemeClr val="accent1"/>
+          </a:fillRef>
+          <a:effectRef idx="0">
+            <a:schemeClr val="accent1"/>
+          </a:effectRef>
+          <a:fontRef idx="minor">
+            <a:schemeClr val="lt1"/>
+          </a:fontRef>
+        </p:style>
+        <p:txBody>
+          <a:bodyPr rtlCol="0" anchor="ctr"/>
+          <a:lstStyle/>
+          <a:p>
+            <a:pPr algn="ctr"/>
+            <a:endParaRPr lang="ko-KR" altLang="en-US" b="1" dirty="0">
+              <a:solidFill>
+                <a:schemeClr val="tx1"/>
+              </a:solidFill>
+            </a:endParaRPr>
+          </a:p>
+        </p:txBody>
+      </p:sp>
+      <p:sp>
+        <p:nvSpPr>
+          <p:cNvPr id="22" name="직사각형 21"/>
+          <p:cNvSpPr/>
+          <p:nvPr/>
+        </p:nvSpPr>
+        <p:spPr>
+          <a:xfrm>
+            <a:off x="2267744" y="1556792"/>
+            <a:ext cx="2088232" cy="504056"/>
+          </a:xfrm>
+          <a:prstGeom prst="rect">
+            <a:avLst/>
+          </a:prstGeom>
+          <a:solidFill>
+            <a:schemeClr val="bg1"/>
+          </a:solidFill>
+        </p:spPr>
+        <p:style>
+          <a:lnRef idx="2">
+            <a:schemeClr val="accent1">
+              <a:shade val="50000"/>
+            </a:schemeClr>
+          </a:lnRef>
+          <a:fillRef idx="1">
+            <a:schemeClr val="accent1"/>
+          </a:fillRef>
+          <a:effectRef idx="0">
+            <a:schemeClr val="accent1"/>
+          </a:effectRef>
+          <a:fontRef idx="minor">
+            <a:schemeClr val="lt1"/>
+          </a:fontRef>
+        </p:style>
+        <p:txBody>
+          <a:bodyPr rtlCol="0" anchor="ctr"/>
+          <a:lstStyle/>
+          <a:p>
+            <a:pPr algn="ctr"/>
+            <a:r>
+              <a:rPr lang="en-US" altLang="ko-KR" b="1" dirty="0" smtClean="0">
+                <a:solidFill>
+                  <a:schemeClr val="tx1"/>
+                </a:solidFill>
+              </a:rPr>
+              <a:t>&lt;&lt;singleton&gt;&gt;</a:t>
+            </a:r>
+          </a:p>
+          <a:p>
+            <a:pPr algn="ctr"/>
+            <a:r>
+              <a:rPr lang="en-US" altLang="ko-KR" b="1" dirty="0" smtClean="0">
+                <a:solidFill>
+                  <a:schemeClr val="tx1"/>
+                </a:solidFill>
+              </a:rPr>
+              <a:t>App</a:t>
+            </a:r>
+            <a:endParaRPr lang="ko-KR" altLang="en-US" b="1" dirty="0">
+              <a:solidFill>
+                <a:schemeClr val="tx1"/>
+              </a:solidFill>
+            </a:endParaRPr>
+          </a:p>
+        </p:txBody>
+      </p:sp>
+      <p:sp>
+        <p:nvSpPr>
+          <p:cNvPr id="23" name="직사각형 22"/>
+          <p:cNvSpPr/>
+          <p:nvPr/>
+        </p:nvSpPr>
+        <p:spPr>
+          <a:xfrm>
+            <a:off x="2267744" y="2060848"/>
+            <a:ext cx="2088232" cy="504056"/>
+          </a:xfrm>
+          <a:prstGeom prst="rect">
+            <a:avLst/>
+          </a:prstGeom>
+          <a:solidFill>
+            <a:schemeClr val="bg1"/>
+          </a:solidFill>
+        </p:spPr>
+        <p:style>
+          <a:lnRef idx="2">
+            <a:schemeClr val="accent1">
+              <a:shade val="50000"/>
+            </a:schemeClr>
+          </a:lnRef>
+          <a:fillRef idx="1">
+            <a:schemeClr val="accent1"/>
+          </a:fillRef>
+          <a:effectRef idx="0">
+            <a:schemeClr val="accent1"/>
+          </a:effectRef>
+          <a:fontRef idx="minor">
+            <a:schemeClr val="lt1"/>
+          </a:fontRef>
+        </p:style>
+        <p:txBody>
+          <a:bodyPr rtlCol="0" anchor="ctr"/>
+          <a:lstStyle/>
+          <a:p>
+            <a:pPr algn="ctr"/>
+            <a:endParaRPr lang="ko-KR" altLang="en-US" b="1" dirty="0">
+              <a:solidFill>
+                <a:schemeClr val="tx1"/>
+              </a:solidFill>
+            </a:endParaRPr>
+          </a:p>
+        </p:txBody>
+      </p:sp>
+      <p:sp>
+        <p:nvSpPr>
+          <p:cNvPr id="24" name="직사각형 23"/>
+          <p:cNvSpPr/>
+          <p:nvPr/>
+        </p:nvSpPr>
+        <p:spPr>
+          <a:xfrm>
+            <a:off x="2267744" y="2564904"/>
+            <a:ext cx="2088232" cy="504056"/>
+          </a:xfrm>
+          <a:prstGeom prst="rect">
+            <a:avLst/>
+          </a:prstGeom>
+          <a:solidFill>
+            <a:schemeClr val="bg1"/>
+          </a:solidFill>
+        </p:spPr>
+        <p:style>
+          <a:lnRef idx="2">
+            <a:schemeClr val="accent1">
+              <a:shade val="50000"/>
+            </a:schemeClr>
+          </a:lnRef>
+          <a:fillRef idx="1">
+            <a:schemeClr val="accent1"/>
+          </a:fillRef>
+          <a:effectRef idx="0">
+            <a:schemeClr val="accent1"/>
+          </a:effectRef>
+          <a:fontRef idx="minor">
+            <a:schemeClr val="lt1"/>
+          </a:fontRef>
+        </p:style>
+        <p:txBody>
+          <a:bodyPr rtlCol="0" anchor="ctr"/>
+          <a:lstStyle/>
+          <a:p>
+            <a:pPr algn="ctr"/>
+            <a:endParaRPr lang="ko-KR" altLang="en-US" b="1" dirty="0">
+              <a:solidFill>
+                <a:schemeClr val="tx1"/>
+              </a:solidFill>
+            </a:endParaRPr>
+          </a:p>
+        </p:txBody>
+      </p:sp>
+      <p:sp>
+        <p:nvSpPr>
+          <p:cNvPr id="25" name="직사각형 24"/>
+          <p:cNvSpPr/>
+          <p:nvPr/>
+        </p:nvSpPr>
+        <p:spPr>
+          <a:xfrm>
+            <a:off x="4572000" y="1556792"/>
+            <a:ext cx="1440160" cy="504056"/>
+          </a:xfrm>
+          <a:prstGeom prst="rect">
+            <a:avLst/>
+          </a:prstGeom>
+          <a:solidFill>
+            <a:schemeClr val="bg1"/>
+          </a:solidFill>
+        </p:spPr>
+        <p:style>
+          <a:lnRef idx="2">
+            <a:schemeClr val="accent1">
+              <a:shade val="50000"/>
+            </a:schemeClr>
+          </a:lnRef>
+          <a:fillRef idx="1">
+            <a:schemeClr val="accent1"/>
+          </a:fillRef>
+          <a:effectRef idx="0">
+            <a:schemeClr val="accent1"/>
+          </a:effectRef>
+          <a:fontRef idx="minor">
+            <a:schemeClr val="lt1"/>
+          </a:fontRef>
+        </p:style>
+        <p:txBody>
+          <a:bodyPr rtlCol="0" anchor="ctr"/>
+          <a:lstStyle/>
+          <a:p>
+            <a:pPr algn="ctr"/>
+            <a:r>
+              <a:rPr lang="en-US" altLang="ko-KR" b="1" dirty="0" smtClean="0">
+                <a:solidFill>
+                  <a:schemeClr val="tx1"/>
+                </a:solidFill>
+              </a:rPr>
+              <a:t>Manager</a:t>
+            </a:r>
+            <a:endParaRPr lang="ko-KR" altLang="en-US" b="1" dirty="0">
+              <a:solidFill>
+                <a:schemeClr val="tx1"/>
+              </a:solidFill>
+            </a:endParaRPr>
+          </a:p>
+        </p:txBody>
+      </p:sp>
+      <p:sp>
+        <p:nvSpPr>
+          <p:cNvPr id="26" name="직사각형 25"/>
+          <p:cNvSpPr/>
+          <p:nvPr/>
+        </p:nvSpPr>
+        <p:spPr>
+          <a:xfrm>
+            <a:off x="4572000" y="2060848"/>
+            <a:ext cx="1440160" cy="504056"/>
+          </a:xfrm>
+          <a:prstGeom prst="rect">
+            <a:avLst/>
+          </a:prstGeom>
+          <a:solidFill>
+            <a:schemeClr val="bg1"/>
+          </a:solidFill>
+        </p:spPr>
+        <p:style>
+          <a:lnRef idx="2">
+            <a:schemeClr val="accent1">
+              <a:shade val="50000"/>
+            </a:schemeClr>
+          </a:lnRef>
+          <a:fillRef idx="1">
+            <a:schemeClr val="accent1"/>
+          </a:fillRef>
+          <a:effectRef idx="0">
+            <a:schemeClr val="accent1"/>
+          </a:effectRef>
+          <a:fontRef idx="minor">
+            <a:schemeClr val="lt1"/>
+          </a:fontRef>
+        </p:style>
+        <p:txBody>
+          <a:bodyPr rtlCol="0" anchor="ctr"/>
+          <a:lstStyle/>
+          <a:p>
+            <a:pPr algn="ctr"/>
+            <a:endParaRPr lang="ko-KR" altLang="en-US" b="1" dirty="0">
+              <a:solidFill>
+                <a:schemeClr val="tx1"/>
+              </a:solidFill>
+            </a:endParaRPr>
+          </a:p>
+        </p:txBody>
+      </p:sp>
+      <p:sp>
+        <p:nvSpPr>
+          <p:cNvPr id="27" name="직사각형 26"/>
+          <p:cNvSpPr/>
+          <p:nvPr/>
+        </p:nvSpPr>
+        <p:spPr>
+          <a:xfrm>
+            <a:off x="4572000" y="2564904"/>
+            <a:ext cx="1440160" cy="504056"/>
+          </a:xfrm>
+          <a:prstGeom prst="rect">
+            <a:avLst/>
+          </a:prstGeom>
+          <a:solidFill>
+            <a:schemeClr val="bg1"/>
+          </a:solidFill>
+        </p:spPr>
+        <p:style>
+          <a:lnRef idx="2">
+            <a:schemeClr val="accent1">
+              <a:shade val="50000"/>
+            </a:schemeClr>
+          </a:lnRef>
+          <a:fillRef idx="1">
+            <a:schemeClr val="accent1"/>
+          </a:fillRef>
+          <a:effectRef idx="0">
+            <a:schemeClr val="accent1"/>
+          </a:effectRef>
+          <a:fontRef idx="minor">
+            <a:schemeClr val="lt1"/>
+          </a:fontRef>
+        </p:style>
+        <p:txBody>
+          <a:bodyPr rtlCol="0" anchor="ctr"/>
+          <a:lstStyle/>
+          <a:p>
+            <a:pPr algn="ctr"/>
+            <a:endParaRPr lang="ko-KR" altLang="en-US" b="1" dirty="0">
+              <a:solidFill>
+                <a:schemeClr val="tx1"/>
+              </a:solidFill>
+            </a:endParaRPr>
+          </a:p>
+        </p:txBody>
+      </p:sp>
+      <p:sp>
+        <p:nvSpPr>
+          <p:cNvPr id="28" name="직사각형 27"/>
+          <p:cNvSpPr/>
+          <p:nvPr/>
+        </p:nvSpPr>
+        <p:spPr>
+          <a:xfrm>
+            <a:off x="4716016" y="4005064"/>
+            <a:ext cx="1440160" cy="504056"/>
+          </a:xfrm>
+          <a:prstGeom prst="rect">
+            <a:avLst/>
+          </a:prstGeom>
+          <a:solidFill>
+            <a:schemeClr val="bg1"/>
+          </a:solidFill>
+        </p:spPr>
+        <p:style>
+          <a:lnRef idx="2">
+            <a:schemeClr val="accent1">
+              <a:shade val="50000"/>
+            </a:schemeClr>
+          </a:lnRef>
+          <a:fillRef idx="1">
+            <a:schemeClr val="accent1"/>
+          </a:fillRef>
+          <a:effectRef idx="0">
+            <a:schemeClr val="accent1"/>
+          </a:effectRef>
+          <a:fontRef idx="minor">
+            <a:schemeClr val="lt1"/>
+          </a:fontRef>
+        </p:style>
+        <p:txBody>
+          <a:bodyPr rtlCol="0" anchor="ctr"/>
+          <a:lstStyle/>
+          <a:p>
+            <a:pPr algn="ctr"/>
+            <a:r>
+              <a:rPr lang="en-US" altLang="ko-KR" b="1" dirty="0" err="1" smtClean="0">
+                <a:solidFill>
+                  <a:schemeClr val="tx1"/>
+                </a:solidFill>
+              </a:rPr>
+              <a:t>BitArray</a:t>
+            </a:r>
+            <a:endParaRPr lang="ko-KR" altLang="en-US" b="1" dirty="0">
+              <a:solidFill>
+                <a:schemeClr val="tx1"/>
+              </a:solidFill>
+            </a:endParaRPr>
+          </a:p>
+        </p:txBody>
+      </p:sp>
+      <p:sp>
+        <p:nvSpPr>
+          <p:cNvPr id="29" name="직사각형 28"/>
+          <p:cNvSpPr/>
+          <p:nvPr/>
+        </p:nvSpPr>
+        <p:spPr>
+          <a:xfrm>
+            <a:off x="4716016" y="4509120"/>
+            <a:ext cx="1440160" cy="504056"/>
+          </a:xfrm>
+          <a:prstGeom prst="rect">
+            <a:avLst/>
+          </a:prstGeom>
+          <a:solidFill>
+            <a:schemeClr val="bg1"/>
+          </a:solidFill>
+        </p:spPr>
+        <p:style>
+          <a:lnRef idx="2">
+            <a:schemeClr val="accent1">
+              <a:shade val="50000"/>
+            </a:schemeClr>
+          </a:lnRef>
+          <a:fillRef idx="1">
+            <a:schemeClr val="accent1"/>
+          </a:fillRef>
+          <a:effectRef idx="0">
+            <a:schemeClr val="accent1"/>
+          </a:effectRef>
+          <a:fontRef idx="minor">
+            <a:schemeClr val="lt1"/>
+          </a:fontRef>
+        </p:style>
+        <p:txBody>
+          <a:bodyPr rtlCol="0" anchor="ctr"/>
+          <a:lstStyle/>
+          <a:p>
+            <a:pPr algn="ctr"/>
+            <a:endParaRPr lang="ko-KR" altLang="en-US" b="1" dirty="0">
+              <a:solidFill>
+                <a:schemeClr val="tx1"/>
+              </a:solidFill>
+            </a:endParaRPr>
+          </a:p>
+        </p:txBody>
+      </p:sp>
+      <p:sp>
+        <p:nvSpPr>
+          <p:cNvPr id="30" name="직사각형 29"/>
+          <p:cNvSpPr/>
+          <p:nvPr/>
+        </p:nvSpPr>
+        <p:spPr>
+          <a:xfrm>
+            <a:off x="4716016" y="5013176"/>
+            <a:ext cx="1440160" cy="504056"/>
+          </a:xfrm>
+          <a:prstGeom prst="rect">
+            <a:avLst/>
+          </a:prstGeom>
+          <a:solidFill>
+            <a:schemeClr val="bg1"/>
+          </a:solidFill>
+        </p:spPr>
+        <p:style>
+          <a:lnRef idx="2">
+            <a:schemeClr val="accent1">
+              <a:shade val="50000"/>
+            </a:schemeClr>
+          </a:lnRef>
+          <a:fillRef idx="1">
+            <a:schemeClr val="accent1"/>
+          </a:fillRef>
+          <a:effectRef idx="0">
+            <a:schemeClr val="accent1"/>
+          </a:effectRef>
+          <a:fontRef idx="minor">
+            <a:schemeClr val="lt1"/>
+          </a:fontRef>
+        </p:style>
+        <p:txBody>
+          <a:bodyPr rtlCol="0" anchor="ctr"/>
+          <a:lstStyle/>
+          <a:p>
+            <a:pPr algn="ctr"/>
+            <a:endParaRPr lang="ko-KR" altLang="en-US" b="1" dirty="0">
+              <a:solidFill>
+                <a:schemeClr val="tx1"/>
+              </a:solidFill>
+            </a:endParaRPr>
+          </a:p>
+        </p:txBody>
+      </p:sp>
+      <p:sp>
+        <p:nvSpPr>
+          <p:cNvPr id="31" name="직사각형 30"/>
+          <p:cNvSpPr/>
+          <p:nvPr/>
+        </p:nvSpPr>
+        <p:spPr>
+          <a:xfrm>
+            <a:off x="6588224" y="1556792"/>
+            <a:ext cx="1440160" cy="504056"/>
+          </a:xfrm>
+          <a:prstGeom prst="rect">
+            <a:avLst/>
+          </a:prstGeom>
+          <a:solidFill>
+            <a:schemeClr val="bg1"/>
+          </a:solidFill>
+        </p:spPr>
+        <p:style>
+          <a:lnRef idx="2">
+            <a:schemeClr val="accent1">
+              <a:shade val="50000"/>
+            </a:schemeClr>
+          </a:lnRef>
+          <a:fillRef idx="1">
+            <a:schemeClr val="accent1"/>
+          </a:fillRef>
+          <a:effectRef idx="0">
+            <a:schemeClr val="accent1"/>
+          </a:effectRef>
+          <a:fontRef idx="minor">
+            <a:schemeClr val="lt1"/>
+          </a:fontRef>
+        </p:style>
+        <p:txBody>
+          <a:bodyPr rtlCol="0" anchor="ctr"/>
+          <a:lstStyle/>
+          <a:p>
+            <a:pPr algn="ctr"/>
+            <a:r>
+              <a:rPr lang="en-US" altLang="ko-KR" b="1" dirty="0" smtClean="0">
+                <a:solidFill>
+                  <a:schemeClr val="tx1"/>
+                </a:solidFill>
+              </a:rPr>
+              <a:t>Member</a:t>
+            </a:r>
+            <a:endParaRPr lang="ko-KR" altLang="en-US" b="1" dirty="0">
+              <a:solidFill>
+                <a:schemeClr val="tx1"/>
+              </a:solidFill>
+            </a:endParaRPr>
+          </a:p>
+        </p:txBody>
+      </p:sp>
+      <p:sp>
+        <p:nvSpPr>
+          <p:cNvPr id="32" name="직사각형 31"/>
+          <p:cNvSpPr/>
+          <p:nvPr/>
+        </p:nvSpPr>
+        <p:spPr>
+          <a:xfrm>
+            <a:off x="6588224" y="2060848"/>
+            <a:ext cx="1440160" cy="504056"/>
+          </a:xfrm>
+          <a:prstGeom prst="rect">
+            <a:avLst/>
+          </a:prstGeom>
+          <a:solidFill>
+            <a:schemeClr val="bg1"/>
+          </a:solidFill>
+        </p:spPr>
+        <p:style>
+          <a:lnRef idx="2">
+            <a:schemeClr val="accent1">
+              <a:shade val="50000"/>
+            </a:schemeClr>
+          </a:lnRef>
+          <a:fillRef idx="1">
+            <a:schemeClr val="accent1"/>
+          </a:fillRef>
+          <a:effectRef idx="0">
+            <a:schemeClr val="accent1"/>
+          </a:effectRef>
+          <a:fontRef idx="minor">
+            <a:schemeClr val="lt1"/>
+          </a:fontRef>
+        </p:style>
+        <p:txBody>
+          <a:bodyPr rtlCol="0" anchor="ctr"/>
+          <a:lstStyle/>
+          <a:p>
+            <a:pPr algn="ctr"/>
+            <a:endParaRPr lang="ko-KR" altLang="en-US" b="1" dirty="0">
+              <a:solidFill>
+                <a:schemeClr val="tx1"/>
+              </a:solidFill>
+            </a:endParaRPr>
+          </a:p>
+        </p:txBody>
+      </p:sp>
+      <p:sp>
+        <p:nvSpPr>
+          <p:cNvPr id="33" name="직사각형 32"/>
+          <p:cNvSpPr/>
+          <p:nvPr/>
+        </p:nvSpPr>
+        <p:spPr>
+          <a:xfrm>
+            <a:off x="6588224" y="2564904"/>
+            <a:ext cx="1440160" cy="504056"/>
+          </a:xfrm>
+          <a:prstGeom prst="rect">
+            <a:avLst/>
+          </a:prstGeom>
+          <a:solidFill>
+            <a:schemeClr val="bg1"/>
+          </a:solidFill>
+        </p:spPr>
+        <p:style>
+          <a:lnRef idx="2">
+            <a:schemeClr val="accent1">
+              <a:shade val="50000"/>
+            </a:schemeClr>
+          </a:lnRef>
+          <a:fillRef idx="1">
+            <a:schemeClr val="accent1"/>
+          </a:fillRef>
+          <a:effectRef idx="0">
+            <a:schemeClr val="accent1"/>
+          </a:effectRef>
+          <a:fontRef idx="minor">
+            <a:schemeClr val="lt1"/>
+          </a:fontRef>
+        </p:style>
+        <p:txBody>
+          <a:bodyPr rtlCol="0" anchor="ctr"/>
+          <a:lstStyle/>
+          <a:p>
+            <a:pPr algn="ctr"/>
+            <a:endParaRPr lang="ko-KR" altLang="en-US" b="1" dirty="0">
+              <a:solidFill>
+                <a:schemeClr val="tx1"/>
+              </a:solidFill>
+            </a:endParaRPr>
+          </a:p>
+        </p:txBody>
+      </p:sp>
+      <p:sp>
+        <p:nvSpPr>
+          <p:cNvPr id="34" name="직사각형 33"/>
+          <p:cNvSpPr/>
+          <p:nvPr/>
+        </p:nvSpPr>
+        <p:spPr>
+          <a:xfrm>
+            <a:off x="6660232" y="3933056"/>
+            <a:ext cx="1440160" cy="504056"/>
+          </a:xfrm>
+          <a:prstGeom prst="rect">
+            <a:avLst/>
+          </a:prstGeom>
+          <a:solidFill>
+            <a:schemeClr val="bg1"/>
+          </a:solidFill>
+        </p:spPr>
+        <p:style>
+          <a:lnRef idx="2">
+            <a:schemeClr val="accent1">
+              <a:shade val="50000"/>
+            </a:schemeClr>
+          </a:lnRef>
+          <a:fillRef idx="1">
+            <a:schemeClr val="accent1"/>
+          </a:fillRef>
+          <a:effectRef idx="0">
+            <a:schemeClr val="accent1"/>
+          </a:effectRef>
+          <a:fontRef idx="minor">
+            <a:schemeClr val="lt1"/>
+          </a:fontRef>
+        </p:style>
+        <p:txBody>
+          <a:bodyPr rtlCol="0" anchor="ctr"/>
+          <a:lstStyle/>
+          <a:p>
+            <a:pPr algn="ctr"/>
+            <a:r>
+              <a:rPr lang="en-US" altLang="ko-KR" b="1" dirty="0" err="1" smtClean="0">
+                <a:solidFill>
+                  <a:schemeClr val="tx1"/>
+                </a:solidFill>
+              </a:rPr>
+              <a:t>BitGlobal</a:t>
+            </a:r>
+            <a:endParaRPr lang="ko-KR" altLang="en-US" b="1" dirty="0">
+              <a:solidFill>
+                <a:schemeClr val="tx1"/>
+              </a:solidFill>
+            </a:endParaRPr>
+          </a:p>
+        </p:txBody>
+      </p:sp>
+      <p:sp>
+        <p:nvSpPr>
+          <p:cNvPr id="35" name="직사각형 34"/>
+          <p:cNvSpPr/>
+          <p:nvPr/>
+        </p:nvSpPr>
+        <p:spPr>
+          <a:xfrm>
+            <a:off x="6660232" y="4437112"/>
+            <a:ext cx="1440160" cy="504056"/>
+          </a:xfrm>
+          <a:prstGeom prst="rect">
+            <a:avLst/>
+          </a:prstGeom>
+          <a:solidFill>
+            <a:schemeClr val="bg1"/>
+          </a:solidFill>
+        </p:spPr>
+        <p:style>
+          <a:lnRef idx="2">
+            <a:schemeClr val="accent1">
+              <a:shade val="50000"/>
+            </a:schemeClr>
+          </a:lnRef>
+          <a:fillRef idx="1">
+            <a:schemeClr val="accent1"/>
+          </a:fillRef>
+          <a:effectRef idx="0">
+            <a:schemeClr val="accent1"/>
+          </a:effectRef>
+          <a:fontRef idx="minor">
+            <a:schemeClr val="lt1"/>
+          </a:fontRef>
+        </p:style>
+        <p:txBody>
+          <a:bodyPr rtlCol="0" anchor="ctr"/>
+          <a:lstStyle/>
+          <a:p>
+            <a:pPr algn="ctr"/>
+            <a:endParaRPr lang="ko-KR" altLang="en-US" b="1" dirty="0">
+              <a:solidFill>
+                <a:schemeClr val="tx1"/>
+              </a:solidFill>
+            </a:endParaRPr>
+          </a:p>
+        </p:txBody>
+      </p:sp>
+      <p:sp>
+        <p:nvSpPr>
+          <p:cNvPr id="36" name="직사각형 35"/>
+          <p:cNvSpPr/>
+          <p:nvPr/>
+        </p:nvSpPr>
+        <p:spPr>
+          <a:xfrm>
+            <a:off x="6660232" y="4941168"/>
+            <a:ext cx="1440160" cy="504056"/>
+          </a:xfrm>
+          <a:prstGeom prst="rect">
+            <a:avLst/>
+          </a:prstGeom>
+          <a:solidFill>
+            <a:schemeClr val="bg1"/>
+          </a:solidFill>
+        </p:spPr>
+        <p:style>
+          <a:lnRef idx="2">
+            <a:schemeClr val="accent1">
+              <a:shade val="50000"/>
+            </a:schemeClr>
+          </a:lnRef>
+          <a:fillRef idx="1">
+            <a:schemeClr val="accent1"/>
+          </a:fillRef>
+          <a:effectRef idx="0">
+            <a:schemeClr val="accent1"/>
+          </a:effectRef>
+          <a:fontRef idx="minor">
+            <a:schemeClr val="lt1"/>
+          </a:fontRef>
+        </p:style>
+        <p:txBody>
+          <a:bodyPr rtlCol="0" anchor="ctr"/>
+          <a:lstStyle/>
+          <a:p>
+            <a:pPr algn="ctr"/>
+            <a:endParaRPr lang="ko-KR" altLang="en-US" b="1" dirty="0">
+              <a:solidFill>
+                <a:schemeClr val="tx1"/>
+              </a:solidFill>
+            </a:endParaRPr>
+          </a:p>
+        </p:txBody>
+      </p:sp>
+      <p:sp>
+        <p:nvSpPr>
+          <p:cNvPr id="37" name="직사각형 36"/>
+          <p:cNvSpPr/>
+          <p:nvPr/>
+        </p:nvSpPr>
+        <p:spPr>
+          <a:xfrm>
+            <a:off x="827584" y="1052736"/>
+            <a:ext cx="877163" cy="369332"/>
+          </a:xfrm>
+          <a:prstGeom prst="rect">
+            <a:avLst/>
+          </a:prstGeom>
+        </p:spPr>
+        <p:txBody>
+          <a:bodyPr wrap="none">
+            <a:spAutoFit/>
+          </a:bodyPr>
+          <a:lstStyle/>
+          <a:p>
+            <a:r>
+              <a:rPr lang="ko-KR" altLang="en-US" b="1" smtClean="0">
+                <a:solidFill>
+                  <a:srgbClr val="FF0000"/>
+                </a:solidFill>
+              </a:rPr>
+              <a:t>시작</a:t>
+            </a:r>
+            <a:r>
+              <a:rPr lang="ko-KR" altLang="en-US" b="1">
+                <a:solidFill>
+                  <a:srgbClr val="FF0000"/>
+                </a:solidFill>
+              </a:rPr>
+              <a:t>점</a:t>
+            </a:r>
+            <a:endParaRPr lang="ko-KR" altLang="en-US" dirty="0"/>
+          </a:p>
+        </p:txBody>
+      </p:sp>
+      <p:sp>
+        <p:nvSpPr>
+          <p:cNvPr id="38" name="직사각형 37"/>
+          <p:cNvSpPr/>
+          <p:nvPr/>
+        </p:nvSpPr>
+        <p:spPr>
+          <a:xfrm>
+            <a:off x="2771800" y="1124744"/>
+            <a:ext cx="1107996" cy="369332"/>
+          </a:xfrm>
+          <a:prstGeom prst="rect">
+            <a:avLst/>
+          </a:prstGeom>
+        </p:spPr>
+        <p:txBody>
+          <a:bodyPr wrap="none">
+            <a:spAutoFit/>
+          </a:bodyPr>
+          <a:lstStyle/>
+          <a:p>
+            <a:r>
+              <a:rPr lang="ko-KR" altLang="en-US" b="1" dirty="0" smtClean="0">
+                <a:solidFill>
+                  <a:srgbClr val="FF0000"/>
+                </a:solidFill>
+              </a:rPr>
+              <a:t>실행흐름</a:t>
+            </a:r>
+            <a:endParaRPr lang="ko-KR" altLang="en-US" b="1" dirty="0">
+              <a:solidFill>
+                <a:srgbClr val="FF0000"/>
+              </a:solidFill>
+            </a:endParaRPr>
+          </a:p>
+        </p:txBody>
+      </p:sp>
+      <p:sp>
+        <p:nvSpPr>
+          <p:cNvPr id="39" name="직사각형 38"/>
+          <p:cNvSpPr/>
+          <p:nvPr/>
+        </p:nvSpPr>
+        <p:spPr>
+          <a:xfrm>
+            <a:off x="4499992" y="1052736"/>
+            <a:ext cx="2031325" cy="369332"/>
+          </a:xfrm>
+          <a:prstGeom prst="rect">
+            <a:avLst/>
+          </a:prstGeom>
+        </p:spPr>
+        <p:txBody>
+          <a:bodyPr wrap="none">
+            <a:spAutoFit/>
+          </a:bodyPr>
+          <a:lstStyle/>
+          <a:p>
+            <a:r>
+              <a:rPr lang="ko-KR" altLang="en-US" b="1" smtClean="0">
+                <a:solidFill>
+                  <a:srgbClr val="FF0000"/>
+                </a:solidFill>
+              </a:rPr>
+              <a:t>데이터및기능관리</a:t>
+            </a:r>
+            <a:endParaRPr lang="ko-KR" altLang="en-US" b="1" dirty="0">
+              <a:solidFill>
+                <a:srgbClr val="FF0000"/>
+              </a:solidFill>
+            </a:endParaRPr>
+          </a:p>
+        </p:txBody>
+      </p:sp>
+      <p:sp>
+        <p:nvSpPr>
+          <p:cNvPr id="40" name="직사각형 39"/>
+          <p:cNvSpPr/>
+          <p:nvPr/>
+        </p:nvSpPr>
+        <p:spPr>
+          <a:xfrm>
+            <a:off x="6804248" y="1124744"/>
+            <a:ext cx="877163" cy="369332"/>
+          </a:xfrm>
+          <a:prstGeom prst="rect">
+            <a:avLst/>
+          </a:prstGeom>
+        </p:spPr>
+        <p:txBody>
+          <a:bodyPr wrap="none">
+            <a:spAutoFit/>
+          </a:bodyPr>
+          <a:lstStyle/>
+          <a:p>
+            <a:r>
+              <a:rPr lang="ko-KR" altLang="en-US" b="1" smtClean="0">
+                <a:solidFill>
+                  <a:srgbClr val="FF0000"/>
+                </a:solidFill>
+              </a:rPr>
+              <a:t>데이터</a:t>
+            </a:r>
+            <a:endParaRPr lang="ko-KR" altLang="en-US" b="1" dirty="0">
+              <a:solidFill>
+                <a:srgbClr val="FF0000"/>
+              </a:solidFill>
+            </a:endParaRPr>
+          </a:p>
+        </p:txBody>
+      </p:sp>
+      <p:sp>
+        <p:nvSpPr>
+          <p:cNvPr id="41" name="직사각형 40"/>
+          <p:cNvSpPr/>
+          <p:nvPr/>
+        </p:nvSpPr>
+        <p:spPr>
+          <a:xfrm>
+            <a:off x="4716016" y="3573016"/>
+            <a:ext cx="1569660" cy="369332"/>
+          </a:xfrm>
+          <a:prstGeom prst="rect">
+            <a:avLst/>
+          </a:prstGeom>
+        </p:spPr>
+        <p:txBody>
+          <a:bodyPr wrap="none">
+            <a:spAutoFit/>
+          </a:bodyPr>
+          <a:lstStyle/>
+          <a:p>
+            <a:r>
+              <a:rPr lang="ko-KR" altLang="en-US" b="1" smtClean="0">
+                <a:solidFill>
+                  <a:srgbClr val="FF0000"/>
+                </a:solidFill>
+              </a:rPr>
+              <a:t>배열자료구조</a:t>
+            </a:r>
+            <a:endParaRPr lang="ko-KR" altLang="en-US" b="1" dirty="0">
+              <a:solidFill>
+                <a:srgbClr val="FF0000"/>
+              </a:solidFill>
+            </a:endParaRPr>
+          </a:p>
+        </p:txBody>
+      </p:sp>
+      <p:sp>
+        <p:nvSpPr>
+          <p:cNvPr id="43" name="직사각형 42"/>
+          <p:cNvSpPr/>
+          <p:nvPr/>
+        </p:nvSpPr>
+        <p:spPr>
+          <a:xfrm>
+            <a:off x="6588224" y="3501008"/>
+            <a:ext cx="2154757" cy="369332"/>
+          </a:xfrm>
+          <a:prstGeom prst="rect">
+            <a:avLst/>
+          </a:prstGeom>
+        </p:spPr>
+        <p:txBody>
+          <a:bodyPr wrap="none">
+            <a:spAutoFit/>
+          </a:bodyPr>
+          <a:lstStyle/>
+          <a:p>
+            <a:r>
+              <a:rPr lang="ko-KR" altLang="en-US" b="1" dirty="0" err="1" smtClean="0">
+                <a:solidFill>
+                  <a:srgbClr val="FF0000"/>
+                </a:solidFill>
+              </a:rPr>
+              <a:t>필요한것들을</a:t>
+            </a:r>
+            <a:r>
+              <a:rPr lang="en-US" altLang="ko-KR" b="1" dirty="0" smtClean="0">
+                <a:solidFill>
+                  <a:srgbClr val="FF0000"/>
+                </a:solidFill>
+              </a:rPr>
+              <a:t>static</a:t>
+            </a:r>
+            <a:endParaRPr lang="ko-KR" altLang="en-US" b="1" dirty="0">
+              <a:solidFill>
+                <a:srgbClr val="FF0000"/>
+              </a:solidFill>
+            </a:endParaRPr>
+          </a:p>
+        </p:txBody>
+      </p:sp>
+      <p:cxnSp>
+        <p:nvCxnSpPr>
+          <p:cNvPr id="42" name="직선 화살표 연결선 41"/>
+          <p:cNvCxnSpPr/>
+          <p:nvPr/>
+        </p:nvCxnSpPr>
+        <p:spPr>
+          <a:xfrm>
+            <a:off x="1403648" y="2276872"/>
+            <a:ext cx="1080120" cy="0"/>
+          </a:xfrm>
+          <a:prstGeom prst="straightConnector1">
+            <a:avLst/>
+          </a:prstGeom>
+          <a:ln w="25400">
+            <a:solidFill>
+              <a:srgbClr val="FF0000"/>
+            </a:solidFill>
+            <a:tailEnd type="arrow"/>
+          </a:ln>
+        </p:spPr>
+        <p:style>
+          <a:lnRef idx="1">
+            <a:schemeClr val="accent1"/>
+          </a:lnRef>
+          <a:fillRef idx="0">
+            <a:schemeClr val="accent1"/>
+          </a:fillRef>
+          <a:effectRef idx="0">
+            <a:schemeClr val="accent1"/>
+          </a:effectRef>
+          <a:fontRef idx="minor">
+            <a:schemeClr val="tx1"/>
+          </a:fontRef>
+        </p:style>
+      </p:cxnSp>
+    </p:spTree>
+  </p:cSld>
+  <p:clrMapOvr>
+    <a:masterClrMapping/>
+  </p:clrMapOvr>
+</p:sld>
+</file>
+
+<file path=ppt/slides/slide11.xml><?xml version="1.0" encoding="utf-8"?>
+<p:sld xmlns:a="http://schemas.openxmlformats.org/drawingml/2006/main" xmlns:r="http://schemas.openxmlformats.org/officeDocument/2006/relationships" xmlns:p="http://schemas.openxmlformats.org/presentationml/2006/main">
+  <p:cSld>
+    <p:spTree>
+      <p:nvGrpSpPr>
+        <p:cNvPr id="1" name=""/>
+        <p:cNvGrpSpPr/>
+        <p:nvPr/>
+      </p:nvGrpSpPr>
+      <p:grpSpPr>
+        <a:xfrm>
+          <a:off x="0" y="0"/>
+          <a:ext cx="0" cy="0"/>
+          <a:chOff x="0" y="0"/>
+          <a:chExt cx="0" cy="0"/>
+        </a:xfrm>
+      </p:grpSpPr>
+      <p:sp>
+        <p:nvSpPr>
+          <p:cNvPr id="5" name="TextBox 4"/>
+          <p:cNvSpPr txBox="1"/>
+          <p:nvPr/>
+        </p:nvSpPr>
+        <p:spPr>
+          <a:xfrm>
+            <a:off x="251520" y="260648"/>
+            <a:ext cx="5976664" cy="400110"/>
+          </a:xfrm>
+          <a:prstGeom prst="rect">
+            <a:avLst/>
+          </a:prstGeom>
+          <a:noFill/>
+        </p:spPr>
+        <p:txBody>
+          <a:bodyPr wrap="square" rtlCol="0">
+            <a:spAutoFit/>
+          </a:bodyPr>
+          <a:lstStyle/>
+          <a:p>
+            <a:r>
+              <a:rPr lang="ko-KR" altLang="en-US" sz="2000" b="1" dirty="0" smtClean="0"/>
+              <a:t>자료구조 </a:t>
+            </a:r>
+            <a:r>
+              <a:rPr lang="en-US" altLang="ko-KR" sz="2000" b="1" dirty="0" smtClean="0"/>
+              <a:t>1</a:t>
+            </a:r>
+            <a:r>
+              <a:rPr lang="ko-KR" altLang="en-US" sz="2000" b="1" dirty="0" smtClean="0"/>
+              <a:t>일차</a:t>
+            </a:r>
+            <a:r>
+              <a:rPr lang="en-US" altLang="ko-KR" sz="2000" b="1" dirty="0" smtClean="0"/>
+              <a:t>(</a:t>
+            </a:r>
+            <a:r>
+              <a:rPr lang="ko-KR" altLang="en-US" sz="2000" b="1" dirty="0" smtClean="0"/>
+              <a:t>프로그램의 구조</a:t>
+            </a:r>
+            <a:r>
+              <a:rPr lang="en-US" altLang="ko-KR" sz="2000" b="1" dirty="0" smtClean="0"/>
+              <a:t>)</a:t>
+            </a:r>
+            <a:endParaRPr lang="ko-KR" altLang="en-US" sz="2000" b="1" dirty="0"/>
+          </a:p>
+        </p:txBody>
+      </p:sp>
+      <p:sp>
+        <p:nvSpPr>
+          <p:cNvPr id="22" name="직사각형 21"/>
+          <p:cNvSpPr/>
+          <p:nvPr/>
+        </p:nvSpPr>
+        <p:spPr>
+          <a:xfrm>
+            <a:off x="395536" y="1412776"/>
+            <a:ext cx="2088232" cy="504056"/>
+          </a:xfrm>
+          <a:prstGeom prst="rect">
+            <a:avLst/>
+          </a:prstGeom>
+          <a:solidFill>
+            <a:schemeClr val="bg1"/>
+          </a:solidFill>
+        </p:spPr>
+        <p:style>
+          <a:lnRef idx="2">
+            <a:schemeClr val="accent1">
+              <a:shade val="50000"/>
+            </a:schemeClr>
+          </a:lnRef>
+          <a:fillRef idx="1">
+            <a:schemeClr val="accent1"/>
+          </a:fillRef>
+          <a:effectRef idx="0">
+            <a:schemeClr val="accent1"/>
+          </a:effectRef>
+          <a:fontRef idx="minor">
+            <a:schemeClr val="lt1"/>
+          </a:fontRef>
+        </p:style>
+        <p:txBody>
+          <a:bodyPr rtlCol="0" anchor="ctr"/>
+          <a:lstStyle/>
+          <a:p>
+            <a:pPr algn="ctr"/>
+            <a:r>
+              <a:rPr lang="en-US" altLang="ko-KR" b="1" dirty="0" smtClean="0">
+                <a:solidFill>
+                  <a:schemeClr val="tx1"/>
+                </a:solidFill>
+              </a:rPr>
+              <a:t>&lt;&lt;singleton&gt;&gt;</a:t>
+            </a:r>
+          </a:p>
+          <a:p>
+            <a:pPr algn="ctr"/>
+            <a:r>
+              <a:rPr lang="en-US" altLang="ko-KR" b="1" dirty="0" smtClean="0">
+                <a:solidFill>
+                  <a:schemeClr val="tx1"/>
+                </a:solidFill>
+              </a:rPr>
+              <a:t>App</a:t>
+            </a:r>
+            <a:endParaRPr lang="ko-KR" altLang="en-US" b="1" dirty="0">
+              <a:solidFill>
+                <a:schemeClr val="tx1"/>
+              </a:solidFill>
+            </a:endParaRPr>
+          </a:p>
+        </p:txBody>
+      </p:sp>
+      <p:sp>
+        <p:nvSpPr>
+          <p:cNvPr id="23" name="직사각형 22"/>
+          <p:cNvSpPr/>
+          <p:nvPr/>
+        </p:nvSpPr>
+        <p:spPr>
+          <a:xfrm>
+            <a:off x="395536" y="1916832"/>
+            <a:ext cx="2088232" cy="504056"/>
+          </a:xfrm>
+          <a:prstGeom prst="rect">
+            <a:avLst/>
+          </a:prstGeom>
+          <a:solidFill>
+            <a:schemeClr val="bg1"/>
+          </a:solidFill>
+        </p:spPr>
+        <p:style>
+          <a:lnRef idx="2">
+            <a:schemeClr val="accent1">
+              <a:shade val="50000"/>
+            </a:schemeClr>
+          </a:lnRef>
+          <a:fillRef idx="1">
+            <a:schemeClr val="accent1"/>
+          </a:fillRef>
+          <a:effectRef idx="0">
+            <a:schemeClr val="accent1"/>
+          </a:effectRef>
+          <a:fontRef idx="minor">
+            <a:schemeClr val="lt1"/>
+          </a:fontRef>
+        </p:style>
+        <p:txBody>
+          <a:bodyPr rtlCol="0" anchor="ctr"/>
+          <a:lstStyle/>
+          <a:p>
+            <a:pPr algn="ctr"/>
+            <a:endParaRPr lang="ko-KR" altLang="en-US" b="1" dirty="0">
+              <a:solidFill>
+                <a:schemeClr val="tx1"/>
+              </a:solidFill>
+            </a:endParaRPr>
+          </a:p>
+        </p:txBody>
+      </p:sp>
+      <p:sp>
+        <p:nvSpPr>
+          <p:cNvPr id="24" name="직사각형 23"/>
+          <p:cNvSpPr/>
+          <p:nvPr/>
+        </p:nvSpPr>
+        <p:spPr>
+          <a:xfrm>
+            <a:off x="395536" y="2420888"/>
+            <a:ext cx="2088232" cy="2088232"/>
+          </a:xfrm>
+          <a:prstGeom prst="rect">
+            <a:avLst/>
+          </a:prstGeom>
+          <a:solidFill>
+            <a:schemeClr val="bg1"/>
+          </a:solidFill>
+        </p:spPr>
+        <p:style>
+          <a:lnRef idx="2">
+            <a:schemeClr val="accent1">
+              <a:shade val="50000"/>
+            </a:schemeClr>
+          </a:lnRef>
+          <a:fillRef idx="1">
+            <a:schemeClr val="accent1"/>
+          </a:fillRef>
+          <a:effectRef idx="0">
+            <a:schemeClr val="accent1"/>
+          </a:effectRef>
+          <a:fontRef idx="minor">
+            <a:schemeClr val="lt1"/>
+          </a:fontRef>
+        </p:style>
+        <p:txBody>
+          <a:bodyPr rtlCol="0" anchor="ctr"/>
+          <a:lstStyle/>
+          <a:p>
+            <a:r>
+              <a:rPr lang="en-US" altLang="ko-KR" b="1" dirty="0" smtClean="0">
+                <a:solidFill>
+                  <a:schemeClr val="tx1"/>
+                </a:solidFill>
+              </a:rPr>
+              <a:t>+ Init() : void</a:t>
+            </a:r>
+          </a:p>
+          <a:p>
+            <a:r>
+              <a:rPr lang="en-US" altLang="ko-KR" b="1" dirty="0" smtClean="0">
+                <a:solidFill>
+                  <a:schemeClr val="tx1"/>
+                </a:solidFill>
+              </a:rPr>
+              <a:t>+ Run() : void</a:t>
+            </a:r>
+          </a:p>
+          <a:p>
+            <a:r>
+              <a:rPr lang="en-US" altLang="ko-KR" b="1" dirty="0" smtClean="0">
+                <a:solidFill>
+                  <a:schemeClr val="tx1"/>
+                </a:solidFill>
+              </a:rPr>
+              <a:t>+Exit() : void</a:t>
+            </a:r>
+            <a:endParaRPr lang="ko-KR" altLang="en-US" b="1" dirty="0">
+              <a:solidFill>
+                <a:schemeClr val="tx1"/>
+              </a:solidFill>
+            </a:endParaRPr>
+          </a:p>
+        </p:txBody>
+      </p:sp>
+      <p:sp>
+        <p:nvSpPr>
+          <p:cNvPr id="34" name="직사각형 33"/>
+          <p:cNvSpPr/>
+          <p:nvPr/>
+        </p:nvSpPr>
+        <p:spPr>
+          <a:xfrm>
+            <a:off x="6156176" y="1628800"/>
+            <a:ext cx="2664296" cy="504056"/>
+          </a:xfrm>
+          <a:prstGeom prst="rect">
+            <a:avLst/>
+          </a:prstGeom>
+          <a:solidFill>
+            <a:schemeClr val="bg1"/>
+          </a:solidFill>
+        </p:spPr>
+        <p:style>
+          <a:lnRef idx="2">
+            <a:schemeClr val="accent1">
+              <a:shade val="50000"/>
+            </a:schemeClr>
+          </a:lnRef>
+          <a:fillRef idx="1">
+            <a:schemeClr val="accent1"/>
+          </a:fillRef>
+          <a:effectRef idx="0">
+            <a:schemeClr val="accent1"/>
+          </a:effectRef>
+          <a:fontRef idx="minor">
+            <a:schemeClr val="lt1"/>
+          </a:fontRef>
+        </p:style>
+        <p:txBody>
+          <a:bodyPr rtlCol="0" anchor="ctr"/>
+          <a:lstStyle/>
+          <a:p>
+            <a:pPr algn="ctr"/>
+            <a:r>
+              <a:rPr lang="en-US" altLang="ko-KR" b="1" dirty="0" err="1" smtClean="0">
+                <a:solidFill>
+                  <a:schemeClr val="tx1"/>
+                </a:solidFill>
+              </a:rPr>
+              <a:t>BitGlobal</a:t>
+            </a:r>
+            <a:endParaRPr lang="ko-KR" altLang="en-US" b="1" dirty="0">
+              <a:solidFill>
+                <a:schemeClr val="tx1"/>
+              </a:solidFill>
+            </a:endParaRPr>
+          </a:p>
+        </p:txBody>
+      </p:sp>
+      <p:sp>
+        <p:nvSpPr>
+          <p:cNvPr id="35" name="직사각형 34"/>
+          <p:cNvSpPr/>
+          <p:nvPr/>
+        </p:nvSpPr>
+        <p:spPr>
+          <a:xfrm>
+            <a:off x="6156176" y="2132856"/>
+            <a:ext cx="2664296" cy="504056"/>
+          </a:xfrm>
+          <a:prstGeom prst="rect">
+            <a:avLst/>
+          </a:prstGeom>
+          <a:solidFill>
+            <a:schemeClr val="bg1"/>
+          </a:solidFill>
+        </p:spPr>
+        <p:style>
+          <a:lnRef idx="2">
+            <a:schemeClr val="accent1">
+              <a:shade val="50000"/>
+            </a:schemeClr>
+          </a:lnRef>
+          <a:fillRef idx="1">
+            <a:schemeClr val="accent1"/>
+          </a:fillRef>
+          <a:effectRef idx="0">
+            <a:schemeClr val="accent1"/>
+          </a:effectRef>
+          <a:fontRef idx="minor">
+            <a:schemeClr val="lt1"/>
+          </a:fontRef>
+        </p:style>
+        <p:txBody>
+          <a:bodyPr rtlCol="0" anchor="ctr"/>
+          <a:lstStyle/>
+          <a:p>
+            <a:pPr algn="ctr"/>
+            <a:endParaRPr lang="ko-KR" altLang="en-US" b="1" dirty="0">
+              <a:solidFill>
+                <a:schemeClr val="tx1"/>
+              </a:solidFill>
+            </a:endParaRPr>
+          </a:p>
+        </p:txBody>
+      </p:sp>
+      <p:sp>
+        <p:nvSpPr>
+          <p:cNvPr id="36" name="직사각형 35"/>
+          <p:cNvSpPr/>
+          <p:nvPr/>
+        </p:nvSpPr>
+        <p:spPr>
+          <a:xfrm>
+            <a:off x="6156176" y="2636912"/>
+            <a:ext cx="2664296" cy="1368152"/>
+          </a:xfrm>
+          <a:prstGeom prst="rect">
+            <a:avLst/>
+          </a:prstGeom>
+          <a:solidFill>
+            <a:schemeClr val="bg1"/>
+          </a:solidFill>
+        </p:spPr>
+        <p:style>
+          <a:lnRef idx="2">
+            <a:schemeClr val="accent1">
+              <a:shade val="50000"/>
+            </a:schemeClr>
+          </a:lnRef>
+          <a:fillRef idx="1">
+            <a:schemeClr val="accent1"/>
+          </a:fillRef>
+          <a:effectRef idx="0">
+            <a:schemeClr val="accent1"/>
+          </a:effectRef>
+          <a:fontRef idx="minor">
+            <a:schemeClr val="lt1"/>
+          </a:fontRef>
+        </p:style>
+        <p:txBody>
+          <a:bodyPr rtlCol="0" anchor="ctr"/>
+          <a:lstStyle/>
+          <a:p>
+            <a:r>
+              <a:rPr lang="en-US" altLang="ko-KR" b="1" dirty="0" smtClean="0">
+                <a:solidFill>
+                  <a:schemeClr val="tx1"/>
+                </a:solidFill>
+              </a:rPr>
+              <a:t>+ Logo() : void</a:t>
+            </a:r>
+          </a:p>
+          <a:p>
+            <a:r>
+              <a:rPr lang="en-US" altLang="ko-KR" b="1" dirty="0" smtClean="0">
+                <a:solidFill>
+                  <a:schemeClr val="tx1"/>
+                </a:solidFill>
+              </a:rPr>
+              <a:t>+ Ending() : void</a:t>
+            </a:r>
+            <a:endParaRPr lang="ko-KR" altLang="en-US" b="1" dirty="0">
+              <a:solidFill>
+                <a:schemeClr val="tx1"/>
+              </a:solidFill>
+            </a:endParaRPr>
+          </a:p>
+        </p:txBody>
+      </p:sp>
+      <p:sp>
+        <p:nvSpPr>
+          <p:cNvPr id="38" name="직사각형 37"/>
+          <p:cNvSpPr/>
+          <p:nvPr/>
+        </p:nvSpPr>
+        <p:spPr>
+          <a:xfrm>
+            <a:off x="899592" y="980728"/>
+            <a:ext cx="1107996" cy="369332"/>
+          </a:xfrm>
+          <a:prstGeom prst="rect">
+            <a:avLst/>
+          </a:prstGeom>
+        </p:spPr>
+        <p:txBody>
+          <a:bodyPr wrap="none">
+            <a:spAutoFit/>
+          </a:bodyPr>
+          <a:lstStyle/>
+          <a:p>
+            <a:r>
+              <a:rPr lang="ko-KR" altLang="en-US" b="1" dirty="0" smtClean="0">
+                <a:solidFill>
+                  <a:srgbClr val="FF0000"/>
+                </a:solidFill>
+              </a:rPr>
+              <a:t>실행흐름</a:t>
+            </a:r>
+            <a:endParaRPr lang="ko-KR" altLang="en-US" b="1" dirty="0">
+              <a:solidFill>
+                <a:srgbClr val="FF0000"/>
+              </a:solidFill>
+            </a:endParaRPr>
+          </a:p>
+        </p:txBody>
+      </p:sp>
+      <p:sp>
+        <p:nvSpPr>
+          <p:cNvPr id="43" name="직사각형 42"/>
+          <p:cNvSpPr/>
+          <p:nvPr/>
+        </p:nvSpPr>
+        <p:spPr>
+          <a:xfrm>
+            <a:off x="6084168" y="1196752"/>
+            <a:ext cx="2154757" cy="369332"/>
+          </a:xfrm>
+          <a:prstGeom prst="rect">
+            <a:avLst/>
+          </a:prstGeom>
+        </p:spPr>
+        <p:txBody>
+          <a:bodyPr wrap="none">
+            <a:spAutoFit/>
+          </a:bodyPr>
+          <a:lstStyle/>
+          <a:p>
+            <a:r>
+              <a:rPr lang="ko-KR" altLang="en-US" b="1" dirty="0" err="1" smtClean="0">
+                <a:solidFill>
+                  <a:srgbClr val="FF0000"/>
+                </a:solidFill>
+              </a:rPr>
+              <a:t>필요한것들을</a:t>
+            </a:r>
+            <a:r>
+              <a:rPr lang="en-US" altLang="ko-KR" b="1" dirty="0" smtClean="0">
+                <a:solidFill>
+                  <a:srgbClr val="FF0000"/>
+                </a:solidFill>
+              </a:rPr>
+              <a:t>static</a:t>
+            </a:r>
+            <a:endParaRPr lang="ko-KR" altLang="en-US" b="1" dirty="0">
+              <a:solidFill>
+                <a:srgbClr val="FF0000"/>
+              </a:solidFill>
+            </a:endParaRPr>
+          </a:p>
+        </p:txBody>
+      </p:sp>
+      <p:sp>
+        <p:nvSpPr>
+          <p:cNvPr id="42" name="직사각형 41"/>
+          <p:cNvSpPr/>
+          <p:nvPr/>
+        </p:nvSpPr>
+        <p:spPr>
+          <a:xfrm>
+            <a:off x="2627784" y="2996952"/>
+            <a:ext cx="2592376" cy="369332"/>
+          </a:xfrm>
+          <a:prstGeom prst="rect">
+            <a:avLst/>
+          </a:prstGeom>
+        </p:spPr>
+        <p:txBody>
+          <a:bodyPr wrap="none">
+            <a:spAutoFit/>
+          </a:bodyPr>
+          <a:lstStyle/>
+          <a:p>
+            <a:r>
+              <a:rPr lang="ko-KR" altLang="en-US" b="1" dirty="0" smtClean="0">
+                <a:solidFill>
+                  <a:srgbClr val="FF0000"/>
+                </a:solidFill>
+              </a:rPr>
+              <a:t> 최초 </a:t>
+            </a:r>
+            <a:r>
+              <a:rPr lang="ko-KR" altLang="en-US" b="1" dirty="0" err="1" smtClean="0">
+                <a:solidFill>
+                  <a:srgbClr val="FF0000"/>
+                </a:solidFill>
+              </a:rPr>
+              <a:t>단한번</a:t>
+            </a:r>
+            <a:r>
+              <a:rPr lang="en-US" altLang="ko-KR" b="1" dirty="0" smtClean="0">
+                <a:solidFill>
+                  <a:srgbClr val="FF0000"/>
+                </a:solidFill>
+              </a:rPr>
+              <a:t>(</a:t>
+            </a:r>
+            <a:r>
+              <a:rPr lang="ko-KR" altLang="en-US" b="1" dirty="0" smtClean="0">
+                <a:solidFill>
+                  <a:srgbClr val="FF0000"/>
+                </a:solidFill>
+              </a:rPr>
+              <a:t>로고출력</a:t>
+            </a:r>
+            <a:r>
+              <a:rPr lang="en-US" altLang="ko-KR" b="1" dirty="0" smtClean="0">
+                <a:solidFill>
+                  <a:srgbClr val="FF0000"/>
+                </a:solidFill>
+              </a:rPr>
+              <a:t>)</a:t>
+            </a:r>
+            <a:endParaRPr lang="ko-KR" altLang="en-US" b="1" dirty="0">
+              <a:solidFill>
+                <a:srgbClr val="FF0000"/>
+              </a:solidFill>
+            </a:endParaRPr>
+          </a:p>
+        </p:txBody>
+      </p:sp>
+      <p:sp>
+        <p:nvSpPr>
+          <p:cNvPr id="44" name="직사각형 43"/>
+          <p:cNvSpPr/>
+          <p:nvPr/>
+        </p:nvSpPr>
+        <p:spPr>
+          <a:xfrm>
+            <a:off x="2699792" y="3717032"/>
+            <a:ext cx="3121367" cy="369332"/>
+          </a:xfrm>
+          <a:prstGeom prst="rect">
+            <a:avLst/>
+          </a:prstGeom>
+        </p:spPr>
+        <p:txBody>
+          <a:bodyPr wrap="none">
+            <a:spAutoFit/>
+          </a:bodyPr>
+          <a:lstStyle/>
+          <a:p>
+            <a:r>
+              <a:rPr lang="ko-KR" altLang="en-US" b="1" dirty="0" err="1" smtClean="0">
+                <a:solidFill>
+                  <a:srgbClr val="FF0000"/>
+                </a:solidFill>
+              </a:rPr>
+              <a:t>종료시단한번</a:t>
+            </a:r>
+            <a:r>
+              <a:rPr lang="en-US" altLang="ko-KR" b="1" dirty="0" smtClean="0">
+                <a:solidFill>
+                  <a:srgbClr val="FF0000"/>
+                </a:solidFill>
+              </a:rPr>
+              <a:t>(</a:t>
+            </a:r>
+            <a:r>
+              <a:rPr lang="ko-KR" altLang="en-US" b="1" dirty="0" err="1" smtClean="0">
+                <a:solidFill>
+                  <a:srgbClr val="FF0000"/>
+                </a:solidFill>
+              </a:rPr>
+              <a:t>엔딩문구출력</a:t>
+            </a:r>
+            <a:r>
+              <a:rPr lang="en-US" altLang="ko-KR" b="1" dirty="0" smtClean="0">
+                <a:solidFill>
+                  <a:srgbClr val="FF0000"/>
+                </a:solidFill>
+              </a:rPr>
+              <a:t>)</a:t>
+            </a:r>
+            <a:endParaRPr lang="ko-KR" altLang="en-US" b="1" dirty="0">
+              <a:solidFill>
+                <a:srgbClr val="FF0000"/>
+              </a:solidFill>
+            </a:endParaRPr>
+          </a:p>
+        </p:txBody>
+      </p:sp>
+      <p:sp>
+        <p:nvSpPr>
+          <p:cNvPr id="45" name="직사각형 44"/>
+          <p:cNvSpPr/>
+          <p:nvPr/>
+        </p:nvSpPr>
+        <p:spPr>
+          <a:xfrm>
+            <a:off x="2699792" y="3356992"/>
+            <a:ext cx="1414170" cy="369332"/>
+          </a:xfrm>
+          <a:prstGeom prst="rect">
+            <a:avLst/>
+          </a:prstGeom>
+        </p:spPr>
+        <p:txBody>
+          <a:bodyPr wrap="none">
+            <a:spAutoFit/>
+          </a:bodyPr>
+          <a:lstStyle/>
+          <a:p>
+            <a:r>
+              <a:rPr lang="ko-KR" altLang="en-US" b="1" dirty="0" err="1" smtClean="0">
+                <a:solidFill>
+                  <a:srgbClr val="FF0000"/>
+                </a:solidFill>
+              </a:rPr>
+              <a:t>반복적흐름</a:t>
+            </a:r>
+            <a:r>
+              <a:rPr lang="en-US" altLang="ko-KR" b="1" dirty="0" smtClean="0">
+                <a:solidFill>
+                  <a:srgbClr val="FF0000"/>
+                </a:solidFill>
+              </a:rPr>
+              <a:t>!</a:t>
+            </a:r>
+            <a:endParaRPr lang="ko-KR" altLang="en-US" b="1" dirty="0">
+              <a:solidFill>
+                <a:srgbClr val="FF0000"/>
+              </a:solidFill>
+            </a:endParaRPr>
+          </a:p>
+        </p:txBody>
+      </p:sp>
+      <p:cxnSp>
+        <p:nvCxnSpPr>
+          <p:cNvPr id="46" name="직선 화살표 연결선 45"/>
+          <p:cNvCxnSpPr/>
+          <p:nvPr/>
+        </p:nvCxnSpPr>
+        <p:spPr>
+          <a:xfrm>
+            <a:off x="1979712" y="3212976"/>
+            <a:ext cx="4248472" cy="0"/>
+          </a:xfrm>
+          <a:prstGeom prst="straightConnector1">
+            <a:avLst/>
+          </a:prstGeom>
+          <a:ln w="25400">
+            <a:solidFill>
+              <a:srgbClr val="FF0000"/>
+            </a:solidFill>
+            <a:tailEnd type="arrow"/>
+          </a:ln>
+        </p:spPr>
+        <p:style>
+          <a:lnRef idx="1">
+            <a:schemeClr val="accent1"/>
+          </a:lnRef>
+          <a:fillRef idx="0">
+            <a:schemeClr val="accent1"/>
+          </a:fillRef>
+          <a:effectRef idx="0">
+            <a:schemeClr val="accent1"/>
+          </a:effectRef>
+          <a:fontRef idx="minor">
+            <a:schemeClr val="tx1"/>
+          </a:fontRef>
+        </p:style>
+      </p:cxnSp>
+      <p:cxnSp>
+        <p:nvCxnSpPr>
+          <p:cNvPr id="48" name="직선 화살표 연결선 47"/>
+          <p:cNvCxnSpPr/>
+          <p:nvPr/>
+        </p:nvCxnSpPr>
+        <p:spPr>
+          <a:xfrm flipV="1">
+            <a:off x="1979712" y="3573016"/>
+            <a:ext cx="4248472" cy="144016"/>
+          </a:xfrm>
+          <a:prstGeom prst="straightConnector1">
+            <a:avLst/>
+          </a:prstGeom>
+          <a:ln w="25400">
+            <a:solidFill>
+              <a:srgbClr val="FF0000"/>
+            </a:solidFill>
+            <a:tailEnd type="arrow"/>
+          </a:ln>
+        </p:spPr>
+        <p:style>
+          <a:lnRef idx="1">
+            <a:schemeClr val="accent1"/>
+          </a:lnRef>
+          <a:fillRef idx="0">
+            <a:schemeClr val="accent1"/>
+          </a:fillRef>
+          <a:effectRef idx="0">
+            <a:schemeClr val="accent1"/>
+          </a:effectRef>
+          <a:fontRef idx="minor">
+            <a:schemeClr val="tx1"/>
+          </a:fontRef>
+        </p:style>
+      </p:cxnSp>
+    </p:spTree>
+  </p:cSld>
+  <p:clrMapOvr>
+    <a:masterClrMapping/>
+  </p:clrMapOvr>
+</p:sld>
+</file>
+
 <file path=ppt/slides/slide2.xml><?xml version="1.0" encoding="utf-8"?>
 <p:sld xmlns:a="http://schemas.openxmlformats.org/drawingml/2006/main" xmlns:r="http://schemas.openxmlformats.org/officeDocument/2006/relationships" xmlns:p="http://schemas.openxmlformats.org/presentationml/2006/main">
   <p:cSld>
@@ -8483,6 +10495,4993 @@
           </a:fontRef>
         </p:style>
       </p:cxnSp>
+    </p:spTree>
+  </p:cSld>
+  <p:clrMapOvr>
+    <a:masterClrMapping/>
+  </p:clrMapOvr>
+</p:sld>
+</file>
+
+<file path=ppt/slides/slide7.xml><?xml version="1.0" encoding="utf-8"?>
+<p:sld xmlns:a="http://schemas.openxmlformats.org/drawingml/2006/main" xmlns:r="http://schemas.openxmlformats.org/officeDocument/2006/relationships" xmlns:p="http://schemas.openxmlformats.org/presentationml/2006/main">
+  <p:cSld>
+    <p:spTree>
+      <p:nvGrpSpPr>
+        <p:cNvPr id="1" name=""/>
+        <p:cNvGrpSpPr/>
+        <p:nvPr/>
+      </p:nvGrpSpPr>
+      <p:grpSpPr>
+        <a:xfrm>
+          <a:off x="0" y="0"/>
+          <a:ext cx="0" cy="0"/>
+          <a:chOff x="0" y="0"/>
+          <a:chExt cx="0" cy="0"/>
+        </a:xfrm>
+      </p:grpSpPr>
+      <p:sp>
+        <p:nvSpPr>
+          <p:cNvPr id="5" name="TextBox 4"/>
+          <p:cNvSpPr txBox="1"/>
+          <p:nvPr/>
+        </p:nvSpPr>
+        <p:spPr>
+          <a:xfrm>
+            <a:off x="251520" y="260648"/>
+            <a:ext cx="5976664" cy="400110"/>
+          </a:xfrm>
+          <a:prstGeom prst="rect">
+            <a:avLst/>
+          </a:prstGeom>
+          <a:noFill/>
+        </p:spPr>
+        <p:txBody>
+          <a:bodyPr wrap="square" rtlCol="0">
+            <a:spAutoFit/>
+          </a:bodyPr>
+          <a:lstStyle/>
+          <a:p>
+            <a:r>
+              <a:rPr lang="ko-KR" altLang="en-US" sz="2000" b="1" dirty="0" smtClean="0"/>
+              <a:t>자료구조 </a:t>
+            </a:r>
+            <a:r>
+              <a:rPr lang="en-US" altLang="ko-KR" sz="2000" b="1" dirty="0" smtClean="0"/>
+              <a:t>1</a:t>
+            </a:r>
+            <a:r>
+              <a:rPr lang="ko-KR" altLang="en-US" sz="2000" b="1" dirty="0" smtClean="0"/>
+              <a:t>일차</a:t>
+            </a:r>
+            <a:r>
+              <a:rPr lang="en-US" altLang="ko-KR" sz="2000" b="1" dirty="0" smtClean="0"/>
+              <a:t>(</a:t>
+            </a:r>
+            <a:r>
+              <a:rPr lang="ko-KR" altLang="en-US" sz="2000" b="1" dirty="0" smtClean="0"/>
+              <a:t>배열</a:t>
+            </a:r>
+            <a:r>
+              <a:rPr lang="en-US" altLang="ko-KR" sz="2000" b="1" dirty="0" smtClean="0"/>
+              <a:t>, </a:t>
+            </a:r>
+            <a:r>
+              <a:rPr lang="ko-KR" altLang="en-US" sz="2000" b="1" dirty="0" smtClean="0"/>
+              <a:t>프로그램의 구조</a:t>
+            </a:r>
+            <a:r>
+              <a:rPr lang="en-US" altLang="ko-KR" sz="2000" b="1" dirty="0" smtClean="0"/>
+              <a:t>)</a:t>
+            </a:r>
+            <a:endParaRPr lang="ko-KR" altLang="en-US" sz="2000" b="1" dirty="0"/>
+          </a:p>
+        </p:txBody>
+      </p:sp>
+      <p:sp>
+        <p:nvSpPr>
+          <p:cNvPr id="6" name="직사각형 5"/>
+          <p:cNvSpPr/>
+          <p:nvPr/>
+        </p:nvSpPr>
+        <p:spPr>
+          <a:xfrm>
+            <a:off x="251520" y="836712"/>
+            <a:ext cx="3093989" cy="400110"/>
+          </a:xfrm>
+          <a:prstGeom prst="rect">
+            <a:avLst/>
+          </a:prstGeom>
+        </p:spPr>
+        <p:txBody>
+          <a:bodyPr wrap="none">
+            <a:spAutoFit/>
+          </a:bodyPr>
+          <a:lstStyle/>
+          <a:p>
+            <a:r>
+              <a:rPr lang="en-US" altLang="ko-KR" sz="2000" b="1" dirty="0" smtClean="0"/>
+              <a:t>3</a:t>
+            </a:r>
+            <a:r>
+              <a:rPr lang="ko-KR" altLang="en-US" sz="2000" b="1" dirty="0" smtClean="0"/>
+              <a:t>단계 </a:t>
+            </a:r>
+            <a:r>
+              <a:rPr lang="en-US" altLang="ko-KR" sz="2000" b="1" dirty="0" smtClean="0"/>
+              <a:t>: Insert(</a:t>
+            </a:r>
+            <a:r>
+              <a:rPr lang="ko-KR" altLang="en-US" sz="2000" b="1" dirty="0" smtClean="0"/>
+              <a:t>저장 기능</a:t>
+            </a:r>
+            <a:r>
+              <a:rPr lang="en-US" altLang="ko-KR" sz="2000" b="1" dirty="0" smtClean="0"/>
+              <a:t>)</a:t>
+            </a:r>
+            <a:endParaRPr lang="ko-KR" altLang="en-US" sz="2000" b="1" dirty="0"/>
+          </a:p>
+        </p:txBody>
+      </p:sp>
+      <p:sp>
+        <p:nvSpPr>
+          <p:cNvPr id="4" name="직사각형 3"/>
+          <p:cNvSpPr/>
+          <p:nvPr/>
+        </p:nvSpPr>
+        <p:spPr>
+          <a:xfrm>
+            <a:off x="2987824" y="3429000"/>
+            <a:ext cx="864096" cy="432048"/>
+          </a:xfrm>
+          <a:prstGeom prst="rect">
+            <a:avLst/>
+          </a:prstGeom>
+          <a:solidFill>
+            <a:schemeClr val="bg1"/>
+          </a:solidFill>
+        </p:spPr>
+        <p:style>
+          <a:lnRef idx="2">
+            <a:schemeClr val="accent1">
+              <a:shade val="50000"/>
+            </a:schemeClr>
+          </a:lnRef>
+          <a:fillRef idx="1">
+            <a:schemeClr val="accent1"/>
+          </a:fillRef>
+          <a:effectRef idx="0">
+            <a:schemeClr val="accent1"/>
+          </a:effectRef>
+          <a:fontRef idx="minor">
+            <a:schemeClr val="lt1"/>
+          </a:fontRef>
+        </p:style>
+        <p:txBody>
+          <a:bodyPr rtlCol="0" anchor="ctr"/>
+          <a:lstStyle/>
+          <a:p>
+            <a:pPr algn="ctr"/>
+            <a:r>
+              <a:rPr lang="en-US" altLang="ko-KR" dirty="0" smtClean="0">
+                <a:solidFill>
+                  <a:schemeClr val="tx1"/>
+                </a:solidFill>
+              </a:rPr>
+              <a:t>0</a:t>
+            </a:r>
+            <a:endParaRPr lang="ko-KR" altLang="en-US" dirty="0">
+              <a:solidFill>
+                <a:schemeClr val="tx1"/>
+              </a:solidFill>
+            </a:endParaRPr>
+          </a:p>
+        </p:txBody>
+      </p:sp>
+      <p:sp>
+        <p:nvSpPr>
+          <p:cNvPr id="7" name="직사각형 6"/>
+          <p:cNvSpPr/>
+          <p:nvPr/>
+        </p:nvSpPr>
+        <p:spPr>
+          <a:xfrm>
+            <a:off x="3851920" y="3429000"/>
+            <a:ext cx="1080120" cy="432048"/>
+          </a:xfrm>
+          <a:prstGeom prst="rect">
+            <a:avLst/>
+          </a:prstGeom>
+          <a:solidFill>
+            <a:schemeClr val="bg1"/>
+          </a:solidFill>
+        </p:spPr>
+        <p:style>
+          <a:lnRef idx="2">
+            <a:schemeClr val="accent1">
+              <a:shade val="50000"/>
+            </a:schemeClr>
+          </a:lnRef>
+          <a:fillRef idx="1">
+            <a:schemeClr val="accent1"/>
+          </a:fillRef>
+          <a:effectRef idx="0">
+            <a:schemeClr val="accent1"/>
+          </a:effectRef>
+          <a:fontRef idx="minor">
+            <a:schemeClr val="lt1"/>
+          </a:fontRef>
+        </p:style>
+        <p:txBody>
+          <a:bodyPr rtlCol="0" anchor="ctr"/>
+          <a:lstStyle/>
+          <a:p>
+            <a:pPr algn="ctr"/>
+            <a:endParaRPr lang="ko-KR" altLang="en-US"/>
+          </a:p>
+        </p:txBody>
+      </p:sp>
+      <p:sp>
+        <p:nvSpPr>
+          <p:cNvPr id="8" name="직사각형 7"/>
+          <p:cNvSpPr/>
+          <p:nvPr/>
+        </p:nvSpPr>
+        <p:spPr>
+          <a:xfrm>
+            <a:off x="2987824" y="2996952"/>
+            <a:ext cx="864096" cy="432048"/>
+          </a:xfrm>
+          <a:prstGeom prst="rect">
+            <a:avLst/>
+          </a:prstGeom>
+          <a:solidFill>
+            <a:schemeClr val="bg1"/>
+          </a:solidFill>
+        </p:spPr>
+        <p:style>
+          <a:lnRef idx="2">
+            <a:schemeClr val="accent1">
+              <a:shade val="50000"/>
+            </a:schemeClr>
+          </a:lnRef>
+          <a:fillRef idx="1">
+            <a:schemeClr val="accent1"/>
+          </a:fillRef>
+          <a:effectRef idx="0">
+            <a:schemeClr val="accent1"/>
+          </a:effectRef>
+          <a:fontRef idx="minor">
+            <a:schemeClr val="lt1"/>
+          </a:fontRef>
+        </p:style>
+        <p:txBody>
+          <a:bodyPr rtlCol="0" anchor="ctr"/>
+          <a:lstStyle/>
+          <a:p>
+            <a:pPr algn="ctr"/>
+            <a:r>
+              <a:rPr lang="en-US" altLang="ko-KR" dirty="0" smtClean="0">
+                <a:solidFill>
+                  <a:schemeClr val="tx1"/>
+                </a:solidFill>
+              </a:rPr>
+              <a:t>1</a:t>
+            </a:r>
+            <a:endParaRPr lang="ko-KR" altLang="en-US" dirty="0">
+              <a:solidFill>
+                <a:schemeClr val="tx1"/>
+              </a:solidFill>
+            </a:endParaRPr>
+          </a:p>
+        </p:txBody>
+      </p:sp>
+      <p:sp>
+        <p:nvSpPr>
+          <p:cNvPr id="9" name="직사각형 8"/>
+          <p:cNvSpPr/>
+          <p:nvPr/>
+        </p:nvSpPr>
+        <p:spPr>
+          <a:xfrm>
+            <a:off x="3851920" y="2996952"/>
+            <a:ext cx="1080120" cy="432048"/>
+          </a:xfrm>
+          <a:prstGeom prst="rect">
+            <a:avLst/>
+          </a:prstGeom>
+          <a:solidFill>
+            <a:schemeClr val="bg1"/>
+          </a:solidFill>
+        </p:spPr>
+        <p:style>
+          <a:lnRef idx="2">
+            <a:schemeClr val="accent1">
+              <a:shade val="50000"/>
+            </a:schemeClr>
+          </a:lnRef>
+          <a:fillRef idx="1">
+            <a:schemeClr val="accent1"/>
+          </a:fillRef>
+          <a:effectRef idx="0">
+            <a:schemeClr val="accent1"/>
+          </a:effectRef>
+          <a:fontRef idx="minor">
+            <a:schemeClr val="lt1"/>
+          </a:fontRef>
+        </p:style>
+        <p:txBody>
+          <a:bodyPr rtlCol="0" anchor="ctr"/>
+          <a:lstStyle/>
+          <a:p>
+            <a:pPr algn="ctr"/>
+            <a:endParaRPr lang="ko-KR" altLang="en-US"/>
+          </a:p>
+        </p:txBody>
+      </p:sp>
+      <p:sp>
+        <p:nvSpPr>
+          <p:cNvPr id="10" name="직사각형 9"/>
+          <p:cNvSpPr/>
+          <p:nvPr/>
+        </p:nvSpPr>
+        <p:spPr>
+          <a:xfrm>
+            <a:off x="2987824" y="2564904"/>
+            <a:ext cx="864096" cy="432048"/>
+          </a:xfrm>
+          <a:prstGeom prst="rect">
+            <a:avLst/>
+          </a:prstGeom>
+          <a:solidFill>
+            <a:schemeClr val="bg1"/>
+          </a:solidFill>
+        </p:spPr>
+        <p:style>
+          <a:lnRef idx="2">
+            <a:schemeClr val="accent1">
+              <a:shade val="50000"/>
+            </a:schemeClr>
+          </a:lnRef>
+          <a:fillRef idx="1">
+            <a:schemeClr val="accent1"/>
+          </a:fillRef>
+          <a:effectRef idx="0">
+            <a:schemeClr val="accent1"/>
+          </a:effectRef>
+          <a:fontRef idx="minor">
+            <a:schemeClr val="lt1"/>
+          </a:fontRef>
+        </p:style>
+        <p:txBody>
+          <a:bodyPr rtlCol="0" anchor="ctr"/>
+          <a:lstStyle/>
+          <a:p>
+            <a:pPr algn="ctr"/>
+            <a:r>
+              <a:rPr lang="en-US" altLang="ko-KR" dirty="0">
+                <a:solidFill>
+                  <a:schemeClr val="tx1"/>
+                </a:solidFill>
+              </a:rPr>
+              <a:t>2</a:t>
+            </a:r>
+            <a:endParaRPr lang="ko-KR" altLang="en-US" dirty="0">
+              <a:solidFill>
+                <a:schemeClr val="tx1"/>
+              </a:solidFill>
+            </a:endParaRPr>
+          </a:p>
+        </p:txBody>
+      </p:sp>
+      <p:sp>
+        <p:nvSpPr>
+          <p:cNvPr id="11" name="직사각형 10"/>
+          <p:cNvSpPr/>
+          <p:nvPr/>
+        </p:nvSpPr>
+        <p:spPr>
+          <a:xfrm>
+            <a:off x="3851920" y="2564904"/>
+            <a:ext cx="1080120" cy="432048"/>
+          </a:xfrm>
+          <a:prstGeom prst="rect">
+            <a:avLst/>
+          </a:prstGeom>
+          <a:solidFill>
+            <a:schemeClr val="bg1"/>
+          </a:solidFill>
+        </p:spPr>
+        <p:style>
+          <a:lnRef idx="2">
+            <a:schemeClr val="accent1">
+              <a:shade val="50000"/>
+            </a:schemeClr>
+          </a:lnRef>
+          <a:fillRef idx="1">
+            <a:schemeClr val="accent1"/>
+          </a:fillRef>
+          <a:effectRef idx="0">
+            <a:schemeClr val="accent1"/>
+          </a:effectRef>
+          <a:fontRef idx="minor">
+            <a:schemeClr val="lt1"/>
+          </a:fontRef>
+        </p:style>
+        <p:txBody>
+          <a:bodyPr rtlCol="0" anchor="ctr"/>
+          <a:lstStyle/>
+          <a:p>
+            <a:pPr algn="ctr"/>
+            <a:endParaRPr lang="ko-KR" altLang="en-US"/>
+          </a:p>
+        </p:txBody>
+      </p:sp>
+      <p:sp>
+        <p:nvSpPr>
+          <p:cNvPr id="12" name="직사각형 11"/>
+          <p:cNvSpPr/>
+          <p:nvPr/>
+        </p:nvSpPr>
+        <p:spPr>
+          <a:xfrm>
+            <a:off x="2987824" y="2132856"/>
+            <a:ext cx="864096" cy="432048"/>
+          </a:xfrm>
+          <a:prstGeom prst="rect">
+            <a:avLst/>
+          </a:prstGeom>
+          <a:solidFill>
+            <a:schemeClr val="bg1"/>
+          </a:solidFill>
+        </p:spPr>
+        <p:style>
+          <a:lnRef idx="2">
+            <a:schemeClr val="accent1">
+              <a:shade val="50000"/>
+            </a:schemeClr>
+          </a:lnRef>
+          <a:fillRef idx="1">
+            <a:schemeClr val="accent1"/>
+          </a:fillRef>
+          <a:effectRef idx="0">
+            <a:schemeClr val="accent1"/>
+          </a:effectRef>
+          <a:fontRef idx="minor">
+            <a:schemeClr val="lt1"/>
+          </a:fontRef>
+        </p:style>
+        <p:txBody>
+          <a:bodyPr rtlCol="0" anchor="ctr"/>
+          <a:lstStyle/>
+          <a:p>
+            <a:pPr algn="ctr"/>
+            <a:r>
+              <a:rPr lang="en-US" altLang="ko-KR" dirty="0" smtClean="0">
+                <a:solidFill>
+                  <a:schemeClr val="tx1"/>
+                </a:solidFill>
+              </a:rPr>
+              <a:t>3</a:t>
+            </a:r>
+            <a:endParaRPr lang="ko-KR" altLang="en-US" dirty="0">
+              <a:solidFill>
+                <a:schemeClr val="tx1"/>
+              </a:solidFill>
+            </a:endParaRPr>
+          </a:p>
+        </p:txBody>
+      </p:sp>
+      <p:sp>
+        <p:nvSpPr>
+          <p:cNvPr id="13" name="직사각형 12"/>
+          <p:cNvSpPr/>
+          <p:nvPr/>
+        </p:nvSpPr>
+        <p:spPr>
+          <a:xfrm>
+            <a:off x="3851920" y="2132856"/>
+            <a:ext cx="1080120" cy="432048"/>
+          </a:xfrm>
+          <a:prstGeom prst="rect">
+            <a:avLst/>
+          </a:prstGeom>
+          <a:solidFill>
+            <a:schemeClr val="bg1"/>
+          </a:solidFill>
+        </p:spPr>
+        <p:style>
+          <a:lnRef idx="2">
+            <a:schemeClr val="accent1">
+              <a:shade val="50000"/>
+            </a:schemeClr>
+          </a:lnRef>
+          <a:fillRef idx="1">
+            <a:schemeClr val="accent1"/>
+          </a:fillRef>
+          <a:effectRef idx="0">
+            <a:schemeClr val="accent1"/>
+          </a:effectRef>
+          <a:fontRef idx="minor">
+            <a:schemeClr val="lt1"/>
+          </a:fontRef>
+        </p:style>
+        <p:txBody>
+          <a:bodyPr rtlCol="0" anchor="ctr"/>
+          <a:lstStyle/>
+          <a:p>
+            <a:pPr algn="ctr"/>
+            <a:endParaRPr lang="ko-KR" altLang="en-US"/>
+          </a:p>
+        </p:txBody>
+      </p:sp>
+      <p:sp>
+        <p:nvSpPr>
+          <p:cNvPr id="22" name="직사각형 21"/>
+          <p:cNvSpPr/>
+          <p:nvPr/>
+        </p:nvSpPr>
+        <p:spPr>
+          <a:xfrm>
+            <a:off x="5724128" y="1124744"/>
+            <a:ext cx="3240360" cy="432048"/>
+          </a:xfrm>
+          <a:prstGeom prst="rect">
+            <a:avLst/>
+          </a:prstGeom>
+          <a:solidFill>
+            <a:schemeClr val="bg1"/>
+          </a:solidFill>
+        </p:spPr>
+        <p:style>
+          <a:lnRef idx="2">
+            <a:schemeClr val="accent1">
+              <a:shade val="50000"/>
+            </a:schemeClr>
+          </a:lnRef>
+          <a:fillRef idx="1">
+            <a:schemeClr val="accent1"/>
+          </a:fillRef>
+          <a:effectRef idx="0">
+            <a:schemeClr val="accent1"/>
+          </a:effectRef>
+          <a:fontRef idx="minor">
+            <a:schemeClr val="lt1"/>
+          </a:fontRef>
+        </p:style>
+        <p:txBody>
+          <a:bodyPr rtlCol="0" anchor="ctr"/>
+          <a:lstStyle/>
+          <a:p>
+            <a:pPr algn="ctr"/>
+            <a:r>
+              <a:rPr lang="en-US" altLang="ko-KR" dirty="0" err="1" smtClean="0">
+                <a:solidFill>
+                  <a:schemeClr val="tx1"/>
+                </a:solidFill>
+              </a:rPr>
+              <a:t>BitArray</a:t>
+            </a:r>
+            <a:endParaRPr lang="ko-KR" altLang="en-US" dirty="0">
+              <a:solidFill>
+                <a:schemeClr val="tx1"/>
+              </a:solidFill>
+            </a:endParaRPr>
+          </a:p>
+        </p:txBody>
+      </p:sp>
+      <p:sp>
+        <p:nvSpPr>
+          <p:cNvPr id="23" name="직사각형 22"/>
+          <p:cNvSpPr/>
+          <p:nvPr/>
+        </p:nvSpPr>
+        <p:spPr>
+          <a:xfrm>
+            <a:off x="5724128" y="1556792"/>
+            <a:ext cx="3240360" cy="1080120"/>
+          </a:xfrm>
+          <a:prstGeom prst="rect">
+            <a:avLst/>
+          </a:prstGeom>
+          <a:solidFill>
+            <a:schemeClr val="bg1"/>
+          </a:solidFill>
+        </p:spPr>
+        <p:style>
+          <a:lnRef idx="2">
+            <a:schemeClr val="accent1">
+              <a:shade val="50000"/>
+            </a:schemeClr>
+          </a:lnRef>
+          <a:fillRef idx="1">
+            <a:schemeClr val="accent1"/>
+          </a:fillRef>
+          <a:effectRef idx="0">
+            <a:schemeClr val="accent1"/>
+          </a:effectRef>
+          <a:fontRef idx="minor">
+            <a:schemeClr val="lt1"/>
+          </a:fontRef>
+        </p:style>
+        <p:txBody>
+          <a:bodyPr rtlCol="0" anchor="ctr"/>
+          <a:lstStyle/>
+          <a:p>
+            <a:r>
+              <a:rPr lang="en-US" altLang="ko-KR" dirty="0" smtClean="0">
+                <a:solidFill>
+                  <a:schemeClr val="tx1"/>
+                </a:solidFill>
+              </a:rPr>
+              <a:t>- base : </a:t>
+            </a:r>
+            <a:r>
+              <a:rPr lang="en-US" altLang="ko-KR" b="1" dirty="0" smtClean="0">
+                <a:solidFill>
+                  <a:srgbClr val="FF0000"/>
+                </a:solidFill>
+              </a:rPr>
+              <a:t>Object</a:t>
+            </a:r>
+            <a:r>
+              <a:rPr lang="en-US" altLang="ko-KR" dirty="0" smtClean="0">
+                <a:solidFill>
+                  <a:schemeClr val="tx1"/>
+                </a:solidFill>
+              </a:rPr>
+              <a:t>[]</a:t>
+            </a:r>
+          </a:p>
+          <a:p>
+            <a:r>
+              <a:rPr lang="en-US" altLang="ko-KR" dirty="0" smtClean="0">
+                <a:solidFill>
+                  <a:schemeClr val="tx1"/>
+                </a:solidFill>
+              </a:rPr>
+              <a:t>- max : </a:t>
+            </a:r>
+            <a:r>
+              <a:rPr lang="en-US" altLang="ko-KR" dirty="0" err="1" smtClean="0">
+                <a:solidFill>
+                  <a:schemeClr val="tx1"/>
+                </a:solidFill>
+              </a:rPr>
+              <a:t>int</a:t>
+            </a:r>
+            <a:endParaRPr lang="en-US" altLang="ko-KR" dirty="0" smtClean="0">
+              <a:solidFill>
+                <a:schemeClr val="tx1"/>
+              </a:solidFill>
+            </a:endParaRPr>
+          </a:p>
+          <a:p>
+            <a:r>
+              <a:rPr lang="en-US" altLang="ko-KR" dirty="0" smtClean="0">
+                <a:solidFill>
+                  <a:schemeClr val="tx1"/>
+                </a:solidFill>
+              </a:rPr>
+              <a:t>- size : </a:t>
+            </a:r>
+            <a:r>
+              <a:rPr lang="en-US" altLang="ko-KR" dirty="0" err="1" smtClean="0">
+                <a:solidFill>
+                  <a:schemeClr val="tx1"/>
+                </a:solidFill>
+              </a:rPr>
+              <a:t>int</a:t>
+            </a:r>
+            <a:endParaRPr lang="ko-KR" altLang="en-US" dirty="0">
+              <a:solidFill>
+                <a:schemeClr val="tx1"/>
+              </a:solidFill>
+            </a:endParaRPr>
+          </a:p>
+        </p:txBody>
+      </p:sp>
+      <p:sp>
+        <p:nvSpPr>
+          <p:cNvPr id="24" name="직사각형 23"/>
+          <p:cNvSpPr/>
+          <p:nvPr/>
+        </p:nvSpPr>
+        <p:spPr>
+          <a:xfrm>
+            <a:off x="5724128" y="620688"/>
+            <a:ext cx="2956259" cy="369332"/>
+          </a:xfrm>
+          <a:prstGeom prst="rect">
+            <a:avLst/>
+          </a:prstGeom>
+        </p:spPr>
+        <p:txBody>
+          <a:bodyPr wrap="none">
+            <a:spAutoFit/>
+          </a:bodyPr>
+          <a:lstStyle/>
+          <a:p>
+            <a:r>
+              <a:rPr lang="en-US" altLang="ko-KR" b="1" dirty="0" smtClean="0"/>
+              <a:t>[</a:t>
+            </a:r>
+            <a:r>
+              <a:rPr lang="ko-KR" altLang="en-US" b="1" dirty="0" smtClean="0"/>
+              <a:t>클래스 다이어그램</a:t>
+            </a:r>
+            <a:r>
+              <a:rPr lang="en-US" altLang="ko-KR" b="1" dirty="0" smtClean="0"/>
+              <a:t>(UML)]</a:t>
+            </a:r>
+            <a:endParaRPr lang="ko-KR" altLang="en-US" b="1" dirty="0"/>
+          </a:p>
+        </p:txBody>
+      </p:sp>
+      <p:sp>
+        <p:nvSpPr>
+          <p:cNvPr id="18" name="직사각형 17"/>
+          <p:cNvSpPr/>
+          <p:nvPr/>
+        </p:nvSpPr>
+        <p:spPr>
+          <a:xfrm>
+            <a:off x="2987824" y="1700808"/>
+            <a:ext cx="864096" cy="432048"/>
+          </a:xfrm>
+          <a:prstGeom prst="rect">
+            <a:avLst/>
+          </a:prstGeom>
+          <a:solidFill>
+            <a:schemeClr val="bg1"/>
+          </a:solidFill>
+        </p:spPr>
+        <p:style>
+          <a:lnRef idx="2">
+            <a:schemeClr val="accent1">
+              <a:shade val="50000"/>
+            </a:schemeClr>
+          </a:lnRef>
+          <a:fillRef idx="1">
+            <a:schemeClr val="accent1"/>
+          </a:fillRef>
+          <a:effectRef idx="0">
+            <a:schemeClr val="accent1"/>
+          </a:effectRef>
+          <a:fontRef idx="minor">
+            <a:schemeClr val="lt1"/>
+          </a:fontRef>
+        </p:style>
+        <p:txBody>
+          <a:bodyPr rtlCol="0" anchor="ctr"/>
+          <a:lstStyle/>
+          <a:p>
+            <a:pPr algn="ctr"/>
+            <a:r>
+              <a:rPr lang="en-US" altLang="ko-KR" dirty="0" smtClean="0">
+                <a:solidFill>
+                  <a:schemeClr val="tx1"/>
+                </a:solidFill>
+              </a:rPr>
+              <a:t>4</a:t>
+            </a:r>
+            <a:endParaRPr lang="ko-KR" altLang="en-US" dirty="0">
+              <a:solidFill>
+                <a:schemeClr val="tx1"/>
+              </a:solidFill>
+            </a:endParaRPr>
+          </a:p>
+        </p:txBody>
+      </p:sp>
+      <p:sp>
+        <p:nvSpPr>
+          <p:cNvPr id="19" name="직사각형 18"/>
+          <p:cNvSpPr/>
+          <p:nvPr/>
+        </p:nvSpPr>
+        <p:spPr>
+          <a:xfrm>
+            <a:off x="3851920" y="1700808"/>
+            <a:ext cx="1080120" cy="432048"/>
+          </a:xfrm>
+          <a:prstGeom prst="rect">
+            <a:avLst/>
+          </a:prstGeom>
+          <a:solidFill>
+            <a:schemeClr val="bg1"/>
+          </a:solidFill>
+        </p:spPr>
+        <p:style>
+          <a:lnRef idx="2">
+            <a:schemeClr val="accent1">
+              <a:shade val="50000"/>
+            </a:schemeClr>
+          </a:lnRef>
+          <a:fillRef idx="1">
+            <a:schemeClr val="accent1"/>
+          </a:fillRef>
+          <a:effectRef idx="0">
+            <a:schemeClr val="accent1"/>
+          </a:effectRef>
+          <a:fontRef idx="minor">
+            <a:schemeClr val="lt1"/>
+          </a:fontRef>
+        </p:style>
+        <p:txBody>
+          <a:bodyPr rtlCol="0" anchor="ctr"/>
+          <a:lstStyle/>
+          <a:p>
+            <a:pPr algn="ctr"/>
+            <a:endParaRPr lang="ko-KR" altLang="en-US"/>
+          </a:p>
+        </p:txBody>
+      </p:sp>
+      <p:sp>
+        <p:nvSpPr>
+          <p:cNvPr id="26" name="직사각형 25"/>
+          <p:cNvSpPr/>
+          <p:nvPr/>
+        </p:nvSpPr>
+        <p:spPr>
+          <a:xfrm>
+            <a:off x="611560" y="4797152"/>
+            <a:ext cx="4464496" cy="1200329"/>
+          </a:xfrm>
+          <a:prstGeom prst="rect">
+            <a:avLst/>
+          </a:prstGeom>
+          <a:ln>
+            <a:solidFill>
+              <a:schemeClr val="accent1"/>
+            </a:solidFill>
+          </a:ln>
+        </p:spPr>
+        <p:txBody>
+          <a:bodyPr wrap="square">
+            <a:spAutoFit/>
+          </a:bodyPr>
+          <a:lstStyle/>
+          <a:p>
+            <a:pPr marL="342900" indent="-342900">
+              <a:buAutoNum type="arabicPeriod"/>
+            </a:pPr>
+            <a:r>
+              <a:rPr lang="en-US" altLang="ko-KR" dirty="0" err="1" smtClean="0"/>
+              <a:t>IsOverflow</a:t>
+            </a:r>
+            <a:r>
+              <a:rPr lang="en-US" altLang="ko-KR" dirty="0" smtClean="0"/>
+              <a:t>[</a:t>
+            </a:r>
+            <a:r>
+              <a:rPr lang="ko-KR" altLang="en-US" dirty="0" smtClean="0"/>
+              <a:t>저장공간이 다 찬 상태</a:t>
+            </a:r>
+            <a:r>
+              <a:rPr lang="en-US" altLang="ko-KR" dirty="0" smtClean="0"/>
+              <a:t>]</a:t>
+            </a:r>
+          </a:p>
+          <a:p>
+            <a:pPr marL="342900" indent="-342900"/>
+            <a:r>
+              <a:rPr lang="en-US" altLang="ko-KR" dirty="0"/>
+              <a:t> </a:t>
+            </a:r>
+            <a:r>
+              <a:rPr lang="en-US" altLang="ko-KR" dirty="0" smtClean="0"/>
+              <a:t>       return;</a:t>
+            </a:r>
+          </a:p>
+          <a:p>
+            <a:pPr marL="342900" indent="-342900">
+              <a:buAutoNum type="arabicPeriod"/>
+            </a:pPr>
+            <a:r>
+              <a:rPr lang="en-US" altLang="ko-KR" dirty="0" smtClean="0"/>
+              <a:t>base[size] = </a:t>
+            </a:r>
+            <a:r>
+              <a:rPr lang="en-US" altLang="ko-KR" dirty="0" err="1" smtClean="0"/>
+              <a:t>obj</a:t>
+            </a:r>
+            <a:r>
+              <a:rPr lang="en-US" altLang="ko-KR" dirty="0" smtClean="0"/>
+              <a:t>;</a:t>
+            </a:r>
+            <a:endParaRPr lang="en-US" altLang="ko-KR" dirty="0" smtClean="0">
+              <a:solidFill>
+                <a:schemeClr val="tx1"/>
+              </a:solidFill>
+            </a:endParaRPr>
+          </a:p>
+          <a:p>
+            <a:pPr marL="342900" indent="-342900">
+              <a:buAutoNum type="arabicPeriod"/>
+            </a:pPr>
+            <a:r>
+              <a:rPr lang="en-US" altLang="ko-KR" dirty="0" smtClean="0"/>
+              <a:t>size++;</a:t>
+            </a:r>
+            <a:endParaRPr lang="ko-KR" altLang="en-US" dirty="0"/>
+          </a:p>
+        </p:txBody>
+      </p:sp>
+      <p:sp>
+        <p:nvSpPr>
+          <p:cNvPr id="27" name="직사각형 26"/>
+          <p:cNvSpPr/>
+          <p:nvPr/>
+        </p:nvSpPr>
+        <p:spPr>
+          <a:xfrm>
+            <a:off x="251520" y="3140968"/>
+            <a:ext cx="864096" cy="432048"/>
+          </a:xfrm>
+          <a:prstGeom prst="rect">
+            <a:avLst/>
+          </a:prstGeom>
+          <a:solidFill>
+            <a:schemeClr val="bg1"/>
+          </a:solidFill>
+        </p:spPr>
+        <p:style>
+          <a:lnRef idx="2">
+            <a:schemeClr val="accent1">
+              <a:shade val="50000"/>
+            </a:schemeClr>
+          </a:lnRef>
+          <a:fillRef idx="1">
+            <a:schemeClr val="accent1"/>
+          </a:fillRef>
+          <a:effectRef idx="0">
+            <a:schemeClr val="accent1"/>
+          </a:effectRef>
+          <a:fontRef idx="minor">
+            <a:schemeClr val="lt1"/>
+          </a:fontRef>
+        </p:style>
+        <p:txBody>
+          <a:bodyPr rtlCol="0" anchor="ctr"/>
+          <a:lstStyle/>
+          <a:p>
+            <a:pPr algn="ctr"/>
+            <a:r>
+              <a:rPr lang="en-US" altLang="ko-KR" dirty="0" smtClean="0">
+                <a:solidFill>
+                  <a:schemeClr val="tx1"/>
+                </a:solidFill>
+              </a:rPr>
+              <a:t>base</a:t>
+            </a:r>
+            <a:endParaRPr lang="ko-KR" altLang="en-US" dirty="0">
+              <a:solidFill>
+                <a:schemeClr val="tx1"/>
+              </a:solidFill>
+            </a:endParaRPr>
+          </a:p>
+        </p:txBody>
+      </p:sp>
+      <p:sp>
+        <p:nvSpPr>
+          <p:cNvPr id="28" name="직사각형 27"/>
+          <p:cNvSpPr/>
+          <p:nvPr/>
+        </p:nvSpPr>
+        <p:spPr>
+          <a:xfrm>
+            <a:off x="1115616" y="3140968"/>
+            <a:ext cx="1152128" cy="432048"/>
+          </a:xfrm>
+          <a:prstGeom prst="rect">
+            <a:avLst/>
+          </a:prstGeom>
+          <a:solidFill>
+            <a:schemeClr val="bg1"/>
+          </a:solidFill>
+        </p:spPr>
+        <p:style>
+          <a:lnRef idx="2">
+            <a:schemeClr val="accent1">
+              <a:shade val="50000"/>
+            </a:schemeClr>
+          </a:lnRef>
+          <a:fillRef idx="1">
+            <a:schemeClr val="accent1"/>
+          </a:fillRef>
+          <a:effectRef idx="0">
+            <a:schemeClr val="accent1"/>
+          </a:effectRef>
+          <a:fontRef idx="minor">
+            <a:schemeClr val="lt1"/>
+          </a:fontRef>
+        </p:style>
+        <p:txBody>
+          <a:bodyPr rtlCol="0" anchor="ctr"/>
+          <a:lstStyle/>
+          <a:p>
+            <a:pPr algn="ctr"/>
+            <a:endParaRPr lang="ko-KR" altLang="en-US"/>
+          </a:p>
+        </p:txBody>
+      </p:sp>
+      <p:sp>
+        <p:nvSpPr>
+          <p:cNvPr id="29" name="직사각형 28"/>
+          <p:cNvSpPr/>
+          <p:nvPr/>
+        </p:nvSpPr>
+        <p:spPr>
+          <a:xfrm>
+            <a:off x="251520" y="2708920"/>
+            <a:ext cx="864096" cy="432048"/>
+          </a:xfrm>
+          <a:prstGeom prst="rect">
+            <a:avLst/>
+          </a:prstGeom>
+          <a:solidFill>
+            <a:schemeClr val="bg1"/>
+          </a:solidFill>
+        </p:spPr>
+        <p:style>
+          <a:lnRef idx="2">
+            <a:schemeClr val="accent1">
+              <a:shade val="50000"/>
+            </a:schemeClr>
+          </a:lnRef>
+          <a:fillRef idx="1">
+            <a:schemeClr val="accent1"/>
+          </a:fillRef>
+          <a:effectRef idx="0">
+            <a:schemeClr val="accent1"/>
+          </a:effectRef>
+          <a:fontRef idx="minor">
+            <a:schemeClr val="lt1"/>
+          </a:fontRef>
+        </p:style>
+        <p:txBody>
+          <a:bodyPr rtlCol="0" anchor="ctr"/>
+          <a:lstStyle/>
+          <a:p>
+            <a:pPr algn="ctr"/>
+            <a:r>
+              <a:rPr lang="en-US" altLang="ko-KR" dirty="0" smtClean="0">
+                <a:solidFill>
+                  <a:schemeClr val="tx1"/>
+                </a:solidFill>
+              </a:rPr>
+              <a:t>max</a:t>
+            </a:r>
+            <a:endParaRPr lang="ko-KR" altLang="en-US" dirty="0">
+              <a:solidFill>
+                <a:schemeClr val="tx1"/>
+              </a:solidFill>
+            </a:endParaRPr>
+          </a:p>
+        </p:txBody>
+      </p:sp>
+      <p:sp>
+        <p:nvSpPr>
+          <p:cNvPr id="30" name="직사각형 29"/>
+          <p:cNvSpPr/>
+          <p:nvPr/>
+        </p:nvSpPr>
+        <p:spPr>
+          <a:xfrm>
+            <a:off x="1115616" y="2708920"/>
+            <a:ext cx="1152128" cy="432048"/>
+          </a:xfrm>
+          <a:prstGeom prst="rect">
+            <a:avLst/>
+          </a:prstGeom>
+          <a:solidFill>
+            <a:schemeClr val="bg1"/>
+          </a:solidFill>
+        </p:spPr>
+        <p:style>
+          <a:lnRef idx="2">
+            <a:schemeClr val="accent1">
+              <a:shade val="50000"/>
+            </a:schemeClr>
+          </a:lnRef>
+          <a:fillRef idx="1">
+            <a:schemeClr val="accent1"/>
+          </a:fillRef>
+          <a:effectRef idx="0">
+            <a:schemeClr val="accent1"/>
+          </a:effectRef>
+          <a:fontRef idx="minor">
+            <a:schemeClr val="lt1"/>
+          </a:fontRef>
+        </p:style>
+        <p:txBody>
+          <a:bodyPr rtlCol="0" anchor="ctr"/>
+          <a:lstStyle/>
+          <a:p>
+            <a:pPr algn="ctr"/>
+            <a:r>
+              <a:rPr lang="en-US" altLang="ko-KR" dirty="0" smtClean="0">
+                <a:solidFill>
+                  <a:schemeClr val="tx1"/>
+                </a:solidFill>
+              </a:rPr>
+              <a:t>5</a:t>
+            </a:r>
+            <a:endParaRPr lang="ko-KR" altLang="en-US" dirty="0">
+              <a:solidFill>
+                <a:schemeClr val="tx1"/>
+              </a:solidFill>
+            </a:endParaRPr>
+          </a:p>
+        </p:txBody>
+      </p:sp>
+      <p:sp>
+        <p:nvSpPr>
+          <p:cNvPr id="31" name="직사각형 30"/>
+          <p:cNvSpPr/>
+          <p:nvPr/>
+        </p:nvSpPr>
+        <p:spPr>
+          <a:xfrm>
+            <a:off x="251520" y="2276872"/>
+            <a:ext cx="864096" cy="432048"/>
+          </a:xfrm>
+          <a:prstGeom prst="rect">
+            <a:avLst/>
+          </a:prstGeom>
+          <a:solidFill>
+            <a:schemeClr val="bg1"/>
+          </a:solidFill>
+        </p:spPr>
+        <p:style>
+          <a:lnRef idx="2">
+            <a:schemeClr val="accent1">
+              <a:shade val="50000"/>
+            </a:schemeClr>
+          </a:lnRef>
+          <a:fillRef idx="1">
+            <a:schemeClr val="accent1"/>
+          </a:fillRef>
+          <a:effectRef idx="0">
+            <a:schemeClr val="accent1"/>
+          </a:effectRef>
+          <a:fontRef idx="minor">
+            <a:schemeClr val="lt1"/>
+          </a:fontRef>
+        </p:style>
+        <p:txBody>
+          <a:bodyPr rtlCol="0" anchor="ctr"/>
+          <a:lstStyle/>
+          <a:p>
+            <a:pPr algn="ctr"/>
+            <a:r>
+              <a:rPr lang="en-US" altLang="ko-KR" dirty="0" smtClean="0">
+                <a:solidFill>
+                  <a:schemeClr val="tx1"/>
+                </a:solidFill>
+              </a:rPr>
+              <a:t>size</a:t>
+            </a:r>
+            <a:endParaRPr lang="ko-KR" altLang="en-US" dirty="0">
+              <a:solidFill>
+                <a:schemeClr val="tx1"/>
+              </a:solidFill>
+            </a:endParaRPr>
+          </a:p>
+        </p:txBody>
+      </p:sp>
+      <p:sp>
+        <p:nvSpPr>
+          <p:cNvPr id="32" name="직사각형 31"/>
+          <p:cNvSpPr/>
+          <p:nvPr/>
+        </p:nvSpPr>
+        <p:spPr>
+          <a:xfrm>
+            <a:off x="1115616" y="2276872"/>
+            <a:ext cx="1152128" cy="432048"/>
+          </a:xfrm>
+          <a:prstGeom prst="rect">
+            <a:avLst/>
+          </a:prstGeom>
+          <a:solidFill>
+            <a:schemeClr val="bg1"/>
+          </a:solidFill>
+        </p:spPr>
+        <p:style>
+          <a:lnRef idx="2">
+            <a:schemeClr val="accent1">
+              <a:shade val="50000"/>
+            </a:schemeClr>
+          </a:lnRef>
+          <a:fillRef idx="1">
+            <a:schemeClr val="accent1"/>
+          </a:fillRef>
+          <a:effectRef idx="0">
+            <a:schemeClr val="accent1"/>
+          </a:effectRef>
+          <a:fontRef idx="minor">
+            <a:schemeClr val="lt1"/>
+          </a:fontRef>
+        </p:style>
+        <p:txBody>
+          <a:bodyPr rtlCol="0" anchor="ctr"/>
+          <a:lstStyle/>
+          <a:p>
+            <a:pPr algn="ctr"/>
+            <a:r>
+              <a:rPr lang="en-US" altLang="ko-KR" dirty="0" smtClean="0">
+                <a:solidFill>
+                  <a:srgbClr val="FF0000"/>
+                </a:solidFill>
+              </a:rPr>
+              <a:t>0-&gt;5</a:t>
+            </a:r>
+            <a:endParaRPr lang="ko-KR" altLang="en-US" dirty="0">
+              <a:solidFill>
+                <a:srgbClr val="FF0000"/>
+              </a:solidFill>
+            </a:endParaRPr>
+          </a:p>
+        </p:txBody>
+      </p:sp>
+      <p:sp>
+        <p:nvSpPr>
+          <p:cNvPr id="33" name="직사각형 32"/>
+          <p:cNvSpPr/>
+          <p:nvPr/>
+        </p:nvSpPr>
+        <p:spPr>
+          <a:xfrm>
+            <a:off x="3419872" y="3968388"/>
+            <a:ext cx="2218877" cy="369332"/>
+          </a:xfrm>
+          <a:prstGeom prst="rect">
+            <a:avLst/>
+          </a:prstGeom>
+        </p:spPr>
+        <p:txBody>
+          <a:bodyPr wrap="none">
+            <a:spAutoFit/>
+          </a:bodyPr>
+          <a:lstStyle/>
+          <a:p>
+            <a:r>
+              <a:rPr lang="ko-KR" altLang="en-US" dirty="0" err="1" smtClean="0"/>
+              <a:t>힙메모리공간</a:t>
+            </a:r>
+            <a:r>
+              <a:rPr lang="en-US" altLang="ko-KR" dirty="0" smtClean="0"/>
+              <a:t>[new]</a:t>
+            </a:r>
+            <a:r>
+              <a:rPr lang="ko-KR" altLang="en-US" dirty="0" smtClean="0"/>
+              <a:t> </a:t>
+            </a:r>
+            <a:endParaRPr lang="ko-KR" altLang="en-US" dirty="0"/>
+          </a:p>
+        </p:txBody>
+      </p:sp>
+      <p:cxnSp>
+        <p:nvCxnSpPr>
+          <p:cNvPr id="37" name="직선 화살표 연결선 36"/>
+          <p:cNvCxnSpPr>
+            <a:endCxn id="4" idx="1"/>
+          </p:cNvCxnSpPr>
+          <p:nvPr/>
+        </p:nvCxnSpPr>
+        <p:spPr>
+          <a:xfrm>
+            <a:off x="1979712" y="3356992"/>
+            <a:ext cx="1008112" cy="288032"/>
+          </a:xfrm>
+          <a:prstGeom prst="straightConnector1">
+            <a:avLst/>
+          </a:prstGeom>
+          <a:ln w="25400">
+            <a:solidFill>
+              <a:srgbClr val="FF0000"/>
+            </a:solidFill>
+            <a:tailEnd type="arrow"/>
+          </a:ln>
+        </p:spPr>
+        <p:style>
+          <a:lnRef idx="1">
+            <a:schemeClr val="accent1"/>
+          </a:lnRef>
+          <a:fillRef idx="0">
+            <a:schemeClr val="accent1"/>
+          </a:fillRef>
+          <a:effectRef idx="0">
+            <a:schemeClr val="accent1"/>
+          </a:effectRef>
+          <a:fontRef idx="minor">
+            <a:schemeClr val="tx1"/>
+          </a:fontRef>
+        </p:style>
+      </p:cxnSp>
+      <p:sp>
+        <p:nvSpPr>
+          <p:cNvPr id="34" name="직사각형 33"/>
+          <p:cNvSpPr/>
+          <p:nvPr/>
+        </p:nvSpPr>
+        <p:spPr>
+          <a:xfrm>
+            <a:off x="3923928" y="3429000"/>
+            <a:ext cx="1008112" cy="360040"/>
+          </a:xfrm>
+          <a:prstGeom prst="rect">
+            <a:avLst/>
+          </a:prstGeom>
+        </p:spPr>
+        <p:style>
+          <a:lnRef idx="2">
+            <a:schemeClr val="accent1">
+              <a:shade val="50000"/>
+            </a:schemeClr>
+          </a:lnRef>
+          <a:fillRef idx="1">
+            <a:schemeClr val="accent1"/>
+          </a:fillRef>
+          <a:effectRef idx="0">
+            <a:schemeClr val="accent1"/>
+          </a:effectRef>
+          <a:fontRef idx="minor">
+            <a:schemeClr val="lt1"/>
+          </a:fontRef>
+        </p:style>
+        <p:txBody>
+          <a:bodyPr rtlCol="0" anchor="ctr"/>
+          <a:lstStyle/>
+          <a:p>
+            <a:pPr algn="ctr"/>
+            <a:r>
+              <a:rPr lang="en-US" altLang="ko-KR" dirty="0" smtClean="0"/>
+              <a:t>1</a:t>
+            </a:r>
+            <a:endParaRPr lang="ko-KR" altLang="en-US" dirty="0"/>
+          </a:p>
+        </p:txBody>
+      </p:sp>
+      <p:sp>
+        <p:nvSpPr>
+          <p:cNvPr id="35" name="직사각형 34"/>
+          <p:cNvSpPr/>
+          <p:nvPr/>
+        </p:nvSpPr>
+        <p:spPr>
+          <a:xfrm>
+            <a:off x="5724128" y="2636912"/>
+            <a:ext cx="3240360" cy="1080120"/>
+          </a:xfrm>
+          <a:prstGeom prst="rect">
+            <a:avLst/>
+          </a:prstGeom>
+          <a:solidFill>
+            <a:schemeClr val="bg1"/>
+          </a:solidFill>
+        </p:spPr>
+        <p:style>
+          <a:lnRef idx="2">
+            <a:schemeClr val="accent1">
+              <a:shade val="50000"/>
+            </a:schemeClr>
+          </a:lnRef>
+          <a:fillRef idx="1">
+            <a:schemeClr val="accent1"/>
+          </a:fillRef>
+          <a:effectRef idx="0">
+            <a:schemeClr val="accent1"/>
+          </a:effectRef>
+          <a:fontRef idx="minor">
+            <a:schemeClr val="lt1"/>
+          </a:fontRef>
+        </p:style>
+        <p:txBody>
+          <a:bodyPr rtlCol="0" anchor="ctr"/>
+          <a:lstStyle/>
+          <a:p>
+            <a:r>
+              <a:rPr lang="en-US" altLang="ko-KR" dirty="0" smtClean="0">
+                <a:solidFill>
+                  <a:schemeClr val="tx1"/>
+                </a:solidFill>
+              </a:rPr>
+              <a:t>+ Insert(Object </a:t>
+            </a:r>
+            <a:r>
+              <a:rPr lang="en-US" altLang="ko-KR" dirty="0" err="1" smtClean="0">
+                <a:solidFill>
+                  <a:schemeClr val="tx1"/>
+                </a:solidFill>
+              </a:rPr>
+              <a:t>obj</a:t>
+            </a:r>
+            <a:r>
+              <a:rPr lang="en-US" altLang="ko-KR" dirty="0" smtClean="0">
+                <a:solidFill>
+                  <a:schemeClr val="tx1"/>
+                </a:solidFill>
+              </a:rPr>
+              <a:t>) : void</a:t>
+            </a:r>
+            <a:endParaRPr lang="ko-KR" altLang="en-US" dirty="0">
+              <a:solidFill>
+                <a:schemeClr val="tx1"/>
+              </a:solidFill>
+            </a:endParaRPr>
+          </a:p>
+        </p:txBody>
+      </p:sp>
+      <p:sp>
+        <p:nvSpPr>
+          <p:cNvPr id="36" name="직사각형 35"/>
+          <p:cNvSpPr/>
+          <p:nvPr/>
+        </p:nvSpPr>
+        <p:spPr>
+          <a:xfrm>
+            <a:off x="3923928" y="2996952"/>
+            <a:ext cx="1008112" cy="360040"/>
+          </a:xfrm>
+          <a:prstGeom prst="rect">
+            <a:avLst/>
+          </a:prstGeom>
+        </p:spPr>
+        <p:style>
+          <a:lnRef idx="2">
+            <a:schemeClr val="accent1">
+              <a:shade val="50000"/>
+            </a:schemeClr>
+          </a:lnRef>
+          <a:fillRef idx="1">
+            <a:schemeClr val="accent1"/>
+          </a:fillRef>
+          <a:effectRef idx="0">
+            <a:schemeClr val="accent1"/>
+          </a:effectRef>
+          <a:fontRef idx="minor">
+            <a:schemeClr val="lt1"/>
+          </a:fontRef>
+        </p:style>
+        <p:txBody>
+          <a:bodyPr rtlCol="0" anchor="ctr"/>
+          <a:lstStyle/>
+          <a:p>
+            <a:pPr algn="ctr"/>
+            <a:r>
+              <a:rPr lang="en-US" altLang="ko-KR" dirty="0" smtClean="0"/>
+              <a:t>1</a:t>
+            </a:r>
+            <a:endParaRPr lang="ko-KR" altLang="en-US" dirty="0"/>
+          </a:p>
+        </p:txBody>
+      </p:sp>
+      <p:sp>
+        <p:nvSpPr>
+          <p:cNvPr id="38" name="직사각형 37"/>
+          <p:cNvSpPr/>
+          <p:nvPr/>
+        </p:nvSpPr>
+        <p:spPr>
+          <a:xfrm>
+            <a:off x="3923928" y="2564904"/>
+            <a:ext cx="1008112" cy="360040"/>
+          </a:xfrm>
+          <a:prstGeom prst="rect">
+            <a:avLst/>
+          </a:prstGeom>
+        </p:spPr>
+        <p:style>
+          <a:lnRef idx="2">
+            <a:schemeClr val="accent1">
+              <a:shade val="50000"/>
+            </a:schemeClr>
+          </a:lnRef>
+          <a:fillRef idx="1">
+            <a:schemeClr val="accent1"/>
+          </a:fillRef>
+          <a:effectRef idx="0">
+            <a:schemeClr val="accent1"/>
+          </a:effectRef>
+          <a:fontRef idx="minor">
+            <a:schemeClr val="lt1"/>
+          </a:fontRef>
+        </p:style>
+        <p:txBody>
+          <a:bodyPr rtlCol="0" anchor="ctr"/>
+          <a:lstStyle/>
+          <a:p>
+            <a:pPr algn="ctr"/>
+            <a:r>
+              <a:rPr lang="en-US" altLang="ko-KR" dirty="0" smtClean="0"/>
+              <a:t>1</a:t>
+            </a:r>
+            <a:endParaRPr lang="ko-KR" altLang="en-US" dirty="0"/>
+          </a:p>
+        </p:txBody>
+      </p:sp>
+      <p:sp>
+        <p:nvSpPr>
+          <p:cNvPr id="39" name="직사각형 38"/>
+          <p:cNvSpPr/>
+          <p:nvPr/>
+        </p:nvSpPr>
+        <p:spPr>
+          <a:xfrm>
+            <a:off x="3851920" y="2132856"/>
+            <a:ext cx="1008112" cy="360040"/>
+          </a:xfrm>
+          <a:prstGeom prst="rect">
+            <a:avLst/>
+          </a:prstGeom>
+        </p:spPr>
+        <p:style>
+          <a:lnRef idx="2">
+            <a:schemeClr val="accent1">
+              <a:shade val="50000"/>
+            </a:schemeClr>
+          </a:lnRef>
+          <a:fillRef idx="1">
+            <a:schemeClr val="accent1"/>
+          </a:fillRef>
+          <a:effectRef idx="0">
+            <a:schemeClr val="accent1"/>
+          </a:effectRef>
+          <a:fontRef idx="minor">
+            <a:schemeClr val="lt1"/>
+          </a:fontRef>
+        </p:style>
+        <p:txBody>
+          <a:bodyPr rtlCol="0" anchor="ctr"/>
+          <a:lstStyle/>
+          <a:p>
+            <a:pPr algn="ctr"/>
+            <a:r>
+              <a:rPr lang="en-US" altLang="ko-KR" dirty="0" smtClean="0"/>
+              <a:t>1</a:t>
+            </a:r>
+            <a:endParaRPr lang="ko-KR" altLang="en-US" dirty="0"/>
+          </a:p>
+        </p:txBody>
+      </p:sp>
+      <p:sp>
+        <p:nvSpPr>
+          <p:cNvPr id="40" name="직사각형 39"/>
+          <p:cNvSpPr/>
+          <p:nvPr/>
+        </p:nvSpPr>
+        <p:spPr>
+          <a:xfrm>
+            <a:off x="3851920" y="1772816"/>
+            <a:ext cx="1008112" cy="360040"/>
+          </a:xfrm>
+          <a:prstGeom prst="rect">
+            <a:avLst/>
+          </a:prstGeom>
+        </p:spPr>
+        <p:style>
+          <a:lnRef idx="2">
+            <a:schemeClr val="accent1">
+              <a:shade val="50000"/>
+            </a:schemeClr>
+          </a:lnRef>
+          <a:fillRef idx="1">
+            <a:schemeClr val="accent1"/>
+          </a:fillRef>
+          <a:effectRef idx="0">
+            <a:schemeClr val="accent1"/>
+          </a:effectRef>
+          <a:fontRef idx="minor">
+            <a:schemeClr val="lt1"/>
+          </a:fontRef>
+        </p:style>
+        <p:txBody>
+          <a:bodyPr rtlCol="0" anchor="ctr"/>
+          <a:lstStyle/>
+          <a:p>
+            <a:pPr algn="ctr"/>
+            <a:r>
+              <a:rPr lang="en-US" altLang="ko-KR" dirty="0" smtClean="0"/>
+              <a:t>1</a:t>
+            </a:r>
+            <a:endParaRPr lang="ko-KR" altLang="en-US" dirty="0"/>
+          </a:p>
+        </p:txBody>
+      </p:sp>
+      <p:sp>
+        <p:nvSpPr>
+          <p:cNvPr id="41" name="직사각형 40"/>
+          <p:cNvSpPr/>
+          <p:nvPr/>
+        </p:nvSpPr>
+        <p:spPr>
+          <a:xfrm>
+            <a:off x="5292080" y="4797152"/>
+            <a:ext cx="2481770" cy="369332"/>
+          </a:xfrm>
+          <a:prstGeom prst="rect">
+            <a:avLst/>
+          </a:prstGeom>
+        </p:spPr>
+        <p:txBody>
+          <a:bodyPr wrap="none">
+            <a:spAutoFit/>
+          </a:bodyPr>
+          <a:lstStyle/>
+          <a:p>
+            <a:r>
+              <a:rPr lang="en-US" altLang="ko-KR" b="1" dirty="0" smtClean="0"/>
+              <a:t>max(5)  &lt;=    size(5)</a:t>
+            </a:r>
+            <a:endParaRPr lang="ko-KR" altLang="en-US" b="1" dirty="0"/>
+          </a:p>
+        </p:txBody>
+      </p:sp>
+    </p:spTree>
+  </p:cSld>
+  <p:clrMapOvr>
+    <a:masterClrMapping/>
+  </p:clrMapOvr>
+</p:sld>
+</file>
+
+<file path=ppt/slides/slide8.xml><?xml version="1.0" encoding="utf-8"?>
+<p:sld xmlns:a="http://schemas.openxmlformats.org/drawingml/2006/main" xmlns:r="http://schemas.openxmlformats.org/officeDocument/2006/relationships" xmlns:p="http://schemas.openxmlformats.org/presentationml/2006/main">
+  <p:cSld>
+    <p:spTree>
+      <p:nvGrpSpPr>
+        <p:cNvPr id="1" name=""/>
+        <p:cNvGrpSpPr/>
+        <p:nvPr/>
+      </p:nvGrpSpPr>
+      <p:grpSpPr>
+        <a:xfrm>
+          <a:off x="0" y="0"/>
+          <a:ext cx="0" cy="0"/>
+          <a:chOff x="0" y="0"/>
+          <a:chExt cx="0" cy="0"/>
+        </a:xfrm>
+      </p:grpSpPr>
+      <p:sp>
+        <p:nvSpPr>
+          <p:cNvPr id="5" name="TextBox 4"/>
+          <p:cNvSpPr txBox="1"/>
+          <p:nvPr/>
+        </p:nvSpPr>
+        <p:spPr>
+          <a:xfrm>
+            <a:off x="251520" y="260648"/>
+            <a:ext cx="5976664" cy="400110"/>
+          </a:xfrm>
+          <a:prstGeom prst="rect">
+            <a:avLst/>
+          </a:prstGeom>
+          <a:noFill/>
+        </p:spPr>
+        <p:txBody>
+          <a:bodyPr wrap="square" rtlCol="0">
+            <a:spAutoFit/>
+          </a:bodyPr>
+          <a:lstStyle/>
+          <a:p>
+            <a:r>
+              <a:rPr lang="ko-KR" altLang="en-US" sz="2000" b="1" dirty="0" smtClean="0"/>
+              <a:t>자료구조 </a:t>
+            </a:r>
+            <a:r>
+              <a:rPr lang="en-US" altLang="ko-KR" sz="2000" b="1" dirty="0" smtClean="0"/>
+              <a:t>1</a:t>
+            </a:r>
+            <a:r>
+              <a:rPr lang="ko-KR" altLang="en-US" sz="2000" b="1" dirty="0" smtClean="0"/>
+              <a:t>일차</a:t>
+            </a:r>
+            <a:r>
+              <a:rPr lang="en-US" altLang="ko-KR" sz="2000" b="1" dirty="0" smtClean="0"/>
+              <a:t>(</a:t>
+            </a:r>
+            <a:r>
+              <a:rPr lang="ko-KR" altLang="en-US" sz="2000" b="1" dirty="0" smtClean="0"/>
+              <a:t>배열</a:t>
+            </a:r>
+            <a:r>
+              <a:rPr lang="en-US" altLang="ko-KR" sz="2000" b="1" dirty="0" smtClean="0"/>
+              <a:t>, </a:t>
+            </a:r>
+            <a:r>
+              <a:rPr lang="ko-KR" altLang="en-US" sz="2000" b="1" dirty="0" smtClean="0"/>
+              <a:t>프로그램의 구조</a:t>
+            </a:r>
+            <a:r>
+              <a:rPr lang="en-US" altLang="ko-KR" sz="2000" b="1" dirty="0" smtClean="0"/>
+              <a:t>)</a:t>
+            </a:r>
+            <a:endParaRPr lang="ko-KR" altLang="en-US" sz="2000" b="1" dirty="0"/>
+          </a:p>
+        </p:txBody>
+      </p:sp>
+      <p:sp>
+        <p:nvSpPr>
+          <p:cNvPr id="6" name="직사각형 5"/>
+          <p:cNvSpPr/>
+          <p:nvPr/>
+        </p:nvSpPr>
+        <p:spPr>
+          <a:xfrm>
+            <a:off x="251520" y="836712"/>
+            <a:ext cx="3083345" cy="400110"/>
+          </a:xfrm>
+          <a:prstGeom prst="rect">
+            <a:avLst/>
+          </a:prstGeom>
+        </p:spPr>
+        <p:txBody>
+          <a:bodyPr wrap="none">
+            <a:spAutoFit/>
+          </a:bodyPr>
+          <a:lstStyle/>
+          <a:p>
+            <a:r>
+              <a:rPr lang="en-US" altLang="ko-KR" sz="2000" b="1" dirty="0" smtClean="0"/>
+              <a:t>3</a:t>
+            </a:r>
+            <a:r>
+              <a:rPr lang="ko-KR" altLang="en-US" sz="2000" b="1" dirty="0" smtClean="0"/>
+              <a:t>단계 </a:t>
+            </a:r>
+            <a:r>
+              <a:rPr lang="en-US" altLang="ko-KR" sz="2000" b="1" dirty="0" smtClean="0"/>
+              <a:t>: Delete(</a:t>
+            </a:r>
+            <a:r>
+              <a:rPr lang="ko-KR" altLang="en-US" sz="2000" b="1" dirty="0" smtClean="0"/>
+              <a:t>삭제기능</a:t>
+            </a:r>
+            <a:r>
+              <a:rPr lang="en-US" altLang="ko-KR" sz="2000" b="1" dirty="0" smtClean="0"/>
+              <a:t>)</a:t>
+            </a:r>
+            <a:endParaRPr lang="ko-KR" altLang="en-US" sz="2000" b="1" dirty="0"/>
+          </a:p>
+        </p:txBody>
+      </p:sp>
+      <p:sp>
+        <p:nvSpPr>
+          <p:cNvPr id="4" name="직사각형 3"/>
+          <p:cNvSpPr/>
+          <p:nvPr/>
+        </p:nvSpPr>
+        <p:spPr>
+          <a:xfrm>
+            <a:off x="2987824" y="3429000"/>
+            <a:ext cx="864096" cy="432048"/>
+          </a:xfrm>
+          <a:prstGeom prst="rect">
+            <a:avLst/>
+          </a:prstGeom>
+          <a:solidFill>
+            <a:schemeClr val="bg1"/>
+          </a:solidFill>
+        </p:spPr>
+        <p:style>
+          <a:lnRef idx="2">
+            <a:schemeClr val="accent1">
+              <a:shade val="50000"/>
+            </a:schemeClr>
+          </a:lnRef>
+          <a:fillRef idx="1">
+            <a:schemeClr val="accent1"/>
+          </a:fillRef>
+          <a:effectRef idx="0">
+            <a:schemeClr val="accent1"/>
+          </a:effectRef>
+          <a:fontRef idx="minor">
+            <a:schemeClr val="lt1"/>
+          </a:fontRef>
+        </p:style>
+        <p:txBody>
+          <a:bodyPr rtlCol="0" anchor="ctr"/>
+          <a:lstStyle/>
+          <a:p>
+            <a:pPr algn="ctr"/>
+            <a:r>
+              <a:rPr lang="en-US" altLang="ko-KR" dirty="0" smtClean="0">
+                <a:solidFill>
+                  <a:schemeClr val="tx1"/>
+                </a:solidFill>
+              </a:rPr>
+              <a:t>0</a:t>
+            </a:r>
+            <a:endParaRPr lang="ko-KR" altLang="en-US" dirty="0">
+              <a:solidFill>
+                <a:schemeClr val="tx1"/>
+              </a:solidFill>
+            </a:endParaRPr>
+          </a:p>
+        </p:txBody>
+      </p:sp>
+      <p:sp>
+        <p:nvSpPr>
+          <p:cNvPr id="7" name="직사각형 6"/>
+          <p:cNvSpPr/>
+          <p:nvPr/>
+        </p:nvSpPr>
+        <p:spPr>
+          <a:xfrm>
+            <a:off x="3851920" y="3429000"/>
+            <a:ext cx="1080120" cy="432048"/>
+          </a:xfrm>
+          <a:prstGeom prst="rect">
+            <a:avLst/>
+          </a:prstGeom>
+          <a:solidFill>
+            <a:schemeClr val="bg1"/>
+          </a:solidFill>
+        </p:spPr>
+        <p:style>
+          <a:lnRef idx="2">
+            <a:schemeClr val="accent1">
+              <a:shade val="50000"/>
+            </a:schemeClr>
+          </a:lnRef>
+          <a:fillRef idx="1">
+            <a:schemeClr val="accent1"/>
+          </a:fillRef>
+          <a:effectRef idx="0">
+            <a:schemeClr val="accent1"/>
+          </a:effectRef>
+          <a:fontRef idx="minor">
+            <a:schemeClr val="lt1"/>
+          </a:fontRef>
+        </p:style>
+        <p:txBody>
+          <a:bodyPr rtlCol="0" anchor="ctr"/>
+          <a:lstStyle/>
+          <a:p>
+            <a:pPr algn="ctr"/>
+            <a:endParaRPr lang="ko-KR" altLang="en-US"/>
+          </a:p>
+        </p:txBody>
+      </p:sp>
+      <p:sp>
+        <p:nvSpPr>
+          <p:cNvPr id="8" name="직사각형 7"/>
+          <p:cNvSpPr/>
+          <p:nvPr/>
+        </p:nvSpPr>
+        <p:spPr>
+          <a:xfrm>
+            <a:off x="2987824" y="2996952"/>
+            <a:ext cx="864096" cy="432048"/>
+          </a:xfrm>
+          <a:prstGeom prst="rect">
+            <a:avLst/>
+          </a:prstGeom>
+          <a:solidFill>
+            <a:schemeClr val="accent2">
+              <a:lumMod val="60000"/>
+              <a:lumOff val="40000"/>
+            </a:schemeClr>
+          </a:solidFill>
+        </p:spPr>
+        <p:style>
+          <a:lnRef idx="2">
+            <a:schemeClr val="accent1">
+              <a:shade val="50000"/>
+            </a:schemeClr>
+          </a:lnRef>
+          <a:fillRef idx="1">
+            <a:schemeClr val="accent1"/>
+          </a:fillRef>
+          <a:effectRef idx="0">
+            <a:schemeClr val="accent1"/>
+          </a:effectRef>
+          <a:fontRef idx="minor">
+            <a:schemeClr val="lt1"/>
+          </a:fontRef>
+        </p:style>
+        <p:txBody>
+          <a:bodyPr rtlCol="0" anchor="ctr"/>
+          <a:lstStyle/>
+          <a:p>
+            <a:pPr algn="ctr"/>
+            <a:r>
+              <a:rPr lang="en-US" altLang="ko-KR" dirty="0" smtClean="0">
+                <a:solidFill>
+                  <a:schemeClr val="tx1"/>
+                </a:solidFill>
+              </a:rPr>
+              <a:t>1</a:t>
+            </a:r>
+            <a:endParaRPr lang="ko-KR" altLang="en-US" dirty="0">
+              <a:solidFill>
+                <a:schemeClr val="tx1"/>
+              </a:solidFill>
+            </a:endParaRPr>
+          </a:p>
+        </p:txBody>
+      </p:sp>
+      <p:sp>
+        <p:nvSpPr>
+          <p:cNvPr id="9" name="직사각형 8"/>
+          <p:cNvSpPr/>
+          <p:nvPr/>
+        </p:nvSpPr>
+        <p:spPr>
+          <a:xfrm>
+            <a:off x="3851920" y="2996952"/>
+            <a:ext cx="1080120" cy="432048"/>
+          </a:xfrm>
+          <a:prstGeom prst="rect">
+            <a:avLst/>
+          </a:prstGeom>
+          <a:solidFill>
+            <a:schemeClr val="accent2">
+              <a:lumMod val="60000"/>
+              <a:lumOff val="40000"/>
+            </a:schemeClr>
+          </a:solidFill>
+        </p:spPr>
+        <p:style>
+          <a:lnRef idx="2">
+            <a:schemeClr val="accent1">
+              <a:shade val="50000"/>
+            </a:schemeClr>
+          </a:lnRef>
+          <a:fillRef idx="1">
+            <a:schemeClr val="accent1"/>
+          </a:fillRef>
+          <a:effectRef idx="0">
+            <a:schemeClr val="accent1"/>
+          </a:effectRef>
+          <a:fontRef idx="minor">
+            <a:schemeClr val="lt1"/>
+          </a:fontRef>
+        </p:style>
+        <p:txBody>
+          <a:bodyPr rtlCol="0" anchor="ctr"/>
+          <a:lstStyle/>
+          <a:p>
+            <a:pPr algn="ctr"/>
+            <a:endParaRPr lang="ko-KR" altLang="en-US"/>
+          </a:p>
+        </p:txBody>
+      </p:sp>
+      <p:sp>
+        <p:nvSpPr>
+          <p:cNvPr id="10" name="직사각형 9"/>
+          <p:cNvSpPr/>
+          <p:nvPr/>
+        </p:nvSpPr>
+        <p:spPr>
+          <a:xfrm>
+            <a:off x="2987824" y="2564904"/>
+            <a:ext cx="864096" cy="432048"/>
+          </a:xfrm>
+          <a:prstGeom prst="rect">
+            <a:avLst/>
+          </a:prstGeom>
+          <a:solidFill>
+            <a:schemeClr val="bg1"/>
+          </a:solidFill>
+        </p:spPr>
+        <p:style>
+          <a:lnRef idx="2">
+            <a:schemeClr val="accent1">
+              <a:shade val="50000"/>
+            </a:schemeClr>
+          </a:lnRef>
+          <a:fillRef idx="1">
+            <a:schemeClr val="accent1"/>
+          </a:fillRef>
+          <a:effectRef idx="0">
+            <a:schemeClr val="accent1"/>
+          </a:effectRef>
+          <a:fontRef idx="minor">
+            <a:schemeClr val="lt1"/>
+          </a:fontRef>
+        </p:style>
+        <p:txBody>
+          <a:bodyPr rtlCol="0" anchor="ctr"/>
+          <a:lstStyle/>
+          <a:p>
+            <a:pPr algn="ctr"/>
+            <a:r>
+              <a:rPr lang="en-US" altLang="ko-KR" dirty="0">
+                <a:solidFill>
+                  <a:schemeClr val="tx1"/>
+                </a:solidFill>
+              </a:rPr>
+              <a:t>2</a:t>
+            </a:r>
+            <a:endParaRPr lang="ko-KR" altLang="en-US" dirty="0">
+              <a:solidFill>
+                <a:schemeClr val="tx1"/>
+              </a:solidFill>
+            </a:endParaRPr>
+          </a:p>
+        </p:txBody>
+      </p:sp>
+      <p:sp>
+        <p:nvSpPr>
+          <p:cNvPr id="11" name="직사각형 10"/>
+          <p:cNvSpPr/>
+          <p:nvPr/>
+        </p:nvSpPr>
+        <p:spPr>
+          <a:xfrm>
+            <a:off x="3851920" y="2564904"/>
+            <a:ext cx="1080120" cy="432048"/>
+          </a:xfrm>
+          <a:prstGeom prst="rect">
+            <a:avLst/>
+          </a:prstGeom>
+          <a:solidFill>
+            <a:schemeClr val="bg1"/>
+          </a:solidFill>
+        </p:spPr>
+        <p:style>
+          <a:lnRef idx="2">
+            <a:schemeClr val="accent1">
+              <a:shade val="50000"/>
+            </a:schemeClr>
+          </a:lnRef>
+          <a:fillRef idx="1">
+            <a:schemeClr val="accent1"/>
+          </a:fillRef>
+          <a:effectRef idx="0">
+            <a:schemeClr val="accent1"/>
+          </a:effectRef>
+          <a:fontRef idx="minor">
+            <a:schemeClr val="lt1"/>
+          </a:fontRef>
+        </p:style>
+        <p:txBody>
+          <a:bodyPr rtlCol="0" anchor="ctr"/>
+          <a:lstStyle/>
+          <a:p>
+            <a:pPr algn="ctr"/>
+            <a:endParaRPr lang="ko-KR" altLang="en-US"/>
+          </a:p>
+        </p:txBody>
+      </p:sp>
+      <p:sp>
+        <p:nvSpPr>
+          <p:cNvPr id="12" name="직사각형 11"/>
+          <p:cNvSpPr/>
+          <p:nvPr/>
+        </p:nvSpPr>
+        <p:spPr>
+          <a:xfrm>
+            <a:off x="2987824" y="2132856"/>
+            <a:ext cx="864096" cy="432048"/>
+          </a:xfrm>
+          <a:prstGeom prst="rect">
+            <a:avLst/>
+          </a:prstGeom>
+          <a:solidFill>
+            <a:schemeClr val="bg1"/>
+          </a:solidFill>
+        </p:spPr>
+        <p:style>
+          <a:lnRef idx="2">
+            <a:schemeClr val="accent1">
+              <a:shade val="50000"/>
+            </a:schemeClr>
+          </a:lnRef>
+          <a:fillRef idx="1">
+            <a:schemeClr val="accent1"/>
+          </a:fillRef>
+          <a:effectRef idx="0">
+            <a:schemeClr val="accent1"/>
+          </a:effectRef>
+          <a:fontRef idx="minor">
+            <a:schemeClr val="lt1"/>
+          </a:fontRef>
+        </p:style>
+        <p:txBody>
+          <a:bodyPr rtlCol="0" anchor="ctr"/>
+          <a:lstStyle/>
+          <a:p>
+            <a:pPr algn="ctr"/>
+            <a:r>
+              <a:rPr lang="en-US" altLang="ko-KR" dirty="0" smtClean="0">
+                <a:solidFill>
+                  <a:schemeClr val="tx1"/>
+                </a:solidFill>
+              </a:rPr>
+              <a:t>3</a:t>
+            </a:r>
+            <a:endParaRPr lang="ko-KR" altLang="en-US" dirty="0">
+              <a:solidFill>
+                <a:schemeClr val="tx1"/>
+              </a:solidFill>
+            </a:endParaRPr>
+          </a:p>
+        </p:txBody>
+      </p:sp>
+      <p:sp>
+        <p:nvSpPr>
+          <p:cNvPr id="13" name="직사각형 12"/>
+          <p:cNvSpPr/>
+          <p:nvPr/>
+        </p:nvSpPr>
+        <p:spPr>
+          <a:xfrm>
+            <a:off x="3851920" y="2132856"/>
+            <a:ext cx="1080120" cy="432048"/>
+          </a:xfrm>
+          <a:prstGeom prst="rect">
+            <a:avLst/>
+          </a:prstGeom>
+          <a:solidFill>
+            <a:schemeClr val="bg1"/>
+          </a:solidFill>
+        </p:spPr>
+        <p:style>
+          <a:lnRef idx="2">
+            <a:schemeClr val="accent1">
+              <a:shade val="50000"/>
+            </a:schemeClr>
+          </a:lnRef>
+          <a:fillRef idx="1">
+            <a:schemeClr val="accent1"/>
+          </a:fillRef>
+          <a:effectRef idx="0">
+            <a:schemeClr val="accent1"/>
+          </a:effectRef>
+          <a:fontRef idx="minor">
+            <a:schemeClr val="lt1"/>
+          </a:fontRef>
+        </p:style>
+        <p:txBody>
+          <a:bodyPr rtlCol="0" anchor="ctr"/>
+          <a:lstStyle/>
+          <a:p>
+            <a:pPr algn="ctr"/>
+            <a:endParaRPr lang="ko-KR" altLang="en-US"/>
+          </a:p>
+        </p:txBody>
+      </p:sp>
+      <p:sp>
+        <p:nvSpPr>
+          <p:cNvPr id="22" name="직사각형 21"/>
+          <p:cNvSpPr/>
+          <p:nvPr/>
+        </p:nvSpPr>
+        <p:spPr>
+          <a:xfrm>
+            <a:off x="5724128" y="1124744"/>
+            <a:ext cx="3240360" cy="432048"/>
+          </a:xfrm>
+          <a:prstGeom prst="rect">
+            <a:avLst/>
+          </a:prstGeom>
+          <a:solidFill>
+            <a:schemeClr val="bg1"/>
+          </a:solidFill>
+        </p:spPr>
+        <p:style>
+          <a:lnRef idx="2">
+            <a:schemeClr val="accent1">
+              <a:shade val="50000"/>
+            </a:schemeClr>
+          </a:lnRef>
+          <a:fillRef idx="1">
+            <a:schemeClr val="accent1"/>
+          </a:fillRef>
+          <a:effectRef idx="0">
+            <a:schemeClr val="accent1"/>
+          </a:effectRef>
+          <a:fontRef idx="minor">
+            <a:schemeClr val="lt1"/>
+          </a:fontRef>
+        </p:style>
+        <p:txBody>
+          <a:bodyPr rtlCol="0" anchor="ctr"/>
+          <a:lstStyle/>
+          <a:p>
+            <a:pPr algn="ctr"/>
+            <a:r>
+              <a:rPr lang="en-US" altLang="ko-KR" dirty="0" err="1" smtClean="0">
+                <a:solidFill>
+                  <a:schemeClr val="tx1"/>
+                </a:solidFill>
+              </a:rPr>
+              <a:t>BitArray</a:t>
+            </a:r>
+            <a:endParaRPr lang="ko-KR" altLang="en-US" dirty="0">
+              <a:solidFill>
+                <a:schemeClr val="tx1"/>
+              </a:solidFill>
+            </a:endParaRPr>
+          </a:p>
+        </p:txBody>
+      </p:sp>
+      <p:sp>
+        <p:nvSpPr>
+          <p:cNvPr id="23" name="직사각형 22"/>
+          <p:cNvSpPr/>
+          <p:nvPr/>
+        </p:nvSpPr>
+        <p:spPr>
+          <a:xfrm>
+            <a:off x="5724128" y="1556792"/>
+            <a:ext cx="3240360" cy="1080120"/>
+          </a:xfrm>
+          <a:prstGeom prst="rect">
+            <a:avLst/>
+          </a:prstGeom>
+          <a:solidFill>
+            <a:schemeClr val="bg1"/>
+          </a:solidFill>
+        </p:spPr>
+        <p:style>
+          <a:lnRef idx="2">
+            <a:schemeClr val="accent1">
+              <a:shade val="50000"/>
+            </a:schemeClr>
+          </a:lnRef>
+          <a:fillRef idx="1">
+            <a:schemeClr val="accent1"/>
+          </a:fillRef>
+          <a:effectRef idx="0">
+            <a:schemeClr val="accent1"/>
+          </a:effectRef>
+          <a:fontRef idx="minor">
+            <a:schemeClr val="lt1"/>
+          </a:fontRef>
+        </p:style>
+        <p:txBody>
+          <a:bodyPr rtlCol="0" anchor="ctr"/>
+          <a:lstStyle/>
+          <a:p>
+            <a:r>
+              <a:rPr lang="en-US" altLang="ko-KR" dirty="0" smtClean="0">
+                <a:solidFill>
+                  <a:schemeClr val="tx1"/>
+                </a:solidFill>
+              </a:rPr>
+              <a:t>- base : </a:t>
+            </a:r>
+            <a:r>
+              <a:rPr lang="en-US" altLang="ko-KR" b="1" dirty="0" smtClean="0">
+                <a:solidFill>
+                  <a:srgbClr val="FF0000"/>
+                </a:solidFill>
+              </a:rPr>
+              <a:t>Object</a:t>
+            </a:r>
+            <a:r>
+              <a:rPr lang="en-US" altLang="ko-KR" dirty="0" smtClean="0">
+                <a:solidFill>
+                  <a:schemeClr val="tx1"/>
+                </a:solidFill>
+              </a:rPr>
+              <a:t>[]</a:t>
+            </a:r>
+          </a:p>
+          <a:p>
+            <a:r>
+              <a:rPr lang="en-US" altLang="ko-KR" dirty="0" smtClean="0">
+                <a:solidFill>
+                  <a:schemeClr val="tx1"/>
+                </a:solidFill>
+              </a:rPr>
+              <a:t>- max : </a:t>
+            </a:r>
+            <a:r>
+              <a:rPr lang="en-US" altLang="ko-KR" dirty="0" err="1" smtClean="0">
+                <a:solidFill>
+                  <a:schemeClr val="tx1"/>
+                </a:solidFill>
+              </a:rPr>
+              <a:t>int</a:t>
+            </a:r>
+            <a:endParaRPr lang="en-US" altLang="ko-KR" dirty="0" smtClean="0">
+              <a:solidFill>
+                <a:schemeClr val="tx1"/>
+              </a:solidFill>
+            </a:endParaRPr>
+          </a:p>
+          <a:p>
+            <a:r>
+              <a:rPr lang="en-US" altLang="ko-KR" dirty="0" smtClean="0">
+                <a:solidFill>
+                  <a:schemeClr val="tx1"/>
+                </a:solidFill>
+              </a:rPr>
+              <a:t>- size : </a:t>
+            </a:r>
+            <a:r>
+              <a:rPr lang="en-US" altLang="ko-KR" dirty="0" err="1" smtClean="0">
+                <a:solidFill>
+                  <a:schemeClr val="tx1"/>
+                </a:solidFill>
+              </a:rPr>
+              <a:t>int</a:t>
+            </a:r>
+            <a:endParaRPr lang="ko-KR" altLang="en-US" dirty="0">
+              <a:solidFill>
+                <a:schemeClr val="tx1"/>
+              </a:solidFill>
+            </a:endParaRPr>
+          </a:p>
+        </p:txBody>
+      </p:sp>
+      <p:sp>
+        <p:nvSpPr>
+          <p:cNvPr id="24" name="직사각형 23"/>
+          <p:cNvSpPr/>
+          <p:nvPr/>
+        </p:nvSpPr>
+        <p:spPr>
+          <a:xfrm>
+            <a:off x="5724128" y="620688"/>
+            <a:ext cx="2956259" cy="369332"/>
+          </a:xfrm>
+          <a:prstGeom prst="rect">
+            <a:avLst/>
+          </a:prstGeom>
+        </p:spPr>
+        <p:txBody>
+          <a:bodyPr wrap="none">
+            <a:spAutoFit/>
+          </a:bodyPr>
+          <a:lstStyle/>
+          <a:p>
+            <a:r>
+              <a:rPr lang="en-US" altLang="ko-KR" b="1" dirty="0" smtClean="0"/>
+              <a:t>[</a:t>
+            </a:r>
+            <a:r>
+              <a:rPr lang="ko-KR" altLang="en-US" b="1" dirty="0" smtClean="0"/>
+              <a:t>클래스 다이어그램</a:t>
+            </a:r>
+            <a:r>
+              <a:rPr lang="en-US" altLang="ko-KR" b="1" dirty="0" smtClean="0"/>
+              <a:t>(UML)]</a:t>
+            </a:r>
+            <a:endParaRPr lang="ko-KR" altLang="en-US" b="1" dirty="0"/>
+          </a:p>
+        </p:txBody>
+      </p:sp>
+      <p:sp>
+        <p:nvSpPr>
+          <p:cNvPr id="18" name="직사각형 17"/>
+          <p:cNvSpPr/>
+          <p:nvPr/>
+        </p:nvSpPr>
+        <p:spPr>
+          <a:xfrm>
+            <a:off x="2987824" y="1700808"/>
+            <a:ext cx="864096" cy="432048"/>
+          </a:xfrm>
+          <a:prstGeom prst="rect">
+            <a:avLst/>
+          </a:prstGeom>
+          <a:solidFill>
+            <a:schemeClr val="bg1"/>
+          </a:solidFill>
+        </p:spPr>
+        <p:style>
+          <a:lnRef idx="2">
+            <a:schemeClr val="accent1">
+              <a:shade val="50000"/>
+            </a:schemeClr>
+          </a:lnRef>
+          <a:fillRef idx="1">
+            <a:schemeClr val="accent1"/>
+          </a:fillRef>
+          <a:effectRef idx="0">
+            <a:schemeClr val="accent1"/>
+          </a:effectRef>
+          <a:fontRef idx="minor">
+            <a:schemeClr val="lt1"/>
+          </a:fontRef>
+        </p:style>
+        <p:txBody>
+          <a:bodyPr rtlCol="0" anchor="ctr"/>
+          <a:lstStyle/>
+          <a:p>
+            <a:pPr algn="ctr"/>
+            <a:r>
+              <a:rPr lang="en-US" altLang="ko-KR" dirty="0" smtClean="0">
+                <a:solidFill>
+                  <a:schemeClr val="tx1"/>
+                </a:solidFill>
+              </a:rPr>
+              <a:t>4</a:t>
+            </a:r>
+            <a:endParaRPr lang="ko-KR" altLang="en-US" dirty="0">
+              <a:solidFill>
+                <a:schemeClr val="tx1"/>
+              </a:solidFill>
+            </a:endParaRPr>
+          </a:p>
+        </p:txBody>
+      </p:sp>
+      <p:sp>
+        <p:nvSpPr>
+          <p:cNvPr id="19" name="직사각형 18"/>
+          <p:cNvSpPr/>
+          <p:nvPr/>
+        </p:nvSpPr>
+        <p:spPr>
+          <a:xfrm>
+            <a:off x="3851920" y="1700808"/>
+            <a:ext cx="1080120" cy="432048"/>
+          </a:xfrm>
+          <a:prstGeom prst="rect">
+            <a:avLst/>
+          </a:prstGeom>
+          <a:solidFill>
+            <a:schemeClr val="bg1"/>
+          </a:solidFill>
+        </p:spPr>
+        <p:style>
+          <a:lnRef idx="2">
+            <a:schemeClr val="accent1">
+              <a:shade val="50000"/>
+            </a:schemeClr>
+          </a:lnRef>
+          <a:fillRef idx="1">
+            <a:schemeClr val="accent1"/>
+          </a:fillRef>
+          <a:effectRef idx="0">
+            <a:schemeClr val="accent1"/>
+          </a:effectRef>
+          <a:fontRef idx="minor">
+            <a:schemeClr val="lt1"/>
+          </a:fontRef>
+        </p:style>
+        <p:txBody>
+          <a:bodyPr rtlCol="0" anchor="ctr"/>
+          <a:lstStyle/>
+          <a:p>
+            <a:pPr algn="ctr"/>
+            <a:endParaRPr lang="ko-KR" altLang="en-US"/>
+          </a:p>
+        </p:txBody>
+      </p:sp>
+      <p:sp>
+        <p:nvSpPr>
+          <p:cNvPr id="26" name="직사각형 25"/>
+          <p:cNvSpPr/>
+          <p:nvPr/>
+        </p:nvSpPr>
+        <p:spPr>
+          <a:xfrm>
+            <a:off x="611560" y="4797152"/>
+            <a:ext cx="4464496" cy="923330"/>
+          </a:xfrm>
+          <a:prstGeom prst="rect">
+            <a:avLst/>
+          </a:prstGeom>
+          <a:ln>
+            <a:solidFill>
+              <a:schemeClr val="accent1"/>
+            </a:solidFill>
+          </a:ln>
+        </p:spPr>
+        <p:txBody>
+          <a:bodyPr wrap="square">
+            <a:spAutoFit/>
+          </a:bodyPr>
+          <a:lstStyle/>
+          <a:p>
+            <a:pPr marL="342900" indent="-342900"/>
+            <a:r>
+              <a:rPr lang="en-US" altLang="ko-KR" dirty="0" smtClean="0"/>
+              <a:t>1. </a:t>
+            </a:r>
+            <a:r>
+              <a:rPr lang="ko-KR" altLang="en-US" dirty="0" smtClean="0"/>
+              <a:t>유효한 인덱스인가</a:t>
+            </a:r>
+            <a:r>
+              <a:rPr lang="en-US" altLang="ko-KR" dirty="0" smtClean="0"/>
+              <a:t>?( 0 ~ size-1)</a:t>
+            </a:r>
+          </a:p>
+          <a:p>
+            <a:pPr marL="342900" indent="-342900">
+              <a:buAutoNum type="arabicPeriod"/>
+            </a:pPr>
+            <a:r>
+              <a:rPr lang="ko-KR" altLang="en-US" dirty="0" err="1" smtClean="0"/>
+              <a:t>반복문을</a:t>
+            </a:r>
+            <a:r>
+              <a:rPr lang="ko-KR" altLang="en-US" dirty="0" smtClean="0"/>
+              <a:t> 활용해서 이동</a:t>
+            </a:r>
+            <a:endParaRPr lang="en-US" altLang="ko-KR" dirty="0" smtClean="0"/>
+          </a:p>
+          <a:p>
+            <a:pPr marL="342900" indent="-342900">
+              <a:buAutoNum type="arabicPeriod"/>
+            </a:pPr>
+            <a:r>
+              <a:rPr lang="en-US" altLang="ko-KR" dirty="0" smtClean="0"/>
+              <a:t>Size </a:t>
+            </a:r>
+            <a:r>
+              <a:rPr lang="ko-KR" altLang="en-US" dirty="0" smtClean="0"/>
+              <a:t>감소</a:t>
+            </a:r>
+            <a:endParaRPr lang="ko-KR" altLang="en-US" dirty="0"/>
+          </a:p>
+        </p:txBody>
+      </p:sp>
+      <p:sp>
+        <p:nvSpPr>
+          <p:cNvPr id="27" name="직사각형 26"/>
+          <p:cNvSpPr/>
+          <p:nvPr/>
+        </p:nvSpPr>
+        <p:spPr>
+          <a:xfrm>
+            <a:off x="251520" y="3140968"/>
+            <a:ext cx="864096" cy="432048"/>
+          </a:xfrm>
+          <a:prstGeom prst="rect">
+            <a:avLst/>
+          </a:prstGeom>
+          <a:solidFill>
+            <a:schemeClr val="bg1"/>
+          </a:solidFill>
+        </p:spPr>
+        <p:style>
+          <a:lnRef idx="2">
+            <a:schemeClr val="accent1">
+              <a:shade val="50000"/>
+            </a:schemeClr>
+          </a:lnRef>
+          <a:fillRef idx="1">
+            <a:schemeClr val="accent1"/>
+          </a:fillRef>
+          <a:effectRef idx="0">
+            <a:schemeClr val="accent1"/>
+          </a:effectRef>
+          <a:fontRef idx="minor">
+            <a:schemeClr val="lt1"/>
+          </a:fontRef>
+        </p:style>
+        <p:txBody>
+          <a:bodyPr rtlCol="0" anchor="ctr"/>
+          <a:lstStyle/>
+          <a:p>
+            <a:pPr algn="ctr"/>
+            <a:r>
+              <a:rPr lang="en-US" altLang="ko-KR" dirty="0" smtClean="0">
+                <a:solidFill>
+                  <a:schemeClr val="tx1"/>
+                </a:solidFill>
+              </a:rPr>
+              <a:t>base</a:t>
+            </a:r>
+            <a:endParaRPr lang="ko-KR" altLang="en-US" dirty="0">
+              <a:solidFill>
+                <a:schemeClr val="tx1"/>
+              </a:solidFill>
+            </a:endParaRPr>
+          </a:p>
+        </p:txBody>
+      </p:sp>
+      <p:sp>
+        <p:nvSpPr>
+          <p:cNvPr id="28" name="직사각형 27"/>
+          <p:cNvSpPr/>
+          <p:nvPr/>
+        </p:nvSpPr>
+        <p:spPr>
+          <a:xfrm>
+            <a:off x="1115616" y="3140968"/>
+            <a:ext cx="1152128" cy="432048"/>
+          </a:xfrm>
+          <a:prstGeom prst="rect">
+            <a:avLst/>
+          </a:prstGeom>
+          <a:solidFill>
+            <a:schemeClr val="bg1"/>
+          </a:solidFill>
+        </p:spPr>
+        <p:style>
+          <a:lnRef idx="2">
+            <a:schemeClr val="accent1">
+              <a:shade val="50000"/>
+            </a:schemeClr>
+          </a:lnRef>
+          <a:fillRef idx="1">
+            <a:schemeClr val="accent1"/>
+          </a:fillRef>
+          <a:effectRef idx="0">
+            <a:schemeClr val="accent1"/>
+          </a:effectRef>
+          <a:fontRef idx="minor">
+            <a:schemeClr val="lt1"/>
+          </a:fontRef>
+        </p:style>
+        <p:txBody>
+          <a:bodyPr rtlCol="0" anchor="ctr"/>
+          <a:lstStyle/>
+          <a:p>
+            <a:pPr algn="ctr"/>
+            <a:endParaRPr lang="ko-KR" altLang="en-US"/>
+          </a:p>
+        </p:txBody>
+      </p:sp>
+      <p:sp>
+        <p:nvSpPr>
+          <p:cNvPr id="29" name="직사각형 28"/>
+          <p:cNvSpPr/>
+          <p:nvPr/>
+        </p:nvSpPr>
+        <p:spPr>
+          <a:xfrm>
+            <a:off x="251520" y="2708920"/>
+            <a:ext cx="864096" cy="432048"/>
+          </a:xfrm>
+          <a:prstGeom prst="rect">
+            <a:avLst/>
+          </a:prstGeom>
+          <a:solidFill>
+            <a:schemeClr val="bg1"/>
+          </a:solidFill>
+        </p:spPr>
+        <p:style>
+          <a:lnRef idx="2">
+            <a:schemeClr val="accent1">
+              <a:shade val="50000"/>
+            </a:schemeClr>
+          </a:lnRef>
+          <a:fillRef idx="1">
+            <a:schemeClr val="accent1"/>
+          </a:fillRef>
+          <a:effectRef idx="0">
+            <a:schemeClr val="accent1"/>
+          </a:effectRef>
+          <a:fontRef idx="minor">
+            <a:schemeClr val="lt1"/>
+          </a:fontRef>
+        </p:style>
+        <p:txBody>
+          <a:bodyPr rtlCol="0" anchor="ctr"/>
+          <a:lstStyle/>
+          <a:p>
+            <a:pPr algn="ctr"/>
+            <a:r>
+              <a:rPr lang="en-US" altLang="ko-KR" dirty="0" smtClean="0">
+                <a:solidFill>
+                  <a:schemeClr val="tx1"/>
+                </a:solidFill>
+              </a:rPr>
+              <a:t>max</a:t>
+            </a:r>
+            <a:endParaRPr lang="ko-KR" altLang="en-US" dirty="0">
+              <a:solidFill>
+                <a:schemeClr val="tx1"/>
+              </a:solidFill>
+            </a:endParaRPr>
+          </a:p>
+        </p:txBody>
+      </p:sp>
+      <p:sp>
+        <p:nvSpPr>
+          <p:cNvPr id="30" name="직사각형 29"/>
+          <p:cNvSpPr/>
+          <p:nvPr/>
+        </p:nvSpPr>
+        <p:spPr>
+          <a:xfrm>
+            <a:off x="1115616" y="2708920"/>
+            <a:ext cx="1152128" cy="432048"/>
+          </a:xfrm>
+          <a:prstGeom prst="rect">
+            <a:avLst/>
+          </a:prstGeom>
+          <a:solidFill>
+            <a:schemeClr val="bg1"/>
+          </a:solidFill>
+        </p:spPr>
+        <p:style>
+          <a:lnRef idx="2">
+            <a:schemeClr val="accent1">
+              <a:shade val="50000"/>
+            </a:schemeClr>
+          </a:lnRef>
+          <a:fillRef idx="1">
+            <a:schemeClr val="accent1"/>
+          </a:fillRef>
+          <a:effectRef idx="0">
+            <a:schemeClr val="accent1"/>
+          </a:effectRef>
+          <a:fontRef idx="minor">
+            <a:schemeClr val="lt1"/>
+          </a:fontRef>
+        </p:style>
+        <p:txBody>
+          <a:bodyPr rtlCol="0" anchor="ctr"/>
+          <a:lstStyle/>
+          <a:p>
+            <a:pPr algn="ctr"/>
+            <a:r>
+              <a:rPr lang="en-US" altLang="ko-KR" dirty="0" smtClean="0">
+                <a:solidFill>
+                  <a:schemeClr val="tx1"/>
+                </a:solidFill>
+              </a:rPr>
+              <a:t>5</a:t>
+            </a:r>
+            <a:endParaRPr lang="ko-KR" altLang="en-US" dirty="0">
+              <a:solidFill>
+                <a:schemeClr val="tx1"/>
+              </a:solidFill>
+            </a:endParaRPr>
+          </a:p>
+        </p:txBody>
+      </p:sp>
+      <p:sp>
+        <p:nvSpPr>
+          <p:cNvPr id="31" name="직사각형 30"/>
+          <p:cNvSpPr/>
+          <p:nvPr/>
+        </p:nvSpPr>
+        <p:spPr>
+          <a:xfrm>
+            <a:off x="251520" y="2276872"/>
+            <a:ext cx="864096" cy="432048"/>
+          </a:xfrm>
+          <a:prstGeom prst="rect">
+            <a:avLst/>
+          </a:prstGeom>
+          <a:solidFill>
+            <a:schemeClr val="bg1"/>
+          </a:solidFill>
+        </p:spPr>
+        <p:style>
+          <a:lnRef idx="2">
+            <a:schemeClr val="accent1">
+              <a:shade val="50000"/>
+            </a:schemeClr>
+          </a:lnRef>
+          <a:fillRef idx="1">
+            <a:schemeClr val="accent1"/>
+          </a:fillRef>
+          <a:effectRef idx="0">
+            <a:schemeClr val="accent1"/>
+          </a:effectRef>
+          <a:fontRef idx="minor">
+            <a:schemeClr val="lt1"/>
+          </a:fontRef>
+        </p:style>
+        <p:txBody>
+          <a:bodyPr rtlCol="0" anchor="ctr"/>
+          <a:lstStyle/>
+          <a:p>
+            <a:pPr algn="ctr"/>
+            <a:r>
+              <a:rPr lang="en-US" altLang="ko-KR" dirty="0" smtClean="0">
+                <a:solidFill>
+                  <a:schemeClr val="tx1"/>
+                </a:solidFill>
+              </a:rPr>
+              <a:t>size</a:t>
+            </a:r>
+            <a:endParaRPr lang="ko-KR" altLang="en-US" dirty="0">
+              <a:solidFill>
+                <a:schemeClr val="tx1"/>
+              </a:solidFill>
+            </a:endParaRPr>
+          </a:p>
+        </p:txBody>
+      </p:sp>
+      <p:sp>
+        <p:nvSpPr>
+          <p:cNvPr id="32" name="직사각형 31"/>
+          <p:cNvSpPr/>
+          <p:nvPr/>
+        </p:nvSpPr>
+        <p:spPr>
+          <a:xfrm>
+            <a:off x="1115616" y="2276872"/>
+            <a:ext cx="1152128" cy="432048"/>
+          </a:xfrm>
+          <a:prstGeom prst="rect">
+            <a:avLst/>
+          </a:prstGeom>
+          <a:solidFill>
+            <a:schemeClr val="bg1"/>
+          </a:solidFill>
+        </p:spPr>
+        <p:style>
+          <a:lnRef idx="2">
+            <a:schemeClr val="accent1">
+              <a:shade val="50000"/>
+            </a:schemeClr>
+          </a:lnRef>
+          <a:fillRef idx="1">
+            <a:schemeClr val="accent1"/>
+          </a:fillRef>
+          <a:effectRef idx="0">
+            <a:schemeClr val="accent1"/>
+          </a:effectRef>
+          <a:fontRef idx="minor">
+            <a:schemeClr val="lt1"/>
+          </a:fontRef>
+        </p:style>
+        <p:txBody>
+          <a:bodyPr rtlCol="0" anchor="ctr"/>
+          <a:lstStyle/>
+          <a:p>
+            <a:pPr algn="ctr"/>
+            <a:r>
+              <a:rPr lang="en-US" altLang="ko-KR" dirty="0" smtClean="0">
+                <a:solidFill>
+                  <a:srgbClr val="FF0000"/>
+                </a:solidFill>
+              </a:rPr>
+              <a:t>5</a:t>
+            </a:r>
+            <a:endParaRPr lang="ko-KR" altLang="en-US" dirty="0">
+              <a:solidFill>
+                <a:srgbClr val="FF0000"/>
+              </a:solidFill>
+            </a:endParaRPr>
+          </a:p>
+        </p:txBody>
+      </p:sp>
+      <p:sp>
+        <p:nvSpPr>
+          <p:cNvPr id="33" name="직사각형 32"/>
+          <p:cNvSpPr/>
+          <p:nvPr/>
+        </p:nvSpPr>
+        <p:spPr>
+          <a:xfrm>
+            <a:off x="3419872" y="3968388"/>
+            <a:ext cx="2218877" cy="369332"/>
+          </a:xfrm>
+          <a:prstGeom prst="rect">
+            <a:avLst/>
+          </a:prstGeom>
+        </p:spPr>
+        <p:txBody>
+          <a:bodyPr wrap="none">
+            <a:spAutoFit/>
+          </a:bodyPr>
+          <a:lstStyle/>
+          <a:p>
+            <a:r>
+              <a:rPr lang="ko-KR" altLang="en-US" dirty="0" err="1" smtClean="0"/>
+              <a:t>힙메모리공간</a:t>
+            </a:r>
+            <a:r>
+              <a:rPr lang="en-US" altLang="ko-KR" dirty="0" smtClean="0"/>
+              <a:t>[new]</a:t>
+            </a:r>
+            <a:r>
+              <a:rPr lang="ko-KR" altLang="en-US" dirty="0" smtClean="0"/>
+              <a:t> </a:t>
+            </a:r>
+            <a:endParaRPr lang="ko-KR" altLang="en-US" dirty="0"/>
+          </a:p>
+        </p:txBody>
+      </p:sp>
+      <p:cxnSp>
+        <p:nvCxnSpPr>
+          <p:cNvPr id="37" name="직선 화살표 연결선 36"/>
+          <p:cNvCxnSpPr>
+            <a:endCxn id="4" idx="1"/>
+          </p:cNvCxnSpPr>
+          <p:nvPr/>
+        </p:nvCxnSpPr>
+        <p:spPr>
+          <a:xfrm>
+            <a:off x="1979712" y="3356992"/>
+            <a:ext cx="1008112" cy="288032"/>
+          </a:xfrm>
+          <a:prstGeom prst="straightConnector1">
+            <a:avLst/>
+          </a:prstGeom>
+          <a:ln w="25400">
+            <a:solidFill>
+              <a:srgbClr val="FF0000"/>
+            </a:solidFill>
+            <a:tailEnd type="arrow"/>
+          </a:ln>
+        </p:spPr>
+        <p:style>
+          <a:lnRef idx="1">
+            <a:schemeClr val="accent1"/>
+          </a:lnRef>
+          <a:fillRef idx="0">
+            <a:schemeClr val="accent1"/>
+          </a:fillRef>
+          <a:effectRef idx="0">
+            <a:schemeClr val="accent1"/>
+          </a:effectRef>
+          <a:fontRef idx="minor">
+            <a:schemeClr val="tx1"/>
+          </a:fontRef>
+        </p:style>
+      </p:cxnSp>
+      <p:sp>
+        <p:nvSpPr>
+          <p:cNvPr id="34" name="직사각형 33"/>
+          <p:cNvSpPr/>
+          <p:nvPr/>
+        </p:nvSpPr>
+        <p:spPr>
+          <a:xfrm>
+            <a:off x="3923928" y="3429000"/>
+            <a:ext cx="1008112" cy="360040"/>
+          </a:xfrm>
+          <a:prstGeom prst="rect">
+            <a:avLst/>
+          </a:prstGeom>
+        </p:spPr>
+        <p:style>
+          <a:lnRef idx="2">
+            <a:schemeClr val="accent1">
+              <a:shade val="50000"/>
+            </a:schemeClr>
+          </a:lnRef>
+          <a:fillRef idx="1">
+            <a:schemeClr val="accent1"/>
+          </a:fillRef>
+          <a:effectRef idx="0">
+            <a:schemeClr val="accent1"/>
+          </a:effectRef>
+          <a:fontRef idx="minor">
+            <a:schemeClr val="lt1"/>
+          </a:fontRef>
+        </p:style>
+        <p:txBody>
+          <a:bodyPr rtlCol="0" anchor="ctr"/>
+          <a:lstStyle/>
+          <a:p>
+            <a:pPr algn="ctr"/>
+            <a:r>
+              <a:rPr lang="en-US" altLang="ko-KR" dirty="0" smtClean="0"/>
+              <a:t>1</a:t>
+            </a:r>
+            <a:endParaRPr lang="ko-KR" altLang="en-US" dirty="0"/>
+          </a:p>
+        </p:txBody>
+      </p:sp>
+      <p:sp>
+        <p:nvSpPr>
+          <p:cNvPr id="35" name="직사각형 34"/>
+          <p:cNvSpPr/>
+          <p:nvPr/>
+        </p:nvSpPr>
+        <p:spPr>
+          <a:xfrm>
+            <a:off x="5724128" y="2636912"/>
+            <a:ext cx="3240360" cy="1080120"/>
+          </a:xfrm>
+          <a:prstGeom prst="rect">
+            <a:avLst/>
+          </a:prstGeom>
+          <a:solidFill>
+            <a:schemeClr val="bg1"/>
+          </a:solidFill>
+        </p:spPr>
+        <p:style>
+          <a:lnRef idx="2">
+            <a:schemeClr val="accent1">
+              <a:shade val="50000"/>
+            </a:schemeClr>
+          </a:lnRef>
+          <a:fillRef idx="1">
+            <a:schemeClr val="accent1"/>
+          </a:fillRef>
+          <a:effectRef idx="0">
+            <a:schemeClr val="accent1"/>
+          </a:effectRef>
+          <a:fontRef idx="minor">
+            <a:schemeClr val="lt1"/>
+          </a:fontRef>
+        </p:style>
+        <p:txBody>
+          <a:bodyPr rtlCol="0" anchor="ctr"/>
+          <a:lstStyle/>
+          <a:p>
+            <a:r>
+              <a:rPr lang="en-US" altLang="ko-KR" dirty="0" smtClean="0">
+                <a:solidFill>
+                  <a:schemeClr val="tx1"/>
+                </a:solidFill>
+              </a:rPr>
+              <a:t>+ Delete(</a:t>
+            </a:r>
+            <a:r>
+              <a:rPr lang="en-US" altLang="ko-KR" dirty="0" err="1" smtClean="0">
+                <a:solidFill>
+                  <a:schemeClr val="tx1"/>
+                </a:solidFill>
+              </a:rPr>
+              <a:t>int</a:t>
+            </a:r>
+            <a:r>
+              <a:rPr lang="en-US" altLang="ko-KR" dirty="0" smtClean="0">
+                <a:solidFill>
+                  <a:schemeClr val="tx1"/>
+                </a:solidFill>
+              </a:rPr>
+              <a:t> </a:t>
+            </a:r>
+            <a:r>
+              <a:rPr lang="en-US" altLang="ko-KR" dirty="0" err="1" smtClean="0">
+                <a:solidFill>
+                  <a:schemeClr val="tx1"/>
+                </a:solidFill>
+              </a:rPr>
+              <a:t>idx</a:t>
+            </a:r>
+            <a:r>
+              <a:rPr lang="en-US" altLang="ko-KR" dirty="0" smtClean="0">
+                <a:solidFill>
+                  <a:schemeClr val="tx1"/>
+                </a:solidFill>
+              </a:rPr>
+              <a:t>) : void</a:t>
+            </a:r>
+          </a:p>
+          <a:p>
+            <a:r>
+              <a:rPr lang="en-US" altLang="ko-KR" dirty="0">
+                <a:solidFill>
+                  <a:schemeClr val="tx1"/>
+                </a:solidFill>
+              </a:rPr>
+              <a:t> </a:t>
+            </a:r>
+            <a:r>
+              <a:rPr lang="en-US" altLang="ko-KR" dirty="0" smtClean="0">
+                <a:solidFill>
+                  <a:schemeClr val="tx1"/>
+                </a:solidFill>
+              </a:rPr>
+              <a:t>                (1)</a:t>
+            </a:r>
+            <a:endParaRPr lang="ko-KR" altLang="en-US" dirty="0">
+              <a:solidFill>
+                <a:schemeClr val="tx1"/>
+              </a:solidFill>
+            </a:endParaRPr>
+          </a:p>
+        </p:txBody>
+      </p:sp>
+      <p:sp>
+        <p:nvSpPr>
+          <p:cNvPr id="36" name="직사각형 35"/>
+          <p:cNvSpPr/>
+          <p:nvPr/>
+        </p:nvSpPr>
+        <p:spPr>
+          <a:xfrm>
+            <a:off x="5292080" y="3501008"/>
+            <a:ext cx="1008112" cy="360040"/>
+          </a:xfrm>
+          <a:prstGeom prst="rect">
+            <a:avLst/>
+          </a:prstGeom>
+          <a:solidFill>
+            <a:schemeClr val="accent2">
+              <a:lumMod val="60000"/>
+              <a:lumOff val="40000"/>
+            </a:schemeClr>
+          </a:solidFill>
+        </p:spPr>
+        <p:style>
+          <a:lnRef idx="2">
+            <a:schemeClr val="accent1">
+              <a:shade val="50000"/>
+            </a:schemeClr>
+          </a:lnRef>
+          <a:fillRef idx="1">
+            <a:schemeClr val="accent1"/>
+          </a:fillRef>
+          <a:effectRef idx="0">
+            <a:schemeClr val="accent1"/>
+          </a:effectRef>
+          <a:fontRef idx="minor">
+            <a:schemeClr val="lt1"/>
+          </a:fontRef>
+        </p:style>
+        <p:txBody>
+          <a:bodyPr rtlCol="0" anchor="ctr"/>
+          <a:lstStyle/>
+          <a:p>
+            <a:pPr algn="ctr"/>
+            <a:r>
+              <a:rPr lang="en-US" altLang="ko-KR" dirty="0" smtClean="0"/>
+              <a:t>2</a:t>
+            </a:r>
+            <a:endParaRPr lang="ko-KR" altLang="en-US" dirty="0"/>
+          </a:p>
+        </p:txBody>
+      </p:sp>
+      <p:sp>
+        <p:nvSpPr>
+          <p:cNvPr id="38" name="직사각형 37"/>
+          <p:cNvSpPr/>
+          <p:nvPr/>
+        </p:nvSpPr>
+        <p:spPr>
+          <a:xfrm>
+            <a:off x="3923928" y="3068960"/>
+            <a:ext cx="1008112" cy="360040"/>
+          </a:xfrm>
+          <a:prstGeom prst="rect">
+            <a:avLst/>
+          </a:prstGeom>
+        </p:spPr>
+        <p:style>
+          <a:lnRef idx="2">
+            <a:schemeClr val="accent1">
+              <a:shade val="50000"/>
+            </a:schemeClr>
+          </a:lnRef>
+          <a:fillRef idx="1">
+            <a:schemeClr val="accent1"/>
+          </a:fillRef>
+          <a:effectRef idx="0">
+            <a:schemeClr val="accent1"/>
+          </a:effectRef>
+          <a:fontRef idx="minor">
+            <a:schemeClr val="lt1"/>
+          </a:fontRef>
+        </p:style>
+        <p:txBody>
+          <a:bodyPr rtlCol="0" anchor="ctr"/>
+          <a:lstStyle/>
+          <a:p>
+            <a:pPr algn="ctr"/>
+            <a:r>
+              <a:rPr lang="en-US" altLang="ko-KR" dirty="0" smtClean="0"/>
+              <a:t>3</a:t>
+            </a:r>
+            <a:endParaRPr lang="ko-KR" altLang="en-US" dirty="0"/>
+          </a:p>
+        </p:txBody>
+      </p:sp>
+      <p:sp>
+        <p:nvSpPr>
+          <p:cNvPr id="39" name="직사각형 38"/>
+          <p:cNvSpPr/>
+          <p:nvPr/>
+        </p:nvSpPr>
+        <p:spPr>
+          <a:xfrm>
+            <a:off x="3923928" y="2636912"/>
+            <a:ext cx="1008112" cy="360040"/>
+          </a:xfrm>
+          <a:prstGeom prst="rect">
+            <a:avLst/>
+          </a:prstGeom>
+        </p:spPr>
+        <p:style>
+          <a:lnRef idx="2">
+            <a:schemeClr val="accent1">
+              <a:shade val="50000"/>
+            </a:schemeClr>
+          </a:lnRef>
+          <a:fillRef idx="1">
+            <a:schemeClr val="accent1"/>
+          </a:fillRef>
+          <a:effectRef idx="0">
+            <a:schemeClr val="accent1"/>
+          </a:effectRef>
+          <a:fontRef idx="minor">
+            <a:schemeClr val="lt1"/>
+          </a:fontRef>
+        </p:style>
+        <p:txBody>
+          <a:bodyPr rtlCol="0" anchor="ctr"/>
+          <a:lstStyle/>
+          <a:p>
+            <a:pPr algn="ctr"/>
+            <a:r>
+              <a:rPr lang="en-US" altLang="ko-KR" dirty="0" smtClean="0"/>
+              <a:t>4</a:t>
+            </a:r>
+            <a:endParaRPr lang="ko-KR" altLang="en-US" dirty="0"/>
+          </a:p>
+        </p:txBody>
+      </p:sp>
+      <p:sp>
+        <p:nvSpPr>
+          <p:cNvPr id="40" name="직사각형 39"/>
+          <p:cNvSpPr/>
+          <p:nvPr/>
+        </p:nvSpPr>
+        <p:spPr>
+          <a:xfrm>
+            <a:off x="3923928" y="2132856"/>
+            <a:ext cx="1008112" cy="360040"/>
+          </a:xfrm>
+          <a:prstGeom prst="rect">
+            <a:avLst/>
+          </a:prstGeom>
+        </p:spPr>
+        <p:style>
+          <a:lnRef idx="2">
+            <a:schemeClr val="accent1">
+              <a:shade val="50000"/>
+            </a:schemeClr>
+          </a:lnRef>
+          <a:fillRef idx="1">
+            <a:schemeClr val="accent1"/>
+          </a:fillRef>
+          <a:effectRef idx="0">
+            <a:schemeClr val="accent1"/>
+          </a:effectRef>
+          <a:fontRef idx="minor">
+            <a:schemeClr val="lt1"/>
+          </a:fontRef>
+        </p:style>
+        <p:txBody>
+          <a:bodyPr rtlCol="0" anchor="ctr"/>
+          <a:lstStyle/>
+          <a:p>
+            <a:pPr algn="ctr"/>
+            <a:r>
+              <a:rPr lang="en-US" altLang="ko-KR" dirty="0" smtClean="0"/>
+              <a:t>5</a:t>
+            </a:r>
+            <a:endParaRPr lang="ko-KR" altLang="en-US" dirty="0"/>
+          </a:p>
+        </p:txBody>
+      </p:sp>
+      <p:sp>
+        <p:nvSpPr>
+          <p:cNvPr id="41" name="직사각형 40"/>
+          <p:cNvSpPr/>
+          <p:nvPr/>
+        </p:nvSpPr>
+        <p:spPr>
+          <a:xfrm>
+            <a:off x="6084168" y="4077072"/>
+            <a:ext cx="2182521" cy="923330"/>
+          </a:xfrm>
+          <a:prstGeom prst="rect">
+            <a:avLst/>
+          </a:prstGeom>
+        </p:spPr>
+        <p:txBody>
+          <a:bodyPr wrap="none">
+            <a:spAutoFit/>
+          </a:bodyPr>
+          <a:lstStyle/>
+          <a:p>
+            <a:r>
+              <a:rPr lang="en-US" altLang="ko-KR" b="1" dirty="0" smtClean="0"/>
+              <a:t>Base[</a:t>
+            </a:r>
+            <a:r>
+              <a:rPr lang="en-US" altLang="ko-KR" b="1" dirty="0" smtClean="0">
+                <a:solidFill>
+                  <a:srgbClr val="FF0000"/>
+                </a:solidFill>
+              </a:rPr>
+              <a:t>1</a:t>
+            </a:r>
+            <a:r>
+              <a:rPr lang="en-US" altLang="ko-KR" b="1" dirty="0" smtClean="0"/>
+              <a:t>] = base[2];</a:t>
+            </a:r>
+          </a:p>
+          <a:p>
+            <a:r>
+              <a:rPr lang="en-US" altLang="ko-KR" b="1" dirty="0" smtClean="0"/>
+              <a:t>Base[2] = base[3];</a:t>
+            </a:r>
+          </a:p>
+          <a:p>
+            <a:r>
+              <a:rPr lang="en-US" altLang="ko-KR" b="1" dirty="0" smtClean="0"/>
+              <a:t>Base[</a:t>
+            </a:r>
+            <a:r>
+              <a:rPr lang="en-US" altLang="ko-KR" b="1" dirty="0" smtClean="0">
+                <a:solidFill>
+                  <a:srgbClr val="FF0000"/>
+                </a:solidFill>
+              </a:rPr>
+              <a:t>3</a:t>
+            </a:r>
+            <a:r>
+              <a:rPr lang="en-US" altLang="ko-KR" b="1" dirty="0" smtClean="0"/>
+              <a:t>] = base[4];</a:t>
+            </a:r>
+            <a:endParaRPr lang="ko-KR" altLang="en-US" b="1" dirty="0"/>
+          </a:p>
+        </p:txBody>
+      </p:sp>
+      <p:sp>
+        <p:nvSpPr>
+          <p:cNvPr id="42" name="직사각형 41"/>
+          <p:cNvSpPr/>
+          <p:nvPr/>
+        </p:nvSpPr>
+        <p:spPr>
+          <a:xfrm>
+            <a:off x="3923928" y="1772816"/>
+            <a:ext cx="1008112" cy="360040"/>
+          </a:xfrm>
+          <a:prstGeom prst="rect">
+            <a:avLst/>
+          </a:prstGeom>
+        </p:spPr>
+        <p:style>
+          <a:lnRef idx="2">
+            <a:schemeClr val="accent1">
+              <a:shade val="50000"/>
+            </a:schemeClr>
+          </a:lnRef>
+          <a:fillRef idx="1">
+            <a:schemeClr val="accent1"/>
+          </a:fillRef>
+          <a:effectRef idx="0">
+            <a:schemeClr val="accent1"/>
+          </a:effectRef>
+          <a:fontRef idx="minor">
+            <a:schemeClr val="lt1"/>
+          </a:fontRef>
+        </p:style>
+        <p:txBody>
+          <a:bodyPr rtlCol="0" anchor="ctr"/>
+          <a:lstStyle/>
+          <a:p>
+            <a:pPr algn="ctr"/>
+            <a:r>
+              <a:rPr lang="en-US" altLang="ko-KR" dirty="0" smtClean="0"/>
+              <a:t>5</a:t>
+            </a:r>
+            <a:endParaRPr lang="ko-KR" altLang="en-US" dirty="0"/>
+          </a:p>
+        </p:txBody>
+      </p:sp>
+      <p:sp>
+        <p:nvSpPr>
+          <p:cNvPr id="43" name="직사각형 42"/>
+          <p:cNvSpPr/>
+          <p:nvPr/>
+        </p:nvSpPr>
+        <p:spPr>
+          <a:xfrm>
+            <a:off x="5436096" y="5157192"/>
+            <a:ext cx="3499676" cy="1477328"/>
+          </a:xfrm>
+          <a:prstGeom prst="rect">
+            <a:avLst/>
+          </a:prstGeom>
+          <a:ln>
+            <a:solidFill>
+              <a:schemeClr val="accent1"/>
+            </a:solidFill>
+          </a:ln>
+        </p:spPr>
+        <p:txBody>
+          <a:bodyPr wrap="none">
+            <a:spAutoFit/>
+          </a:bodyPr>
+          <a:lstStyle/>
+          <a:p>
+            <a:r>
+              <a:rPr lang="en-US" altLang="ko-KR" b="1" dirty="0" smtClean="0"/>
+              <a:t>for(</a:t>
+            </a:r>
+            <a:r>
+              <a:rPr lang="en-US" altLang="ko-KR" b="1" dirty="0" err="1" smtClean="0"/>
+              <a:t>int</a:t>
+            </a:r>
+            <a:r>
+              <a:rPr lang="en-US" altLang="ko-KR" b="1" dirty="0" smtClean="0"/>
+              <a:t> I = </a:t>
+            </a:r>
+            <a:r>
+              <a:rPr lang="en-US" altLang="ko-KR" b="1" dirty="0" err="1" smtClean="0">
+                <a:solidFill>
+                  <a:srgbClr val="FF0000"/>
+                </a:solidFill>
+              </a:rPr>
+              <a:t>idx</a:t>
+            </a:r>
+            <a:r>
+              <a:rPr lang="en-US" altLang="ko-KR" b="1" dirty="0" smtClean="0"/>
+              <a:t>; </a:t>
+            </a:r>
+            <a:r>
+              <a:rPr lang="en-US" altLang="ko-KR" b="1" dirty="0" err="1" smtClean="0"/>
+              <a:t>i</a:t>
+            </a:r>
+            <a:r>
+              <a:rPr lang="en-US" altLang="ko-KR" b="1" dirty="0" smtClean="0"/>
+              <a:t>&lt; </a:t>
+            </a:r>
+            <a:r>
+              <a:rPr lang="en-US" altLang="ko-KR" b="1" dirty="0" smtClean="0">
+                <a:solidFill>
+                  <a:srgbClr val="FF0000"/>
+                </a:solidFill>
+              </a:rPr>
+              <a:t>size-1</a:t>
+            </a:r>
+            <a:r>
+              <a:rPr lang="en-US" altLang="ko-KR" b="1" dirty="0" smtClean="0"/>
+              <a:t>;  </a:t>
+            </a:r>
+            <a:r>
+              <a:rPr lang="en-US" altLang="ko-KR" b="1" dirty="0" err="1" smtClean="0"/>
+              <a:t>i</a:t>
+            </a:r>
+            <a:r>
+              <a:rPr lang="en-US" altLang="ko-KR" b="1" dirty="0" smtClean="0"/>
+              <a:t>++)</a:t>
+            </a:r>
+            <a:br>
+              <a:rPr lang="en-US" altLang="ko-KR" b="1" dirty="0" smtClean="0"/>
+            </a:br>
+            <a:r>
+              <a:rPr lang="en-US" altLang="ko-KR" b="1" dirty="0" smtClean="0"/>
+              <a:t>{</a:t>
+            </a:r>
+          </a:p>
+          <a:p>
+            <a:endParaRPr lang="en-US" altLang="ko-KR" b="1" dirty="0"/>
+          </a:p>
+          <a:p>
+            <a:r>
+              <a:rPr lang="en-US" altLang="ko-KR" b="1" dirty="0" smtClean="0"/>
+              <a:t>     base[</a:t>
+            </a:r>
+            <a:r>
+              <a:rPr lang="en-US" altLang="ko-KR" b="1" dirty="0" err="1" smtClean="0"/>
+              <a:t>i</a:t>
+            </a:r>
+            <a:r>
+              <a:rPr lang="en-US" altLang="ko-KR" b="1" dirty="0" smtClean="0"/>
+              <a:t>] = base[i+1];</a:t>
+            </a:r>
+            <a:br>
+              <a:rPr lang="en-US" altLang="ko-KR" b="1" dirty="0" smtClean="0"/>
+            </a:br>
+            <a:r>
+              <a:rPr lang="en-US" altLang="ko-KR" b="1" dirty="0" smtClean="0"/>
+              <a:t>}</a:t>
+            </a:r>
+            <a:endParaRPr lang="ko-KR" altLang="en-US" b="1" dirty="0"/>
+          </a:p>
+        </p:txBody>
+      </p:sp>
+    </p:spTree>
+  </p:cSld>
+  <p:clrMapOvr>
+    <a:masterClrMapping/>
+  </p:clrMapOvr>
+</p:sld>
+</file>
+
+<file path=ppt/slides/slide9.xml><?xml version="1.0" encoding="utf-8"?>
+<p:sld xmlns:a="http://schemas.openxmlformats.org/drawingml/2006/main" xmlns:r="http://schemas.openxmlformats.org/officeDocument/2006/relationships" xmlns:p="http://schemas.openxmlformats.org/presentationml/2006/main">
+  <p:cSld>
+    <p:spTree>
+      <p:nvGrpSpPr>
+        <p:cNvPr id="1" name=""/>
+        <p:cNvGrpSpPr/>
+        <p:nvPr/>
+      </p:nvGrpSpPr>
+      <p:grpSpPr>
+        <a:xfrm>
+          <a:off x="0" y="0"/>
+          <a:ext cx="0" cy="0"/>
+          <a:chOff x="0" y="0"/>
+          <a:chExt cx="0" cy="0"/>
+        </a:xfrm>
+      </p:grpSpPr>
+      <p:sp>
+        <p:nvSpPr>
+          <p:cNvPr id="5" name="TextBox 4"/>
+          <p:cNvSpPr txBox="1"/>
+          <p:nvPr/>
+        </p:nvSpPr>
+        <p:spPr>
+          <a:xfrm>
+            <a:off x="251520" y="260648"/>
+            <a:ext cx="5976664" cy="400110"/>
+          </a:xfrm>
+          <a:prstGeom prst="rect">
+            <a:avLst/>
+          </a:prstGeom>
+          <a:noFill/>
+        </p:spPr>
+        <p:txBody>
+          <a:bodyPr wrap="square" rtlCol="0">
+            <a:spAutoFit/>
+          </a:bodyPr>
+          <a:lstStyle/>
+          <a:p>
+            <a:r>
+              <a:rPr lang="ko-KR" altLang="en-US" sz="2000" b="1" dirty="0" smtClean="0"/>
+              <a:t>자료구조 </a:t>
+            </a:r>
+            <a:r>
+              <a:rPr lang="en-US" altLang="ko-KR" sz="2000" b="1" dirty="0" smtClean="0"/>
+              <a:t>1</a:t>
+            </a:r>
+            <a:r>
+              <a:rPr lang="ko-KR" altLang="en-US" sz="2000" b="1" dirty="0" smtClean="0"/>
+              <a:t>일차</a:t>
+            </a:r>
+            <a:r>
+              <a:rPr lang="en-US" altLang="ko-KR" sz="2000" b="1" dirty="0" smtClean="0"/>
+              <a:t>(</a:t>
+            </a:r>
+            <a:r>
+              <a:rPr lang="ko-KR" altLang="en-US" sz="2000" b="1" dirty="0" smtClean="0"/>
+              <a:t>배열</a:t>
+            </a:r>
+            <a:r>
+              <a:rPr lang="en-US" altLang="ko-KR" sz="2000" b="1" dirty="0" smtClean="0"/>
+              <a:t>, </a:t>
+            </a:r>
+            <a:r>
+              <a:rPr lang="ko-KR" altLang="en-US" sz="2000" b="1" dirty="0" smtClean="0"/>
+              <a:t>프로그램의 구조</a:t>
+            </a:r>
+            <a:r>
+              <a:rPr lang="en-US" altLang="ko-KR" sz="2000" b="1" dirty="0" smtClean="0"/>
+              <a:t>)</a:t>
+            </a:r>
+            <a:endParaRPr lang="ko-KR" altLang="en-US" sz="2000" b="1" dirty="0"/>
+          </a:p>
+        </p:txBody>
+      </p:sp>
+      <p:sp>
+        <p:nvSpPr>
+          <p:cNvPr id="6" name="직사각형 5"/>
+          <p:cNvSpPr/>
+          <p:nvPr/>
+        </p:nvSpPr>
+        <p:spPr>
+          <a:xfrm>
+            <a:off x="251520" y="836712"/>
+            <a:ext cx="6683240" cy="1015663"/>
+          </a:xfrm>
+          <a:prstGeom prst="rect">
+            <a:avLst/>
+          </a:prstGeom>
+        </p:spPr>
+        <p:txBody>
+          <a:bodyPr wrap="none">
+            <a:spAutoFit/>
+          </a:bodyPr>
+          <a:lstStyle/>
+          <a:p>
+            <a:r>
+              <a:rPr lang="en-US" altLang="ko-KR" sz="2000" b="1" dirty="0" smtClean="0"/>
+              <a:t>4</a:t>
+            </a:r>
+            <a:r>
+              <a:rPr lang="ko-KR" altLang="en-US" sz="2000" b="1" dirty="0" smtClean="0"/>
+              <a:t>단계 </a:t>
+            </a:r>
+            <a:r>
+              <a:rPr lang="en-US" altLang="ko-KR" sz="2000" b="1" dirty="0" smtClean="0"/>
+              <a:t>: Select(</a:t>
+            </a:r>
+            <a:r>
+              <a:rPr lang="ko-KR" altLang="en-US" sz="2000" b="1" dirty="0" smtClean="0"/>
+              <a:t>검색</a:t>
+            </a:r>
+            <a:r>
+              <a:rPr lang="en-US" altLang="ko-KR" sz="2000" b="1" dirty="0" smtClean="0"/>
+              <a:t>)</a:t>
+            </a:r>
+          </a:p>
+          <a:p>
+            <a:r>
+              <a:rPr lang="en-US" altLang="ko-KR" sz="2000" b="1" dirty="0"/>
+              <a:t> </a:t>
+            </a:r>
+            <a:r>
+              <a:rPr lang="en-US" altLang="ko-KR" sz="2000" b="1" dirty="0" smtClean="0"/>
+              <a:t>  - </a:t>
+            </a:r>
+            <a:r>
+              <a:rPr lang="ko-KR" altLang="en-US" sz="2000" b="1" dirty="0" smtClean="0"/>
+              <a:t>순차검색 </a:t>
+            </a:r>
+            <a:r>
+              <a:rPr lang="en-US" altLang="ko-KR" sz="2000" b="1" dirty="0" smtClean="0"/>
+              <a:t>: </a:t>
+            </a:r>
+            <a:r>
+              <a:rPr lang="ko-KR" altLang="en-US" sz="2000" b="1" dirty="0" smtClean="0"/>
+              <a:t>시작 </a:t>
+            </a:r>
+            <a:r>
+              <a:rPr lang="en-US" altLang="ko-KR" sz="2000" b="1" dirty="0" smtClean="0"/>
+              <a:t>-&gt; </a:t>
+            </a:r>
+            <a:r>
+              <a:rPr lang="ko-KR" altLang="en-US" sz="2000" b="1" dirty="0" smtClean="0"/>
+              <a:t>끝 순차적으로 </a:t>
+            </a:r>
+            <a:r>
+              <a:rPr lang="en-US" altLang="ko-KR" sz="2000" b="1" dirty="0" smtClean="0">
+                <a:sym typeface="Wingdings" pitchFamily="2" charset="2"/>
+              </a:rPr>
+              <a:t> </a:t>
+            </a:r>
+            <a:r>
+              <a:rPr lang="ko-KR" altLang="en-US" sz="2000" b="1" dirty="0" smtClean="0">
+                <a:sym typeface="Wingdings" pitchFamily="2" charset="2"/>
+              </a:rPr>
+              <a:t>오늘 구현 내용</a:t>
+            </a:r>
+            <a:endParaRPr lang="en-US" altLang="ko-KR" sz="2000" b="1" dirty="0" smtClean="0"/>
+          </a:p>
+          <a:p>
+            <a:r>
+              <a:rPr lang="en-US" altLang="ko-KR" sz="2000" b="1" dirty="0"/>
+              <a:t> </a:t>
+            </a:r>
+            <a:r>
+              <a:rPr lang="en-US" altLang="ko-KR" sz="2000" b="1" dirty="0" smtClean="0"/>
+              <a:t>  - </a:t>
+            </a:r>
+            <a:r>
+              <a:rPr lang="ko-KR" altLang="en-US" sz="2000" b="1" dirty="0" err="1" smtClean="0"/>
+              <a:t>이분법적검색</a:t>
+            </a:r>
+            <a:r>
+              <a:rPr lang="ko-KR" altLang="en-US" sz="2000" b="1" dirty="0" smtClean="0"/>
+              <a:t> </a:t>
+            </a:r>
+            <a:r>
+              <a:rPr lang="en-US" altLang="ko-KR" sz="2000" b="1" dirty="0" smtClean="0"/>
+              <a:t>: </a:t>
+            </a:r>
+            <a:r>
+              <a:rPr lang="ko-KR" altLang="en-US" sz="2000" b="1" dirty="0" smtClean="0"/>
+              <a:t>정렬을 전제로 한다</a:t>
+            </a:r>
+            <a:r>
+              <a:rPr lang="en-US" altLang="ko-KR" sz="2000" b="1" dirty="0" smtClean="0"/>
+              <a:t>.</a:t>
+            </a:r>
+            <a:endParaRPr lang="ko-KR" altLang="en-US" sz="2000" b="1" dirty="0"/>
+          </a:p>
+        </p:txBody>
+      </p:sp>
+      <p:sp>
+        <p:nvSpPr>
+          <p:cNvPr id="4" name="직사각형 3"/>
+          <p:cNvSpPr/>
+          <p:nvPr/>
+        </p:nvSpPr>
+        <p:spPr>
+          <a:xfrm>
+            <a:off x="6493075" y="4077072"/>
+            <a:ext cx="864096" cy="432048"/>
+          </a:xfrm>
+          <a:prstGeom prst="rect">
+            <a:avLst/>
+          </a:prstGeom>
+          <a:solidFill>
+            <a:schemeClr val="bg1"/>
+          </a:solidFill>
+        </p:spPr>
+        <p:style>
+          <a:lnRef idx="2">
+            <a:schemeClr val="accent1">
+              <a:shade val="50000"/>
+            </a:schemeClr>
+          </a:lnRef>
+          <a:fillRef idx="1">
+            <a:schemeClr val="accent1"/>
+          </a:fillRef>
+          <a:effectRef idx="0">
+            <a:schemeClr val="accent1"/>
+          </a:effectRef>
+          <a:fontRef idx="minor">
+            <a:schemeClr val="lt1"/>
+          </a:fontRef>
+        </p:style>
+        <p:txBody>
+          <a:bodyPr rtlCol="0" anchor="ctr"/>
+          <a:lstStyle/>
+          <a:p>
+            <a:pPr algn="ctr"/>
+            <a:r>
+              <a:rPr lang="en-US" altLang="ko-KR" dirty="0" smtClean="0">
+                <a:solidFill>
+                  <a:schemeClr val="tx1"/>
+                </a:solidFill>
+              </a:rPr>
+              <a:t>0</a:t>
+            </a:r>
+            <a:endParaRPr lang="ko-KR" altLang="en-US" dirty="0">
+              <a:solidFill>
+                <a:schemeClr val="tx1"/>
+              </a:solidFill>
+            </a:endParaRPr>
+          </a:p>
+        </p:txBody>
+      </p:sp>
+      <p:sp>
+        <p:nvSpPr>
+          <p:cNvPr id="7" name="직사각형 6"/>
+          <p:cNvSpPr/>
+          <p:nvPr/>
+        </p:nvSpPr>
+        <p:spPr>
+          <a:xfrm>
+            <a:off x="7357171" y="4077072"/>
+            <a:ext cx="1080120" cy="432048"/>
+          </a:xfrm>
+          <a:prstGeom prst="rect">
+            <a:avLst/>
+          </a:prstGeom>
+          <a:solidFill>
+            <a:schemeClr val="bg1"/>
+          </a:solidFill>
+        </p:spPr>
+        <p:style>
+          <a:lnRef idx="2">
+            <a:schemeClr val="accent1">
+              <a:shade val="50000"/>
+            </a:schemeClr>
+          </a:lnRef>
+          <a:fillRef idx="1">
+            <a:schemeClr val="accent1"/>
+          </a:fillRef>
+          <a:effectRef idx="0">
+            <a:schemeClr val="accent1"/>
+          </a:effectRef>
+          <a:fontRef idx="minor">
+            <a:schemeClr val="lt1"/>
+          </a:fontRef>
+        </p:style>
+        <p:txBody>
+          <a:bodyPr rtlCol="0" anchor="ctr"/>
+          <a:lstStyle/>
+          <a:p>
+            <a:pPr algn="ctr"/>
+            <a:endParaRPr lang="ko-KR" altLang="en-US"/>
+          </a:p>
+        </p:txBody>
+      </p:sp>
+      <p:sp>
+        <p:nvSpPr>
+          <p:cNvPr id="8" name="직사각형 7"/>
+          <p:cNvSpPr/>
+          <p:nvPr/>
+        </p:nvSpPr>
+        <p:spPr>
+          <a:xfrm>
+            <a:off x="6493075" y="3645024"/>
+            <a:ext cx="864096" cy="432048"/>
+          </a:xfrm>
+          <a:prstGeom prst="rect">
+            <a:avLst/>
+          </a:prstGeom>
+          <a:solidFill>
+            <a:schemeClr val="accent2">
+              <a:lumMod val="60000"/>
+              <a:lumOff val="40000"/>
+            </a:schemeClr>
+          </a:solidFill>
+        </p:spPr>
+        <p:style>
+          <a:lnRef idx="2">
+            <a:schemeClr val="accent1">
+              <a:shade val="50000"/>
+            </a:schemeClr>
+          </a:lnRef>
+          <a:fillRef idx="1">
+            <a:schemeClr val="accent1"/>
+          </a:fillRef>
+          <a:effectRef idx="0">
+            <a:schemeClr val="accent1"/>
+          </a:effectRef>
+          <a:fontRef idx="minor">
+            <a:schemeClr val="lt1"/>
+          </a:fontRef>
+        </p:style>
+        <p:txBody>
+          <a:bodyPr rtlCol="0" anchor="ctr"/>
+          <a:lstStyle/>
+          <a:p>
+            <a:pPr algn="ctr"/>
+            <a:r>
+              <a:rPr lang="en-US" altLang="ko-KR" dirty="0" smtClean="0">
+                <a:solidFill>
+                  <a:schemeClr val="tx1"/>
+                </a:solidFill>
+              </a:rPr>
+              <a:t>1</a:t>
+            </a:r>
+            <a:endParaRPr lang="ko-KR" altLang="en-US" dirty="0">
+              <a:solidFill>
+                <a:schemeClr val="tx1"/>
+              </a:solidFill>
+            </a:endParaRPr>
+          </a:p>
+        </p:txBody>
+      </p:sp>
+      <p:sp>
+        <p:nvSpPr>
+          <p:cNvPr id="9" name="직사각형 8"/>
+          <p:cNvSpPr/>
+          <p:nvPr/>
+        </p:nvSpPr>
+        <p:spPr>
+          <a:xfrm>
+            <a:off x="7357171" y="3645024"/>
+            <a:ext cx="1080120" cy="432048"/>
+          </a:xfrm>
+          <a:prstGeom prst="rect">
+            <a:avLst/>
+          </a:prstGeom>
+          <a:solidFill>
+            <a:schemeClr val="accent2">
+              <a:lumMod val="60000"/>
+              <a:lumOff val="40000"/>
+            </a:schemeClr>
+          </a:solidFill>
+        </p:spPr>
+        <p:style>
+          <a:lnRef idx="2">
+            <a:schemeClr val="accent1">
+              <a:shade val="50000"/>
+            </a:schemeClr>
+          </a:lnRef>
+          <a:fillRef idx="1">
+            <a:schemeClr val="accent1"/>
+          </a:fillRef>
+          <a:effectRef idx="0">
+            <a:schemeClr val="accent1"/>
+          </a:effectRef>
+          <a:fontRef idx="minor">
+            <a:schemeClr val="lt1"/>
+          </a:fontRef>
+        </p:style>
+        <p:txBody>
+          <a:bodyPr rtlCol="0" anchor="ctr"/>
+          <a:lstStyle/>
+          <a:p>
+            <a:pPr algn="ctr"/>
+            <a:endParaRPr lang="ko-KR" altLang="en-US"/>
+          </a:p>
+        </p:txBody>
+      </p:sp>
+      <p:sp>
+        <p:nvSpPr>
+          <p:cNvPr id="10" name="직사각형 9"/>
+          <p:cNvSpPr/>
+          <p:nvPr/>
+        </p:nvSpPr>
+        <p:spPr>
+          <a:xfrm>
+            <a:off x="6493075" y="3212976"/>
+            <a:ext cx="864096" cy="432048"/>
+          </a:xfrm>
+          <a:prstGeom prst="rect">
+            <a:avLst/>
+          </a:prstGeom>
+          <a:solidFill>
+            <a:schemeClr val="bg1"/>
+          </a:solidFill>
+        </p:spPr>
+        <p:style>
+          <a:lnRef idx="2">
+            <a:schemeClr val="accent1">
+              <a:shade val="50000"/>
+            </a:schemeClr>
+          </a:lnRef>
+          <a:fillRef idx="1">
+            <a:schemeClr val="accent1"/>
+          </a:fillRef>
+          <a:effectRef idx="0">
+            <a:schemeClr val="accent1"/>
+          </a:effectRef>
+          <a:fontRef idx="minor">
+            <a:schemeClr val="lt1"/>
+          </a:fontRef>
+        </p:style>
+        <p:txBody>
+          <a:bodyPr rtlCol="0" anchor="ctr"/>
+          <a:lstStyle/>
+          <a:p>
+            <a:pPr algn="ctr"/>
+            <a:r>
+              <a:rPr lang="en-US" altLang="ko-KR" dirty="0">
+                <a:solidFill>
+                  <a:schemeClr val="tx1"/>
+                </a:solidFill>
+              </a:rPr>
+              <a:t>2</a:t>
+            </a:r>
+            <a:endParaRPr lang="ko-KR" altLang="en-US" dirty="0">
+              <a:solidFill>
+                <a:schemeClr val="tx1"/>
+              </a:solidFill>
+            </a:endParaRPr>
+          </a:p>
+        </p:txBody>
+      </p:sp>
+      <p:sp>
+        <p:nvSpPr>
+          <p:cNvPr id="11" name="직사각형 10"/>
+          <p:cNvSpPr/>
+          <p:nvPr/>
+        </p:nvSpPr>
+        <p:spPr>
+          <a:xfrm>
+            <a:off x="7357171" y="3212976"/>
+            <a:ext cx="1080120" cy="432048"/>
+          </a:xfrm>
+          <a:prstGeom prst="rect">
+            <a:avLst/>
+          </a:prstGeom>
+          <a:solidFill>
+            <a:schemeClr val="bg1"/>
+          </a:solidFill>
+        </p:spPr>
+        <p:style>
+          <a:lnRef idx="2">
+            <a:schemeClr val="accent1">
+              <a:shade val="50000"/>
+            </a:schemeClr>
+          </a:lnRef>
+          <a:fillRef idx="1">
+            <a:schemeClr val="accent1"/>
+          </a:fillRef>
+          <a:effectRef idx="0">
+            <a:schemeClr val="accent1"/>
+          </a:effectRef>
+          <a:fontRef idx="minor">
+            <a:schemeClr val="lt1"/>
+          </a:fontRef>
+        </p:style>
+        <p:txBody>
+          <a:bodyPr rtlCol="0" anchor="ctr"/>
+          <a:lstStyle/>
+          <a:p>
+            <a:pPr algn="ctr"/>
+            <a:endParaRPr lang="ko-KR" altLang="en-US"/>
+          </a:p>
+        </p:txBody>
+      </p:sp>
+      <p:sp>
+        <p:nvSpPr>
+          <p:cNvPr id="12" name="직사각형 11"/>
+          <p:cNvSpPr/>
+          <p:nvPr/>
+        </p:nvSpPr>
+        <p:spPr>
+          <a:xfrm>
+            <a:off x="6493075" y="2780928"/>
+            <a:ext cx="864096" cy="432048"/>
+          </a:xfrm>
+          <a:prstGeom prst="rect">
+            <a:avLst/>
+          </a:prstGeom>
+          <a:solidFill>
+            <a:schemeClr val="bg1"/>
+          </a:solidFill>
+        </p:spPr>
+        <p:style>
+          <a:lnRef idx="2">
+            <a:schemeClr val="accent1">
+              <a:shade val="50000"/>
+            </a:schemeClr>
+          </a:lnRef>
+          <a:fillRef idx="1">
+            <a:schemeClr val="accent1"/>
+          </a:fillRef>
+          <a:effectRef idx="0">
+            <a:schemeClr val="accent1"/>
+          </a:effectRef>
+          <a:fontRef idx="minor">
+            <a:schemeClr val="lt1"/>
+          </a:fontRef>
+        </p:style>
+        <p:txBody>
+          <a:bodyPr rtlCol="0" anchor="ctr"/>
+          <a:lstStyle/>
+          <a:p>
+            <a:pPr algn="ctr"/>
+            <a:r>
+              <a:rPr lang="en-US" altLang="ko-KR" dirty="0" smtClean="0">
+                <a:solidFill>
+                  <a:schemeClr val="tx1"/>
+                </a:solidFill>
+              </a:rPr>
+              <a:t>3</a:t>
+            </a:r>
+            <a:endParaRPr lang="ko-KR" altLang="en-US" dirty="0">
+              <a:solidFill>
+                <a:schemeClr val="tx1"/>
+              </a:solidFill>
+            </a:endParaRPr>
+          </a:p>
+        </p:txBody>
+      </p:sp>
+      <p:sp>
+        <p:nvSpPr>
+          <p:cNvPr id="13" name="직사각형 12"/>
+          <p:cNvSpPr/>
+          <p:nvPr/>
+        </p:nvSpPr>
+        <p:spPr>
+          <a:xfrm>
+            <a:off x="7357171" y="2780928"/>
+            <a:ext cx="1080120" cy="432048"/>
+          </a:xfrm>
+          <a:prstGeom prst="rect">
+            <a:avLst/>
+          </a:prstGeom>
+          <a:solidFill>
+            <a:schemeClr val="bg1"/>
+          </a:solidFill>
+        </p:spPr>
+        <p:style>
+          <a:lnRef idx="2">
+            <a:schemeClr val="accent1">
+              <a:shade val="50000"/>
+            </a:schemeClr>
+          </a:lnRef>
+          <a:fillRef idx="1">
+            <a:schemeClr val="accent1"/>
+          </a:fillRef>
+          <a:effectRef idx="0">
+            <a:schemeClr val="accent1"/>
+          </a:effectRef>
+          <a:fontRef idx="minor">
+            <a:schemeClr val="lt1"/>
+          </a:fontRef>
+        </p:style>
+        <p:txBody>
+          <a:bodyPr rtlCol="0" anchor="ctr"/>
+          <a:lstStyle/>
+          <a:p>
+            <a:pPr algn="ctr"/>
+            <a:endParaRPr lang="ko-KR" altLang="en-US"/>
+          </a:p>
+        </p:txBody>
+      </p:sp>
+      <p:sp>
+        <p:nvSpPr>
+          <p:cNvPr id="18" name="직사각형 17"/>
+          <p:cNvSpPr/>
+          <p:nvPr/>
+        </p:nvSpPr>
+        <p:spPr>
+          <a:xfrm>
+            <a:off x="6493075" y="2348880"/>
+            <a:ext cx="864096" cy="432048"/>
+          </a:xfrm>
+          <a:prstGeom prst="rect">
+            <a:avLst/>
+          </a:prstGeom>
+          <a:solidFill>
+            <a:schemeClr val="bg1"/>
+          </a:solidFill>
+        </p:spPr>
+        <p:style>
+          <a:lnRef idx="2">
+            <a:schemeClr val="accent1">
+              <a:shade val="50000"/>
+            </a:schemeClr>
+          </a:lnRef>
+          <a:fillRef idx="1">
+            <a:schemeClr val="accent1"/>
+          </a:fillRef>
+          <a:effectRef idx="0">
+            <a:schemeClr val="accent1"/>
+          </a:effectRef>
+          <a:fontRef idx="minor">
+            <a:schemeClr val="lt1"/>
+          </a:fontRef>
+        </p:style>
+        <p:txBody>
+          <a:bodyPr rtlCol="0" anchor="ctr"/>
+          <a:lstStyle/>
+          <a:p>
+            <a:pPr algn="ctr"/>
+            <a:r>
+              <a:rPr lang="en-US" altLang="ko-KR" dirty="0" smtClean="0">
+                <a:solidFill>
+                  <a:schemeClr val="tx1"/>
+                </a:solidFill>
+              </a:rPr>
+              <a:t>4</a:t>
+            </a:r>
+            <a:endParaRPr lang="ko-KR" altLang="en-US" dirty="0">
+              <a:solidFill>
+                <a:schemeClr val="tx1"/>
+              </a:solidFill>
+            </a:endParaRPr>
+          </a:p>
+        </p:txBody>
+      </p:sp>
+      <p:sp>
+        <p:nvSpPr>
+          <p:cNvPr id="19" name="직사각형 18"/>
+          <p:cNvSpPr/>
+          <p:nvPr/>
+        </p:nvSpPr>
+        <p:spPr>
+          <a:xfrm>
+            <a:off x="7357171" y="2348880"/>
+            <a:ext cx="1080120" cy="432048"/>
+          </a:xfrm>
+          <a:prstGeom prst="rect">
+            <a:avLst/>
+          </a:prstGeom>
+          <a:solidFill>
+            <a:schemeClr val="bg1"/>
+          </a:solidFill>
+        </p:spPr>
+        <p:style>
+          <a:lnRef idx="2">
+            <a:schemeClr val="accent1">
+              <a:shade val="50000"/>
+            </a:schemeClr>
+          </a:lnRef>
+          <a:fillRef idx="1">
+            <a:schemeClr val="accent1"/>
+          </a:fillRef>
+          <a:effectRef idx="0">
+            <a:schemeClr val="accent1"/>
+          </a:effectRef>
+          <a:fontRef idx="minor">
+            <a:schemeClr val="lt1"/>
+          </a:fontRef>
+        </p:style>
+        <p:txBody>
+          <a:bodyPr rtlCol="0" anchor="ctr"/>
+          <a:lstStyle/>
+          <a:p>
+            <a:pPr algn="ctr"/>
+            <a:endParaRPr lang="ko-KR" altLang="en-US"/>
+          </a:p>
+        </p:txBody>
+      </p:sp>
+      <p:sp>
+        <p:nvSpPr>
+          <p:cNvPr id="26" name="직사각형 25"/>
+          <p:cNvSpPr/>
+          <p:nvPr/>
+        </p:nvSpPr>
+        <p:spPr>
+          <a:xfrm>
+            <a:off x="899592" y="1988840"/>
+            <a:ext cx="4464496" cy="369332"/>
+          </a:xfrm>
+          <a:prstGeom prst="rect">
+            <a:avLst/>
+          </a:prstGeom>
+          <a:ln>
+            <a:solidFill>
+              <a:schemeClr val="accent1"/>
+            </a:solidFill>
+          </a:ln>
+        </p:spPr>
+        <p:txBody>
+          <a:bodyPr wrap="square">
+            <a:spAutoFit/>
+          </a:bodyPr>
+          <a:lstStyle/>
+          <a:p>
+            <a:pPr marL="342900" indent="-342900"/>
+            <a:r>
+              <a:rPr lang="ko-KR" altLang="en-US" b="1" dirty="0" smtClean="0"/>
+              <a:t>순회 </a:t>
+            </a:r>
+            <a:r>
+              <a:rPr lang="en-US" altLang="ko-KR" b="1" dirty="0" smtClean="0"/>
+              <a:t>, </a:t>
+            </a:r>
+            <a:r>
+              <a:rPr lang="ko-KR" altLang="en-US" b="1" dirty="0" smtClean="0"/>
+              <a:t>구간</a:t>
+            </a:r>
+            <a:r>
+              <a:rPr lang="en-US" altLang="ko-KR" b="1" dirty="0" smtClean="0"/>
+              <a:t>[</a:t>
+            </a:r>
+            <a:r>
+              <a:rPr lang="ko-KR" altLang="en-US" b="1" dirty="0" smtClean="0"/>
+              <a:t>시작점</a:t>
+            </a:r>
+            <a:r>
+              <a:rPr lang="en-US" altLang="ko-KR" b="1" dirty="0" smtClean="0"/>
+              <a:t>, </a:t>
+            </a:r>
+            <a:r>
+              <a:rPr lang="ko-KR" altLang="en-US" b="1" dirty="0" smtClean="0"/>
+              <a:t>끝점</a:t>
+            </a:r>
+            <a:r>
+              <a:rPr lang="en-US" altLang="ko-KR" b="1" dirty="0" smtClean="0"/>
+              <a:t>]</a:t>
+            </a:r>
+            <a:endParaRPr lang="ko-KR" altLang="en-US" b="1" dirty="0"/>
+          </a:p>
+        </p:txBody>
+      </p:sp>
+      <p:sp>
+        <p:nvSpPr>
+          <p:cNvPr id="27" name="직사각형 26"/>
+          <p:cNvSpPr/>
+          <p:nvPr/>
+        </p:nvSpPr>
+        <p:spPr>
+          <a:xfrm>
+            <a:off x="3756771" y="3789040"/>
+            <a:ext cx="864096" cy="432048"/>
+          </a:xfrm>
+          <a:prstGeom prst="rect">
+            <a:avLst/>
+          </a:prstGeom>
+          <a:solidFill>
+            <a:schemeClr val="bg1"/>
+          </a:solidFill>
+        </p:spPr>
+        <p:style>
+          <a:lnRef idx="2">
+            <a:schemeClr val="accent1">
+              <a:shade val="50000"/>
+            </a:schemeClr>
+          </a:lnRef>
+          <a:fillRef idx="1">
+            <a:schemeClr val="accent1"/>
+          </a:fillRef>
+          <a:effectRef idx="0">
+            <a:schemeClr val="accent1"/>
+          </a:effectRef>
+          <a:fontRef idx="minor">
+            <a:schemeClr val="lt1"/>
+          </a:fontRef>
+        </p:style>
+        <p:txBody>
+          <a:bodyPr rtlCol="0" anchor="ctr"/>
+          <a:lstStyle/>
+          <a:p>
+            <a:pPr algn="ctr"/>
+            <a:r>
+              <a:rPr lang="en-US" altLang="ko-KR" dirty="0" smtClean="0">
+                <a:solidFill>
+                  <a:schemeClr val="tx1"/>
+                </a:solidFill>
+              </a:rPr>
+              <a:t>base</a:t>
+            </a:r>
+            <a:endParaRPr lang="ko-KR" altLang="en-US" dirty="0">
+              <a:solidFill>
+                <a:schemeClr val="tx1"/>
+              </a:solidFill>
+            </a:endParaRPr>
+          </a:p>
+        </p:txBody>
+      </p:sp>
+      <p:sp>
+        <p:nvSpPr>
+          <p:cNvPr id="28" name="직사각형 27"/>
+          <p:cNvSpPr/>
+          <p:nvPr/>
+        </p:nvSpPr>
+        <p:spPr>
+          <a:xfrm>
+            <a:off x="4620867" y="3789040"/>
+            <a:ext cx="1152128" cy="432048"/>
+          </a:xfrm>
+          <a:prstGeom prst="rect">
+            <a:avLst/>
+          </a:prstGeom>
+          <a:solidFill>
+            <a:schemeClr val="bg1"/>
+          </a:solidFill>
+        </p:spPr>
+        <p:style>
+          <a:lnRef idx="2">
+            <a:schemeClr val="accent1">
+              <a:shade val="50000"/>
+            </a:schemeClr>
+          </a:lnRef>
+          <a:fillRef idx="1">
+            <a:schemeClr val="accent1"/>
+          </a:fillRef>
+          <a:effectRef idx="0">
+            <a:schemeClr val="accent1"/>
+          </a:effectRef>
+          <a:fontRef idx="minor">
+            <a:schemeClr val="lt1"/>
+          </a:fontRef>
+        </p:style>
+        <p:txBody>
+          <a:bodyPr rtlCol="0" anchor="ctr"/>
+          <a:lstStyle/>
+          <a:p>
+            <a:pPr algn="ctr"/>
+            <a:endParaRPr lang="ko-KR" altLang="en-US"/>
+          </a:p>
+        </p:txBody>
+      </p:sp>
+      <p:sp>
+        <p:nvSpPr>
+          <p:cNvPr id="29" name="직사각형 28"/>
+          <p:cNvSpPr/>
+          <p:nvPr/>
+        </p:nvSpPr>
+        <p:spPr>
+          <a:xfrm>
+            <a:off x="3756771" y="3356992"/>
+            <a:ext cx="864096" cy="432048"/>
+          </a:xfrm>
+          <a:prstGeom prst="rect">
+            <a:avLst/>
+          </a:prstGeom>
+          <a:solidFill>
+            <a:schemeClr val="bg1"/>
+          </a:solidFill>
+        </p:spPr>
+        <p:style>
+          <a:lnRef idx="2">
+            <a:schemeClr val="accent1">
+              <a:shade val="50000"/>
+            </a:schemeClr>
+          </a:lnRef>
+          <a:fillRef idx="1">
+            <a:schemeClr val="accent1"/>
+          </a:fillRef>
+          <a:effectRef idx="0">
+            <a:schemeClr val="accent1"/>
+          </a:effectRef>
+          <a:fontRef idx="minor">
+            <a:schemeClr val="lt1"/>
+          </a:fontRef>
+        </p:style>
+        <p:txBody>
+          <a:bodyPr rtlCol="0" anchor="ctr"/>
+          <a:lstStyle/>
+          <a:p>
+            <a:pPr algn="ctr"/>
+            <a:r>
+              <a:rPr lang="en-US" altLang="ko-KR" dirty="0" smtClean="0">
+                <a:solidFill>
+                  <a:schemeClr val="tx1"/>
+                </a:solidFill>
+              </a:rPr>
+              <a:t>max</a:t>
+            </a:r>
+            <a:endParaRPr lang="ko-KR" altLang="en-US" dirty="0">
+              <a:solidFill>
+                <a:schemeClr val="tx1"/>
+              </a:solidFill>
+            </a:endParaRPr>
+          </a:p>
+        </p:txBody>
+      </p:sp>
+      <p:sp>
+        <p:nvSpPr>
+          <p:cNvPr id="30" name="직사각형 29"/>
+          <p:cNvSpPr/>
+          <p:nvPr/>
+        </p:nvSpPr>
+        <p:spPr>
+          <a:xfrm>
+            <a:off x="4620867" y="3356992"/>
+            <a:ext cx="1152128" cy="432048"/>
+          </a:xfrm>
+          <a:prstGeom prst="rect">
+            <a:avLst/>
+          </a:prstGeom>
+          <a:solidFill>
+            <a:schemeClr val="bg1"/>
+          </a:solidFill>
+        </p:spPr>
+        <p:style>
+          <a:lnRef idx="2">
+            <a:schemeClr val="accent1">
+              <a:shade val="50000"/>
+            </a:schemeClr>
+          </a:lnRef>
+          <a:fillRef idx="1">
+            <a:schemeClr val="accent1"/>
+          </a:fillRef>
+          <a:effectRef idx="0">
+            <a:schemeClr val="accent1"/>
+          </a:effectRef>
+          <a:fontRef idx="minor">
+            <a:schemeClr val="lt1"/>
+          </a:fontRef>
+        </p:style>
+        <p:txBody>
+          <a:bodyPr rtlCol="0" anchor="ctr"/>
+          <a:lstStyle/>
+          <a:p>
+            <a:pPr algn="ctr"/>
+            <a:r>
+              <a:rPr lang="en-US" altLang="ko-KR" dirty="0" smtClean="0">
+                <a:solidFill>
+                  <a:schemeClr val="tx1"/>
+                </a:solidFill>
+              </a:rPr>
+              <a:t>5</a:t>
+            </a:r>
+            <a:endParaRPr lang="ko-KR" altLang="en-US" dirty="0">
+              <a:solidFill>
+                <a:schemeClr val="tx1"/>
+              </a:solidFill>
+            </a:endParaRPr>
+          </a:p>
+        </p:txBody>
+      </p:sp>
+      <p:sp>
+        <p:nvSpPr>
+          <p:cNvPr id="31" name="직사각형 30"/>
+          <p:cNvSpPr/>
+          <p:nvPr/>
+        </p:nvSpPr>
+        <p:spPr>
+          <a:xfrm>
+            <a:off x="3756771" y="2924944"/>
+            <a:ext cx="864096" cy="432048"/>
+          </a:xfrm>
+          <a:prstGeom prst="rect">
+            <a:avLst/>
+          </a:prstGeom>
+          <a:solidFill>
+            <a:schemeClr val="bg1"/>
+          </a:solidFill>
+        </p:spPr>
+        <p:style>
+          <a:lnRef idx="2">
+            <a:schemeClr val="accent1">
+              <a:shade val="50000"/>
+            </a:schemeClr>
+          </a:lnRef>
+          <a:fillRef idx="1">
+            <a:schemeClr val="accent1"/>
+          </a:fillRef>
+          <a:effectRef idx="0">
+            <a:schemeClr val="accent1"/>
+          </a:effectRef>
+          <a:fontRef idx="minor">
+            <a:schemeClr val="lt1"/>
+          </a:fontRef>
+        </p:style>
+        <p:txBody>
+          <a:bodyPr rtlCol="0" anchor="ctr"/>
+          <a:lstStyle/>
+          <a:p>
+            <a:pPr algn="ctr"/>
+            <a:r>
+              <a:rPr lang="en-US" altLang="ko-KR" dirty="0" smtClean="0">
+                <a:solidFill>
+                  <a:schemeClr val="tx1"/>
+                </a:solidFill>
+              </a:rPr>
+              <a:t>size</a:t>
+            </a:r>
+            <a:endParaRPr lang="ko-KR" altLang="en-US" dirty="0">
+              <a:solidFill>
+                <a:schemeClr val="tx1"/>
+              </a:solidFill>
+            </a:endParaRPr>
+          </a:p>
+        </p:txBody>
+      </p:sp>
+      <p:sp>
+        <p:nvSpPr>
+          <p:cNvPr id="32" name="직사각형 31"/>
+          <p:cNvSpPr/>
+          <p:nvPr/>
+        </p:nvSpPr>
+        <p:spPr>
+          <a:xfrm>
+            <a:off x="4620867" y="2924944"/>
+            <a:ext cx="1152128" cy="432048"/>
+          </a:xfrm>
+          <a:prstGeom prst="rect">
+            <a:avLst/>
+          </a:prstGeom>
+          <a:solidFill>
+            <a:schemeClr val="bg1"/>
+          </a:solidFill>
+        </p:spPr>
+        <p:style>
+          <a:lnRef idx="2">
+            <a:schemeClr val="accent1">
+              <a:shade val="50000"/>
+            </a:schemeClr>
+          </a:lnRef>
+          <a:fillRef idx="1">
+            <a:schemeClr val="accent1"/>
+          </a:fillRef>
+          <a:effectRef idx="0">
+            <a:schemeClr val="accent1"/>
+          </a:effectRef>
+          <a:fontRef idx="minor">
+            <a:schemeClr val="lt1"/>
+          </a:fontRef>
+        </p:style>
+        <p:txBody>
+          <a:bodyPr rtlCol="0" anchor="ctr"/>
+          <a:lstStyle/>
+          <a:p>
+            <a:pPr algn="ctr"/>
+            <a:r>
+              <a:rPr lang="en-US" altLang="ko-KR" dirty="0" smtClean="0">
+                <a:solidFill>
+                  <a:srgbClr val="FF0000"/>
+                </a:solidFill>
+              </a:rPr>
+              <a:t>5</a:t>
+            </a:r>
+            <a:endParaRPr lang="ko-KR" altLang="en-US" dirty="0">
+              <a:solidFill>
+                <a:srgbClr val="FF0000"/>
+              </a:solidFill>
+            </a:endParaRPr>
+          </a:p>
+        </p:txBody>
+      </p:sp>
+      <p:sp>
+        <p:nvSpPr>
+          <p:cNvPr id="33" name="직사각형 32"/>
+          <p:cNvSpPr/>
+          <p:nvPr/>
+        </p:nvSpPr>
+        <p:spPr>
+          <a:xfrm>
+            <a:off x="6925123" y="4616460"/>
+            <a:ext cx="2218877" cy="369332"/>
+          </a:xfrm>
+          <a:prstGeom prst="rect">
+            <a:avLst/>
+          </a:prstGeom>
+        </p:spPr>
+        <p:txBody>
+          <a:bodyPr wrap="none">
+            <a:spAutoFit/>
+          </a:bodyPr>
+          <a:lstStyle/>
+          <a:p>
+            <a:r>
+              <a:rPr lang="ko-KR" altLang="en-US" dirty="0" err="1" smtClean="0"/>
+              <a:t>힙메모리공간</a:t>
+            </a:r>
+            <a:r>
+              <a:rPr lang="en-US" altLang="ko-KR" dirty="0" smtClean="0"/>
+              <a:t>[new]</a:t>
+            </a:r>
+            <a:r>
+              <a:rPr lang="ko-KR" altLang="en-US" dirty="0" smtClean="0"/>
+              <a:t> </a:t>
+            </a:r>
+            <a:endParaRPr lang="ko-KR" altLang="en-US" dirty="0"/>
+          </a:p>
+        </p:txBody>
+      </p:sp>
+      <p:cxnSp>
+        <p:nvCxnSpPr>
+          <p:cNvPr id="37" name="직선 화살표 연결선 36"/>
+          <p:cNvCxnSpPr>
+            <a:endCxn id="4" idx="1"/>
+          </p:cNvCxnSpPr>
+          <p:nvPr/>
+        </p:nvCxnSpPr>
+        <p:spPr>
+          <a:xfrm>
+            <a:off x="5484963" y="4005064"/>
+            <a:ext cx="1008112" cy="288032"/>
+          </a:xfrm>
+          <a:prstGeom prst="straightConnector1">
+            <a:avLst/>
+          </a:prstGeom>
+          <a:ln w="25400">
+            <a:solidFill>
+              <a:srgbClr val="FF0000"/>
+            </a:solidFill>
+            <a:tailEnd type="arrow"/>
+          </a:ln>
+        </p:spPr>
+        <p:style>
+          <a:lnRef idx="1">
+            <a:schemeClr val="accent1"/>
+          </a:lnRef>
+          <a:fillRef idx="0">
+            <a:schemeClr val="accent1"/>
+          </a:fillRef>
+          <a:effectRef idx="0">
+            <a:schemeClr val="accent1"/>
+          </a:effectRef>
+          <a:fontRef idx="minor">
+            <a:schemeClr val="tx1"/>
+          </a:fontRef>
+        </p:style>
+      </p:cxnSp>
+      <p:sp>
+        <p:nvSpPr>
+          <p:cNvPr id="34" name="직사각형 33"/>
+          <p:cNvSpPr/>
+          <p:nvPr/>
+        </p:nvSpPr>
+        <p:spPr>
+          <a:xfrm>
+            <a:off x="7429179" y="4077072"/>
+            <a:ext cx="1008112" cy="360040"/>
+          </a:xfrm>
+          <a:prstGeom prst="rect">
+            <a:avLst/>
+          </a:prstGeom>
+        </p:spPr>
+        <p:style>
+          <a:lnRef idx="2">
+            <a:schemeClr val="accent1">
+              <a:shade val="50000"/>
+            </a:schemeClr>
+          </a:lnRef>
+          <a:fillRef idx="1">
+            <a:schemeClr val="accent1"/>
+          </a:fillRef>
+          <a:effectRef idx="0">
+            <a:schemeClr val="accent1"/>
+          </a:effectRef>
+          <a:fontRef idx="minor">
+            <a:schemeClr val="lt1"/>
+          </a:fontRef>
+        </p:style>
+        <p:txBody>
+          <a:bodyPr rtlCol="0" anchor="ctr"/>
+          <a:lstStyle/>
+          <a:p>
+            <a:pPr algn="ctr"/>
+            <a:r>
+              <a:rPr lang="en-US" altLang="ko-KR" dirty="0" smtClean="0"/>
+              <a:t>1</a:t>
+            </a:r>
+            <a:endParaRPr lang="ko-KR" altLang="en-US" dirty="0"/>
+          </a:p>
+        </p:txBody>
+      </p:sp>
+      <p:sp>
+        <p:nvSpPr>
+          <p:cNvPr id="38" name="직사각형 37"/>
+          <p:cNvSpPr/>
+          <p:nvPr/>
+        </p:nvSpPr>
+        <p:spPr>
+          <a:xfrm>
+            <a:off x="7429179" y="3717032"/>
+            <a:ext cx="1008112" cy="360040"/>
+          </a:xfrm>
+          <a:prstGeom prst="rect">
+            <a:avLst/>
+          </a:prstGeom>
+        </p:spPr>
+        <p:style>
+          <a:lnRef idx="2">
+            <a:schemeClr val="accent1">
+              <a:shade val="50000"/>
+            </a:schemeClr>
+          </a:lnRef>
+          <a:fillRef idx="1">
+            <a:schemeClr val="accent1"/>
+          </a:fillRef>
+          <a:effectRef idx="0">
+            <a:schemeClr val="accent1"/>
+          </a:effectRef>
+          <a:fontRef idx="minor">
+            <a:schemeClr val="lt1"/>
+          </a:fontRef>
+        </p:style>
+        <p:txBody>
+          <a:bodyPr rtlCol="0" anchor="ctr"/>
+          <a:lstStyle/>
+          <a:p>
+            <a:pPr algn="ctr"/>
+            <a:r>
+              <a:rPr lang="en-US" altLang="ko-KR" dirty="0" smtClean="0"/>
+              <a:t>3</a:t>
+            </a:r>
+            <a:endParaRPr lang="ko-KR" altLang="en-US" dirty="0"/>
+          </a:p>
+        </p:txBody>
+      </p:sp>
+      <p:sp>
+        <p:nvSpPr>
+          <p:cNvPr id="39" name="직사각형 38"/>
+          <p:cNvSpPr/>
+          <p:nvPr/>
+        </p:nvSpPr>
+        <p:spPr>
+          <a:xfrm>
+            <a:off x="7429179" y="3284984"/>
+            <a:ext cx="1008112" cy="360040"/>
+          </a:xfrm>
+          <a:prstGeom prst="rect">
+            <a:avLst/>
+          </a:prstGeom>
+        </p:spPr>
+        <p:style>
+          <a:lnRef idx="2">
+            <a:schemeClr val="accent1">
+              <a:shade val="50000"/>
+            </a:schemeClr>
+          </a:lnRef>
+          <a:fillRef idx="1">
+            <a:schemeClr val="accent1"/>
+          </a:fillRef>
+          <a:effectRef idx="0">
+            <a:schemeClr val="accent1"/>
+          </a:effectRef>
+          <a:fontRef idx="minor">
+            <a:schemeClr val="lt1"/>
+          </a:fontRef>
+        </p:style>
+        <p:txBody>
+          <a:bodyPr rtlCol="0" anchor="ctr"/>
+          <a:lstStyle/>
+          <a:p>
+            <a:pPr algn="ctr"/>
+            <a:r>
+              <a:rPr lang="en-US" altLang="ko-KR" dirty="0" smtClean="0"/>
+              <a:t>4</a:t>
+            </a:r>
+            <a:endParaRPr lang="ko-KR" altLang="en-US" dirty="0"/>
+          </a:p>
+        </p:txBody>
+      </p:sp>
+      <p:sp>
+        <p:nvSpPr>
+          <p:cNvPr id="40" name="직사각형 39"/>
+          <p:cNvSpPr/>
+          <p:nvPr/>
+        </p:nvSpPr>
+        <p:spPr>
+          <a:xfrm>
+            <a:off x="7429179" y="2780928"/>
+            <a:ext cx="1008112" cy="360040"/>
+          </a:xfrm>
+          <a:prstGeom prst="rect">
+            <a:avLst/>
+          </a:prstGeom>
+        </p:spPr>
+        <p:style>
+          <a:lnRef idx="2">
+            <a:schemeClr val="accent1">
+              <a:shade val="50000"/>
+            </a:schemeClr>
+          </a:lnRef>
+          <a:fillRef idx="1">
+            <a:schemeClr val="accent1"/>
+          </a:fillRef>
+          <a:effectRef idx="0">
+            <a:schemeClr val="accent1"/>
+          </a:effectRef>
+          <a:fontRef idx="minor">
+            <a:schemeClr val="lt1"/>
+          </a:fontRef>
+        </p:style>
+        <p:txBody>
+          <a:bodyPr rtlCol="0" anchor="ctr"/>
+          <a:lstStyle/>
+          <a:p>
+            <a:pPr algn="ctr"/>
+            <a:r>
+              <a:rPr lang="en-US" altLang="ko-KR" dirty="0" smtClean="0"/>
+              <a:t>5</a:t>
+            </a:r>
+            <a:endParaRPr lang="ko-KR" altLang="en-US" dirty="0"/>
+          </a:p>
+        </p:txBody>
+      </p:sp>
+      <p:sp>
+        <p:nvSpPr>
+          <p:cNvPr id="42" name="직사각형 41"/>
+          <p:cNvSpPr/>
+          <p:nvPr/>
+        </p:nvSpPr>
+        <p:spPr>
+          <a:xfrm>
+            <a:off x="7429179" y="2420888"/>
+            <a:ext cx="1008112" cy="360040"/>
+          </a:xfrm>
+          <a:prstGeom prst="rect">
+            <a:avLst/>
+          </a:prstGeom>
+        </p:spPr>
+        <p:style>
+          <a:lnRef idx="2">
+            <a:schemeClr val="accent1">
+              <a:shade val="50000"/>
+            </a:schemeClr>
+          </a:lnRef>
+          <a:fillRef idx="1">
+            <a:schemeClr val="accent1"/>
+          </a:fillRef>
+          <a:effectRef idx="0">
+            <a:schemeClr val="accent1"/>
+          </a:effectRef>
+          <a:fontRef idx="minor">
+            <a:schemeClr val="lt1"/>
+          </a:fontRef>
+        </p:style>
+        <p:txBody>
+          <a:bodyPr rtlCol="0" anchor="ctr"/>
+          <a:lstStyle/>
+          <a:p>
+            <a:pPr algn="ctr"/>
+            <a:r>
+              <a:rPr lang="en-US" altLang="ko-KR" dirty="0" smtClean="0"/>
+              <a:t>5</a:t>
+            </a:r>
+            <a:endParaRPr lang="ko-KR" altLang="en-US" dirty="0"/>
+          </a:p>
+        </p:txBody>
+      </p:sp>
+      <p:sp>
+        <p:nvSpPr>
+          <p:cNvPr id="43" name="직사각형 42"/>
+          <p:cNvSpPr/>
+          <p:nvPr/>
+        </p:nvSpPr>
+        <p:spPr>
+          <a:xfrm>
+            <a:off x="611560" y="4365104"/>
+            <a:ext cx="3070071" cy="1477328"/>
+          </a:xfrm>
+          <a:prstGeom prst="rect">
+            <a:avLst/>
+          </a:prstGeom>
+          <a:ln>
+            <a:solidFill>
+              <a:schemeClr val="accent1"/>
+            </a:solidFill>
+          </a:ln>
+        </p:spPr>
+        <p:txBody>
+          <a:bodyPr wrap="none">
+            <a:spAutoFit/>
+          </a:bodyPr>
+          <a:lstStyle/>
+          <a:p>
+            <a:r>
+              <a:rPr lang="en-US" altLang="ko-KR" b="1" dirty="0" smtClean="0"/>
+              <a:t>for(</a:t>
+            </a:r>
+            <a:r>
+              <a:rPr lang="en-US" altLang="ko-KR" b="1" dirty="0" err="1" smtClean="0"/>
+              <a:t>int</a:t>
+            </a:r>
+            <a:r>
+              <a:rPr lang="en-US" altLang="ko-KR" b="1" dirty="0" smtClean="0"/>
+              <a:t> I = </a:t>
+            </a:r>
+            <a:r>
+              <a:rPr lang="en-US" altLang="ko-KR" b="1" dirty="0" smtClean="0">
+                <a:solidFill>
+                  <a:srgbClr val="FF0000"/>
+                </a:solidFill>
+              </a:rPr>
+              <a:t>0</a:t>
+            </a:r>
+            <a:r>
+              <a:rPr lang="en-US" altLang="ko-KR" b="1" dirty="0" smtClean="0"/>
+              <a:t>; </a:t>
+            </a:r>
+            <a:r>
+              <a:rPr lang="en-US" altLang="ko-KR" b="1" dirty="0" err="1" smtClean="0"/>
+              <a:t>i</a:t>
+            </a:r>
+            <a:r>
+              <a:rPr lang="en-US" altLang="ko-KR" b="1" dirty="0" smtClean="0"/>
+              <a:t>&lt; </a:t>
+            </a:r>
+            <a:r>
+              <a:rPr lang="en-US" altLang="ko-KR" b="1" dirty="0" smtClean="0">
+                <a:solidFill>
+                  <a:srgbClr val="FF0000"/>
+                </a:solidFill>
+              </a:rPr>
+              <a:t>size</a:t>
+            </a:r>
+            <a:r>
+              <a:rPr lang="en-US" altLang="ko-KR" b="1" dirty="0" smtClean="0"/>
+              <a:t>;  </a:t>
+            </a:r>
+            <a:r>
+              <a:rPr lang="en-US" altLang="ko-KR" b="1" dirty="0" err="1" smtClean="0"/>
+              <a:t>i</a:t>
+            </a:r>
+            <a:r>
+              <a:rPr lang="en-US" altLang="ko-KR" b="1" dirty="0" smtClean="0"/>
+              <a:t>++)</a:t>
+            </a:r>
+            <a:br>
+              <a:rPr lang="en-US" altLang="ko-KR" b="1" dirty="0" smtClean="0"/>
+            </a:br>
+            <a:r>
+              <a:rPr lang="en-US" altLang="ko-KR" b="1" dirty="0" smtClean="0"/>
+              <a:t>{</a:t>
+            </a:r>
+          </a:p>
+          <a:p>
+            <a:r>
+              <a:rPr lang="en-US" altLang="ko-KR" b="1" dirty="0" smtClean="0"/>
+              <a:t>     </a:t>
+            </a:r>
+            <a:r>
+              <a:rPr lang="en-US" altLang="ko-KR" b="1" dirty="0" smtClean="0"/>
+              <a:t>Object </a:t>
+            </a:r>
+            <a:r>
+              <a:rPr lang="en-US" altLang="ko-KR" b="1" dirty="0" err="1" smtClean="0"/>
+              <a:t>obj</a:t>
+            </a:r>
+            <a:r>
+              <a:rPr lang="en-US" altLang="ko-KR" b="1" dirty="0" smtClean="0"/>
+              <a:t> = </a:t>
+            </a:r>
+            <a:r>
+              <a:rPr lang="en-US" altLang="ko-KR" b="1" dirty="0" smtClean="0"/>
+              <a:t>base[</a:t>
+            </a:r>
+            <a:r>
+              <a:rPr lang="en-US" altLang="ko-KR" b="1" dirty="0" err="1" smtClean="0"/>
+              <a:t>i</a:t>
+            </a:r>
+            <a:r>
+              <a:rPr lang="en-US" altLang="ko-KR" b="1" dirty="0" smtClean="0"/>
+              <a:t>];</a:t>
+            </a:r>
+          </a:p>
+          <a:p>
+            <a:r>
+              <a:rPr lang="en-US" altLang="ko-KR" b="1" dirty="0"/>
+              <a:t> </a:t>
+            </a:r>
+            <a:r>
+              <a:rPr lang="en-US" altLang="ko-KR" b="1" dirty="0" smtClean="0"/>
+              <a:t>    //</a:t>
+            </a:r>
+            <a:r>
+              <a:rPr lang="ko-KR" altLang="en-US" b="1" dirty="0" smtClean="0"/>
+              <a:t>필요한 알고리즘 </a:t>
+            </a:r>
+            <a:r>
+              <a:rPr lang="en-US" altLang="ko-KR" b="1" dirty="0" smtClean="0"/>
+              <a:t>!!</a:t>
+            </a:r>
+            <a:r>
+              <a:rPr lang="en-US" altLang="ko-KR" b="1" dirty="0" smtClean="0"/>
+              <a:t/>
+            </a:r>
+            <a:br>
+              <a:rPr lang="en-US" altLang="ko-KR" b="1" dirty="0" smtClean="0"/>
+            </a:br>
+            <a:r>
+              <a:rPr lang="en-US" altLang="ko-KR" b="1" dirty="0" smtClean="0"/>
+              <a:t>}</a:t>
+            </a:r>
+            <a:endParaRPr lang="ko-KR" altLang="en-US" b="1" dirty="0"/>
+          </a:p>
+        </p:txBody>
+      </p:sp>
     </p:spTree>
   </p:cSld>
   <p:clrMapOvr>

--- a/Java자료구조.pptx
+++ b/Java자료구조.pptx
@@ -16,6 +16,13 @@
     <p:sldId id="264" r:id="rId10"/>
     <p:sldId id="265" r:id="rId11"/>
     <p:sldId id="266" r:id="rId12"/>
+    <p:sldId id="267" r:id="rId13"/>
+    <p:sldId id="268" r:id="rId14"/>
+    <p:sldId id="269" r:id="rId15"/>
+    <p:sldId id="270" r:id="rId16"/>
+    <p:sldId id="271" r:id="rId17"/>
+    <p:sldId id="272" r:id="rId18"/>
+    <p:sldId id="273" r:id="rId19"/>
   </p:sldIdLst>
   <p:sldSz cx="9144000" cy="6858000" type="screen4x3"/>
   <p:notesSz cx="6858000" cy="9144000"/>
@@ -3762,13 +3769,16 @@
         <p:spPr>
           <a:xfrm>
             <a:off x="4572000" y="1556792"/>
-            <a:ext cx="1440160" cy="504056"/>
+            <a:ext cx="2304256" cy="504056"/>
           </a:xfrm>
           <a:prstGeom prst="rect">
             <a:avLst/>
           </a:prstGeom>
           <a:solidFill>
-            <a:schemeClr val="bg1"/>
+            <a:schemeClr val="accent2">
+              <a:lumMod val="60000"/>
+              <a:lumOff val="40000"/>
+            </a:schemeClr>
           </a:solidFill>
         </p:spPr>
         <p:style>
@@ -3798,6 +3808,17 @@
                   <a:schemeClr val="tx1"/>
                 </a:solidFill>
               </a:rPr>
+              <a:t>&lt;&lt;singleton&gt;&gt;</a:t>
+            </a:r>
+          </a:p>
+          <a:p>
+            <a:pPr algn="ctr"/>
+            <a:r>
+              <a:rPr lang="en-US" altLang="ko-KR" b="1" dirty="0" smtClean="0">
+                <a:solidFill>
+                  <a:schemeClr val="tx1"/>
+                </a:solidFill>
+              </a:rPr>
               <a:t>Manager</a:t>
             </a:r>
             <a:endParaRPr lang="ko-KR" altLang="en-US" b="1" dirty="0">
@@ -3817,13 +3838,16 @@
         <p:spPr>
           <a:xfrm>
             <a:off x="4572000" y="2060848"/>
-            <a:ext cx="1440160" cy="504056"/>
+            <a:ext cx="2304256" cy="504056"/>
           </a:xfrm>
           <a:prstGeom prst="rect">
             <a:avLst/>
           </a:prstGeom>
           <a:solidFill>
-            <a:schemeClr val="bg1"/>
+            <a:schemeClr val="accent2">
+              <a:lumMod val="60000"/>
+              <a:lumOff val="40000"/>
+            </a:schemeClr>
           </a:solidFill>
         </p:spPr>
         <p:style>
@@ -3864,13 +3888,16 @@
         <p:spPr>
           <a:xfrm>
             <a:off x="4572000" y="2564904"/>
-            <a:ext cx="1440160" cy="504056"/>
+            <a:ext cx="2304256" cy="504056"/>
           </a:xfrm>
           <a:prstGeom prst="rect">
             <a:avLst/>
           </a:prstGeom>
           <a:solidFill>
-            <a:schemeClr val="bg1"/>
+            <a:schemeClr val="accent2">
+              <a:lumMod val="60000"/>
+              <a:lumOff val="40000"/>
+            </a:schemeClr>
           </a:solidFill>
         </p:spPr>
         <p:style>
@@ -3910,7 +3937,7 @@
         </p:nvSpPr>
         <p:spPr>
           <a:xfrm>
-            <a:off x="4716016" y="4005064"/>
+            <a:off x="3275856" y="4149080"/>
             <a:ext cx="1440160" cy="504056"/>
           </a:xfrm>
           <a:prstGeom prst="rect">
@@ -3965,7 +3992,7 @@
         </p:nvSpPr>
         <p:spPr>
           <a:xfrm>
-            <a:off x="4716016" y="4509120"/>
+            <a:off x="3275856" y="4653136"/>
             <a:ext cx="1440160" cy="504056"/>
           </a:xfrm>
           <a:prstGeom prst="rect">
@@ -4012,7 +4039,7 @@
         </p:nvSpPr>
         <p:spPr>
           <a:xfrm>
-            <a:off x="4716016" y="5013176"/>
+            <a:off x="3275856" y="5157192"/>
             <a:ext cx="1440160" cy="504056"/>
           </a:xfrm>
           <a:prstGeom prst="rect">
@@ -4059,7 +4086,7 @@
         </p:nvSpPr>
         <p:spPr>
           <a:xfrm>
-            <a:off x="6588224" y="1556792"/>
+            <a:off x="7164288" y="1484784"/>
             <a:ext cx="1440160" cy="504056"/>
           </a:xfrm>
           <a:prstGeom prst="rect">
@@ -4114,7 +4141,7 @@
         </p:nvSpPr>
         <p:spPr>
           <a:xfrm>
-            <a:off x="6588224" y="2060848"/>
+            <a:off x="7164288" y="1988840"/>
             <a:ext cx="1440160" cy="504056"/>
           </a:xfrm>
           <a:prstGeom prst="rect">
@@ -4161,7 +4188,7 @@
         </p:nvSpPr>
         <p:spPr>
           <a:xfrm>
-            <a:off x="6588224" y="2564904"/>
+            <a:off x="7164288" y="2492896"/>
             <a:ext cx="1440160" cy="504056"/>
           </a:xfrm>
           <a:prstGeom prst="rect">
@@ -4449,7 +4476,7 @@
           <a:lstStyle/>
           <a:p>
             <a:r>
-              <a:rPr lang="ko-KR" altLang="en-US" b="1" smtClean="0">
+              <a:rPr lang="ko-KR" altLang="en-US" b="1" dirty="0" err="1" smtClean="0">
                 <a:solidFill>
                   <a:srgbClr val="FF0000"/>
                 </a:solidFill>
@@ -4472,7 +4499,7 @@
         </p:nvSpPr>
         <p:spPr>
           <a:xfrm>
-            <a:off x="6804248" y="1124744"/>
+            <a:off x="7380312" y="1052736"/>
             <a:ext cx="877163" cy="369332"/>
           </a:xfrm>
           <a:prstGeom prst="rect">
@@ -4509,7 +4536,7 @@
         </p:nvSpPr>
         <p:spPr>
           <a:xfrm>
-            <a:off x="4716016" y="3573016"/>
+            <a:off x="3275856" y="3717032"/>
             <a:ext cx="1569660" cy="369332"/>
           </a:xfrm>
           <a:prstGeom prst="rect">
@@ -4593,6 +4620,122 @@
           <a:xfrm>
             <a:off x="1403648" y="2276872"/>
             <a:ext cx="1080120" cy="0"/>
+          </a:xfrm>
+          <a:prstGeom prst="straightConnector1">
+            <a:avLst/>
+          </a:prstGeom>
+          <a:ln w="25400">
+            <a:solidFill>
+              <a:srgbClr val="FF0000"/>
+            </a:solidFill>
+            <a:tailEnd type="arrow"/>
+          </a:ln>
+        </p:spPr>
+        <p:style>
+          <a:lnRef idx="1">
+            <a:schemeClr val="accent1"/>
+          </a:lnRef>
+          <a:fillRef idx="0">
+            <a:schemeClr val="accent1"/>
+          </a:fillRef>
+          <a:effectRef idx="0">
+            <a:schemeClr val="accent1"/>
+          </a:effectRef>
+          <a:fontRef idx="minor">
+            <a:schemeClr val="tx1"/>
+          </a:fontRef>
+        </p:style>
+      </p:cxnSp>
+      <p:cxnSp>
+        <p:nvCxnSpPr>
+          <p:cNvPr id="45" name="직선 화살표 연결선 44"/>
+          <p:cNvCxnSpPr>
+            <a:stCxn id="27" idx="2"/>
+            <a:endCxn id="28" idx="3"/>
+          </p:cNvCxnSpPr>
+          <p:nvPr/>
+        </p:nvCxnSpPr>
+        <p:spPr>
+          <a:xfrm flipH="1">
+            <a:off x="4716016" y="3068960"/>
+            <a:ext cx="1008112" cy="1332148"/>
+          </a:xfrm>
+          <a:prstGeom prst="straightConnector1">
+            <a:avLst/>
+          </a:prstGeom>
+          <a:ln w="25400">
+            <a:solidFill>
+              <a:srgbClr val="FF0000"/>
+            </a:solidFill>
+            <a:tailEnd type="arrow"/>
+          </a:ln>
+        </p:spPr>
+        <p:style>
+          <a:lnRef idx="1">
+            <a:schemeClr val="accent1"/>
+          </a:lnRef>
+          <a:fillRef idx="0">
+            <a:schemeClr val="accent1"/>
+          </a:fillRef>
+          <a:effectRef idx="0">
+            <a:schemeClr val="accent1"/>
+          </a:effectRef>
+          <a:fontRef idx="minor">
+            <a:schemeClr val="tx1"/>
+          </a:fontRef>
+        </p:style>
+      </p:cxnSp>
+      <p:cxnSp>
+        <p:nvCxnSpPr>
+          <p:cNvPr id="49" name="직선 화살표 연결선 48"/>
+          <p:cNvCxnSpPr>
+            <a:endCxn id="32" idx="1"/>
+          </p:cNvCxnSpPr>
+          <p:nvPr/>
+        </p:nvCxnSpPr>
+        <p:spPr>
+          <a:xfrm>
+            <a:off x="6804248" y="2204864"/>
+            <a:ext cx="360040" cy="36004"/>
+          </a:xfrm>
+          <a:prstGeom prst="straightConnector1">
+            <a:avLst/>
+          </a:prstGeom>
+          <a:ln w="25400">
+            <a:solidFill>
+              <a:srgbClr val="FF0000"/>
+            </a:solidFill>
+            <a:tailEnd type="arrow"/>
+          </a:ln>
+        </p:spPr>
+        <p:style>
+          <a:lnRef idx="1">
+            <a:schemeClr val="accent1"/>
+          </a:lnRef>
+          <a:fillRef idx="0">
+            <a:schemeClr val="accent1"/>
+          </a:fillRef>
+          <a:effectRef idx="0">
+            <a:schemeClr val="accent1"/>
+          </a:effectRef>
+          <a:fontRef idx="minor">
+            <a:schemeClr val="tx1"/>
+          </a:fontRef>
+        </p:style>
+      </p:cxnSp>
+      <p:cxnSp>
+        <p:nvCxnSpPr>
+          <p:cNvPr id="51" name="직선 화살표 연결선 50"/>
+          <p:cNvCxnSpPr>
+            <a:stCxn id="23" idx="3"/>
+            <a:endCxn id="26" idx="1"/>
+          </p:cNvCxnSpPr>
+          <p:nvPr/>
+        </p:nvCxnSpPr>
+        <p:spPr>
+          <a:xfrm>
+            <a:off x="4355976" y="2312876"/>
+            <a:ext cx="216024" cy="0"/>
           </a:xfrm>
           <a:prstGeom prst="straightConnector1">
             <a:avLst/>
@@ -4992,7 +5135,7 @@
         <p:spPr>
           <a:xfrm>
             <a:off x="6156176" y="2636912"/>
-            <a:ext cx="2664296" cy="1368152"/>
+            <a:ext cx="2664296" cy="1656184"/>
           </a:xfrm>
           <a:prstGeom prst="rect">
             <a:avLst/>
@@ -5038,6 +5181,32 @@
                 </a:solidFill>
               </a:rPr>
               <a:t>+ Ending() : void</a:t>
+            </a:r>
+          </a:p>
+          <a:p>
+            <a:r>
+              <a:rPr lang="en-US" altLang="ko-KR" b="1" dirty="0" smtClean="0">
+                <a:solidFill>
+                  <a:schemeClr val="tx1"/>
+                </a:solidFill>
+              </a:rPr>
+              <a:t>+ </a:t>
+            </a:r>
+            <a:r>
+              <a:rPr lang="en-US" altLang="ko-KR" b="1" dirty="0" err="1" smtClean="0">
+                <a:solidFill>
+                  <a:schemeClr val="tx1"/>
+                </a:solidFill>
+              </a:rPr>
+              <a:t>MenuPrint</a:t>
+            </a:r>
+            <a:r>
+              <a:rPr lang="en-US" altLang="ko-KR" b="1" dirty="0" smtClean="0">
+                <a:solidFill>
+                  <a:schemeClr val="tx1"/>
+                </a:solidFill>
+              </a:rPr>
+              <a:t>() : char</a:t>
             </a:r>
             <a:endParaRPr lang="ko-KR" altLang="en-US" b="1" dirty="0">
               <a:solidFill>
@@ -5376,6 +5545,5796 @@
           </a:fontRef>
         </p:style>
       </p:cxnSp>
+      <p:sp>
+        <p:nvSpPr>
+          <p:cNvPr id="50" name="직사각형 49"/>
+          <p:cNvSpPr/>
+          <p:nvPr/>
+        </p:nvSpPr>
+        <p:spPr>
+          <a:xfrm>
+            <a:off x="3059832" y="4509120"/>
+            <a:ext cx="2552302" cy="1200329"/>
+          </a:xfrm>
+          <a:prstGeom prst="rect">
+            <a:avLst/>
+          </a:prstGeom>
+        </p:spPr>
+        <p:txBody>
+          <a:bodyPr wrap="none">
+            <a:spAutoFit/>
+          </a:bodyPr>
+          <a:lstStyle/>
+          <a:p>
+            <a:r>
+              <a:rPr lang="en-US" altLang="ko-KR" b="1" dirty="0" smtClean="0">
+                <a:solidFill>
+                  <a:schemeClr val="tx1"/>
+                </a:solidFill>
+              </a:rPr>
+              <a:t>Run</a:t>
+            </a:r>
+          </a:p>
+          <a:p>
+            <a:r>
+              <a:rPr lang="ko-KR" altLang="en-US" b="1" dirty="0" smtClean="0"/>
+              <a:t>반</a:t>
+            </a:r>
+            <a:r>
+              <a:rPr lang="ko-KR" altLang="en-US" b="1" dirty="0"/>
+              <a:t>복</a:t>
+            </a:r>
+            <a:endParaRPr lang="en-US" altLang="ko-KR" b="1" dirty="0" smtClean="0">
+              <a:solidFill>
+                <a:schemeClr val="tx1"/>
+              </a:solidFill>
+            </a:endParaRPr>
+          </a:p>
+          <a:p>
+            <a:pPr marL="342900" indent="-342900">
+              <a:buAutoNum type="arabicPeriod"/>
+            </a:pPr>
+            <a:r>
+              <a:rPr lang="ko-KR" altLang="en-US" b="1" dirty="0" smtClean="0"/>
+              <a:t>메뉴</a:t>
+            </a:r>
+            <a:r>
+              <a:rPr lang="en-US" altLang="ko-KR" b="1" dirty="0" smtClean="0"/>
+              <a:t> </a:t>
+            </a:r>
+            <a:r>
+              <a:rPr lang="ko-KR" altLang="en-US" b="1" dirty="0" smtClean="0"/>
+              <a:t>출력 및 선택</a:t>
+            </a:r>
+            <a:endParaRPr lang="en-US" altLang="ko-KR" b="1" dirty="0" smtClean="0"/>
+          </a:p>
+          <a:p>
+            <a:pPr marL="342900" indent="-342900"/>
+            <a:r>
+              <a:rPr lang="en-US" altLang="ko-KR" b="1" dirty="0" smtClean="0"/>
+              <a:t>2.  </a:t>
+            </a:r>
+            <a:r>
+              <a:rPr lang="ko-KR" altLang="en-US" b="1" dirty="0" smtClean="0"/>
+              <a:t>선택에 따른 </a:t>
+            </a:r>
+            <a:r>
+              <a:rPr lang="ko-KR" altLang="en-US" b="1" dirty="0" err="1" smtClean="0"/>
+              <a:t>분기문</a:t>
+            </a:r>
+            <a:endParaRPr lang="ko-KR" altLang="en-US" dirty="0"/>
+          </a:p>
+        </p:txBody>
+      </p:sp>
+    </p:spTree>
+  </p:cSld>
+  <p:clrMapOvr>
+    <a:masterClrMapping/>
+  </p:clrMapOvr>
+</p:sld>
+</file>
+
+<file path=ppt/slides/slide12.xml><?xml version="1.0" encoding="utf-8"?>
+<p:sld xmlns:a="http://schemas.openxmlformats.org/drawingml/2006/main" xmlns:r="http://schemas.openxmlformats.org/officeDocument/2006/relationships" xmlns:p="http://schemas.openxmlformats.org/presentationml/2006/main">
+  <p:cSld>
+    <p:spTree>
+      <p:nvGrpSpPr>
+        <p:cNvPr id="1" name=""/>
+        <p:cNvGrpSpPr/>
+        <p:nvPr/>
+      </p:nvGrpSpPr>
+      <p:grpSpPr>
+        <a:xfrm>
+          <a:off x="0" y="0"/>
+          <a:ext cx="0" cy="0"/>
+          <a:chOff x="0" y="0"/>
+          <a:chExt cx="0" cy="0"/>
+        </a:xfrm>
+      </p:grpSpPr>
+      <p:sp>
+        <p:nvSpPr>
+          <p:cNvPr id="5" name="TextBox 4"/>
+          <p:cNvSpPr txBox="1"/>
+          <p:nvPr/>
+        </p:nvSpPr>
+        <p:spPr>
+          <a:xfrm>
+            <a:off x="251520" y="260648"/>
+            <a:ext cx="5976664" cy="400110"/>
+          </a:xfrm>
+          <a:prstGeom prst="rect">
+            <a:avLst/>
+          </a:prstGeom>
+          <a:noFill/>
+        </p:spPr>
+        <p:txBody>
+          <a:bodyPr wrap="square" rtlCol="0">
+            <a:spAutoFit/>
+          </a:bodyPr>
+          <a:lstStyle/>
+          <a:p>
+            <a:r>
+              <a:rPr lang="ko-KR" altLang="en-US" sz="2000" b="1" dirty="0" smtClean="0"/>
+              <a:t>자료구조 </a:t>
+            </a:r>
+            <a:r>
+              <a:rPr lang="en-US" altLang="ko-KR" sz="2000" b="1" dirty="0" smtClean="0"/>
+              <a:t>1</a:t>
+            </a:r>
+            <a:r>
+              <a:rPr lang="ko-KR" altLang="en-US" sz="2000" b="1" dirty="0" smtClean="0"/>
+              <a:t>일차</a:t>
+            </a:r>
+            <a:r>
+              <a:rPr lang="en-US" altLang="ko-KR" sz="2000" b="1" dirty="0" smtClean="0"/>
+              <a:t>(</a:t>
+            </a:r>
+            <a:r>
+              <a:rPr lang="en-US" altLang="ko-KR" sz="2000" b="1" dirty="0" err="1" smtClean="0"/>
+              <a:t>Gof</a:t>
+            </a:r>
+            <a:r>
+              <a:rPr lang="en-US" altLang="ko-KR" sz="2000" b="1" dirty="0" smtClean="0"/>
+              <a:t> </a:t>
+            </a:r>
+            <a:r>
+              <a:rPr lang="ko-KR" altLang="en-US" sz="2000" b="1" dirty="0" smtClean="0"/>
+              <a:t>디자인패턴 </a:t>
+            </a:r>
+            <a:r>
+              <a:rPr lang="en-US" altLang="ko-KR" sz="2000" b="1" dirty="0" smtClean="0"/>
+              <a:t>– </a:t>
+            </a:r>
+            <a:r>
+              <a:rPr lang="ko-KR" altLang="en-US" sz="2000" b="1" dirty="0" err="1" smtClean="0"/>
+              <a:t>싱글톤</a:t>
+            </a:r>
+            <a:r>
+              <a:rPr lang="ko-KR" altLang="en-US" sz="2000" b="1" dirty="0" smtClean="0"/>
+              <a:t> 패턴</a:t>
+            </a:r>
+            <a:r>
+              <a:rPr lang="en-US" altLang="ko-KR" sz="2000" b="1" dirty="0" smtClean="0"/>
+              <a:t>)</a:t>
+            </a:r>
+            <a:endParaRPr lang="ko-KR" altLang="en-US" sz="2000" b="1" dirty="0"/>
+          </a:p>
+        </p:txBody>
+      </p:sp>
+      <p:sp>
+        <p:nvSpPr>
+          <p:cNvPr id="50" name="직사각형 49"/>
+          <p:cNvSpPr/>
+          <p:nvPr/>
+        </p:nvSpPr>
+        <p:spPr>
+          <a:xfrm>
+            <a:off x="611560" y="1196752"/>
+            <a:ext cx="6408712" cy="2308324"/>
+          </a:xfrm>
+          <a:prstGeom prst="rect">
+            <a:avLst/>
+          </a:prstGeom>
+        </p:spPr>
+        <p:txBody>
+          <a:bodyPr wrap="square">
+            <a:spAutoFit/>
+          </a:bodyPr>
+          <a:lstStyle/>
+          <a:p>
+            <a:r>
+              <a:rPr lang="ko-KR" altLang="en-US" dirty="0" smtClean="0"/>
+              <a:t>객체를 하나만 생성할 수 있는 클래스를 만들고 싶다</a:t>
+            </a:r>
+            <a:r>
+              <a:rPr lang="en-US" altLang="ko-KR" dirty="0" smtClean="0"/>
+              <a:t>.</a:t>
+            </a:r>
+          </a:p>
+          <a:p>
+            <a:endParaRPr lang="en-US" altLang="ko-KR" dirty="0"/>
+          </a:p>
+          <a:p>
+            <a:pPr marL="342900" indent="-342900">
+              <a:buAutoNum type="arabicParenR"/>
+            </a:pPr>
+            <a:r>
+              <a:rPr lang="ko-KR" altLang="en-US" dirty="0" smtClean="0"/>
+              <a:t>생성자가 외부로 노출되면 안됨</a:t>
+            </a:r>
+            <a:r>
+              <a:rPr lang="en-US" altLang="ko-KR" dirty="0" smtClean="0"/>
+              <a:t>.</a:t>
+            </a:r>
+          </a:p>
+          <a:p>
+            <a:pPr marL="342900" indent="-342900">
+              <a:buAutoNum type="arabicParenR"/>
+            </a:pPr>
+            <a:endParaRPr lang="en-US" altLang="ko-KR" dirty="0"/>
+          </a:p>
+          <a:p>
+            <a:pPr marL="342900" indent="-342900">
+              <a:buAutoNum type="arabicParenR"/>
+            </a:pPr>
+            <a:r>
+              <a:rPr lang="ko-KR" altLang="en-US" dirty="0" smtClean="0"/>
+              <a:t>해당 클래스에서 내부적으로 객체를 만든다</a:t>
+            </a:r>
+            <a:r>
+              <a:rPr lang="en-US" altLang="ko-KR" dirty="0" smtClean="0"/>
+              <a:t>.</a:t>
+            </a:r>
+          </a:p>
+          <a:p>
+            <a:pPr marL="342900" indent="-342900"/>
+            <a:r>
+              <a:rPr lang="en-US" altLang="ko-KR" dirty="0"/>
+              <a:t> </a:t>
+            </a:r>
+            <a:r>
+              <a:rPr lang="en-US" altLang="ko-KR" dirty="0" smtClean="0"/>
+              <a:t>    </a:t>
+            </a:r>
+            <a:r>
+              <a:rPr lang="ko-KR" altLang="en-US" dirty="0" err="1" smtClean="0"/>
+              <a:t>맴버</a:t>
+            </a:r>
+            <a:r>
+              <a:rPr lang="ko-KR" altLang="en-US" dirty="0" smtClean="0"/>
+              <a:t> 필드로 객체를 선언하고 생성</a:t>
+            </a:r>
+            <a:r>
+              <a:rPr lang="en-US" altLang="ko-KR" dirty="0" smtClean="0"/>
+              <a:t>!(</a:t>
+            </a:r>
+            <a:r>
+              <a:rPr lang="en-US" altLang="ko-KR" b="1" dirty="0" smtClean="0">
+                <a:solidFill>
+                  <a:srgbClr val="FF0000"/>
+                </a:solidFill>
+              </a:rPr>
+              <a:t>static</a:t>
+            </a:r>
+            <a:r>
+              <a:rPr lang="en-US" altLang="ko-KR" dirty="0" smtClean="0"/>
+              <a:t>)</a:t>
+            </a:r>
+          </a:p>
+          <a:p>
+            <a:pPr marL="342900" indent="-342900"/>
+            <a:endParaRPr lang="en-US" altLang="ko-KR" dirty="0"/>
+          </a:p>
+          <a:p>
+            <a:pPr marL="342900" indent="-342900"/>
+            <a:r>
+              <a:rPr lang="en-US" altLang="ko-KR" dirty="0" smtClean="0"/>
+              <a:t>3)   </a:t>
+            </a:r>
+            <a:r>
+              <a:rPr lang="ko-KR" altLang="en-US" b="1" dirty="0" smtClean="0">
+                <a:solidFill>
+                  <a:srgbClr val="FF0000"/>
+                </a:solidFill>
+              </a:rPr>
+              <a:t>객체를</a:t>
+            </a:r>
+            <a:r>
+              <a:rPr lang="en-US" altLang="ko-KR" b="1" dirty="0" smtClean="0">
+                <a:solidFill>
+                  <a:srgbClr val="FF0000"/>
+                </a:solidFill>
+              </a:rPr>
+              <a:t> </a:t>
+            </a:r>
+            <a:r>
+              <a:rPr lang="ko-KR" altLang="en-US" b="1" dirty="0" smtClean="0">
+                <a:solidFill>
+                  <a:srgbClr val="FF0000"/>
+                </a:solidFill>
+              </a:rPr>
+              <a:t>외부에 노출시킬 </a:t>
+            </a:r>
+            <a:r>
+              <a:rPr lang="en-US" altLang="ko-KR" b="1" dirty="0" smtClean="0">
+                <a:solidFill>
+                  <a:srgbClr val="FF0000"/>
+                </a:solidFill>
+              </a:rPr>
+              <a:t>static </a:t>
+            </a:r>
+            <a:r>
+              <a:rPr lang="ko-KR" altLang="en-US" b="1" dirty="0" err="1" smtClean="0">
+                <a:solidFill>
+                  <a:srgbClr val="FF0000"/>
+                </a:solidFill>
+              </a:rPr>
+              <a:t>메서드를</a:t>
+            </a:r>
+            <a:r>
+              <a:rPr lang="ko-KR" altLang="en-US" b="1" dirty="0" smtClean="0">
+                <a:solidFill>
+                  <a:srgbClr val="FF0000"/>
+                </a:solidFill>
+              </a:rPr>
+              <a:t> 제공</a:t>
+            </a:r>
+            <a:endParaRPr lang="ko-KR" altLang="en-US" b="1" dirty="0">
+              <a:solidFill>
+                <a:srgbClr val="FF0000"/>
+              </a:solidFill>
+            </a:endParaRPr>
+          </a:p>
+        </p:txBody>
+      </p:sp>
+    </p:spTree>
+  </p:cSld>
+  <p:clrMapOvr>
+    <a:masterClrMapping/>
+  </p:clrMapOvr>
+</p:sld>
+</file>
+
+<file path=ppt/slides/slide13.xml><?xml version="1.0" encoding="utf-8"?>
+<p:sld xmlns:a="http://schemas.openxmlformats.org/drawingml/2006/main" xmlns:r="http://schemas.openxmlformats.org/officeDocument/2006/relationships" xmlns:p="http://schemas.openxmlformats.org/presentationml/2006/main">
+  <p:cSld>
+    <p:spTree>
+      <p:nvGrpSpPr>
+        <p:cNvPr id="1" name=""/>
+        <p:cNvGrpSpPr/>
+        <p:nvPr/>
+      </p:nvGrpSpPr>
+      <p:grpSpPr>
+        <a:xfrm>
+          <a:off x="0" y="0"/>
+          <a:ext cx="0" cy="0"/>
+          <a:chOff x="0" y="0"/>
+          <a:chExt cx="0" cy="0"/>
+        </a:xfrm>
+      </p:grpSpPr>
+      <p:sp>
+        <p:nvSpPr>
+          <p:cNvPr id="5" name="TextBox 4"/>
+          <p:cNvSpPr txBox="1"/>
+          <p:nvPr/>
+        </p:nvSpPr>
+        <p:spPr>
+          <a:xfrm>
+            <a:off x="251520" y="260648"/>
+            <a:ext cx="5976664" cy="400110"/>
+          </a:xfrm>
+          <a:prstGeom prst="rect">
+            <a:avLst/>
+          </a:prstGeom>
+          <a:noFill/>
+        </p:spPr>
+        <p:txBody>
+          <a:bodyPr wrap="square" rtlCol="0">
+            <a:spAutoFit/>
+          </a:bodyPr>
+          <a:lstStyle/>
+          <a:p>
+            <a:r>
+              <a:rPr lang="ko-KR" altLang="en-US" sz="2000" b="1" dirty="0" smtClean="0"/>
+              <a:t>자료구조 </a:t>
+            </a:r>
+            <a:r>
+              <a:rPr lang="en-US" altLang="ko-KR" sz="2000" b="1" dirty="0" smtClean="0"/>
+              <a:t>1</a:t>
+            </a:r>
+            <a:r>
+              <a:rPr lang="ko-KR" altLang="en-US" sz="2000" b="1" dirty="0" smtClean="0"/>
+              <a:t>일차</a:t>
+            </a:r>
+            <a:r>
+              <a:rPr lang="en-US" altLang="ko-KR" sz="2000" b="1" dirty="0" smtClean="0"/>
+              <a:t>(</a:t>
+            </a:r>
+            <a:r>
+              <a:rPr lang="ko-KR" altLang="en-US" sz="2000" b="1" dirty="0" smtClean="0"/>
+              <a:t>프로그램의 구조</a:t>
+            </a:r>
+            <a:r>
+              <a:rPr lang="en-US" altLang="ko-KR" sz="2000" b="1" dirty="0" smtClean="0"/>
+              <a:t>)</a:t>
+            </a:r>
+            <a:endParaRPr lang="ko-KR" altLang="en-US" sz="2000" b="1" dirty="0"/>
+          </a:p>
+        </p:txBody>
+      </p:sp>
+      <p:sp>
+        <p:nvSpPr>
+          <p:cNvPr id="31" name="직사각형 30"/>
+          <p:cNvSpPr/>
+          <p:nvPr/>
+        </p:nvSpPr>
+        <p:spPr>
+          <a:xfrm>
+            <a:off x="899592" y="1196752"/>
+            <a:ext cx="7848872" cy="504056"/>
+          </a:xfrm>
+          <a:prstGeom prst="rect">
+            <a:avLst/>
+          </a:prstGeom>
+          <a:solidFill>
+            <a:schemeClr val="bg1"/>
+          </a:solidFill>
+        </p:spPr>
+        <p:style>
+          <a:lnRef idx="2">
+            <a:schemeClr val="accent1">
+              <a:shade val="50000"/>
+            </a:schemeClr>
+          </a:lnRef>
+          <a:fillRef idx="1">
+            <a:schemeClr val="accent1"/>
+          </a:fillRef>
+          <a:effectRef idx="0">
+            <a:schemeClr val="accent1"/>
+          </a:effectRef>
+          <a:fontRef idx="minor">
+            <a:schemeClr val="lt1"/>
+          </a:fontRef>
+        </p:style>
+        <p:txBody>
+          <a:bodyPr rtlCol="0" anchor="ctr"/>
+          <a:lstStyle/>
+          <a:p>
+            <a:pPr algn="ctr"/>
+            <a:r>
+              <a:rPr lang="en-US" altLang="ko-KR" b="1" dirty="0" smtClean="0">
+                <a:solidFill>
+                  <a:schemeClr val="tx1"/>
+                </a:solidFill>
+              </a:rPr>
+              <a:t>Member</a:t>
+            </a:r>
+            <a:endParaRPr lang="ko-KR" altLang="en-US" b="1" dirty="0">
+              <a:solidFill>
+                <a:schemeClr val="tx1"/>
+              </a:solidFill>
+            </a:endParaRPr>
+          </a:p>
+        </p:txBody>
+      </p:sp>
+      <p:sp>
+        <p:nvSpPr>
+          <p:cNvPr id="32" name="직사각형 31"/>
+          <p:cNvSpPr/>
+          <p:nvPr/>
+        </p:nvSpPr>
+        <p:spPr>
+          <a:xfrm>
+            <a:off x="899592" y="1700808"/>
+            <a:ext cx="7848872" cy="1224136"/>
+          </a:xfrm>
+          <a:prstGeom prst="rect">
+            <a:avLst/>
+          </a:prstGeom>
+          <a:solidFill>
+            <a:schemeClr val="bg1"/>
+          </a:solidFill>
+        </p:spPr>
+        <p:style>
+          <a:lnRef idx="2">
+            <a:schemeClr val="accent1">
+              <a:shade val="50000"/>
+            </a:schemeClr>
+          </a:lnRef>
+          <a:fillRef idx="1">
+            <a:schemeClr val="accent1"/>
+          </a:fillRef>
+          <a:effectRef idx="0">
+            <a:schemeClr val="accent1"/>
+          </a:effectRef>
+          <a:fontRef idx="minor">
+            <a:schemeClr val="lt1"/>
+          </a:fontRef>
+        </p:style>
+        <p:txBody>
+          <a:bodyPr rtlCol="0" anchor="ctr"/>
+          <a:lstStyle/>
+          <a:p>
+            <a:r>
+              <a:rPr lang="en-US" altLang="ko-KR" b="1" dirty="0" smtClean="0">
+                <a:solidFill>
+                  <a:schemeClr val="tx1"/>
+                </a:solidFill>
+              </a:rPr>
+              <a:t>-number : </a:t>
+            </a:r>
+            <a:r>
+              <a:rPr lang="en-US" altLang="ko-KR" b="1" dirty="0" err="1" smtClean="0">
+                <a:solidFill>
+                  <a:schemeClr val="tx1"/>
+                </a:solidFill>
+              </a:rPr>
+              <a:t>int</a:t>
+            </a:r>
+            <a:endParaRPr lang="en-US" altLang="ko-KR" b="1" dirty="0" smtClean="0">
+              <a:solidFill>
+                <a:schemeClr val="tx1"/>
+              </a:solidFill>
+            </a:endParaRPr>
+          </a:p>
+          <a:p>
+            <a:r>
+              <a:rPr lang="en-US" altLang="ko-KR" b="1" dirty="0" smtClean="0">
+                <a:solidFill>
+                  <a:schemeClr val="tx1"/>
+                </a:solidFill>
+              </a:rPr>
+              <a:t>-name : String</a:t>
+            </a:r>
+          </a:p>
+          <a:p>
+            <a:r>
+              <a:rPr lang="en-US" altLang="ko-KR" b="1" dirty="0" smtClean="0">
+                <a:solidFill>
+                  <a:schemeClr val="tx1"/>
+                </a:solidFill>
+              </a:rPr>
+              <a:t>-phone : String</a:t>
+            </a:r>
+          </a:p>
+          <a:p>
+            <a:r>
+              <a:rPr lang="en-US" altLang="ko-KR" b="1" dirty="0" smtClean="0">
+                <a:solidFill>
+                  <a:schemeClr val="tx1"/>
+                </a:solidFill>
+              </a:rPr>
+              <a:t>- gender : char</a:t>
+            </a:r>
+            <a:endParaRPr lang="ko-KR" altLang="en-US" b="1" dirty="0">
+              <a:solidFill>
+                <a:schemeClr val="tx1"/>
+              </a:solidFill>
+            </a:endParaRPr>
+          </a:p>
+        </p:txBody>
+      </p:sp>
+      <p:sp>
+        <p:nvSpPr>
+          <p:cNvPr id="33" name="직사각형 32"/>
+          <p:cNvSpPr/>
+          <p:nvPr/>
+        </p:nvSpPr>
+        <p:spPr>
+          <a:xfrm>
+            <a:off x="899592" y="2924944"/>
+            <a:ext cx="7848872" cy="3384376"/>
+          </a:xfrm>
+          <a:prstGeom prst="rect">
+            <a:avLst/>
+          </a:prstGeom>
+          <a:solidFill>
+            <a:schemeClr val="bg1"/>
+          </a:solidFill>
+        </p:spPr>
+        <p:style>
+          <a:lnRef idx="2">
+            <a:schemeClr val="accent1">
+              <a:shade val="50000"/>
+            </a:schemeClr>
+          </a:lnRef>
+          <a:fillRef idx="1">
+            <a:schemeClr val="accent1"/>
+          </a:fillRef>
+          <a:effectRef idx="0">
+            <a:schemeClr val="accent1"/>
+          </a:effectRef>
+          <a:fontRef idx="minor">
+            <a:schemeClr val="lt1"/>
+          </a:fontRef>
+        </p:style>
+        <p:txBody>
+          <a:bodyPr rtlCol="0" anchor="t"/>
+          <a:lstStyle/>
+          <a:p>
+            <a:r>
+              <a:rPr lang="en-US" altLang="ko-KR" b="1" dirty="0" smtClean="0">
+                <a:solidFill>
+                  <a:schemeClr val="tx1"/>
+                </a:solidFill>
+              </a:rPr>
+              <a:t>&lt;&lt;constructor&gt;&gt;</a:t>
+            </a:r>
+          </a:p>
+          <a:p>
+            <a:r>
+              <a:rPr lang="en-US" altLang="ko-KR" b="1" dirty="0" smtClean="0">
+                <a:solidFill>
+                  <a:schemeClr val="tx1"/>
+                </a:solidFill>
+              </a:rPr>
+              <a:t>Member(</a:t>
+            </a:r>
+            <a:r>
+              <a:rPr lang="en-US" altLang="ko-KR" b="1" dirty="0" err="1" smtClean="0">
+                <a:solidFill>
+                  <a:schemeClr val="tx1"/>
+                </a:solidFill>
+              </a:rPr>
+              <a:t>int</a:t>
+            </a:r>
+            <a:r>
+              <a:rPr lang="en-US" altLang="ko-KR" b="1" dirty="0" smtClean="0">
+                <a:solidFill>
+                  <a:schemeClr val="tx1"/>
+                </a:solidFill>
+              </a:rPr>
+              <a:t>, String, String, char)</a:t>
+            </a:r>
+          </a:p>
+          <a:p>
+            <a:r>
+              <a:rPr lang="en-US" altLang="ko-KR" b="1" dirty="0" smtClean="0">
+                <a:solidFill>
+                  <a:schemeClr val="tx1"/>
+                </a:solidFill>
+              </a:rPr>
+              <a:t>&lt;&lt;constructor&gt;&gt;</a:t>
+            </a:r>
+          </a:p>
+          <a:p>
+            <a:r>
+              <a:rPr lang="en-US" altLang="ko-KR" b="1" dirty="0" smtClean="0">
+                <a:solidFill>
+                  <a:schemeClr val="tx1"/>
+                </a:solidFill>
+              </a:rPr>
+              <a:t>Member(</a:t>
+            </a:r>
+            <a:r>
+              <a:rPr lang="en-US" altLang="ko-KR" b="1" dirty="0" err="1" smtClean="0">
+                <a:solidFill>
+                  <a:schemeClr val="tx1"/>
+                </a:solidFill>
+              </a:rPr>
+              <a:t>int</a:t>
+            </a:r>
+            <a:r>
+              <a:rPr lang="en-US" altLang="ko-KR" b="1" dirty="0" smtClean="0">
+                <a:solidFill>
+                  <a:schemeClr val="tx1"/>
+                </a:solidFill>
+              </a:rPr>
+              <a:t>, String)</a:t>
+            </a:r>
+          </a:p>
+          <a:p>
+            <a:endParaRPr lang="en-US" altLang="ko-KR" b="1" dirty="0" smtClean="0">
+              <a:solidFill>
+                <a:schemeClr val="tx1"/>
+              </a:solidFill>
+            </a:endParaRPr>
+          </a:p>
+          <a:p>
+            <a:r>
+              <a:rPr lang="en-US" altLang="ko-KR" b="1" dirty="0" smtClean="0">
+                <a:solidFill>
+                  <a:schemeClr val="tx1"/>
+                </a:solidFill>
+              </a:rPr>
+              <a:t>//get &amp; set </a:t>
+            </a:r>
+            <a:r>
+              <a:rPr lang="ko-KR" altLang="en-US" b="1" dirty="0" err="1" smtClean="0">
+                <a:solidFill>
+                  <a:schemeClr val="tx1"/>
+                </a:solidFill>
+              </a:rPr>
+              <a:t>메서드</a:t>
+            </a:r>
+            <a:r>
+              <a:rPr lang="en-US" altLang="ko-KR" b="1" dirty="0" smtClean="0">
+                <a:solidFill>
+                  <a:schemeClr val="tx1"/>
+                </a:solidFill>
+              </a:rPr>
+              <a:t>(</a:t>
+            </a:r>
+            <a:r>
+              <a:rPr lang="ko-KR" altLang="en-US" b="1" dirty="0" smtClean="0">
+                <a:solidFill>
+                  <a:srgbClr val="FF0000"/>
+                </a:solidFill>
+              </a:rPr>
+              <a:t>단</a:t>
+            </a:r>
+            <a:r>
+              <a:rPr lang="en-US" altLang="ko-KR" b="1" dirty="0" smtClean="0">
+                <a:solidFill>
+                  <a:srgbClr val="FF0000"/>
+                </a:solidFill>
+              </a:rPr>
+              <a:t>, </a:t>
+            </a:r>
+            <a:r>
+              <a:rPr lang="ko-KR" altLang="en-US" b="1" dirty="0" smtClean="0">
+                <a:solidFill>
+                  <a:srgbClr val="FF0000"/>
+                </a:solidFill>
+              </a:rPr>
+              <a:t>회원번호</a:t>
+            </a:r>
+            <a:r>
+              <a:rPr lang="en-US" altLang="ko-KR" b="1" dirty="0" smtClean="0">
+                <a:solidFill>
+                  <a:srgbClr val="FF0000"/>
+                </a:solidFill>
+              </a:rPr>
+              <a:t>, </a:t>
+            </a:r>
+            <a:r>
+              <a:rPr lang="ko-KR" altLang="en-US" b="1" dirty="0" smtClean="0">
+                <a:solidFill>
+                  <a:srgbClr val="FF0000"/>
+                </a:solidFill>
+              </a:rPr>
+              <a:t>이름은 외부에서 수정할 수 없도록 은닉</a:t>
+            </a:r>
+            <a:r>
+              <a:rPr lang="en-US" altLang="ko-KR" b="1" dirty="0" smtClean="0">
+                <a:solidFill>
+                  <a:schemeClr val="tx1"/>
+                </a:solidFill>
+              </a:rPr>
+              <a:t>!)</a:t>
+            </a:r>
+          </a:p>
+          <a:p>
+            <a:endParaRPr lang="en-US" altLang="ko-KR" b="1" dirty="0" smtClean="0">
+              <a:solidFill>
+                <a:schemeClr val="tx1"/>
+              </a:solidFill>
+            </a:endParaRPr>
+          </a:p>
+          <a:p>
+            <a:r>
+              <a:rPr lang="en-US" altLang="ko-KR" b="1" dirty="0" err="1" smtClean="0">
+                <a:solidFill>
+                  <a:schemeClr val="tx1"/>
+                </a:solidFill>
+              </a:rPr>
+              <a:t>Println</a:t>
+            </a:r>
+            <a:r>
+              <a:rPr lang="en-US" altLang="ko-KR" b="1" dirty="0" smtClean="0">
+                <a:solidFill>
+                  <a:schemeClr val="tx1"/>
+                </a:solidFill>
+              </a:rPr>
+              <a:t>() : void  </a:t>
+            </a:r>
+            <a:r>
+              <a:rPr lang="en-US" altLang="ko-KR" b="1" dirty="0" smtClean="0">
+                <a:solidFill>
+                  <a:srgbClr val="FF0000"/>
+                </a:solidFill>
+              </a:rPr>
+              <a:t>(</a:t>
+            </a:r>
+            <a:r>
+              <a:rPr lang="ko-KR" altLang="en-US" b="1" dirty="0" smtClean="0">
+                <a:solidFill>
+                  <a:srgbClr val="FF0000"/>
+                </a:solidFill>
+              </a:rPr>
+              <a:t>다중</a:t>
+            </a:r>
+            <a:r>
+              <a:rPr lang="en-US" altLang="ko-KR" b="1" dirty="0" smtClean="0">
+                <a:solidFill>
+                  <a:srgbClr val="FF0000"/>
+                </a:solidFill>
+              </a:rPr>
+              <a:t> </a:t>
+            </a:r>
+            <a:r>
+              <a:rPr lang="ko-KR" altLang="en-US" b="1" dirty="0" smtClean="0">
+                <a:solidFill>
+                  <a:srgbClr val="FF0000"/>
+                </a:solidFill>
+              </a:rPr>
+              <a:t>라인 출력</a:t>
+            </a:r>
+            <a:r>
+              <a:rPr lang="en-US" altLang="ko-KR" b="1" dirty="0" smtClean="0">
+                <a:solidFill>
+                  <a:srgbClr val="FF0000"/>
+                </a:solidFill>
+              </a:rPr>
+              <a:t>)  [</a:t>
+            </a:r>
+            <a:r>
+              <a:rPr lang="ko-KR" altLang="en-US" b="1" dirty="0" smtClean="0">
+                <a:solidFill>
+                  <a:srgbClr val="FF0000"/>
+                </a:solidFill>
+              </a:rPr>
+              <a:t>회원번호</a:t>
+            </a:r>
+            <a:r>
+              <a:rPr lang="en-US" altLang="ko-KR" b="1" dirty="0" smtClean="0">
+                <a:solidFill>
+                  <a:srgbClr val="FF0000"/>
+                </a:solidFill>
+              </a:rPr>
+              <a:t>] 111</a:t>
+            </a:r>
+          </a:p>
+          <a:p>
+            <a:r>
+              <a:rPr lang="en-US" altLang="ko-KR" b="1" dirty="0">
+                <a:solidFill>
+                  <a:srgbClr val="FF0000"/>
+                </a:solidFill>
+              </a:rPr>
+              <a:t> </a:t>
+            </a:r>
+            <a:r>
+              <a:rPr lang="en-US" altLang="ko-KR" b="1" dirty="0" smtClean="0">
+                <a:solidFill>
+                  <a:srgbClr val="FF0000"/>
+                </a:solidFill>
+              </a:rPr>
+              <a:t>                                            [</a:t>
+            </a:r>
+            <a:r>
+              <a:rPr lang="ko-KR" altLang="en-US" b="1" dirty="0" smtClean="0">
+                <a:solidFill>
+                  <a:srgbClr val="FF0000"/>
+                </a:solidFill>
+              </a:rPr>
+              <a:t>이름</a:t>
+            </a:r>
+            <a:r>
+              <a:rPr lang="en-US" altLang="ko-KR" b="1" dirty="0" smtClean="0">
+                <a:solidFill>
+                  <a:srgbClr val="FF0000"/>
+                </a:solidFill>
+              </a:rPr>
+              <a:t>] </a:t>
+            </a:r>
+            <a:r>
+              <a:rPr lang="ko-KR" altLang="en-US" b="1" dirty="0" smtClean="0">
+                <a:solidFill>
+                  <a:srgbClr val="FF0000"/>
+                </a:solidFill>
+              </a:rPr>
+              <a:t>홍길동 </a:t>
+            </a:r>
+            <a:r>
+              <a:rPr lang="en-US" altLang="ko-KR" b="1" dirty="0" smtClean="0">
+                <a:solidFill>
+                  <a:srgbClr val="FF0000"/>
+                </a:solidFill>
+              </a:rPr>
+              <a:t>…</a:t>
+            </a:r>
+          </a:p>
+          <a:p>
+            <a:endParaRPr lang="en-US" altLang="ko-KR" b="1" dirty="0" smtClean="0">
+              <a:solidFill>
+                <a:srgbClr val="FF0000"/>
+              </a:solidFill>
+            </a:endParaRPr>
+          </a:p>
+          <a:p>
+            <a:r>
+              <a:rPr lang="en-US" altLang="ko-KR" b="1" dirty="0" smtClean="0">
+                <a:solidFill>
+                  <a:schemeClr val="tx1"/>
+                </a:solidFill>
+              </a:rPr>
+              <a:t>Print() : void     </a:t>
+            </a:r>
+            <a:r>
+              <a:rPr lang="en-US" altLang="ko-KR" b="1" dirty="0" smtClean="0">
+                <a:solidFill>
+                  <a:srgbClr val="FF0000"/>
+                </a:solidFill>
+              </a:rPr>
+              <a:t>(</a:t>
+            </a:r>
+            <a:r>
+              <a:rPr lang="ko-KR" altLang="en-US" b="1" dirty="0" smtClean="0">
+                <a:solidFill>
+                  <a:srgbClr val="FF0000"/>
+                </a:solidFill>
+              </a:rPr>
+              <a:t>단일 라인 출력</a:t>
+            </a:r>
+            <a:r>
+              <a:rPr lang="en-US" altLang="ko-KR" b="1" dirty="0" smtClean="0">
+                <a:solidFill>
+                  <a:srgbClr val="FF0000"/>
+                </a:solidFill>
+              </a:rPr>
+              <a:t>)   [111] </a:t>
+            </a:r>
+            <a:r>
+              <a:rPr lang="ko-KR" altLang="en-US" b="1" dirty="0" smtClean="0">
+                <a:solidFill>
+                  <a:srgbClr val="FF0000"/>
+                </a:solidFill>
+              </a:rPr>
+              <a:t>홍길동 </a:t>
+            </a:r>
+            <a:r>
+              <a:rPr lang="en-US" altLang="ko-KR" b="1" dirty="0" smtClean="0">
+                <a:solidFill>
+                  <a:srgbClr val="FF0000"/>
+                </a:solidFill>
+              </a:rPr>
+              <a:t>010-1111-1111 </a:t>
+            </a:r>
+            <a:r>
+              <a:rPr lang="ko-KR" altLang="en-US" b="1" dirty="0" smtClean="0">
+                <a:solidFill>
+                  <a:srgbClr val="FF0000"/>
+                </a:solidFill>
+              </a:rPr>
+              <a:t>남</a:t>
+            </a:r>
+            <a:endParaRPr lang="en-US" altLang="ko-KR" b="1" dirty="0" smtClean="0">
+              <a:solidFill>
+                <a:srgbClr val="FF0000"/>
+              </a:solidFill>
+            </a:endParaRPr>
+          </a:p>
+          <a:p>
+            <a:endParaRPr lang="en-US" altLang="ko-KR" b="1" dirty="0">
+              <a:solidFill>
+                <a:schemeClr val="tx1"/>
+              </a:solidFill>
+            </a:endParaRPr>
+          </a:p>
+          <a:p>
+            <a:endParaRPr lang="en-US" altLang="ko-KR" b="1" dirty="0">
+              <a:solidFill>
+                <a:schemeClr val="tx1"/>
+              </a:solidFill>
+            </a:endParaRPr>
+          </a:p>
+          <a:p>
+            <a:endParaRPr lang="ko-KR" altLang="en-US" b="1" dirty="0">
+              <a:solidFill>
+                <a:schemeClr val="tx1"/>
+              </a:solidFill>
+            </a:endParaRPr>
+          </a:p>
+        </p:txBody>
+      </p:sp>
+      <p:sp>
+        <p:nvSpPr>
+          <p:cNvPr id="40" name="직사각형 39"/>
+          <p:cNvSpPr/>
+          <p:nvPr/>
+        </p:nvSpPr>
+        <p:spPr>
+          <a:xfrm>
+            <a:off x="899592" y="692696"/>
+            <a:ext cx="2443554" cy="369332"/>
+          </a:xfrm>
+          <a:prstGeom prst="rect">
+            <a:avLst/>
+          </a:prstGeom>
+        </p:spPr>
+        <p:txBody>
+          <a:bodyPr wrap="none">
+            <a:spAutoFit/>
+          </a:bodyPr>
+          <a:lstStyle/>
+          <a:p>
+            <a:r>
+              <a:rPr lang="ko-KR" altLang="en-US" b="1" dirty="0" smtClean="0">
+                <a:solidFill>
+                  <a:srgbClr val="FF0000"/>
+                </a:solidFill>
+              </a:rPr>
+              <a:t>데이터</a:t>
+            </a:r>
+            <a:r>
+              <a:rPr lang="en-US" altLang="ko-KR" b="1" dirty="0" smtClean="0">
+                <a:solidFill>
+                  <a:srgbClr val="FF0000"/>
+                </a:solidFill>
+              </a:rPr>
+              <a:t>(Member.java)</a:t>
+            </a:r>
+            <a:endParaRPr lang="ko-KR" altLang="en-US" b="1" dirty="0">
+              <a:solidFill>
+                <a:srgbClr val="FF0000"/>
+              </a:solidFill>
+            </a:endParaRPr>
+          </a:p>
+        </p:txBody>
+      </p:sp>
+      <p:sp>
+        <p:nvSpPr>
+          <p:cNvPr id="44" name="직사각형 43"/>
+          <p:cNvSpPr/>
+          <p:nvPr/>
+        </p:nvSpPr>
+        <p:spPr>
+          <a:xfrm>
+            <a:off x="3275856" y="3717032"/>
+            <a:ext cx="1712328" cy="369332"/>
+          </a:xfrm>
+          <a:prstGeom prst="rect">
+            <a:avLst/>
+          </a:prstGeom>
+        </p:spPr>
+        <p:txBody>
+          <a:bodyPr wrap="none">
+            <a:spAutoFit/>
+          </a:bodyPr>
+          <a:lstStyle/>
+          <a:p>
+            <a:r>
+              <a:rPr lang="ko-KR" altLang="en-US" b="1" dirty="0" smtClean="0">
+                <a:solidFill>
+                  <a:srgbClr val="FF0000"/>
+                </a:solidFill>
+              </a:rPr>
+              <a:t>회원번호</a:t>
+            </a:r>
+            <a:r>
+              <a:rPr lang="en-US" altLang="ko-KR" b="1" dirty="0" smtClean="0">
+                <a:solidFill>
+                  <a:srgbClr val="FF0000"/>
+                </a:solidFill>
+              </a:rPr>
+              <a:t>, </a:t>
+            </a:r>
+            <a:r>
+              <a:rPr lang="ko-KR" altLang="en-US" b="1" dirty="0" smtClean="0">
+                <a:solidFill>
+                  <a:srgbClr val="FF0000"/>
+                </a:solidFill>
+              </a:rPr>
+              <a:t>이름</a:t>
+            </a:r>
+            <a:endParaRPr lang="ko-KR" altLang="en-US" dirty="0"/>
+          </a:p>
+        </p:txBody>
+      </p:sp>
+    </p:spTree>
+  </p:cSld>
+  <p:clrMapOvr>
+    <a:masterClrMapping/>
+  </p:clrMapOvr>
+</p:sld>
+</file>
+
+<file path=ppt/slides/slide14.xml><?xml version="1.0" encoding="utf-8"?>
+<p:sld xmlns:a="http://schemas.openxmlformats.org/drawingml/2006/main" xmlns:r="http://schemas.openxmlformats.org/officeDocument/2006/relationships" xmlns:p="http://schemas.openxmlformats.org/presentationml/2006/main">
+  <p:cSld>
+    <p:spTree>
+      <p:nvGrpSpPr>
+        <p:cNvPr id="1" name=""/>
+        <p:cNvGrpSpPr/>
+        <p:nvPr/>
+      </p:nvGrpSpPr>
+      <p:grpSpPr>
+        <a:xfrm>
+          <a:off x="0" y="0"/>
+          <a:ext cx="0" cy="0"/>
+          <a:chOff x="0" y="0"/>
+          <a:chExt cx="0" cy="0"/>
+        </a:xfrm>
+      </p:grpSpPr>
+      <p:sp>
+        <p:nvSpPr>
+          <p:cNvPr id="5" name="TextBox 4"/>
+          <p:cNvSpPr txBox="1"/>
+          <p:nvPr/>
+        </p:nvSpPr>
+        <p:spPr>
+          <a:xfrm>
+            <a:off x="251520" y="260648"/>
+            <a:ext cx="7920880" cy="400110"/>
+          </a:xfrm>
+          <a:prstGeom prst="rect">
+            <a:avLst/>
+          </a:prstGeom>
+          <a:noFill/>
+        </p:spPr>
+        <p:txBody>
+          <a:bodyPr wrap="square" rtlCol="0">
+            <a:spAutoFit/>
+          </a:bodyPr>
+          <a:lstStyle/>
+          <a:p>
+            <a:r>
+              <a:rPr lang="ko-KR" altLang="en-US" sz="2000" b="1" dirty="0" smtClean="0"/>
+              <a:t>자료구조 </a:t>
+            </a:r>
+            <a:r>
+              <a:rPr lang="en-US" altLang="ko-KR" sz="2000" b="1" dirty="0" smtClean="0"/>
+              <a:t>1</a:t>
+            </a:r>
+            <a:r>
+              <a:rPr lang="ko-KR" altLang="en-US" sz="2000" b="1" dirty="0" smtClean="0"/>
+              <a:t>일차</a:t>
+            </a:r>
+            <a:r>
+              <a:rPr lang="en-US" altLang="ko-KR" sz="2000" b="1" dirty="0" smtClean="0"/>
+              <a:t>(</a:t>
+            </a:r>
+            <a:r>
+              <a:rPr lang="ko-KR" altLang="en-US" sz="2000" b="1" dirty="0" smtClean="0"/>
+              <a:t>프로그램 실습</a:t>
+            </a:r>
+            <a:r>
+              <a:rPr lang="en-US" altLang="ko-KR" sz="2000" b="1" dirty="0" smtClean="0"/>
+              <a:t>) – </a:t>
+            </a:r>
+            <a:r>
+              <a:rPr lang="ko-KR" altLang="en-US" sz="2000" b="1" dirty="0" smtClean="0">
+                <a:solidFill>
+                  <a:schemeClr val="accent1">
+                    <a:lumMod val="75000"/>
+                  </a:schemeClr>
+                </a:solidFill>
+              </a:rPr>
+              <a:t>계좌</a:t>
+            </a:r>
+            <a:r>
+              <a:rPr lang="ko-KR" altLang="en-US" sz="2000" b="1" dirty="0" smtClean="0"/>
+              <a:t> 관리 프로그램</a:t>
+            </a:r>
+            <a:endParaRPr lang="ko-KR" altLang="en-US" sz="2000" b="1" dirty="0"/>
+          </a:p>
+        </p:txBody>
+      </p:sp>
+      <p:sp>
+        <p:nvSpPr>
+          <p:cNvPr id="8" name="직사각형 7"/>
+          <p:cNvSpPr/>
+          <p:nvPr/>
+        </p:nvSpPr>
+        <p:spPr>
+          <a:xfrm>
+            <a:off x="467544" y="1556792"/>
+            <a:ext cx="1440160" cy="504056"/>
+          </a:xfrm>
+          <a:prstGeom prst="rect">
+            <a:avLst/>
+          </a:prstGeom>
+          <a:solidFill>
+            <a:schemeClr val="bg1"/>
+          </a:solidFill>
+        </p:spPr>
+        <p:style>
+          <a:lnRef idx="2">
+            <a:schemeClr val="accent1">
+              <a:shade val="50000"/>
+            </a:schemeClr>
+          </a:lnRef>
+          <a:fillRef idx="1">
+            <a:schemeClr val="accent1"/>
+          </a:fillRef>
+          <a:effectRef idx="0">
+            <a:schemeClr val="accent1"/>
+          </a:effectRef>
+          <a:fontRef idx="minor">
+            <a:schemeClr val="lt1"/>
+          </a:fontRef>
+        </p:style>
+        <p:txBody>
+          <a:bodyPr rtlCol="0" anchor="ctr"/>
+          <a:lstStyle/>
+          <a:p>
+            <a:pPr algn="ctr"/>
+            <a:r>
+              <a:rPr lang="en-US" altLang="ko-KR" b="1" dirty="0" smtClean="0">
+                <a:solidFill>
+                  <a:schemeClr val="tx1"/>
+                </a:solidFill>
+              </a:rPr>
+              <a:t>Start</a:t>
+            </a:r>
+            <a:endParaRPr lang="ko-KR" altLang="en-US" b="1" dirty="0">
+              <a:solidFill>
+                <a:schemeClr val="tx1"/>
+              </a:solidFill>
+            </a:endParaRPr>
+          </a:p>
+        </p:txBody>
+      </p:sp>
+      <p:sp>
+        <p:nvSpPr>
+          <p:cNvPr id="9" name="직사각형 8"/>
+          <p:cNvSpPr/>
+          <p:nvPr/>
+        </p:nvSpPr>
+        <p:spPr>
+          <a:xfrm>
+            <a:off x="467544" y="2060848"/>
+            <a:ext cx="1440160" cy="504056"/>
+          </a:xfrm>
+          <a:prstGeom prst="rect">
+            <a:avLst/>
+          </a:prstGeom>
+          <a:solidFill>
+            <a:schemeClr val="bg1"/>
+          </a:solidFill>
+        </p:spPr>
+        <p:style>
+          <a:lnRef idx="2">
+            <a:schemeClr val="accent1">
+              <a:shade val="50000"/>
+            </a:schemeClr>
+          </a:lnRef>
+          <a:fillRef idx="1">
+            <a:schemeClr val="accent1"/>
+          </a:fillRef>
+          <a:effectRef idx="0">
+            <a:schemeClr val="accent1"/>
+          </a:effectRef>
+          <a:fontRef idx="minor">
+            <a:schemeClr val="lt1"/>
+          </a:fontRef>
+        </p:style>
+        <p:txBody>
+          <a:bodyPr rtlCol="0" anchor="ctr"/>
+          <a:lstStyle/>
+          <a:p>
+            <a:pPr algn="ctr"/>
+            <a:endParaRPr lang="ko-KR" altLang="en-US" b="1" dirty="0">
+              <a:solidFill>
+                <a:schemeClr val="tx1"/>
+              </a:solidFill>
+            </a:endParaRPr>
+          </a:p>
+        </p:txBody>
+      </p:sp>
+      <p:sp>
+        <p:nvSpPr>
+          <p:cNvPr id="10" name="직사각형 9"/>
+          <p:cNvSpPr/>
+          <p:nvPr/>
+        </p:nvSpPr>
+        <p:spPr>
+          <a:xfrm>
+            <a:off x="467544" y="2564904"/>
+            <a:ext cx="1440160" cy="504056"/>
+          </a:xfrm>
+          <a:prstGeom prst="rect">
+            <a:avLst/>
+          </a:prstGeom>
+          <a:solidFill>
+            <a:schemeClr val="bg1"/>
+          </a:solidFill>
+        </p:spPr>
+        <p:style>
+          <a:lnRef idx="2">
+            <a:schemeClr val="accent1">
+              <a:shade val="50000"/>
+            </a:schemeClr>
+          </a:lnRef>
+          <a:fillRef idx="1">
+            <a:schemeClr val="accent1"/>
+          </a:fillRef>
+          <a:effectRef idx="0">
+            <a:schemeClr val="accent1"/>
+          </a:effectRef>
+          <a:fontRef idx="minor">
+            <a:schemeClr val="lt1"/>
+          </a:fontRef>
+        </p:style>
+        <p:txBody>
+          <a:bodyPr rtlCol="0" anchor="ctr"/>
+          <a:lstStyle/>
+          <a:p>
+            <a:pPr algn="ctr"/>
+            <a:endParaRPr lang="ko-KR" altLang="en-US" b="1" dirty="0">
+              <a:solidFill>
+                <a:schemeClr val="tx1"/>
+              </a:solidFill>
+            </a:endParaRPr>
+          </a:p>
+        </p:txBody>
+      </p:sp>
+      <p:sp>
+        <p:nvSpPr>
+          <p:cNvPr id="11" name="직사각형 10"/>
+          <p:cNvSpPr/>
+          <p:nvPr/>
+        </p:nvSpPr>
+        <p:spPr>
+          <a:xfrm>
+            <a:off x="2267744" y="1556792"/>
+            <a:ext cx="2088232" cy="504056"/>
+          </a:xfrm>
+          <a:prstGeom prst="rect">
+            <a:avLst/>
+          </a:prstGeom>
+          <a:solidFill>
+            <a:schemeClr val="bg1"/>
+          </a:solidFill>
+        </p:spPr>
+        <p:style>
+          <a:lnRef idx="2">
+            <a:schemeClr val="accent1">
+              <a:shade val="50000"/>
+            </a:schemeClr>
+          </a:lnRef>
+          <a:fillRef idx="1">
+            <a:schemeClr val="accent1"/>
+          </a:fillRef>
+          <a:effectRef idx="0">
+            <a:schemeClr val="accent1"/>
+          </a:effectRef>
+          <a:fontRef idx="minor">
+            <a:schemeClr val="lt1"/>
+          </a:fontRef>
+        </p:style>
+        <p:txBody>
+          <a:bodyPr rtlCol="0" anchor="ctr"/>
+          <a:lstStyle/>
+          <a:p>
+            <a:pPr algn="ctr"/>
+            <a:r>
+              <a:rPr lang="en-US" altLang="ko-KR" b="1" dirty="0" smtClean="0">
+                <a:solidFill>
+                  <a:schemeClr val="tx1"/>
+                </a:solidFill>
+              </a:rPr>
+              <a:t>&lt;&lt;singleton&gt;&gt;</a:t>
+            </a:r>
+          </a:p>
+          <a:p>
+            <a:pPr algn="ctr"/>
+            <a:r>
+              <a:rPr lang="en-US" altLang="ko-KR" b="1" dirty="0" smtClean="0">
+                <a:solidFill>
+                  <a:schemeClr val="tx1"/>
+                </a:solidFill>
+              </a:rPr>
+              <a:t>App</a:t>
+            </a:r>
+            <a:endParaRPr lang="ko-KR" altLang="en-US" b="1" dirty="0">
+              <a:solidFill>
+                <a:schemeClr val="tx1"/>
+              </a:solidFill>
+            </a:endParaRPr>
+          </a:p>
+        </p:txBody>
+      </p:sp>
+      <p:sp>
+        <p:nvSpPr>
+          <p:cNvPr id="12" name="직사각형 11"/>
+          <p:cNvSpPr/>
+          <p:nvPr/>
+        </p:nvSpPr>
+        <p:spPr>
+          <a:xfrm>
+            <a:off x="2267744" y="2060848"/>
+            <a:ext cx="2088232" cy="504056"/>
+          </a:xfrm>
+          <a:prstGeom prst="rect">
+            <a:avLst/>
+          </a:prstGeom>
+          <a:solidFill>
+            <a:schemeClr val="bg1"/>
+          </a:solidFill>
+        </p:spPr>
+        <p:style>
+          <a:lnRef idx="2">
+            <a:schemeClr val="accent1">
+              <a:shade val="50000"/>
+            </a:schemeClr>
+          </a:lnRef>
+          <a:fillRef idx="1">
+            <a:schemeClr val="accent1"/>
+          </a:fillRef>
+          <a:effectRef idx="0">
+            <a:schemeClr val="accent1"/>
+          </a:effectRef>
+          <a:fontRef idx="minor">
+            <a:schemeClr val="lt1"/>
+          </a:fontRef>
+        </p:style>
+        <p:txBody>
+          <a:bodyPr rtlCol="0" anchor="ctr"/>
+          <a:lstStyle/>
+          <a:p>
+            <a:pPr algn="ctr"/>
+            <a:endParaRPr lang="ko-KR" altLang="en-US" b="1" dirty="0">
+              <a:solidFill>
+                <a:schemeClr val="tx1"/>
+              </a:solidFill>
+            </a:endParaRPr>
+          </a:p>
+        </p:txBody>
+      </p:sp>
+      <p:sp>
+        <p:nvSpPr>
+          <p:cNvPr id="13" name="직사각형 12"/>
+          <p:cNvSpPr/>
+          <p:nvPr/>
+        </p:nvSpPr>
+        <p:spPr>
+          <a:xfrm>
+            <a:off x="2267744" y="2564904"/>
+            <a:ext cx="2088232" cy="504056"/>
+          </a:xfrm>
+          <a:prstGeom prst="rect">
+            <a:avLst/>
+          </a:prstGeom>
+          <a:solidFill>
+            <a:schemeClr val="bg1"/>
+          </a:solidFill>
+        </p:spPr>
+        <p:style>
+          <a:lnRef idx="2">
+            <a:schemeClr val="accent1">
+              <a:shade val="50000"/>
+            </a:schemeClr>
+          </a:lnRef>
+          <a:fillRef idx="1">
+            <a:schemeClr val="accent1"/>
+          </a:fillRef>
+          <a:effectRef idx="0">
+            <a:schemeClr val="accent1"/>
+          </a:effectRef>
+          <a:fontRef idx="minor">
+            <a:schemeClr val="lt1"/>
+          </a:fontRef>
+        </p:style>
+        <p:txBody>
+          <a:bodyPr rtlCol="0" anchor="ctr"/>
+          <a:lstStyle/>
+          <a:p>
+            <a:pPr algn="ctr"/>
+            <a:endParaRPr lang="ko-KR" altLang="en-US" b="1" dirty="0">
+              <a:solidFill>
+                <a:schemeClr val="tx1"/>
+              </a:solidFill>
+            </a:endParaRPr>
+          </a:p>
+        </p:txBody>
+      </p:sp>
+      <p:sp>
+        <p:nvSpPr>
+          <p:cNvPr id="14" name="직사각형 13"/>
+          <p:cNvSpPr/>
+          <p:nvPr/>
+        </p:nvSpPr>
+        <p:spPr>
+          <a:xfrm>
+            <a:off x="4572000" y="1556792"/>
+            <a:ext cx="2304256" cy="504056"/>
+          </a:xfrm>
+          <a:prstGeom prst="rect">
+            <a:avLst/>
+          </a:prstGeom>
+          <a:solidFill>
+            <a:schemeClr val="accent2">
+              <a:lumMod val="60000"/>
+              <a:lumOff val="40000"/>
+            </a:schemeClr>
+          </a:solidFill>
+        </p:spPr>
+        <p:style>
+          <a:lnRef idx="2">
+            <a:schemeClr val="accent1">
+              <a:shade val="50000"/>
+            </a:schemeClr>
+          </a:lnRef>
+          <a:fillRef idx="1">
+            <a:schemeClr val="accent1"/>
+          </a:fillRef>
+          <a:effectRef idx="0">
+            <a:schemeClr val="accent1"/>
+          </a:effectRef>
+          <a:fontRef idx="minor">
+            <a:schemeClr val="lt1"/>
+          </a:fontRef>
+        </p:style>
+        <p:txBody>
+          <a:bodyPr rtlCol="0" anchor="ctr"/>
+          <a:lstStyle/>
+          <a:p>
+            <a:pPr algn="ctr"/>
+            <a:r>
+              <a:rPr lang="en-US" altLang="ko-KR" b="1" dirty="0" smtClean="0">
+                <a:solidFill>
+                  <a:schemeClr val="tx1"/>
+                </a:solidFill>
+              </a:rPr>
+              <a:t>&lt;&lt;singleton&gt;&gt;</a:t>
+            </a:r>
+          </a:p>
+          <a:p>
+            <a:pPr algn="ctr"/>
+            <a:r>
+              <a:rPr lang="en-US" altLang="ko-KR" b="1" dirty="0" smtClean="0">
+                <a:solidFill>
+                  <a:schemeClr val="tx1"/>
+                </a:solidFill>
+              </a:rPr>
+              <a:t>Bank</a:t>
+            </a:r>
+            <a:endParaRPr lang="ko-KR" altLang="en-US" b="1" dirty="0">
+              <a:solidFill>
+                <a:schemeClr val="tx1"/>
+              </a:solidFill>
+            </a:endParaRPr>
+          </a:p>
+        </p:txBody>
+      </p:sp>
+      <p:sp>
+        <p:nvSpPr>
+          <p:cNvPr id="15" name="직사각형 14"/>
+          <p:cNvSpPr/>
+          <p:nvPr/>
+        </p:nvSpPr>
+        <p:spPr>
+          <a:xfrm>
+            <a:off x="4572000" y="2060848"/>
+            <a:ext cx="2304256" cy="504056"/>
+          </a:xfrm>
+          <a:prstGeom prst="rect">
+            <a:avLst/>
+          </a:prstGeom>
+          <a:solidFill>
+            <a:schemeClr val="accent2">
+              <a:lumMod val="60000"/>
+              <a:lumOff val="40000"/>
+            </a:schemeClr>
+          </a:solidFill>
+        </p:spPr>
+        <p:style>
+          <a:lnRef idx="2">
+            <a:schemeClr val="accent1">
+              <a:shade val="50000"/>
+            </a:schemeClr>
+          </a:lnRef>
+          <a:fillRef idx="1">
+            <a:schemeClr val="accent1"/>
+          </a:fillRef>
+          <a:effectRef idx="0">
+            <a:schemeClr val="accent1"/>
+          </a:effectRef>
+          <a:fontRef idx="minor">
+            <a:schemeClr val="lt1"/>
+          </a:fontRef>
+        </p:style>
+        <p:txBody>
+          <a:bodyPr rtlCol="0" anchor="ctr"/>
+          <a:lstStyle/>
+          <a:p>
+            <a:pPr algn="ctr"/>
+            <a:endParaRPr lang="ko-KR" altLang="en-US" b="1" dirty="0">
+              <a:solidFill>
+                <a:schemeClr val="tx1"/>
+              </a:solidFill>
+            </a:endParaRPr>
+          </a:p>
+        </p:txBody>
+      </p:sp>
+      <p:sp>
+        <p:nvSpPr>
+          <p:cNvPr id="16" name="직사각형 15"/>
+          <p:cNvSpPr/>
+          <p:nvPr/>
+        </p:nvSpPr>
+        <p:spPr>
+          <a:xfrm>
+            <a:off x="4572000" y="2564904"/>
+            <a:ext cx="2304256" cy="504056"/>
+          </a:xfrm>
+          <a:prstGeom prst="rect">
+            <a:avLst/>
+          </a:prstGeom>
+          <a:solidFill>
+            <a:schemeClr val="accent2">
+              <a:lumMod val="60000"/>
+              <a:lumOff val="40000"/>
+            </a:schemeClr>
+          </a:solidFill>
+        </p:spPr>
+        <p:style>
+          <a:lnRef idx="2">
+            <a:schemeClr val="accent1">
+              <a:shade val="50000"/>
+            </a:schemeClr>
+          </a:lnRef>
+          <a:fillRef idx="1">
+            <a:schemeClr val="accent1"/>
+          </a:fillRef>
+          <a:effectRef idx="0">
+            <a:schemeClr val="accent1"/>
+          </a:effectRef>
+          <a:fontRef idx="minor">
+            <a:schemeClr val="lt1"/>
+          </a:fontRef>
+        </p:style>
+        <p:txBody>
+          <a:bodyPr rtlCol="0" anchor="ctr"/>
+          <a:lstStyle/>
+          <a:p>
+            <a:pPr algn="ctr"/>
+            <a:endParaRPr lang="ko-KR" altLang="en-US" b="1" dirty="0">
+              <a:solidFill>
+                <a:schemeClr val="tx1"/>
+              </a:solidFill>
+            </a:endParaRPr>
+          </a:p>
+        </p:txBody>
+      </p:sp>
+      <p:sp>
+        <p:nvSpPr>
+          <p:cNvPr id="17" name="직사각형 16"/>
+          <p:cNvSpPr/>
+          <p:nvPr/>
+        </p:nvSpPr>
+        <p:spPr>
+          <a:xfrm>
+            <a:off x="3275856" y="4149080"/>
+            <a:ext cx="1440160" cy="504056"/>
+          </a:xfrm>
+          <a:prstGeom prst="rect">
+            <a:avLst/>
+          </a:prstGeom>
+          <a:solidFill>
+            <a:schemeClr val="bg1"/>
+          </a:solidFill>
+        </p:spPr>
+        <p:style>
+          <a:lnRef idx="2">
+            <a:schemeClr val="accent1">
+              <a:shade val="50000"/>
+            </a:schemeClr>
+          </a:lnRef>
+          <a:fillRef idx="1">
+            <a:schemeClr val="accent1"/>
+          </a:fillRef>
+          <a:effectRef idx="0">
+            <a:schemeClr val="accent1"/>
+          </a:effectRef>
+          <a:fontRef idx="minor">
+            <a:schemeClr val="lt1"/>
+          </a:fontRef>
+        </p:style>
+        <p:txBody>
+          <a:bodyPr rtlCol="0" anchor="ctr"/>
+          <a:lstStyle/>
+          <a:p>
+            <a:pPr algn="ctr"/>
+            <a:r>
+              <a:rPr lang="en-US" altLang="ko-KR" b="1" dirty="0" err="1" smtClean="0">
+                <a:solidFill>
+                  <a:schemeClr val="tx1"/>
+                </a:solidFill>
+              </a:rPr>
+              <a:t>BitArray</a:t>
+            </a:r>
+            <a:endParaRPr lang="ko-KR" altLang="en-US" b="1" dirty="0">
+              <a:solidFill>
+                <a:schemeClr val="tx1"/>
+              </a:solidFill>
+            </a:endParaRPr>
+          </a:p>
+        </p:txBody>
+      </p:sp>
+      <p:sp>
+        <p:nvSpPr>
+          <p:cNvPr id="18" name="직사각형 17"/>
+          <p:cNvSpPr/>
+          <p:nvPr/>
+        </p:nvSpPr>
+        <p:spPr>
+          <a:xfrm>
+            <a:off x="3275856" y="4653136"/>
+            <a:ext cx="1440160" cy="504056"/>
+          </a:xfrm>
+          <a:prstGeom prst="rect">
+            <a:avLst/>
+          </a:prstGeom>
+          <a:solidFill>
+            <a:schemeClr val="bg1"/>
+          </a:solidFill>
+        </p:spPr>
+        <p:style>
+          <a:lnRef idx="2">
+            <a:schemeClr val="accent1">
+              <a:shade val="50000"/>
+            </a:schemeClr>
+          </a:lnRef>
+          <a:fillRef idx="1">
+            <a:schemeClr val="accent1"/>
+          </a:fillRef>
+          <a:effectRef idx="0">
+            <a:schemeClr val="accent1"/>
+          </a:effectRef>
+          <a:fontRef idx="minor">
+            <a:schemeClr val="lt1"/>
+          </a:fontRef>
+        </p:style>
+        <p:txBody>
+          <a:bodyPr rtlCol="0" anchor="ctr"/>
+          <a:lstStyle/>
+          <a:p>
+            <a:pPr algn="ctr"/>
+            <a:endParaRPr lang="ko-KR" altLang="en-US" b="1" dirty="0">
+              <a:solidFill>
+                <a:schemeClr val="tx1"/>
+              </a:solidFill>
+            </a:endParaRPr>
+          </a:p>
+        </p:txBody>
+      </p:sp>
+      <p:sp>
+        <p:nvSpPr>
+          <p:cNvPr id="19" name="직사각형 18"/>
+          <p:cNvSpPr/>
+          <p:nvPr/>
+        </p:nvSpPr>
+        <p:spPr>
+          <a:xfrm>
+            <a:off x="3275856" y="5157192"/>
+            <a:ext cx="1440160" cy="504056"/>
+          </a:xfrm>
+          <a:prstGeom prst="rect">
+            <a:avLst/>
+          </a:prstGeom>
+          <a:solidFill>
+            <a:schemeClr val="bg1"/>
+          </a:solidFill>
+        </p:spPr>
+        <p:style>
+          <a:lnRef idx="2">
+            <a:schemeClr val="accent1">
+              <a:shade val="50000"/>
+            </a:schemeClr>
+          </a:lnRef>
+          <a:fillRef idx="1">
+            <a:schemeClr val="accent1"/>
+          </a:fillRef>
+          <a:effectRef idx="0">
+            <a:schemeClr val="accent1"/>
+          </a:effectRef>
+          <a:fontRef idx="minor">
+            <a:schemeClr val="lt1"/>
+          </a:fontRef>
+        </p:style>
+        <p:txBody>
+          <a:bodyPr rtlCol="0" anchor="ctr"/>
+          <a:lstStyle/>
+          <a:p>
+            <a:pPr algn="ctr"/>
+            <a:endParaRPr lang="ko-KR" altLang="en-US" b="1" dirty="0">
+              <a:solidFill>
+                <a:schemeClr val="tx1"/>
+              </a:solidFill>
+            </a:endParaRPr>
+          </a:p>
+        </p:txBody>
+      </p:sp>
+      <p:sp>
+        <p:nvSpPr>
+          <p:cNvPr id="20" name="직사각형 19"/>
+          <p:cNvSpPr/>
+          <p:nvPr/>
+        </p:nvSpPr>
+        <p:spPr>
+          <a:xfrm>
+            <a:off x="7164288" y="1484784"/>
+            <a:ext cx="1440160" cy="504056"/>
+          </a:xfrm>
+          <a:prstGeom prst="rect">
+            <a:avLst/>
+          </a:prstGeom>
+          <a:solidFill>
+            <a:schemeClr val="bg1"/>
+          </a:solidFill>
+        </p:spPr>
+        <p:style>
+          <a:lnRef idx="2">
+            <a:schemeClr val="accent1">
+              <a:shade val="50000"/>
+            </a:schemeClr>
+          </a:lnRef>
+          <a:fillRef idx="1">
+            <a:schemeClr val="accent1"/>
+          </a:fillRef>
+          <a:effectRef idx="0">
+            <a:schemeClr val="accent1"/>
+          </a:effectRef>
+          <a:fontRef idx="minor">
+            <a:schemeClr val="lt1"/>
+          </a:fontRef>
+        </p:style>
+        <p:txBody>
+          <a:bodyPr rtlCol="0" anchor="ctr"/>
+          <a:lstStyle/>
+          <a:p>
+            <a:pPr algn="ctr"/>
+            <a:r>
+              <a:rPr lang="en-US" altLang="ko-KR" b="1" dirty="0" smtClean="0">
+                <a:solidFill>
+                  <a:schemeClr val="tx1"/>
+                </a:solidFill>
+              </a:rPr>
+              <a:t>Account</a:t>
+            </a:r>
+            <a:endParaRPr lang="ko-KR" altLang="en-US" b="1" dirty="0">
+              <a:solidFill>
+                <a:schemeClr val="tx1"/>
+              </a:solidFill>
+            </a:endParaRPr>
+          </a:p>
+        </p:txBody>
+      </p:sp>
+      <p:sp>
+        <p:nvSpPr>
+          <p:cNvPr id="21" name="직사각형 20"/>
+          <p:cNvSpPr/>
+          <p:nvPr/>
+        </p:nvSpPr>
+        <p:spPr>
+          <a:xfrm>
+            <a:off x="7164288" y="1988840"/>
+            <a:ext cx="1440160" cy="504056"/>
+          </a:xfrm>
+          <a:prstGeom prst="rect">
+            <a:avLst/>
+          </a:prstGeom>
+          <a:solidFill>
+            <a:schemeClr val="bg1"/>
+          </a:solidFill>
+        </p:spPr>
+        <p:style>
+          <a:lnRef idx="2">
+            <a:schemeClr val="accent1">
+              <a:shade val="50000"/>
+            </a:schemeClr>
+          </a:lnRef>
+          <a:fillRef idx="1">
+            <a:schemeClr val="accent1"/>
+          </a:fillRef>
+          <a:effectRef idx="0">
+            <a:schemeClr val="accent1"/>
+          </a:effectRef>
+          <a:fontRef idx="minor">
+            <a:schemeClr val="lt1"/>
+          </a:fontRef>
+        </p:style>
+        <p:txBody>
+          <a:bodyPr rtlCol="0" anchor="ctr"/>
+          <a:lstStyle/>
+          <a:p>
+            <a:pPr algn="ctr"/>
+            <a:endParaRPr lang="ko-KR" altLang="en-US" b="1" dirty="0">
+              <a:solidFill>
+                <a:schemeClr val="tx1"/>
+              </a:solidFill>
+            </a:endParaRPr>
+          </a:p>
+        </p:txBody>
+      </p:sp>
+      <p:sp>
+        <p:nvSpPr>
+          <p:cNvPr id="22" name="직사각형 21"/>
+          <p:cNvSpPr/>
+          <p:nvPr/>
+        </p:nvSpPr>
+        <p:spPr>
+          <a:xfrm>
+            <a:off x="7164288" y="2492896"/>
+            <a:ext cx="1440160" cy="504056"/>
+          </a:xfrm>
+          <a:prstGeom prst="rect">
+            <a:avLst/>
+          </a:prstGeom>
+          <a:solidFill>
+            <a:schemeClr val="bg1"/>
+          </a:solidFill>
+        </p:spPr>
+        <p:style>
+          <a:lnRef idx="2">
+            <a:schemeClr val="accent1">
+              <a:shade val="50000"/>
+            </a:schemeClr>
+          </a:lnRef>
+          <a:fillRef idx="1">
+            <a:schemeClr val="accent1"/>
+          </a:fillRef>
+          <a:effectRef idx="0">
+            <a:schemeClr val="accent1"/>
+          </a:effectRef>
+          <a:fontRef idx="minor">
+            <a:schemeClr val="lt1"/>
+          </a:fontRef>
+        </p:style>
+        <p:txBody>
+          <a:bodyPr rtlCol="0" anchor="ctr"/>
+          <a:lstStyle/>
+          <a:p>
+            <a:pPr algn="ctr"/>
+            <a:endParaRPr lang="ko-KR" altLang="en-US" b="1" dirty="0">
+              <a:solidFill>
+                <a:schemeClr val="tx1"/>
+              </a:solidFill>
+            </a:endParaRPr>
+          </a:p>
+        </p:txBody>
+      </p:sp>
+      <p:sp>
+        <p:nvSpPr>
+          <p:cNvPr id="23" name="직사각형 22"/>
+          <p:cNvSpPr/>
+          <p:nvPr/>
+        </p:nvSpPr>
+        <p:spPr>
+          <a:xfrm>
+            <a:off x="6660232" y="3933056"/>
+            <a:ext cx="1440160" cy="504056"/>
+          </a:xfrm>
+          <a:prstGeom prst="rect">
+            <a:avLst/>
+          </a:prstGeom>
+          <a:solidFill>
+            <a:schemeClr val="bg1"/>
+          </a:solidFill>
+        </p:spPr>
+        <p:style>
+          <a:lnRef idx="2">
+            <a:schemeClr val="accent1">
+              <a:shade val="50000"/>
+            </a:schemeClr>
+          </a:lnRef>
+          <a:fillRef idx="1">
+            <a:schemeClr val="accent1"/>
+          </a:fillRef>
+          <a:effectRef idx="0">
+            <a:schemeClr val="accent1"/>
+          </a:effectRef>
+          <a:fontRef idx="minor">
+            <a:schemeClr val="lt1"/>
+          </a:fontRef>
+        </p:style>
+        <p:txBody>
+          <a:bodyPr rtlCol="0" anchor="ctr"/>
+          <a:lstStyle/>
+          <a:p>
+            <a:pPr algn="ctr"/>
+            <a:r>
+              <a:rPr lang="en-US" altLang="ko-KR" b="1" dirty="0" err="1" smtClean="0">
+                <a:solidFill>
+                  <a:schemeClr val="tx1"/>
+                </a:solidFill>
+              </a:rPr>
+              <a:t>BitGlobal</a:t>
+            </a:r>
+            <a:endParaRPr lang="ko-KR" altLang="en-US" b="1" dirty="0">
+              <a:solidFill>
+                <a:schemeClr val="tx1"/>
+              </a:solidFill>
+            </a:endParaRPr>
+          </a:p>
+        </p:txBody>
+      </p:sp>
+      <p:sp>
+        <p:nvSpPr>
+          <p:cNvPr id="24" name="직사각형 23"/>
+          <p:cNvSpPr/>
+          <p:nvPr/>
+        </p:nvSpPr>
+        <p:spPr>
+          <a:xfrm>
+            <a:off x="6660232" y="4437112"/>
+            <a:ext cx="1440160" cy="504056"/>
+          </a:xfrm>
+          <a:prstGeom prst="rect">
+            <a:avLst/>
+          </a:prstGeom>
+          <a:solidFill>
+            <a:schemeClr val="bg1"/>
+          </a:solidFill>
+        </p:spPr>
+        <p:style>
+          <a:lnRef idx="2">
+            <a:schemeClr val="accent1">
+              <a:shade val="50000"/>
+            </a:schemeClr>
+          </a:lnRef>
+          <a:fillRef idx="1">
+            <a:schemeClr val="accent1"/>
+          </a:fillRef>
+          <a:effectRef idx="0">
+            <a:schemeClr val="accent1"/>
+          </a:effectRef>
+          <a:fontRef idx="minor">
+            <a:schemeClr val="lt1"/>
+          </a:fontRef>
+        </p:style>
+        <p:txBody>
+          <a:bodyPr rtlCol="0" anchor="ctr"/>
+          <a:lstStyle/>
+          <a:p>
+            <a:pPr algn="ctr"/>
+            <a:endParaRPr lang="ko-KR" altLang="en-US" b="1" dirty="0">
+              <a:solidFill>
+                <a:schemeClr val="tx1"/>
+              </a:solidFill>
+            </a:endParaRPr>
+          </a:p>
+        </p:txBody>
+      </p:sp>
+      <p:sp>
+        <p:nvSpPr>
+          <p:cNvPr id="25" name="직사각형 24"/>
+          <p:cNvSpPr/>
+          <p:nvPr/>
+        </p:nvSpPr>
+        <p:spPr>
+          <a:xfrm>
+            <a:off x="6660232" y="4941168"/>
+            <a:ext cx="1440160" cy="504056"/>
+          </a:xfrm>
+          <a:prstGeom prst="rect">
+            <a:avLst/>
+          </a:prstGeom>
+          <a:solidFill>
+            <a:schemeClr val="bg1"/>
+          </a:solidFill>
+        </p:spPr>
+        <p:style>
+          <a:lnRef idx="2">
+            <a:schemeClr val="accent1">
+              <a:shade val="50000"/>
+            </a:schemeClr>
+          </a:lnRef>
+          <a:fillRef idx="1">
+            <a:schemeClr val="accent1"/>
+          </a:fillRef>
+          <a:effectRef idx="0">
+            <a:schemeClr val="accent1"/>
+          </a:effectRef>
+          <a:fontRef idx="minor">
+            <a:schemeClr val="lt1"/>
+          </a:fontRef>
+        </p:style>
+        <p:txBody>
+          <a:bodyPr rtlCol="0" anchor="ctr"/>
+          <a:lstStyle/>
+          <a:p>
+            <a:pPr algn="ctr"/>
+            <a:endParaRPr lang="ko-KR" altLang="en-US" b="1" dirty="0">
+              <a:solidFill>
+                <a:schemeClr val="tx1"/>
+              </a:solidFill>
+            </a:endParaRPr>
+          </a:p>
+        </p:txBody>
+      </p:sp>
+      <p:sp>
+        <p:nvSpPr>
+          <p:cNvPr id="26" name="직사각형 25"/>
+          <p:cNvSpPr/>
+          <p:nvPr/>
+        </p:nvSpPr>
+        <p:spPr>
+          <a:xfrm>
+            <a:off x="827584" y="1052736"/>
+            <a:ext cx="877163" cy="369332"/>
+          </a:xfrm>
+          <a:prstGeom prst="rect">
+            <a:avLst/>
+          </a:prstGeom>
+        </p:spPr>
+        <p:txBody>
+          <a:bodyPr wrap="none">
+            <a:spAutoFit/>
+          </a:bodyPr>
+          <a:lstStyle/>
+          <a:p>
+            <a:r>
+              <a:rPr lang="ko-KR" altLang="en-US" b="1" smtClean="0">
+                <a:solidFill>
+                  <a:srgbClr val="FF0000"/>
+                </a:solidFill>
+              </a:rPr>
+              <a:t>시작</a:t>
+            </a:r>
+            <a:r>
+              <a:rPr lang="ko-KR" altLang="en-US" b="1">
+                <a:solidFill>
+                  <a:srgbClr val="FF0000"/>
+                </a:solidFill>
+              </a:rPr>
+              <a:t>점</a:t>
+            </a:r>
+            <a:endParaRPr lang="ko-KR" altLang="en-US" dirty="0"/>
+          </a:p>
+        </p:txBody>
+      </p:sp>
+      <p:sp>
+        <p:nvSpPr>
+          <p:cNvPr id="27" name="직사각형 26"/>
+          <p:cNvSpPr/>
+          <p:nvPr/>
+        </p:nvSpPr>
+        <p:spPr>
+          <a:xfrm>
+            <a:off x="2771800" y="1124744"/>
+            <a:ext cx="1107996" cy="369332"/>
+          </a:xfrm>
+          <a:prstGeom prst="rect">
+            <a:avLst/>
+          </a:prstGeom>
+        </p:spPr>
+        <p:txBody>
+          <a:bodyPr wrap="none">
+            <a:spAutoFit/>
+          </a:bodyPr>
+          <a:lstStyle/>
+          <a:p>
+            <a:r>
+              <a:rPr lang="ko-KR" altLang="en-US" b="1" dirty="0" smtClean="0">
+                <a:solidFill>
+                  <a:srgbClr val="FF0000"/>
+                </a:solidFill>
+              </a:rPr>
+              <a:t>실행흐름</a:t>
+            </a:r>
+            <a:endParaRPr lang="ko-KR" altLang="en-US" b="1" dirty="0">
+              <a:solidFill>
+                <a:srgbClr val="FF0000"/>
+              </a:solidFill>
+            </a:endParaRPr>
+          </a:p>
+        </p:txBody>
+      </p:sp>
+      <p:sp>
+        <p:nvSpPr>
+          <p:cNvPr id="28" name="직사각형 27"/>
+          <p:cNvSpPr/>
+          <p:nvPr/>
+        </p:nvSpPr>
+        <p:spPr>
+          <a:xfrm>
+            <a:off x="4499992" y="1052736"/>
+            <a:ext cx="2031325" cy="369332"/>
+          </a:xfrm>
+          <a:prstGeom prst="rect">
+            <a:avLst/>
+          </a:prstGeom>
+        </p:spPr>
+        <p:txBody>
+          <a:bodyPr wrap="none">
+            <a:spAutoFit/>
+          </a:bodyPr>
+          <a:lstStyle/>
+          <a:p>
+            <a:r>
+              <a:rPr lang="ko-KR" altLang="en-US" b="1" dirty="0" err="1" smtClean="0">
+                <a:solidFill>
+                  <a:schemeClr val="accent1">
+                    <a:lumMod val="75000"/>
+                  </a:schemeClr>
+                </a:solidFill>
+              </a:rPr>
+              <a:t>데이터및기능관리</a:t>
+            </a:r>
+            <a:endParaRPr lang="ko-KR" altLang="en-US" b="1" dirty="0">
+              <a:solidFill>
+                <a:schemeClr val="accent1">
+                  <a:lumMod val="75000"/>
+                </a:schemeClr>
+              </a:solidFill>
+            </a:endParaRPr>
+          </a:p>
+        </p:txBody>
+      </p:sp>
+      <p:sp>
+        <p:nvSpPr>
+          <p:cNvPr id="29" name="직사각형 28"/>
+          <p:cNvSpPr/>
+          <p:nvPr/>
+        </p:nvSpPr>
+        <p:spPr>
+          <a:xfrm>
+            <a:off x="7380312" y="1052736"/>
+            <a:ext cx="877163" cy="369332"/>
+          </a:xfrm>
+          <a:prstGeom prst="rect">
+            <a:avLst/>
+          </a:prstGeom>
+        </p:spPr>
+        <p:txBody>
+          <a:bodyPr wrap="none">
+            <a:spAutoFit/>
+          </a:bodyPr>
+          <a:lstStyle/>
+          <a:p>
+            <a:r>
+              <a:rPr lang="ko-KR" altLang="en-US" b="1" dirty="0" smtClean="0">
+                <a:solidFill>
+                  <a:schemeClr val="accent1">
+                    <a:lumMod val="75000"/>
+                  </a:schemeClr>
+                </a:solidFill>
+              </a:rPr>
+              <a:t>데이터</a:t>
+            </a:r>
+            <a:endParaRPr lang="ko-KR" altLang="en-US" b="1" dirty="0">
+              <a:solidFill>
+                <a:schemeClr val="accent1">
+                  <a:lumMod val="75000"/>
+                </a:schemeClr>
+              </a:solidFill>
+            </a:endParaRPr>
+          </a:p>
+        </p:txBody>
+      </p:sp>
+      <p:sp>
+        <p:nvSpPr>
+          <p:cNvPr id="30" name="직사각형 29"/>
+          <p:cNvSpPr/>
+          <p:nvPr/>
+        </p:nvSpPr>
+        <p:spPr>
+          <a:xfrm>
+            <a:off x="3275856" y="3717032"/>
+            <a:ext cx="1569660" cy="369332"/>
+          </a:xfrm>
+          <a:prstGeom prst="rect">
+            <a:avLst/>
+          </a:prstGeom>
+        </p:spPr>
+        <p:txBody>
+          <a:bodyPr wrap="none">
+            <a:spAutoFit/>
+          </a:bodyPr>
+          <a:lstStyle/>
+          <a:p>
+            <a:r>
+              <a:rPr lang="ko-KR" altLang="en-US" b="1" dirty="0" smtClean="0">
+                <a:solidFill>
+                  <a:schemeClr val="accent1">
+                    <a:lumMod val="75000"/>
+                  </a:schemeClr>
+                </a:solidFill>
+              </a:rPr>
+              <a:t>배열자료구조</a:t>
+            </a:r>
+            <a:endParaRPr lang="ko-KR" altLang="en-US" b="1" dirty="0">
+              <a:solidFill>
+                <a:schemeClr val="accent1">
+                  <a:lumMod val="75000"/>
+                </a:schemeClr>
+              </a:solidFill>
+            </a:endParaRPr>
+          </a:p>
+        </p:txBody>
+      </p:sp>
+      <p:sp>
+        <p:nvSpPr>
+          <p:cNvPr id="34" name="직사각형 33"/>
+          <p:cNvSpPr/>
+          <p:nvPr/>
+        </p:nvSpPr>
+        <p:spPr>
+          <a:xfrm>
+            <a:off x="6588224" y="3501008"/>
+            <a:ext cx="2154757" cy="369332"/>
+          </a:xfrm>
+          <a:prstGeom prst="rect">
+            <a:avLst/>
+          </a:prstGeom>
+        </p:spPr>
+        <p:txBody>
+          <a:bodyPr wrap="none">
+            <a:spAutoFit/>
+          </a:bodyPr>
+          <a:lstStyle/>
+          <a:p>
+            <a:r>
+              <a:rPr lang="ko-KR" altLang="en-US" b="1" dirty="0" err="1" smtClean="0">
+                <a:solidFill>
+                  <a:srgbClr val="FF0000"/>
+                </a:solidFill>
+              </a:rPr>
+              <a:t>필요한것들을</a:t>
+            </a:r>
+            <a:r>
+              <a:rPr lang="en-US" altLang="ko-KR" b="1" dirty="0" smtClean="0">
+                <a:solidFill>
+                  <a:srgbClr val="FF0000"/>
+                </a:solidFill>
+              </a:rPr>
+              <a:t>static</a:t>
+            </a:r>
+            <a:endParaRPr lang="ko-KR" altLang="en-US" b="1" dirty="0">
+              <a:solidFill>
+                <a:srgbClr val="FF0000"/>
+              </a:solidFill>
+            </a:endParaRPr>
+          </a:p>
+        </p:txBody>
+      </p:sp>
+      <p:cxnSp>
+        <p:nvCxnSpPr>
+          <p:cNvPr id="35" name="직선 화살표 연결선 34"/>
+          <p:cNvCxnSpPr/>
+          <p:nvPr/>
+        </p:nvCxnSpPr>
+        <p:spPr>
+          <a:xfrm>
+            <a:off x="1403648" y="2276872"/>
+            <a:ext cx="1080120" cy="0"/>
+          </a:xfrm>
+          <a:prstGeom prst="straightConnector1">
+            <a:avLst/>
+          </a:prstGeom>
+          <a:ln w="25400">
+            <a:solidFill>
+              <a:srgbClr val="FF0000"/>
+            </a:solidFill>
+            <a:tailEnd type="arrow"/>
+          </a:ln>
+        </p:spPr>
+        <p:style>
+          <a:lnRef idx="1">
+            <a:schemeClr val="accent1"/>
+          </a:lnRef>
+          <a:fillRef idx="0">
+            <a:schemeClr val="accent1"/>
+          </a:fillRef>
+          <a:effectRef idx="0">
+            <a:schemeClr val="accent1"/>
+          </a:effectRef>
+          <a:fontRef idx="minor">
+            <a:schemeClr val="tx1"/>
+          </a:fontRef>
+        </p:style>
+      </p:cxnSp>
+      <p:cxnSp>
+        <p:nvCxnSpPr>
+          <p:cNvPr id="36" name="직선 화살표 연결선 35"/>
+          <p:cNvCxnSpPr>
+            <a:stCxn id="16" idx="2"/>
+            <a:endCxn id="17" idx="3"/>
+          </p:cNvCxnSpPr>
+          <p:nvPr/>
+        </p:nvCxnSpPr>
+        <p:spPr>
+          <a:xfrm flipH="1">
+            <a:off x="4716016" y="3068960"/>
+            <a:ext cx="1008112" cy="1332148"/>
+          </a:xfrm>
+          <a:prstGeom prst="straightConnector1">
+            <a:avLst/>
+          </a:prstGeom>
+          <a:ln w="25400">
+            <a:solidFill>
+              <a:srgbClr val="FF0000"/>
+            </a:solidFill>
+            <a:tailEnd type="arrow"/>
+          </a:ln>
+        </p:spPr>
+        <p:style>
+          <a:lnRef idx="1">
+            <a:schemeClr val="accent1"/>
+          </a:lnRef>
+          <a:fillRef idx="0">
+            <a:schemeClr val="accent1"/>
+          </a:fillRef>
+          <a:effectRef idx="0">
+            <a:schemeClr val="accent1"/>
+          </a:effectRef>
+          <a:fontRef idx="minor">
+            <a:schemeClr val="tx1"/>
+          </a:fontRef>
+        </p:style>
+      </p:cxnSp>
+      <p:cxnSp>
+        <p:nvCxnSpPr>
+          <p:cNvPr id="37" name="직선 화살표 연결선 36"/>
+          <p:cNvCxnSpPr>
+            <a:endCxn id="21" idx="1"/>
+          </p:cNvCxnSpPr>
+          <p:nvPr/>
+        </p:nvCxnSpPr>
+        <p:spPr>
+          <a:xfrm>
+            <a:off x="6804248" y="2204864"/>
+            <a:ext cx="360040" cy="36004"/>
+          </a:xfrm>
+          <a:prstGeom prst="straightConnector1">
+            <a:avLst/>
+          </a:prstGeom>
+          <a:ln w="25400">
+            <a:solidFill>
+              <a:srgbClr val="FF0000"/>
+            </a:solidFill>
+            <a:tailEnd type="arrow"/>
+          </a:ln>
+        </p:spPr>
+        <p:style>
+          <a:lnRef idx="1">
+            <a:schemeClr val="accent1"/>
+          </a:lnRef>
+          <a:fillRef idx="0">
+            <a:schemeClr val="accent1"/>
+          </a:fillRef>
+          <a:effectRef idx="0">
+            <a:schemeClr val="accent1"/>
+          </a:effectRef>
+          <a:fontRef idx="minor">
+            <a:schemeClr val="tx1"/>
+          </a:fontRef>
+        </p:style>
+      </p:cxnSp>
+      <p:cxnSp>
+        <p:nvCxnSpPr>
+          <p:cNvPr id="38" name="직선 화살표 연결선 37"/>
+          <p:cNvCxnSpPr>
+            <a:stCxn id="12" idx="3"/>
+            <a:endCxn id="15" idx="1"/>
+          </p:cNvCxnSpPr>
+          <p:nvPr/>
+        </p:nvCxnSpPr>
+        <p:spPr>
+          <a:xfrm>
+            <a:off x="4355976" y="2312876"/>
+            <a:ext cx="216024" cy="0"/>
+          </a:xfrm>
+          <a:prstGeom prst="straightConnector1">
+            <a:avLst/>
+          </a:prstGeom>
+          <a:ln w="25400">
+            <a:solidFill>
+              <a:srgbClr val="FF0000"/>
+            </a:solidFill>
+            <a:tailEnd type="arrow"/>
+          </a:ln>
+        </p:spPr>
+        <p:style>
+          <a:lnRef idx="1">
+            <a:schemeClr val="accent1"/>
+          </a:lnRef>
+          <a:fillRef idx="0">
+            <a:schemeClr val="accent1"/>
+          </a:fillRef>
+          <a:effectRef idx="0">
+            <a:schemeClr val="accent1"/>
+          </a:effectRef>
+          <a:fontRef idx="minor">
+            <a:schemeClr val="tx1"/>
+          </a:fontRef>
+        </p:style>
+      </p:cxnSp>
+    </p:spTree>
+  </p:cSld>
+  <p:clrMapOvr>
+    <a:masterClrMapping/>
+  </p:clrMapOvr>
+</p:sld>
+</file>
+
+<file path=ppt/slides/slide15.xml><?xml version="1.0" encoding="utf-8"?>
+<p:sld xmlns:a="http://schemas.openxmlformats.org/drawingml/2006/main" xmlns:r="http://schemas.openxmlformats.org/officeDocument/2006/relationships" xmlns:p="http://schemas.openxmlformats.org/presentationml/2006/main">
+  <p:cSld>
+    <p:spTree>
+      <p:nvGrpSpPr>
+        <p:cNvPr id="1" name=""/>
+        <p:cNvGrpSpPr/>
+        <p:nvPr/>
+      </p:nvGrpSpPr>
+      <p:grpSpPr>
+        <a:xfrm>
+          <a:off x="0" y="0"/>
+          <a:ext cx="0" cy="0"/>
+          <a:chOff x="0" y="0"/>
+          <a:chExt cx="0" cy="0"/>
+        </a:xfrm>
+      </p:grpSpPr>
+      <p:sp>
+        <p:nvSpPr>
+          <p:cNvPr id="5" name="TextBox 4"/>
+          <p:cNvSpPr txBox="1"/>
+          <p:nvPr/>
+        </p:nvSpPr>
+        <p:spPr>
+          <a:xfrm>
+            <a:off x="251520" y="260648"/>
+            <a:ext cx="7920880" cy="400110"/>
+          </a:xfrm>
+          <a:prstGeom prst="rect">
+            <a:avLst/>
+          </a:prstGeom>
+          <a:noFill/>
+        </p:spPr>
+        <p:txBody>
+          <a:bodyPr wrap="square" rtlCol="0">
+            <a:spAutoFit/>
+          </a:bodyPr>
+          <a:lstStyle/>
+          <a:p>
+            <a:r>
+              <a:rPr lang="ko-KR" altLang="en-US" sz="2000" b="1" dirty="0" smtClean="0"/>
+              <a:t>자료구조 </a:t>
+            </a:r>
+            <a:r>
+              <a:rPr lang="en-US" altLang="ko-KR" sz="2000" b="1" dirty="0" smtClean="0"/>
+              <a:t>1</a:t>
+            </a:r>
+            <a:r>
+              <a:rPr lang="ko-KR" altLang="en-US" sz="2000" b="1" dirty="0" smtClean="0"/>
+              <a:t>일차</a:t>
+            </a:r>
+            <a:r>
+              <a:rPr lang="en-US" altLang="ko-KR" sz="2000" b="1" dirty="0" smtClean="0"/>
+              <a:t>(</a:t>
+            </a:r>
+            <a:r>
+              <a:rPr lang="ko-KR" altLang="en-US" sz="2000" b="1" dirty="0" smtClean="0"/>
+              <a:t>프로그램 실습</a:t>
+            </a:r>
+            <a:r>
+              <a:rPr lang="en-US" altLang="ko-KR" sz="2000" b="1" dirty="0" smtClean="0"/>
+              <a:t>) – </a:t>
+            </a:r>
+            <a:r>
+              <a:rPr lang="ko-KR" altLang="en-US" sz="2000" b="1" dirty="0" smtClean="0">
+                <a:solidFill>
+                  <a:schemeClr val="accent1">
+                    <a:lumMod val="75000"/>
+                  </a:schemeClr>
+                </a:solidFill>
+              </a:rPr>
+              <a:t>계좌</a:t>
+            </a:r>
+            <a:r>
+              <a:rPr lang="ko-KR" altLang="en-US" sz="2000" b="1" dirty="0" smtClean="0"/>
+              <a:t> 관리 프로그램</a:t>
+            </a:r>
+            <a:endParaRPr lang="ko-KR" altLang="en-US" sz="2000" b="1" dirty="0"/>
+          </a:p>
+        </p:txBody>
+      </p:sp>
+      <p:sp>
+        <p:nvSpPr>
+          <p:cNvPr id="20" name="직사각형 19"/>
+          <p:cNvSpPr/>
+          <p:nvPr/>
+        </p:nvSpPr>
+        <p:spPr>
+          <a:xfrm>
+            <a:off x="611560" y="1196752"/>
+            <a:ext cx="4464496" cy="504056"/>
+          </a:xfrm>
+          <a:prstGeom prst="rect">
+            <a:avLst/>
+          </a:prstGeom>
+          <a:solidFill>
+            <a:schemeClr val="bg1"/>
+          </a:solidFill>
+        </p:spPr>
+        <p:style>
+          <a:lnRef idx="2">
+            <a:schemeClr val="accent1">
+              <a:shade val="50000"/>
+            </a:schemeClr>
+          </a:lnRef>
+          <a:fillRef idx="1">
+            <a:schemeClr val="accent1"/>
+          </a:fillRef>
+          <a:effectRef idx="0">
+            <a:schemeClr val="accent1"/>
+          </a:effectRef>
+          <a:fontRef idx="minor">
+            <a:schemeClr val="lt1"/>
+          </a:fontRef>
+        </p:style>
+        <p:txBody>
+          <a:bodyPr rtlCol="0" anchor="ctr"/>
+          <a:lstStyle/>
+          <a:p>
+            <a:pPr algn="ctr"/>
+            <a:r>
+              <a:rPr lang="en-US" altLang="ko-KR" b="1" dirty="0" smtClean="0">
+                <a:solidFill>
+                  <a:schemeClr val="tx1"/>
+                </a:solidFill>
+              </a:rPr>
+              <a:t>Account</a:t>
+            </a:r>
+            <a:endParaRPr lang="ko-KR" altLang="en-US" b="1" dirty="0">
+              <a:solidFill>
+                <a:schemeClr val="tx1"/>
+              </a:solidFill>
+            </a:endParaRPr>
+          </a:p>
+        </p:txBody>
+      </p:sp>
+      <p:sp>
+        <p:nvSpPr>
+          <p:cNvPr id="21" name="직사각형 20"/>
+          <p:cNvSpPr/>
+          <p:nvPr/>
+        </p:nvSpPr>
+        <p:spPr>
+          <a:xfrm>
+            <a:off x="611560" y="1700808"/>
+            <a:ext cx="4464496" cy="1440160"/>
+          </a:xfrm>
+          <a:prstGeom prst="rect">
+            <a:avLst/>
+          </a:prstGeom>
+          <a:solidFill>
+            <a:schemeClr val="bg1"/>
+          </a:solidFill>
+        </p:spPr>
+        <p:style>
+          <a:lnRef idx="2">
+            <a:schemeClr val="accent1">
+              <a:shade val="50000"/>
+            </a:schemeClr>
+          </a:lnRef>
+          <a:fillRef idx="1">
+            <a:schemeClr val="accent1"/>
+          </a:fillRef>
+          <a:effectRef idx="0">
+            <a:schemeClr val="accent1"/>
+          </a:effectRef>
+          <a:fontRef idx="minor">
+            <a:schemeClr val="lt1"/>
+          </a:fontRef>
+        </p:style>
+        <p:txBody>
+          <a:bodyPr rtlCol="0" anchor="ctr"/>
+          <a:lstStyle/>
+          <a:p>
+            <a:r>
+              <a:rPr lang="en-US" altLang="ko-KR" dirty="0" smtClean="0">
+                <a:solidFill>
+                  <a:schemeClr val="tx1"/>
+                </a:solidFill>
+              </a:rPr>
+              <a:t>- </a:t>
+            </a:r>
+            <a:r>
+              <a:rPr lang="en-US" altLang="ko-KR" dirty="0" err="1" smtClean="0">
+                <a:solidFill>
+                  <a:schemeClr val="tx1"/>
+                </a:solidFill>
+              </a:rPr>
+              <a:t>accid</a:t>
+            </a:r>
+            <a:r>
+              <a:rPr lang="en-US" altLang="ko-KR" dirty="0" smtClean="0">
+                <a:solidFill>
+                  <a:schemeClr val="tx1"/>
+                </a:solidFill>
+              </a:rPr>
+              <a:t> : </a:t>
+            </a:r>
+            <a:r>
+              <a:rPr lang="en-US" altLang="ko-KR" dirty="0" err="1" smtClean="0">
+                <a:solidFill>
+                  <a:schemeClr val="tx1"/>
+                </a:solidFill>
+              </a:rPr>
+              <a:t>int</a:t>
+            </a:r>
+            <a:r>
+              <a:rPr lang="en-US" altLang="ko-KR" dirty="0" smtClean="0">
+                <a:solidFill>
+                  <a:schemeClr val="tx1"/>
+                </a:solidFill>
+              </a:rPr>
+              <a:t>	       //</a:t>
+            </a:r>
+            <a:r>
+              <a:rPr lang="ko-KR" altLang="en-US" dirty="0" smtClean="0">
+                <a:solidFill>
+                  <a:schemeClr val="tx1"/>
+                </a:solidFill>
+              </a:rPr>
+              <a:t>계좌번호</a:t>
+            </a:r>
+            <a:endParaRPr lang="en-US" altLang="ko-KR" dirty="0" smtClean="0">
+              <a:solidFill>
+                <a:schemeClr val="tx1"/>
+              </a:solidFill>
+            </a:endParaRPr>
+          </a:p>
+          <a:p>
+            <a:pPr>
+              <a:buFontTx/>
+              <a:buChar char="-"/>
+            </a:pPr>
+            <a:r>
+              <a:rPr lang="en-US" altLang="ko-KR" dirty="0" smtClean="0">
+                <a:solidFill>
+                  <a:schemeClr val="tx1"/>
+                </a:solidFill>
+              </a:rPr>
+              <a:t>name : String           //</a:t>
+            </a:r>
+            <a:r>
+              <a:rPr lang="ko-KR" altLang="en-US" dirty="0" smtClean="0">
+                <a:solidFill>
+                  <a:schemeClr val="tx1"/>
+                </a:solidFill>
+              </a:rPr>
+              <a:t>이름</a:t>
+            </a:r>
+            <a:endParaRPr lang="en-US" altLang="ko-KR" dirty="0" smtClean="0">
+              <a:solidFill>
+                <a:schemeClr val="tx1"/>
+              </a:solidFill>
+            </a:endParaRPr>
+          </a:p>
+          <a:p>
+            <a:pPr>
+              <a:buFontTx/>
+              <a:buChar char="-"/>
+            </a:pPr>
+            <a:r>
+              <a:rPr lang="en-US" altLang="ko-KR" dirty="0">
+                <a:solidFill>
+                  <a:schemeClr val="tx1"/>
+                </a:solidFill>
+              </a:rPr>
+              <a:t> </a:t>
+            </a:r>
+            <a:r>
+              <a:rPr lang="en-US" altLang="ko-KR" dirty="0" smtClean="0">
+                <a:solidFill>
+                  <a:schemeClr val="tx1"/>
+                </a:solidFill>
+              </a:rPr>
+              <a:t>balance : </a:t>
+            </a:r>
+            <a:r>
+              <a:rPr lang="en-US" altLang="ko-KR" dirty="0" err="1" smtClean="0">
+                <a:solidFill>
+                  <a:schemeClr val="tx1"/>
+                </a:solidFill>
+              </a:rPr>
+              <a:t>int</a:t>
+            </a:r>
+            <a:r>
+              <a:rPr lang="en-US" altLang="ko-KR" dirty="0" smtClean="0">
+                <a:solidFill>
+                  <a:schemeClr val="tx1"/>
+                </a:solidFill>
+              </a:rPr>
+              <a:t>          //</a:t>
+            </a:r>
+            <a:r>
+              <a:rPr lang="ko-KR" altLang="en-US" dirty="0" smtClean="0">
+                <a:solidFill>
+                  <a:schemeClr val="tx1"/>
+                </a:solidFill>
+              </a:rPr>
+              <a:t>잔액</a:t>
+            </a:r>
+            <a:endParaRPr lang="en-US" altLang="ko-KR" dirty="0" smtClean="0">
+              <a:solidFill>
+                <a:schemeClr val="tx1"/>
+              </a:solidFill>
+            </a:endParaRPr>
+          </a:p>
+          <a:p>
+            <a:pPr>
+              <a:buFontTx/>
+              <a:buChar char="-"/>
+            </a:pPr>
+            <a:r>
+              <a:rPr lang="en-US" altLang="ko-KR" dirty="0">
+                <a:solidFill>
+                  <a:schemeClr val="tx1"/>
+                </a:solidFill>
+              </a:rPr>
+              <a:t> </a:t>
+            </a:r>
+            <a:r>
+              <a:rPr lang="en-US" altLang="ko-KR" dirty="0" err="1" smtClean="0">
+                <a:solidFill>
+                  <a:schemeClr val="tx1"/>
+                </a:solidFill>
+              </a:rPr>
+              <a:t>newtime</a:t>
+            </a:r>
+            <a:r>
+              <a:rPr lang="en-US" altLang="ko-KR" dirty="0" smtClean="0">
+                <a:solidFill>
+                  <a:schemeClr val="tx1"/>
+                </a:solidFill>
+              </a:rPr>
+              <a:t> : Calendar //</a:t>
+            </a:r>
+            <a:r>
+              <a:rPr lang="ko-KR" altLang="en-US" dirty="0" err="1" smtClean="0">
+                <a:solidFill>
+                  <a:schemeClr val="tx1"/>
+                </a:solidFill>
+              </a:rPr>
+              <a:t>개설일시</a:t>
+            </a:r>
+            <a:endParaRPr lang="ko-KR" altLang="en-US" dirty="0">
+              <a:solidFill>
+                <a:schemeClr val="tx1"/>
+              </a:solidFill>
+            </a:endParaRPr>
+          </a:p>
+        </p:txBody>
+      </p:sp>
+      <p:sp>
+        <p:nvSpPr>
+          <p:cNvPr id="22" name="직사각형 21"/>
+          <p:cNvSpPr/>
+          <p:nvPr/>
+        </p:nvSpPr>
+        <p:spPr>
+          <a:xfrm>
+            <a:off x="611560" y="3140968"/>
+            <a:ext cx="4464496" cy="3528392"/>
+          </a:xfrm>
+          <a:prstGeom prst="rect">
+            <a:avLst/>
+          </a:prstGeom>
+          <a:solidFill>
+            <a:schemeClr val="bg1"/>
+          </a:solidFill>
+        </p:spPr>
+        <p:style>
+          <a:lnRef idx="2">
+            <a:schemeClr val="accent1">
+              <a:shade val="50000"/>
+            </a:schemeClr>
+          </a:lnRef>
+          <a:fillRef idx="1">
+            <a:schemeClr val="accent1"/>
+          </a:fillRef>
+          <a:effectRef idx="0">
+            <a:schemeClr val="accent1"/>
+          </a:effectRef>
+          <a:fontRef idx="minor">
+            <a:schemeClr val="lt1"/>
+          </a:fontRef>
+        </p:style>
+        <p:txBody>
+          <a:bodyPr rtlCol="0" anchor="t"/>
+          <a:lstStyle/>
+          <a:p>
+            <a:r>
+              <a:rPr lang="en-US" altLang="ko-KR" dirty="0" smtClean="0">
+                <a:solidFill>
+                  <a:schemeClr val="tx1"/>
+                </a:solidFill>
+              </a:rPr>
+              <a:t>+</a:t>
+            </a:r>
+            <a:r>
+              <a:rPr lang="ko-KR" altLang="en-US" dirty="0" err="1" smtClean="0">
+                <a:solidFill>
+                  <a:schemeClr val="tx1"/>
+                </a:solidFill>
+              </a:rPr>
+              <a:t>생성자</a:t>
+            </a:r>
+            <a:r>
+              <a:rPr lang="en-US" altLang="ko-KR" dirty="0" smtClean="0">
+                <a:solidFill>
+                  <a:schemeClr val="tx1"/>
+                </a:solidFill>
+              </a:rPr>
+              <a:t>(</a:t>
+            </a:r>
+            <a:r>
+              <a:rPr lang="ko-KR" altLang="en-US" dirty="0" smtClean="0">
+                <a:solidFill>
+                  <a:schemeClr val="tx1"/>
+                </a:solidFill>
+              </a:rPr>
+              <a:t>계좌번호</a:t>
+            </a:r>
+            <a:r>
+              <a:rPr lang="en-US" altLang="ko-KR" dirty="0" smtClean="0">
+                <a:solidFill>
+                  <a:schemeClr val="tx1"/>
+                </a:solidFill>
+              </a:rPr>
+              <a:t>,</a:t>
+            </a:r>
+            <a:r>
+              <a:rPr lang="ko-KR" altLang="en-US" dirty="0" smtClean="0">
+                <a:solidFill>
+                  <a:schemeClr val="tx1"/>
+                </a:solidFill>
+              </a:rPr>
+              <a:t>이름</a:t>
+            </a:r>
+            <a:r>
+              <a:rPr lang="en-US" altLang="ko-KR" dirty="0" smtClean="0">
+                <a:solidFill>
+                  <a:schemeClr val="tx1"/>
+                </a:solidFill>
+              </a:rPr>
+              <a:t>,</a:t>
+            </a:r>
+            <a:r>
+              <a:rPr lang="ko-KR" altLang="en-US" dirty="0" smtClean="0">
+                <a:solidFill>
+                  <a:schemeClr val="tx1"/>
+                </a:solidFill>
+              </a:rPr>
+              <a:t>잔액</a:t>
+            </a:r>
+            <a:r>
+              <a:rPr lang="en-US" altLang="ko-KR" dirty="0" smtClean="0">
+                <a:solidFill>
+                  <a:schemeClr val="tx1"/>
+                </a:solidFill>
+              </a:rPr>
+              <a:t>)</a:t>
+            </a:r>
+          </a:p>
+          <a:p>
+            <a:r>
+              <a:rPr lang="en-US" altLang="ko-KR" dirty="0" smtClean="0">
+                <a:solidFill>
+                  <a:schemeClr val="tx1"/>
+                </a:solidFill>
+              </a:rPr>
+              <a:t>+</a:t>
+            </a:r>
+            <a:r>
+              <a:rPr lang="ko-KR" altLang="en-US" dirty="0" err="1" smtClean="0">
+                <a:solidFill>
+                  <a:schemeClr val="tx1"/>
+                </a:solidFill>
+              </a:rPr>
+              <a:t>생성자</a:t>
+            </a:r>
+            <a:r>
+              <a:rPr lang="en-US" altLang="ko-KR" dirty="0" smtClean="0">
+                <a:solidFill>
+                  <a:schemeClr val="tx1"/>
+                </a:solidFill>
+              </a:rPr>
+              <a:t>(</a:t>
+            </a:r>
+            <a:r>
+              <a:rPr lang="ko-KR" altLang="en-US" dirty="0" smtClean="0">
+                <a:solidFill>
+                  <a:schemeClr val="tx1"/>
+                </a:solidFill>
+              </a:rPr>
+              <a:t>계좌번호</a:t>
+            </a:r>
+            <a:r>
+              <a:rPr lang="en-US" altLang="ko-KR" dirty="0" smtClean="0">
+                <a:solidFill>
+                  <a:schemeClr val="tx1"/>
+                </a:solidFill>
+              </a:rPr>
+              <a:t>, </a:t>
+            </a:r>
+            <a:r>
+              <a:rPr lang="ko-KR" altLang="en-US" dirty="0" smtClean="0">
+                <a:solidFill>
+                  <a:schemeClr val="tx1"/>
+                </a:solidFill>
+              </a:rPr>
+              <a:t>이름</a:t>
+            </a:r>
+            <a:r>
+              <a:rPr lang="en-US" altLang="ko-KR" dirty="0" smtClean="0">
+                <a:solidFill>
+                  <a:schemeClr val="tx1"/>
+                </a:solidFill>
+              </a:rPr>
+              <a:t>)</a:t>
+            </a:r>
+            <a:endParaRPr lang="ko-KR" altLang="en-US" dirty="0">
+              <a:solidFill>
+                <a:schemeClr val="tx1"/>
+              </a:solidFill>
+            </a:endParaRPr>
+          </a:p>
+        </p:txBody>
+      </p:sp>
+      <p:sp>
+        <p:nvSpPr>
+          <p:cNvPr id="31" name="직사각형 30"/>
+          <p:cNvSpPr/>
+          <p:nvPr/>
+        </p:nvSpPr>
+        <p:spPr>
+          <a:xfrm>
+            <a:off x="395536" y="692696"/>
+            <a:ext cx="2974469" cy="369332"/>
+          </a:xfrm>
+          <a:prstGeom prst="rect">
+            <a:avLst/>
+          </a:prstGeom>
+        </p:spPr>
+        <p:txBody>
+          <a:bodyPr wrap="none">
+            <a:spAutoFit/>
+          </a:bodyPr>
+          <a:lstStyle/>
+          <a:p>
+            <a:r>
+              <a:rPr lang="en-US" altLang="ko-KR" b="1" dirty="0" smtClean="0"/>
+              <a:t>Step1) </a:t>
+            </a:r>
+            <a:r>
+              <a:rPr lang="ko-KR" altLang="en-US" b="1" dirty="0" smtClean="0"/>
+              <a:t>데이터 클래스 정의</a:t>
+            </a:r>
+            <a:endParaRPr lang="ko-KR" altLang="en-US" b="1" dirty="0"/>
+          </a:p>
+        </p:txBody>
+      </p:sp>
+      <p:sp>
+        <p:nvSpPr>
+          <p:cNvPr id="32" name="직사각형 31"/>
+          <p:cNvSpPr/>
+          <p:nvPr/>
+        </p:nvSpPr>
+        <p:spPr>
+          <a:xfrm>
+            <a:off x="3923928" y="3140968"/>
+            <a:ext cx="4123245" cy="369332"/>
+          </a:xfrm>
+          <a:prstGeom prst="rect">
+            <a:avLst/>
+          </a:prstGeom>
+        </p:spPr>
+        <p:txBody>
+          <a:bodyPr wrap="none">
+            <a:spAutoFit/>
+          </a:bodyPr>
+          <a:lstStyle/>
+          <a:p>
+            <a:r>
+              <a:rPr lang="ko-KR" altLang="en-US" b="1" dirty="0" err="1" smtClean="0">
+                <a:solidFill>
+                  <a:srgbClr val="FF0000"/>
+                </a:solidFill>
+              </a:rPr>
+              <a:t>개설일시는</a:t>
+            </a:r>
+            <a:r>
+              <a:rPr lang="ko-KR" altLang="en-US" b="1" dirty="0" smtClean="0">
+                <a:solidFill>
+                  <a:srgbClr val="FF0000"/>
+                </a:solidFill>
+              </a:rPr>
+              <a:t> 자동으로 </a:t>
+            </a:r>
+            <a:r>
+              <a:rPr lang="ko-KR" altLang="en-US" b="1" dirty="0" err="1" smtClean="0">
+                <a:solidFill>
+                  <a:srgbClr val="FF0000"/>
+                </a:solidFill>
+              </a:rPr>
+              <a:t>현재일시를</a:t>
+            </a:r>
+            <a:r>
+              <a:rPr lang="ko-KR" altLang="en-US" b="1" dirty="0" smtClean="0">
+                <a:solidFill>
+                  <a:srgbClr val="FF0000"/>
+                </a:solidFill>
+              </a:rPr>
+              <a:t> 추가</a:t>
+            </a:r>
+            <a:endParaRPr lang="ko-KR" altLang="en-US" dirty="0"/>
+          </a:p>
+        </p:txBody>
+      </p:sp>
+      <p:sp>
+        <p:nvSpPr>
+          <p:cNvPr id="33" name="직사각형 32"/>
+          <p:cNvSpPr/>
+          <p:nvPr/>
+        </p:nvSpPr>
+        <p:spPr>
+          <a:xfrm>
+            <a:off x="3949949" y="3429000"/>
+            <a:ext cx="5194051" cy="369332"/>
+          </a:xfrm>
+          <a:prstGeom prst="rect">
+            <a:avLst/>
+          </a:prstGeom>
+        </p:spPr>
+        <p:txBody>
+          <a:bodyPr wrap="none">
+            <a:spAutoFit/>
+          </a:bodyPr>
+          <a:lstStyle/>
+          <a:p>
+            <a:r>
+              <a:rPr lang="ko-KR" altLang="en-US" b="1" dirty="0" smtClean="0">
+                <a:solidFill>
+                  <a:srgbClr val="FF0000"/>
+                </a:solidFill>
+              </a:rPr>
+              <a:t>잔액은 </a:t>
+            </a:r>
+            <a:r>
+              <a:rPr lang="en-US" altLang="ko-KR" b="1" dirty="0" smtClean="0">
+                <a:solidFill>
+                  <a:srgbClr val="FF0000"/>
+                </a:solidFill>
+              </a:rPr>
+              <a:t>0</a:t>
+            </a:r>
+            <a:r>
+              <a:rPr lang="ko-KR" altLang="en-US" b="1" dirty="0" smtClean="0">
+                <a:solidFill>
+                  <a:srgbClr val="FF0000"/>
+                </a:solidFill>
+              </a:rPr>
+              <a:t>으로 설정해서 위 </a:t>
+            </a:r>
+            <a:r>
+              <a:rPr lang="ko-KR" altLang="en-US" b="1" dirty="0" err="1" smtClean="0">
+                <a:solidFill>
+                  <a:srgbClr val="FF0000"/>
+                </a:solidFill>
+              </a:rPr>
+              <a:t>생성자를</a:t>
+            </a:r>
+            <a:r>
+              <a:rPr lang="ko-KR" altLang="en-US" b="1" dirty="0" smtClean="0">
+                <a:solidFill>
+                  <a:srgbClr val="FF0000"/>
+                </a:solidFill>
+              </a:rPr>
+              <a:t> 명시적 호출</a:t>
+            </a:r>
+            <a:endParaRPr lang="ko-KR" altLang="en-US" dirty="0"/>
+          </a:p>
+        </p:txBody>
+      </p:sp>
+      <p:sp>
+        <p:nvSpPr>
+          <p:cNvPr id="39" name="직사각형 38"/>
+          <p:cNvSpPr/>
+          <p:nvPr/>
+        </p:nvSpPr>
+        <p:spPr>
+          <a:xfrm>
+            <a:off x="755576" y="3861048"/>
+            <a:ext cx="3664786" cy="369332"/>
+          </a:xfrm>
+          <a:prstGeom prst="rect">
+            <a:avLst/>
+          </a:prstGeom>
+        </p:spPr>
+        <p:txBody>
+          <a:bodyPr wrap="none">
+            <a:spAutoFit/>
+          </a:bodyPr>
+          <a:lstStyle/>
+          <a:p>
+            <a:r>
+              <a:rPr lang="en-US" altLang="ko-KR" dirty="0" smtClean="0">
+                <a:solidFill>
+                  <a:schemeClr val="tx1"/>
+                </a:solidFill>
+              </a:rPr>
+              <a:t>public get &amp; private set </a:t>
+            </a:r>
+            <a:r>
+              <a:rPr lang="ko-KR" altLang="en-US" dirty="0" err="1" smtClean="0">
+                <a:solidFill>
+                  <a:schemeClr val="tx1"/>
+                </a:solidFill>
+              </a:rPr>
+              <a:t>메서드</a:t>
+            </a:r>
+            <a:r>
+              <a:rPr lang="en-US" altLang="ko-KR" dirty="0" smtClean="0">
+                <a:solidFill>
+                  <a:schemeClr val="tx1"/>
+                </a:solidFill>
+              </a:rPr>
+              <a:t> </a:t>
+            </a:r>
+            <a:endParaRPr lang="ko-KR" altLang="en-US" dirty="0"/>
+          </a:p>
+        </p:txBody>
+      </p:sp>
+      <p:sp>
+        <p:nvSpPr>
+          <p:cNvPr id="40" name="직사각형 39"/>
+          <p:cNvSpPr/>
+          <p:nvPr/>
+        </p:nvSpPr>
+        <p:spPr>
+          <a:xfrm>
+            <a:off x="611560" y="4365104"/>
+            <a:ext cx="3557512" cy="369332"/>
+          </a:xfrm>
+          <a:prstGeom prst="rect">
+            <a:avLst/>
+          </a:prstGeom>
+        </p:spPr>
+        <p:txBody>
+          <a:bodyPr wrap="none">
+            <a:spAutoFit/>
+          </a:bodyPr>
+          <a:lstStyle/>
+          <a:p>
+            <a:r>
+              <a:rPr lang="en-US" altLang="ko-KR" dirty="0" smtClean="0">
+                <a:solidFill>
+                  <a:schemeClr val="tx1"/>
+                </a:solidFill>
+              </a:rPr>
+              <a:t>+ </a:t>
+            </a:r>
+            <a:r>
+              <a:rPr lang="en-US" altLang="ko-KR" dirty="0" err="1" smtClean="0">
+                <a:solidFill>
+                  <a:schemeClr val="tx1"/>
+                </a:solidFill>
+              </a:rPr>
+              <a:t>InputMoney</a:t>
+            </a:r>
+            <a:r>
+              <a:rPr lang="en-US" altLang="ko-KR" dirty="0" smtClean="0">
+                <a:solidFill>
+                  <a:schemeClr val="tx1"/>
+                </a:solidFill>
+              </a:rPr>
+              <a:t>(</a:t>
+            </a:r>
+            <a:r>
+              <a:rPr lang="en-US" altLang="ko-KR" dirty="0" err="1" smtClean="0">
+                <a:solidFill>
+                  <a:schemeClr val="tx1"/>
+                </a:solidFill>
+              </a:rPr>
+              <a:t>int</a:t>
+            </a:r>
+            <a:r>
+              <a:rPr lang="en-US" altLang="ko-KR" dirty="0" smtClean="0">
+                <a:solidFill>
+                  <a:schemeClr val="tx1"/>
+                </a:solidFill>
+              </a:rPr>
+              <a:t> money) : void</a:t>
+            </a:r>
+            <a:endParaRPr lang="ko-KR" altLang="en-US" dirty="0"/>
+          </a:p>
+        </p:txBody>
+      </p:sp>
+      <p:sp>
+        <p:nvSpPr>
+          <p:cNvPr id="41" name="직사각형 40"/>
+          <p:cNvSpPr/>
+          <p:nvPr/>
+        </p:nvSpPr>
+        <p:spPr>
+          <a:xfrm>
+            <a:off x="4860032" y="4077072"/>
+            <a:ext cx="3639138" cy="923330"/>
+          </a:xfrm>
+          <a:prstGeom prst="rect">
+            <a:avLst/>
+          </a:prstGeom>
+        </p:spPr>
+        <p:txBody>
+          <a:bodyPr wrap="none">
+            <a:spAutoFit/>
+          </a:bodyPr>
+          <a:lstStyle/>
+          <a:p>
+            <a:r>
+              <a:rPr lang="ko-KR" altLang="en-US" b="1" dirty="0" smtClean="0">
+                <a:solidFill>
+                  <a:srgbClr val="FF0000"/>
+                </a:solidFill>
+              </a:rPr>
+              <a:t>전달된 금액으로 잔액을 증액</a:t>
+            </a:r>
+            <a:endParaRPr lang="en-US" altLang="ko-KR" b="1" dirty="0" smtClean="0">
+              <a:solidFill>
+                <a:srgbClr val="FF0000"/>
+              </a:solidFill>
+            </a:endParaRPr>
+          </a:p>
+          <a:p>
+            <a:r>
+              <a:rPr lang="en-US" altLang="ko-KR" b="1" dirty="0" smtClean="0">
+                <a:solidFill>
+                  <a:srgbClr val="FF0000"/>
+                </a:solidFill>
+              </a:rPr>
+              <a:t>0</a:t>
+            </a:r>
+            <a:r>
+              <a:rPr lang="ko-KR" altLang="en-US" b="1" dirty="0" smtClean="0">
+                <a:solidFill>
+                  <a:srgbClr val="FF0000"/>
+                </a:solidFill>
+              </a:rPr>
+              <a:t>보다 적은 금액전달시 예외발생</a:t>
+            </a:r>
+            <a:r>
+              <a:rPr lang="en-US" altLang="ko-KR" b="1" dirty="0" smtClean="0">
+                <a:solidFill>
+                  <a:srgbClr val="FF0000"/>
+                </a:solidFill>
+              </a:rPr>
+              <a:t>!</a:t>
+            </a:r>
+          </a:p>
+          <a:p>
+            <a:r>
+              <a:rPr lang="en-US" altLang="ko-KR" b="1" dirty="0" smtClean="0">
+                <a:solidFill>
+                  <a:srgbClr val="FF0000"/>
+                </a:solidFill>
+              </a:rPr>
+              <a:t>(“</a:t>
+            </a:r>
+            <a:r>
+              <a:rPr lang="ko-KR" altLang="en-US" b="1" dirty="0" smtClean="0">
+                <a:solidFill>
+                  <a:srgbClr val="FF0000"/>
+                </a:solidFill>
+              </a:rPr>
+              <a:t>잘못된 금액입니다</a:t>
+            </a:r>
+            <a:r>
+              <a:rPr lang="en-US" altLang="ko-KR" b="1" dirty="0" smtClean="0">
+                <a:solidFill>
+                  <a:srgbClr val="FF0000"/>
+                </a:solidFill>
+              </a:rPr>
+              <a:t>.”)</a:t>
+            </a:r>
+            <a:endParaRPr lang="ko-KR" altLang="en-US" dirty="0"/>
+          </a:p>
+        </p:txBody>
+      </p:sp>
+      <p:sp>
+        <p:nvSpPr>
+          <p:cNvPr id="42" name="직사각형 41"/>
+          <p:cNvSpPr/>
+          <p:nvPr/>
+        </p:nvSpPr>
+        <p:spPr>
+          <a:xfrm>
+            <a:off x="683568" y="5013176"/>
+            <a:ext cx="3753079" cy="1200329"/>
+          </a:xfrm>
+          <a:prstGeom prst="rect">
+            <a:avLst/>
+          </a:prstGeom>
+        </p:spPr>
+        <p:txBody>
+          <a:bodyPr wrap="none">
+            <a:spAutoFit/>
+          </a:bodyPr>
+          <a:lstStyle/>
+          <a:p>
+            <a:r>
+              <a:rPr lang="en-US" altLang="ko-KR" dirty="0" smtClean="0">
+                <a:solidFill>
+                  <a:schemeClr val="tx1"/>
+                </a:solidFill>
+              </a:rPr>
+              <a:t>+ </a:t>
+            </a:r>
+            <a:r>
+              <a:rPr lang="en-US" altLang="ko-KR" dirty="0" err="1" smtClean="0">
+                <a:solidFill>
+                  <a:schemeClr val="tx1"/>
+                </a:solidFill>
+              </a:rPr>
+              <a:t>OutputMoney</a:t>
+            </a:r>
+            <a:r>
+              <a:rPr lang="en-US" altLang="ko-KR" dirty="0" smtClean="0">
+                <a:solidFill>
+                  <a:schemeClr val="tx1"/>
+                </a:solidFill>
+              </a:rPr>
+              <a:t>(</a:t>
+            </a:r>
+            <a:r>
+              <a:rPr lang="en-US" altLang="ko-KR" dirty="0" err="1" smtClean="0">
+                <a:solidFill>
+                  <a:schemeClr val="tx1"/>
+                </a:solidFill>
+              </a:rPr>
+              <a:t>int</a:t>
+            </a:r>
+            <a:r>
+              <a:rPr lang="en-US" altLang="ko-KR" dirty="0" smtClean="0">
+                <a:solidFill>
+                  <a:schemeClr val="tx1"/>
+                </a:solidFill>
+              </a:rPr>
+              <a:t> money) : void</a:t>
+            </a:r>
+          </a:p>
+          <a:p>
+            <a:endParaRPr lang="en-US" altLang="ko-KR" dirty="0"/>
+          </a:p>
+          <a:p>
+            <a:r>
+              <a:rPr lang="en-US" altLang="ko-KR" dirty="0" smtClean="0"/>
+              <a:t>+ </a:t>
+            </a:r>
+            <a:r>
+              <a:rPr lang="en-US" altLang="ko-KR" dirty="0" err="1" smtClean="0"/>
+              <a:t>Println</a:t>
+            </a:r>
+            <a:r>
+              <a:rPr lang="en-US" altLang="ko-KR" dirty="0" smtClean="0"/>
+              <a:t>() : void  : 5</a:t>
+            </a:r>
+            <a:r>
+              <a:rPr lang="ko-KR" altLang="en-US" dirty="0" smtClean="0"/>
+              <a:t>개 라인</a:t>
+            </a:r>
+            <a:r>
+              <a:rPr lang="en-US" altLang="ko-KR" dirty="0" smtClean="0"/>
+              <a:t>!</a:t>
+            </a:r>
+          </a:p>
+          <a:p>
+            <a:r>
+              <a:rPr lang="en-US" altLang="ko-KR" dirty="0" smtClean="0"/>
+              <a:t>+ Print() : void</a:t>
+            </a:r>
+            <a:endParaRPr lang="ko-KR" altLang="en-US" dirty="0"/>
+          </a:p>
+        </p:txBody>
+      </p:sp>
+      <p:sp>
+        <p:nvSpPr>
+          <p:cNvPr id="43" name="직사각형 42"/>
+          <p:cNvSpPr/>
+          <p:nvPr/>
+        </p:nvSpPr>
+        <p:spPr>
+          <a:xfrm>
+            <a:off x="5076056" y="5085184"/>
+            <a:ext cx="3639138" cy="1477328"/>
+          </a:xfrm>
+          <a:prstGeom prst="rect">
+            <a:avLst/>
+          </a:prstGeom>
+        </p:spPr>
+        <p:txBody>
+          <a:bodyPr wrap="none">
+            <a:spAutoFit/>
+          </a:bodyPr>
+          <a:lstStyle/>
+          <a:p>
+            <a:r>
+              <a:rPr lang="ko-KR" altLang="en-US" b="1" dirty="0" smtClean="0">
+                <a:solidFill>
+                  <a:srgbClr val="FF0000"/>
+                </a:solidFill>
+              </a:rPr>
+              <a:t>전달된 금액으로 잔액을 감액</a:t>
+            </a:r>
+            <a:endParaRPr lang="en-US" altLang="ko-KR" b="1" dirty="0" smtClean="0">
+              <a:solidFill>
+                <a:srgbClr val="FF0000"/>
+              </a:solidFill>
+            </a:endParaRPr>
+          </a:p>
+          <a:p>
+            <a:r>
+              <a:rPr lang="en-US" altLang="ko-KR" b="1" dirty="0" smtClean="0">
+                <a:solidFill>
+                  <a:srgbClr val="FF0000"/>
+                </a:solidFill>
+              </a:rPr>
+              <a:t>0</a:t>
+            </a:r>
+            <a:r>
+              <a:rPr lang="ko-KR" altLang="en-US" b="1" dirty="0" smtClean="0">
+                <a:solidFill>
+                  <a:srgbClr val="FF0000"/>
+                </a:solidFill>
+              </a:rPr>
+              <a:t>보다 적은 금액전달시 예외발생</a:t>
+            </a:r>
+            <a:r>
+              <a:rPr lang="en-US" altLang="ko-KR" b="1" dirty="0" smtClean="0">
+                <a:solidFill>
+                  <a:srgbClr val="FF0000"/>
+                </a:solidFill>
+              </a:rPr>
+              <a:t>!</a:t>
+            </a:r>
+          </a:p>
+          <a:p>
+            <a:r>
+              <a:rPr lang="en-US" altLang="ko-KR" b="1" dirty="0" smtClean="0">
+                <a:solidFill>
+                  <a:srgbClr val="FF0000"/>
+                </a:solidFill>
+              </a:rPr>
+              <a:t>(“</a:t>
+            </a:r>
+            <a:r>
+              <a:rPr lang="ko-KR" altLang="en-US" b="1" dirty="0" smtClean="0">
+                <a:solidFill>
+                  <a:srgbClr val="FF0000"/>
+                </a:solidFill>
+              </a:rPr>
+              <a:t>잘못된 금액입니다</a:t>
+            </a:r>
+            <a:r>
+              <a:rPr lang="en-US" altLang="ko-KR" b="1" dirty="0" smtClean="0">
+                <a:solidFill>
+                  <a:srgbClr val="FF0000"/>
+                </a:solidFill>
+              </a:rPr>
+              <a:t>.”)</a:t>
+            </a:r>
+          </a:p>
+          <a:p>
+            <a:r>
+              <a:rPr lang="ko-KR" altLang="en-US" b="1" dirty="0" smtClean="0">
+                <a:solidFill>
+                  <a:srgbClr val="FF0000"/>
+                </a:solidFill>
+              </a:rPr>
+              <a:t>잔액이 </a:t>
+            </a:r>
+            <a:r>
+              <a:rPr lang="ko-KR" altLang="en-US" b="1" dirty="0" err="1" smtClean="0">
+                <a:solidFill>
+                  <a:srgbClr val="FF0000"/>
+                </a:solidFill>
+              </a:rPr>
+              <a:t>부족할때</a:t>
+            </a:r>
+            <a:r>
+              <a:rPr lang="ko-KR" altLang="en-US" b="1" dirty="0" smtClean="0">
+                <a:solidFill>
+                  <a:srgbClr val="FF0000"/>
+                </a:solidFill>
+              </a:rPr>
+              <a:t> 예외발생</a:t>
+            </a:r>
+            <a:endParaRPr lang="en-US" altLang="ko-KR" b="1" dirty="0" smtClean="0">
+              <a:solidFill>
+                <a:srgbClr val="FF0000"/>
+              </a:solidFill>
+            </a:endParaRPr>
+          </a:p>
+          <a:p>
+            <a:r>
+              <a:rPr lang="en-US" altLang="ko-KR" b="1" dirty="0" smtClean="0">
+                <a:solidFill>
+                  <a:srgbClr val="FF0000"/>
+                </a:solidFill>
+              </a:rPr>
+              <a:t>(“</a:t>
+            </a:r>
+            <a:r>
+              <a:rPr lang="ko-KR" altLang="en-US" b="1" dirty="0" smtClean="0">
+                <a:solidFill>
+                  <a:srgbClr val="FF0000"/>
+                </a:solidFill>
+              </a:rPr>
+              <a:t>잔액이 부족합니다</a:t>
+            </a:r>
+            <a:r>
+              <a:rPr lang="en-US" altLang="ko-KR" b="1" dirty="0" smtClean="0">
+                <a:solidFill>
+                  <a:srgbClr val="FF0000"/>
+                </a:solidFill>
+              </a:rPr>
+              <a:t>.”)</a:t>
+            </a:r>
+            <a:endParaRPr lang="ko-KR" altLang="en-US" dirty="0"/>
+          </a:p>
+        </p:txBody>
+      </p:sp>
+      <p:sp>
+        <p:nvSpPr>
+          <p:cNvPr id="44" name="직사각형 43"/>
+          <p:cNvSpPr/>
+          <p:nvPr/>
+        </p:nvSpPr>
+        <p:spPr>
+          <a:xfrm>
+            <a:off x="2339752" y="5877272"/>
+            <a:ext cx="2343911" cy="646331"/>
+          </a:xfrm>
+          <a:prstGeom prst="rect">
+            <a:avLst/>
+          </a:prstGeom>
+        </p:spPr>
+        <p:txBody>
+          <a:bodyPr wrap="none">
+            <a:spAutoFit/>
+          </a:bodyPr>
+          <a:lstStyle/>
+          <a:p>
+            <a:r>
+              <a:rPr lang="ko-KR" altLang="en-US" b="1" dirty="0" smtClean="0">
+                <a:solidFill>
+                  <a:srgbClr val="FF0000"/>
+                </a:solidFill>
+              </a:rPr>
+              <a:t>이전코드와 유사하게</a:t>
+            </a:r>
+            <a:endParaRPr lang="en-US" altLang="ko-KR" b="1" dirty="0" smtClean="0">
+              <a:solidFill>
+                <a:srgbClr val="FF0000"/>
+              </a:solidFill>
+            </a:endParaRPr>
+          </a:p>
+          <a:p>
+            <a:r>
+              <a:rPr lang="ko-KR" altLang="en-US" b="1" dirty="0" smtClean="0">
+                <a:solidFill>
+                  <a:srgbClr val="FF0000"/>
+                </a:solidFill>
+              </a:rPr>
+              <a:t>일자 </a:t>
+            </a:r>
+            <a:r>
+              <a:rPr lang="en-US" altLang="ko-KR" b="1" dirty="0" smtClean="0">
+                <a:solidFill>
+                  <a:srgbClr val="FF0000"/>
+                </a:solidFill>
+              </a:rPr>
+              <a:t>/ </a:t>
+            </a:r>
+            <a:r>
+              <a:rPr lang="ko-KR" altLang="en-US" b="1" dirty="0" smtClean="0">
+                <a:solidFill>
+                  <a:srgbClr val="FF0000"/>
+                </a:solidFill>
+              </a:rPr>
+              <a:t>시간</a:t>
+            </a:r>
+            <a:endParaRPr lang="ko-KR" altLang="en-US" b="1" dirty="0">
+              <a:solidFill>
+                <a:srgbClr val="FF0000"/>
+              </a:solidFill>
+            </a:endParaRPr>
+          </a:p>
+        </p:txBody>
+      </p:sp>
+    </p:spTree>
+  </p:cSld>
+  <p:clrMapOvr>
+    <a:masterClrMapping/>
+  </p:clrMapOvr>
+</p:sld>
+</file>
+
+<file path=ppt/slides/slide16.xml><?xml version="1.0" encoding="utf-8"?>
+<p:sld xmlns:a="http://schemas.openxmlformats.org/drawingml/2006/main" xmlns:r="http://schemas.openxmlformats.org/officeDocument/2006/relationships" xmlns:p="http://schemas.openxmlformats.org/presentationml/2006/main">
+  <p:cSld>
+    <p:spTree>
+      <p:nvGrpSpPr>
+        <p:cNvPr id="1" name=""/>
+        <p:cNvGrpSpPr/>
+        <p:nvPr/>
+      </p:nvGrpSpPr>
+      <p:grpSpPr>
+        <a:xfrm>
+          <a:off x="0" y="0"/>
+          <a:ext cx="0" cy="0"/>
+          <a:chOff x="0" y="0"/>
+          <a:chExt cx="0" cy="0"/>
+        </a:xfrm>
+      </p:grpSpPr>
+      <p:sp>
+        <p:nvSpPr>
+          <p:cNvPr id="5" name="TextBox 4"/>
+          <p:cNvSpPr txBox="1"/>
+          <p:nvPr/>
+        </p:nvSpPr>
+        <p:spPr>
+          <a:xfrm>
+            <a:off x="251520" y="260648"/>
+            <a:ext cx="7920880" cy="400110"/>
+          </a:xfrm>
+          <a:prstGeom prst="rect">
+            <a:avLst/>
+          </a:prstGeom>
+          <a:noFill/>
+        </p:spPr>
+        <p:txBody>
+          <a:bodyPr wrap="square" rtlCol="0">
+            <a:spAutoFit/>
+          </a:bodyPr>
+          <a:lstStyle/>
+          <a:p>
+            <a:r>
+              <a:rPr lang="ko-KR" altLang="en-US" sz="2000" b="1" dirty="0" smtClean="0"/>
+              <a:t>자료구조 </a:t>
+            </a:r>
+            <a:r>
+              <a:rPr lang="en-US" altLang="ko-KR" sz="2000" b="1" dirty="0" smtClean="0"/>
+              <a:t>1</a:t>
+            </a:r>
+            <a:r>
+              <a:rPr lang="ko-KR" altLang="en-US" sz="2000" b="1" dirty="0" smtClean="0"/>
+              <a:t>일차</a:t>
+            </a:r>
+            <a:r>
+              <a:rPr lang="en-US" altLang="ko-KR" sz="2000" b="1" dirty="0" smtClean="0"/>
+              <a:t>(</a:t>
+            </a:r>
+            <a:r>
+              <a:rPr lang="ko-KR" altLang="en-US" sz="2000" b="1" dirty="0" smtClean="0"/>
+              <a:t>프로그램 실습</a:t>
+            </a:r>
+            <a:r>
+              <a:rPr lang="en-US" altLang="ko-KR" sz="2000" b="1" dirty="0" smtClean="0"/>
+              <a:t>) – </a:t>
+            </a:r>
+            <a:r>
+              <a:rPr lang="ko-KR" altLang="en-US" sz="2000" b="1" dirty="0" smtClean="0">
+                <a:solidFill>
+                  <a:schemeClr val="accent1">
+                    <a:lumMod val="75000"/>
+                  </a:schemeClr>
+                </a:solidFill>
+              </a:rPr>
+              <a:t>계좌</a:t>
+            </a:r>
+            <a:r>
+              <a:rPr lang="ko-KR" altLang="en-US" sz="2000" b="1" dirty="0" smtClean="0"/>
+              <a:t> 관리 프로그램</a:t>
+            </a:r>
+            <a:endParaRPr lang="ko-KR" altLang="en-US" sz="2000" b="1" dirty="0"/>
+          </a:p>
+        </p:txBody>
+      </p:sp>
+      <p:sp>
+        <p:nvSpPr>
+          <p:cNvPr id="20" name="직사각형 19"/>
+          <p:cNvSpPr/>
+          <p:nvPr/>
+        </p:nvSpPr>
+        <p:spPr>
+          <a:xfrm>
+            <a:off x="611560" y="1196752"/>
+            <a:ext cx="4464496" cy="504056"/>
+          </a:xfrm>
+          <a:prstGeom prst="rect">
+            <a:avLst/>
+          </a:prstGeom>
+          <a:solidFill>
+            <a:schemeClr val="bg1"/>
+          </a:solidFill>
+        </p:spPr>
+        <p:style>
+          <a:lnRef idx="2">
+            <a:schemeClr val="accent1">
+              <a:shade val="50000"/>
+            </a:schemeClr>
+          </a:lnRef>
+          <a:fillRef idx="1">
+            <a:schemeClr val="accent1"/>
+          </a:fillRef>
+          <a:effectRef idx="0">
+            <a:schemeClr val="accent1"/>
+          </a:effectRef>
+          <a:fontRef idx="minor">
+            <a:schemeClr val="lt1"/>
+          </a:fontRef>
+        </p:style>
+        <p:txBody>
+          <a:bodyPr rtlCol="0" anchor="ctr"/>
+          <a:lstStyle/>
+          <a:p>
+            <a:pPr algn="ctr"/>
+            <a:r>
+              <a:rPr lang="en-US" altLang="ko-KR" b="1" dirty="0" smtClean="0">
+                <a:solidFill>
+                  <a:schemeClr val="tx1"/>
+                </a:solidFill>
+              </a:rPr>
+              <a:t>Bank</a:t>
+            </a:r>
+            <a:endParaRPr lang="ko-KR" altLang="en-US" b="1" dirty="0">
+              <a:solidFill>
+                <a:schemeClr val="tx1"/>
+              </a:solidFill>
+            </a:endParaRPr>
+          </a:p>
+        </p:txBody>
+      </p:sp>
+      <p:sp>
+        <p:nvSpPr>
+          <p:cNvPr id="21" name="직사각형 20"/>
+          <p:cNvSpPr/>
+          <p:nvPr/>
+        </p:nvSpPr>
+        <p:spPr>
+          <a:xfrm>
+            <a:off x="611560" y="1700808"/>
+            <a:ext cx="4464496" cy="504056"/>
+          </a:xfrm>
+          <a:prstGeom prst="rect">
+            <a:avLst/>
+          </a:prstGeom>
+          <a:solidFill>
+            <a:schemeClr val="bg1"/>
+          </a:solidFill>
+        </p:spPr>
+        <p:style>
+          <a:lnRef idx="2">
+            <a:schemeClr val="accent1">
+              <a:shade val="50000"/>
+            </a:schemeClr>
+          </a:lnRef>
+          <a:fillRef idx="1">
+            <a:schemeClr val="accent1"/>
+          </a:fillRef>
+          <a:effectRef idx="0">
+            <a:schemeClr val="accent1"/>
+          </a:effectRef>
+          <a:fontRef idx="minor">
+            <a:schemeClr val="lt1"/>
+          </a:fontRef>
+        </p:style>
+        <p:txBody>
+          <a:bodyPr rtlCol="0" anchor="ctr"/>
+          <a:lstStyle/>
+          <a:p>
+            <a:r>
+              <a:rPr lang="en-US" altLang="ko-KR" dirty="0" smtClean="0">
+                <a:solidFill>
+                  <a:schemeClr val="tx1"/>
+                </a:solidFill>
+              </a:rPr>
+              <a:t>- </a:t>
+            </a:r>
+            <a:r>
+              <a:rPr lang="en-US" altLang="ko-KR" dirty="0" err="1" smtClean="0">
+                <a:solidFill>
+                  <a:schemeClr val="tx1"/>
+                </a:solidFill>
+              </a:rPr>
+              <a:t>arr</a:t>
+            </a:r>
+            <a:r>
+              <a:rPr lang="en-US" altLang="ko-KR" dirty="0" smtClean="0">
+                <a:solidFill>
+                  <a:schemeClr val="tx1"/>
+                </a:solidFill>
+              </a:rPr>
+              <a:t> : </a:t>
+            </a:r>
+            <a:r>
+              <a:rPr lang="en-US" altLang="ko-KR" dirty="0" err="1" smtClean="0">
+                <a:solidFill>
+                  <a:schemeClr val="tx1"/>
+                </a:solidFill>
+              </a:rPr>
+              <a:t>BitArray</a:t>
+            </a:r>
+            <a:r>
+              <a:rPr lang="en-US" altLang="ko-KR" dirty="0" smtClean="0">
+                <a:solidFill>
+                  <a:schemeClr val="tx1"/>
+                </a:solidFill>
+              </a:rPr>
+              <a:t>;</a:t>
+            </a:r>
+            <a:endParaRPr lang="ko-KR" altLang="en-US" dirty="0">
+              <a:solidFill>
+                <a:schemeClr val="tx1"/>
+              </a:solidFill>
+            </a:endParaRPr>
+          </a:p>
+        </p:txBody>
+      </p:sp>
+      <p:sp>
+        <p:nvSpPr>
+          <p:cNvPr id="22" name="직사각형 21"/>
+          <p:cNvSpPr/>
+          <p:nvPr/>
+        </p:nvSpPr>
+        <p:spPr>
+          <a:xfrm>
+            <a:off x="611560" y="2204864"/>
+            <a:ext cx="4464496" cy="4464496"/>
+          </a:xfrm>
+          <a:prstGeom prst="rect">
+            <a:avLst/>
+          </a:prstGeom>
+          <a:solidFill>
+            <a:schemeClr val="bg1"/>
+          </a:solidFill>
+        </p:spPr>
+        <p:style>
+          <a:lnRef idx="2">
+            <a:schemeClr val="accent1">
+              <a:shade val="50000"/>
+            </a:schemeClr>
+          </a:lnRef>
+          <a:fillRef idx="1">
+            <a:schemeClr val="accent1"/>
+          </a:fillRef>
+          <a:effectRef idx="0">
+            <a:schemeClr val="accent1"/>
+          </a:effectRef>
+          <a:fontRef idx="minor">
+            <a:schemeClr val="lt1"/>
+          </a:fontRef>
+        </p:style>
+        <p:txBody>
+          <a:bodyPr rtlCol="0" anchor="t"/>
+          <a:lstStyle/>
+          <a:p>
+            <a:r>
+              <a:rPr lang="en-US" altLang="ko-KR" dirty="0" smtClean="0">
+                <a:solidFill>
+                  <a:schemeClr val="tx1"/>
+                </a:solidFill>
+              </a:rPr>
+              <a:t>+</a:t>
+            </a:r>
+            <a:r>
+              <a:rPr lang="ko-KR" altLang="en-US" dirty="0" err="1" smtClean="0">
+                <a:solidFill>
+                  <a:schemeClr val="tx1"/>
+                </a:solidFill>
+              </a:rPr>
+              <a:t>생성자</a:t>
+            </a:r>
+            <a:r>
+              <a:rPr lang="en-US" altLang="ko-KR" dirty="0" smtClean="0">
+                <a:solidFill>
+                  <a:schemeClr val="tx1"/>
+                </a:solidFill>
+              </a:rPr>
+              <a:t>(</a:t>
+            </a:r>
+            <a:r>
+              <a:rPr lang="ko-KR" altLang="en-US" dirty="0">
+                <a:solidFill>
+                  <a:schemeClr val="tx1"/>
+                </a:solidFill>
+              </a:rPr>
+              <a:t> </a:t>
+            </a:r>
+            <a:r>
+              <a:rPr lang="en-US" altLang="ko-KR" dirty="0" smtClean="0">
+                <a:solidFill>
+                  <a:schemeClr val="tx1"/>
+                </a:solidFill>
+              </a:rPr>
+              <a:t>)</a:t>
+            </a:r>
+          </a:p>
+          <a:p>
+            <a:endParaRPr lang="en-US" altLang="ko-KR" dirty="0" smtClean="0">
+              <a:solidFill>
+                <a:schemeClr val="tx1"/>
+              </a:solidFill>
+            </a:endParaRPr>
+          </a:p>
+          <a:p>
+            <a:r>
+              <a:rPr lang="en-US" altLang="ko-KR" dirty="0" smtClean="0">
+                <a:solidFill>
+                  <a:schemeClr val="tx1"/>
+                </a:solidFill>
+              </a:rPr>
+              <a:t>- </a:t>
+            </a:r>
+            <a:r>
+              <a:rPr lang="en-US" altLang="ko-KR" dirty="0" err="1" smtClean="0">
+                <a:solidFill>
+                  <a:schemeClr val="tx1"/>
+                </a:solidFill>
+              </a:rPr>
+              <a:t>InputMax</a:t>
+            </a:r>
+            <a:r>
+              <a:rPr lang="en-US" altLang="ko-KR" dirty="0">
+                <a:solidFill>
+                  <a:schemeClr val="tx1"/>
+                </a:solidFill>
+              </a:rPr>
+              <a:t>() </a:t>
+            </a:r>
+            <a:r>
+              <a:rPr lang="en-US" altLang="ko-KR" dirty="0" smtClean="0">
+                <a:solidFill>
+                  <a:schemeClr val="tx1"/>
+                </a:solidFill>
+              </a:rPr>
+              <a:t> : </a:t>
+            </a:r>
+            <a:r>
+              <a:rPr lang="en-US" altLang="ko-KR" dirty="0" err="1" smtClean="0">
+                <a:solidFill>
+                  <a:schemeClr val="tx1"/>
+                </a:solidFill>
+              </a:rPr>
+              <a:t>int</a:t>
+            </a:r>
+            <a:endParaRPr lang="en-US" altLang="ko-KR" dirty="0" smtClean="0">
+              <a:solidFill>
+                <a:schemeClr val="tx1"/>
+              </a:solidFill>
+            </a:endParaRPr>
+          </a:p>
+        </p:txBody>
+      </p:sp>
+      <p:sp>
+        <p:nvSpPr>
+          <p:cNvPr id="31" name="직사각형 30"/>
+          <p:cNvSpPr/>
+          <p:nvPr/>
+        </p:nvSpPr>
+        <p:spPr>
+          <a:xfrm>
+            <a:off x="395536" y="692696"/>
+            <a:ext cx="2743636" cy="369332"/>
+          </a:xfrm>
+          <a:prstGeom prst="rect">
+            <a:avLst/>
+          </a:prstGeom>
+        </p:spPr>
+        <p:txBody>
+          <a:bodyPr wrap="none">
+            <a:spAutoFit/>
+          </a:bodyPr>
+          <a:lstStyle/>
+          <a:p>
+            <a:r>
+              <a:rPr lang="en-US" altLang="ko-KR" b="1" dirty="0" smtClean="0"/>
+              <a:t>Step2) </a:t>
+            </a:r>
+            <a:r>
+              <a:rPr lang="ko-KR" altLang="en-US" b="1" dirty="0" smtClean="0"/>
+              <a:t>관리</a:t>
+            </a:r>
+            <a:r>
+              <a:rPr lang="en-US" altLang="ko-KR" b="1" dirty="0" smtClean="0"/>
+              <a:t> </a:t>
+            </a:r>
+            <a:r>
+              <a:rPr lang="ko-KR" altLang="en-US" b="1" dirty="0" smtClean="0"/>
+              <a:t>클래스 정의</a:t>
+            </a:r>
+            <a:endParaRPr lang="ko-KR" altLang="en-US" b="1" dirty="0"/>
+          </a:p>
+        </p:txBody>
+      </p:sp>
+      <p:sp>
+        <p:nvSpPr>
+          <p:cNvPr id="32" name="직사각형 31"/>
+          <p:cNvSpPr/>
+          <p:nvPr/>
+        </p:nvSpPr>
+        <p:spPr>
+          <a:xfrm>
+            <a:off x="2123728" y="2276872"/>
+            <a:ext cx="4921540" cy="369332"/>
+          </a:xfrm>
+          <a:prstGeom prst="rect">
+            <a:avLst/>
+          </a:prstGeom>
+        </p:spPr>
+        <p:txBody>
+          <a:bodyPr wrap="none">
+            <a:spAutoFit/>
+          </a:bodyPr>
+          <a:lstStyle/>
+          <a:p>
+            <a:r>
+              <a:rPr lang="en-US" altLang="ko-KR" b="1" dirty="0" err="1" smtClean="0">
+                <a:solidFill>
+                  <a:srgbClr val="FF0000"/>
+                </a:solidFill>
+              </a:rPr>
+              <a:t>InputMax</a:t>
+            </a:r>
+            <a:r>
+              <a:rPr lang="ko-KR" altLang="en-US" b="1" dirty="0" smtClean="0">
+                <a:solidFill>
+                  <a:srgbClr val="FF0000"/>
+                </a:solidFill>
+              </a:rPr>
+              <a:t>함수를 활용하여 </a:t>
+            </a:r>
+            <a:r>
+              <a:rPr lang="en-US" altLang="ko-KR" b="1" dirty="0" err="1" smtClean="0">
+                <a:solidFill>
+                  <a:srgbClr val="FF0000"/>
+                </a:solidFill>
+              </a:rPr>
+              <a:t>BitArray</a:t>
+            </a:r>
+            <a:r>
+              <a:rPr lang="ko-KR" altLang="en-US" b="1" dirty="0" smtClean="0">
+                <a:solidFill>
+                  <a:srgbClr val="FF0000"/>
+                </a:solidFill>
+              </a:rPr>
+              <a:t>객체 생성</a:t>
+            </a:r>
+            <a:endParaRPr lang="ko-KR" altLang="en-US" dirty="0"/>
+          </a:p>
+        </p:txBody>
+      </p:sp>
+      <p:sp>
+        <p:nvSpPr>
+          <p:cNvPr id="33" name="직사각형 32"/>
+          <p:cNvSpPr/>
+          <p:nvPr/>
+        </p:nvSpPr>
+        <p:spPr>
+          <a:xfrm>
+            <a:off x="2987824" y="3212976"/>
+            <a:ext cx="3342582" cy="369332"/>
+          </a:xfrm>
+          <a:prstGeom prst="rect">
+            <a:avLst/>
+          </a:prstGeom>
+        </p:spPr>
+        <p:txBody>
+          <a:bodyPr wrap="none">
+            <a:spAutoFit/>
+          </a:bodyPr>
+          <a:lstStyle/>
+          <a:p>
+            <a:r>
+              <a:rPr lang="ko-KR" altLang="en-US" b="1" dirty="0" smtClean="0">
+                <a:solidFill>
+                  <a:srgbClr val="FF0000"/>
+                </a:solidFill>
+              </a:rPr>
+              <a:t>기존 예제 </a:t>
+            </a:r>
+            <a:r>
+              <a:rPr lang="ko-KR" altLang="en-US" b="1" smtClean="0">
+                <a:solidFill>
+                  <a:srgbClr val="FF0000"/>
+                </a:solidFill>
+              </a:rPr>
+              <a:t>활용</a:t>
+            </a:r>
+            <a:r>
+              <a:rPr lang="en-US" altLang="ko-KR" b="1" dirty="0" smtClean="0">
+                <a:solidFill>
+                  <a:srgbClr val="FF0000"/>
+                </a:solidFill>
+              </a:rPr>
+              <a:t>, </a:t>
+            </a:r>
+            <a:r>
+              <a:rPr lang="ko-KR" altLang="en-US" b="1" dirty="0" smtClean="0">
+                <a:solidFill>
+                  <a:srgbClr val="FF0000"/>
+                </a:solidFill>
+              </a:rPr>
+              <a:t>유사하게 작성</a:t>
+            </a:r>
+            <a:endParaRPr lang="ko-KR" altLang="en-US" dirty="0"/>
+          </a:p>
+        </p:txBody>
+      </p:sp>
+      <p:sp>
+        <p:nvSpPr>
+          <p:cNvPr id="40" name="직사각형 39"/>
+          <p:cNvSpPr/>
+          <p:nvPr/>
+        </p:nvSpPr>
+        <p:spPr>
+          <a:xfrm>
+            <a:off x="683568" y="3284984"/>
+            <a:ext cx="4743606" cy="3139321"/>
+          </a:xfrm>
+          <a:prstGeom prst="rect">
+            <a:avLst/>
+          </a:prstGeom>
+        </p:spPr>
+        <p:txBody>
+          <a:bodyPr wrap="none">
+            <a:spAutoFit/>
+          </a:bodyPr>
+          <a:lstStyle/>
+          <a:p>
+            <a:r>
+              <a:rPr lang="en-US" altLang="ko-KR" dirty="0" smtClean="0">
+                <a:solidFill>
+                  <a:schemeClr val="tx1"/>
+                </a:solidFill>
+              </a:rPr>
+              <a:t>+ </a:t>
+            </a:r>
+            <a:r>
+              <a:rPr lang="en-US" altLang="ko-KR" dirty="0" err="1" smtClean="0">
+                <a:solidFill>
+                  <a:schemeClr val="tx1"/>
+                </a:solidFill>
+              </a:rPr>
+              <a:t>PrintAll</a:t>
+            </a:r>
+            <a:r>
+              <a:rPr lang="en-US" altLang="ko-KR" dirty="0" smtClean="0">
+                <a:solidFill>
+                  <a:schemeClr val="tx1"/>
+                </a:solidFill>
+              </a:rPr>
+              <a:t>() : void</a:t>
+            </a:r>
+          </a:p>
+          <a:p>
+            <a:r>
+              <a:rPr lang="en-US" altLang="ko-KR" dirty="0" smtClean="0">
+                <a:solidFill>
+                  <a:schemeClr val="tx1"/>
+                </a:solidFill>
+              </a:rPr>
+              <a:t>+ </a:t>
+            </a:r>
+            <a:r>
+              <a:rPr lang="en-US" altLang="ko-KR" dirty="0" err="1" smtClean="0">
+                <a:solidFill>
+                  <a:schemeClr val="tx1"/>
+                </a:solidFill>
+              </a:rPr>
+              <a:t>MakeAccount</a:t>
+            </a:r>
+            <a:r>
+              <a:rPr lang="en-US" altLang="ko-KR" dirty="0" smtClean="0">
+                <a:solidFill>
+                  <a:schemeClr val="tx1"/>
+                </a:solidFill>
+              </a:rPr>
+              <a:t>() : void</a:t>
+            </a:r>
+          </a:p>
+          <a:p>
+            <a:r>
+              <a:rPr lang="en-US" altLang="ko-KR" dirty="0" smtClean="0"/>
+              <a:t>+ </a:t>
+            </a:r>
+            <a:r>
+              <a:rPr lang="en-US" altLang="ko-KR" dirty="0" err="1" smtClean="0"/>
+              <a:t>SelectAccount</a:t>
+            </a:r>
+            <a:r>
+              <a:rPr lang="en-US" altLang="ko-KR" dirty="0" smtClean="0"/>
+              <a:t>() : void</a:t>
+            </a:r>
+          </a:p>
+          <a:p>
+            <a:r>
+              <a:rPr lang="en-US" altLang="ko-KR" dirty="0" smtClean="0"/>
+              <a:t>+ </a:t>
+            </a:r>
+            <a:r>
+              <a:rPr lang="en-US" altLang="ko-KR" dirty="0" err="1" smtClean="0"/>
+              <a:t>InputMoney</a:t>
+            </a:r>
+            <a:r>
+              <a:rPr lang="en-US" altLang="ko-KR" dirty="0" smtClean="0"/>
+              <a:t>() : void</a:t>
+            </a:r>
+          </a:p>
+          <a:p>
+            <a:r>
+              <a:rPr lang="en-US" altLang="ko-KR" dirty="0" smtClean="0"/>
+              <a:t>+ </a:t>
+            </a:r>
+            <a:r>
+              <a:rPr lang="en-US" altLang="ko-KR" dirty="0" err="1" smtClean="0"/>
+              <a:t>OutputMoney</a:t>
+            </a:r>
+            <a:r>
+              <a:rPr lang="en-US" altLang="ko-KR" dirty="0" smtClean="0"/>
+              <a:t>() : void</a:t>
+            </a:r>
+          </a:p>
+          <a:p>
+            <a:r>
+              <a:rPr lang="en-US" altLang="ko-KR" dirty="0" smtClean="0"/>
+              <a:t>+ </a:t>
+            </a:r>
+            <a:r>
+              <a:rPr lang="en-US" altLang="ko-KR" dirty="0" err="1" smtClean="0"/>
+              <a:t>DeleteAccount</a:t>
+            </a:r>
+            <a:r>
+              <a:rPr lang="en-US" altLang="ko-KR" dirty="0" smtClean="0"/>
+              <a:t>() : void</a:t>
+            </a:r>
+          </a:p>
+          <a:p>
+            <a:endParaRPr lang="en-US" altLang="ko-KR" dirty="0"/>
+          </a:p>
+          <a:p>
+            <a:pPr>
+              <a:buFontTx/>
+              <a:buChar char="-"/>
+            </a:pPr>
+            <a:r>
+              <a:rPr lang="en-US" altLang="ko-KR" dirty="0" smtClean="0"/>
+              <a:t> </a:t>
+            </a:r>
+            <a:r>
+              <a:rPr lang="en-US" altLang="ko-KR" dirty="0" err="1" smtClean="0"/>
+              <a:t>NumberToIdx</a:t>
+            </a:r>
+            <a:r>
+              <a:rPr lang="en-US" altLang="ko-KR" dirty="0" smtClean="0"/>
+              <a:t>(</a:t>
+            </a:r>
+            <a:r>
+              <a:rPr lang="en-US" altLang="ko-KR" dirty="0" err="1" smtClean="0"/>
+              <a:t>int</a:t>
+            </a:r>
+            <a:r>
+              <a:rPr lang="en-US" altLang="ko-KR" dirty="0" smtClean="0"/>
+              <a:t> </a:t>
+            </a:r>
+            <a:r>
+              <a:rPr lang="en-US" altLang="ko-KR" dirty="0" err="1" smtClean="0"/>
+              <a:t>idx</a:t>
+            </a:r>
+            <a:r>
+              <a:rPr lang="en-US" altLang="ko-KR" dirty="0" smtClean="0"/>
+              <a:t>) : </a:t>
+            </a:r>
+            <a:r>
+              <a:rPr lang="en-US" altLang="ko-KR" dirty="0" err="1" smtClean="0"/>
+              <a:t>int</a:t>
+            </a:r>
+            <a:endParaRPr lang="en-US" altLang="ko-KR" dirty="0" smtClean="0"/>
+          </a:p>
+          <a:p>
+            <a:pPr>
+              <a:buFontTx/>
+              <a:buChar char="-"/>
+            </a:pPr>
+            <a:endParaRPr lang="en-US" altLang="ko-KR" dirty="0"/>
+          </a:p>
+          <a:p>
+            <a:pPr>
+              <a:buFontTx/>
+              <a:buChar char="-"/>
+            </a:pPr>
+            <a:endParaRPr lang="en-US" altLang="ko-KR" dirty="0" smtClean="0"/>
+          </a:p>
+          <a:p>
+            <a:r>
+              <a:rPr lang="en-US" altLang="ko-KR" dirty="0" smtClean="0"/>
+              <a:t>- </a:t>
+            </a:r>
+            <a:r>
+              <a:rPr lang="en-US" altLang="ko-KR" dirty="0" err="1" smtClean="0"/>
+              <a:t>IsAccNumberCheck</a:t>
+            </a:r>
+            <a:r>
+              <a:rPr lang="en-US" altLang="ko-KR" dirty="0" smtClean="0"/>
+              <a:t>(</a:t>
+            </a:r>
+            <a:r>
+              <a:rPr lang="en-US" altLang="ko-KR" dirty="0" err="1" smtClean="0"/>
+              <a:t>int</a:t>
+            </a:r>
+            <a:r>
+              <a:rPr lang="en-US" altLang="ko-KR" dirty="0" smtClean="0"/>
+              <a:t> number) : </a:t>
+            </a:r>
+            <a:r>
+              <a:rPr lang="en-US" altLang="ko-KR" dirty="0" err="1" smtClean="0"/>
+              <a:t>boolean</a:t>
+            </a:r>
+            <a:endParaRPr lang="ko-KR" altLang="en-US" dirty="0"/>
+          </a:p>
+        </p:txBody>
+      </p:sp>
+      <p:sp>
+        <p:nvSpPr>
+          <p:cNvPr id="15" name="직사각형 14"/>
+          <p:cNvSpPr/>
+          <p:nvPr/>
+        </p:nvSpPr>
+        <p:spPr>
+          <a:xfrm>
+            <a:off x="3275856" y="3573016"/>
+            <a:ext cx="4143185" cy="369332"/>
+          </a:xfrm>
+          <a:prstGeom prst="rect">
+            <a:avLst/>
+          </a:prstGeom>
+        </p:spPr>
+        <p:txBody>
+          <a:bodyPr wrap="none">
+            <a:spAutoFit/>
+          </a:bodyPr>
+          <a:lstStyle/>
+          <a:p>
+            <a:r>
+              <a:rPr lang="ko-KR" altLang="en-US" b="1" dirty="0" smtClean="0">
+                <a:solidFill>
+                  <a:srgbClr val="FF0000"/>
+                </a:solidFill>
+              </a:rPr>
+              <a:t>기존 예제 활용</a:t>
+            </a:r>
+            <a:r>
+              <a:rPr lang="en-US" altLang="ko-KR" b="1" dirty="0" smtClean="0">
+                <a:solidFill>
+                  <a:srgbClr val="FF0000"/>
+                </a:solidFill>
+              </a:rPr>
+              <a:t>, </a:t>
+            </a:r>
+            <a:r>
+              <a:rPr lang="ko-KR" altLang="en-US" b="1" dirty="0" smtClean="0">
+                <a:solidFill>
+                  <a:srgbClr val="FF0000"/>
+                </a:solidFill>
+              </a:rPr>
+              <a:t>유사하게 작성</a:t>
+            </a:r>
+            <a:r>
+              <a:rPr lang="en-US" altLang="ko-KR" b="1" dirty="0" smtClean="0">
+                <a:solidFill>
+                  <a:srgbClr val="FF0000"/>
+                </a:solidFill>
+              </a:rPr>
+              <a:t>(Insert)</a:t>
+            </a:r>
+            <a:endParaRPr lang="ko-KR" altLang="en-US" dirty="0"/>
+          </a:p>
+        </p:txBody>
+      </p:sp>
+      <p:sp>
+        <p:nvSpPr>
+          <p:cNvPr id="16" name="직사각형 15"/>
+          <p:cNvSpPr/>
+          <p:nvPr/>
+        </p:nvSpPr>
+        <p:spPr>
+          <a:xfrm>
+            <a:off x="3419872" y="3861048"/>
+            <a:ext cx="4134465" cy="369332"/>
+          </a:xfrm>
+          <a:prstGeom prst="rect">
+            <a:avLst/>
+          </a:prstGeom>
+        </p:spPr>
+        <p:txBody>
+          <a:bodyPr wrap="none">
+            <a:spAutoFit/>
+          </a:bodyPr>
+          <a:lstStyle/>
+          <a:p>
+            <a:r>
+              <a:rPr lang="ko-KR" altLang="en-US" b="1" dirty="0" smtClean="0">
+                <a:solidFill>
+                  <a:srgbClr val="FF0000"/>
+                </a:solidFill>
+              </a:rPr>
+              <a:t>기존 예제 활용</a:t>
+            </a:r>
+            <a:r>
+              <a:rPr lang="en-US" altLang="ko-KR" b="1" dirty="0" smtClean="0">
+                <a:solidFill>
+                  <a:srgbClr val="FF0000"/>
+                </a:solidFill>
+              </a:rPr>
+              <a:t>, </a:t>
+            </a:r>
+            <a:r>
+              <a:rPr lang="ko-KR" altLang="en-US" b="1" dirty="0" smtClean="0">
+                <a:solidFill>
+                  <a:srgbClr val="FF0000"/>
+                </a:solidFill>
+              </a:rPr>
+              <a:t>유사하게 작성</a:t>
+            </a:r>
+            <a:r>
+              <a:rPr lang="en-US" altLang="ko-KR" b="1" dirty="0" smtClean="0">
+                <a:solidFill>
+                  <a:srgbClr val="FF0000"/>
+                </a:solidFill>
+              </a:rPr>
+              <a:t>(select)</a:t>
+            </a:r>
+            <a:endParaRPr lang="ko-KR" altLang="en-US" dirty="0"/>
+          </a:p>
+        </p:txBody>
+      </p:sp>
+      <p:sp>
+        <p:nvSpPr>
+          <p:cNvPr id="18" name="직사각형 17"/>
+          <p:cNvSpPr/>
+          <p:nvPr/>
+        </p:nvSpPr>
+        <p:spPr>
+          <a:xfrm>
+            <a:off x="3491880" y="4293096"/>
+            <a:ext cx="4304961" cy="369332"/>
+          </a:xfrm>
+          <a:prstGeom prst="rect">
+            <a:avLst/>
+          </a:prstGeom>
+        </p:spPr>
+        <p:txBody>
+          <a:bodyPr wrap="none">
+            <a:spAutoFit/>
+          </a:bodyPr>
+          <a:lstStyle/>
+          <a:p>
+            <a:r>
+              <a:rPr lang="ko-KR" altLang="en-US" b="1" dirty="0" smtClean="0">
+                <a:solidFill>
+                  <a:srgbClr val="FF0000"/>
+                </a:solidFill>
+              </a:rPr>
+              <a:t>기존 예제 활용</a:t>
+            </a:r>
+            <a:r>
+              <a:rPr lang="en-US" altLang="ko-KR" b="1" dirty="0" smtClean="0">
+                <a:solidFill>
+                  <a:srgbClr val="FF0000"/>
+                </a:solidFill>
+              </a:rPr>
+              <a:t>, </a:t>
+            </a:r>
+            <a:r>
+              <a:rPr lang="ko-KR" altLang="en-US" b="1" dirty="0" smtClean="0">
+                <a:solidFill>
+                  <a:srgbClr val="FF0000"/>
+                </a:solidFill>
+              </a:rPr>
+              <a:t>유사하게 작성</a:t>
+            </a:r>
+            <a:r>
+              <a:rPr lang="en-US" altLang="ko-KR" b="1" dirty="0" smtClean="0">
+                <a:solidFill>
+                  <a:srgbClr val="FF0000"/>
+                </a:solidFill>
+              </a:rPr>
+              <a:t>(Update)</a:t>
+            </a:r>
+            <a:endParaRPr lang="ko-KR" altLang="en-US" dirty="0"/>
+          </a:p>
+        </p:txBody>
+      </p:sp>
+      <p:sp>
+        <p:nvSpPr>
+          <p:cNvPr id="19" name="직사각형 18"/>
+          <p:cNvSpPr/>
+          <p:nvPr/>
+        </p:nvSpPr>
+        <p:spPr>
+          <a:xfrm>
+            <a:off x="3491880" y="4653136"/>
+            <a:ext cx="4211987" cy="369332"/>
+          </a:xfrm>
+          <a:prstGeom prst="rect">
+            <a:avLst/>
+          </a:prstGeom>
+        </p:spPr>
+        <p:txBody>
+          <a:bodyPr wrap="none">
+            <a:spAutoFit/>
+          </a:bodyPr>
+          <a:lstStyle/>
+          <a:p>
+            <a:r>
+              <a:rPr lang="ko-KR" altLang="en-US" b="1" dirty="0" smtClean="0">
+                <a:solidFill>
+                  <a:srgbClr val="FF0000"/>
+                </a:solidFill>
+              </a:rPr>
+              <a:t>기존 예제 활용</a:t>
+            </a:r>
+            <a:r>
+              <a:rPr lang="en-US" altLang="ko-KR" b="1" dirty="0" smtClean="0">
+                <a:solidFill>
+                  <a:srgbClr val="FF0000"/>
+                </a:solidFill>
+              </a:rPr>
+              <a:t>, </a:t>
+            </a:r>
+            <a:r>
+              <a:rPr lang="ko-KR" altLang="en-US" b="1" dirty="0" smtClean="0">
+                <a:solidFill>
+                  <a:srgbClr val="FF0000"/>
+                </a:solidFill>
+              </a:rPr>
+              <a:t>유사하게 작성</a:t>
+            </a:r>
+            <a:r>
+              <a:rPr lang="en-US" altLang="ko-KR" b="1" dirty="0" smtClean="0">
+                <a:solidFill>
+                  <a:srgbClr val="FF0000"/>
+                </a:solidFill>
+              </a:rPr>
+              <a:t>(Delete)</a:t>
+            </a:r>
+            <a:endParaRPr lang="ko-KR" altLang="en-US" dirty="0"/>
+          </a:p>
+        </p:txBody>
+      </p:sp>
+      <p:sp>
+        <p:nvSpPr>
+          <p:cNvPr id="23" name="직사각형 22"/>
+          <p:cNvSpPr/>
+          <p:nvPr/>
+        </p:nvSpPr>
+        <p:spPr>
+          <a:xfrm>
+            <a:off x="3707904" y="5229200"/>
+            <a:ext cx="4666662" cy="646331"/>
+          </a:xfrm>
+          <a:prstGeom prst="rect">
+            <a:avLst/>
+          </a:prstGeom>
+        </p:spPr>
+        <p:txBody>
+          <a:bodyPr wrap="none">
+            <a:spAutoFit/>
+          </a:bodyPr>
+          <a:lstStyle/>
+          <a:p>
+            <a:r>
+              <a:rPr lang="ko-KR" altLang="en-US" b="1" dirty="0" smtClean="0">
+                <a:solidFill>
+                  <a:srgbClr val="FF0000"/>
+                </a:solidFill>
+              </a:rPr>
+              <a:t>계좌번호로 검색해서 인덱스 반환하는 기능</a:t>
+            </a:r>
+            <a:endParaRPr lang="en-US" altLang="ko-KR" b="1" dirty="0" smtClean="0">
+              <a:solidFill>
+                <a:srgbClr val="FF0000"/>
+              </a:solidFill>
+            </a:endParaRPr>
+          </a:p>
+          <a:p>
+            <a:r>
+              <a:rPr lang="en-US" altLang="ko-KR" b="1" dirty="0" smtClean="0">
+                <a:solidFill>
+                  <a:srgbClr val="FF0000"/>
+                </a:solidFill>
+              </a:rPr>
+              <a:t>- Select, Update, Delete</a:t>
+            </a:r>
+            <a:r>
+              <a:rPr lang="ko-KR" altLang="en-US" b="1" dirty="0" smtClean="0">
+                <a:solidFill>
+                  <a:srgbClr val="FF0000"/>
+                </a:solidFill>
+              </a:rPr>
+              <a:t>에서 활용</a:t>
+            </a:r>
+            <a:endParaRPr lang="ko-KR" altLang="en-US" dirty="0"/>
+          </a:p>
+        </p:txBody>
+      </p:sp>
+      <p:sp>
+        <p:nvSpPr>
+          <p:cNvPr id="24" name="직사각형 23"/>
+          <p:cNvSpPr/>
+          <p:nvPr/>
+        </p:nvSpPr>
+        <p:spPr>
+          <a:xfrm>
+            <a:off x="5436096" y="5934670"/>
+            <a:ext cx="3838487" cy="923330"/>
+          </a:xfrm>
+          <a:prstGeom prst="rect">
+            <a:avLst/>
+          </a:prstGeom>
+        </p:spPr>
+        <p:txBody>
+          <a:bodyPr wrap="none">
+            <a:spAutoFit/>
+          </a:bodyPr>
+          <a:lstStyle/>
+          <a:p>
+            <a:r>
+              <a:rPr lang="en-US" altLang="ko-KR" b="1" dirty="0" err="1" smtClean="0">
+                <a:solidFill>
+                  <a:srgbClr val="FF0000"/>
+                </a:solidFill>
+              </a:rPr>
+              <a:t>MakeAccount</a:t>
+            </a:r>
+            <a:r>
+              <a:rPr lang="ko-KR" altLang="en-US" b="1" dirty="0" smtClean="0">
+                <a:solidFill>
+                  <a:srgbClr val="FF0000"/>
+                </a:solidFill>
+              </a:rPr>
+              <a:t>에서 입력된 계좌</a:t>
+            </a:r>
+            <a:endParaRPr lang="en-US" altLang="ko-KR" b="1" dirty="0" smtClean="0">
+              <a:solidFill>
+                <a:srgbClr val="FF0000"/>
+              </a:solidFill>
+            </a:endParaRPr>
+          </a:p>
+          <a:p>
+            <a:r>
+              <a:rPr lang="ko-KR" altLang="en-US" b="1" dirty="0" smtClean="0">
+                <a:solidFill>
+                  <a:srgbClr val="FF0000"/>
+                </a:solidFill>
+              </a:rPr>
+              <a:t>번호 중복여부 반환</a:t>
+            </a:r>
+            <a:endParaRPr lang="en-US" altLang="ko-KR" b="1" dirty="0" smtClean="0">
+              <a:solidFill>
+                <a:srgbClr val="FF0000"/>
+              </a:solidFill>
+            </a:endParaRPr>
+          </a:p>
+          <a:p>
+            <a:r>
+              <a:rPr lang="ko-KR" altLang="en-US" b="1" dirty="0" err="1" smtClean="0">
+                <a:solidFill>
+                  <a:srgbClr val="FF0000"/>
+                </a:solidFill>
+              </a:rPr>
+              <a:t>중복시</a:t>
+            </a:r>
+            <a:r>
+              <a:rPr lang="ko-KR" altLang="en-US" b="1" dirty="0" smtClean="0">
+                <a:solidFill>
+                  <a:srgbClr val="FF0000"/>
+                </a:solidFill>
+              </a:rPr>
+              <a:t> </a:t>
+            </a:r>
+            <a:r>
+              <a:rPr lang="en-US" altLang="ko-KR" b="1" dirty="0" smtClean="0">
+                <a:solidFill>
+                  <a:srgbClr val="FF0000"/>
+                </a:solidFill>
+              </a:rPr>
+              <a:t>false, </a:t>
+            </a:r>
+            <a:r>
+              <a:rPr lang="ko-KR" altLang="en-US" b="1" dirty="0" smtClean="0">
+                <a:solidFill>
+                  <a:srgbClr val="FF0000"/>
+                </a:solidFill>
+              </a:rPr>
+              <a:t>중복이 </a:t>
+            </a:r>
+            <a:r>
+              <a:rPr lang="ko-KR" altLang="en-US" b="1" dirty="0" err="1" smtClean="0">
+                <a:solidFill>
+                  <a:srgbClr val="FF0000"/>
+                </a:solidFill>
+              </a:rPr>
+              <a:t>아닐경우</a:t>
+            </a:r>
+            <a:r>
+              <a:rPr lang="ko-KR" altLang="en-US" b="1" dirty="0" smtClean="0">
+                <a:solidFill>
+                  <a:srgbClr val="FF0000"/>
+                </a:solidFill>
+              </a:rPr>
+              <a:t> </a:t>
+            </a:r>
+            <a:r>
+              <a:rPr lang="en-US" altLang="ko-KR" b="1" dirty="0" smtClean="0">
+                <a:solidFill>
+                  <a:srgbClr val="FF0000"/>
+                </a:solidFill>
+              </a:rPr>
+              <a:t>true</a:t>
+            </a:r>
+            <a:endParaRPr lang="ko-KR" altLang="en-US" dirty="0"/>
+          </a:p>
+        </p:txBody>
+      </p:sp>
+    </p:spTree>
+  </p:cSld>
+  <p:clrMapOvr>
+    <a:masterClrMapping/>
+  </p:clrMapOvr>
+</p:sld>
+</file>
+
+<file path=ppt/slides/slide17.xml><?xml version="1.0" encoding="utf-8"?>
+<p:sld xmlns:a="http://schemas.openxmlformats.org/drawingml/2006/main" xmlns:r="http://schemas.openxmlformats.org/officeDocument/2006/relationships" xmlns:p="http://schemas.openxmlformats.org/presentationml/2006/main">
+  <p:cSld>
+    <p:spTree>
+      <p:nvGrpSpPr>
+        <p:cNvPr id="1" name=""/>
+        <p:cNvGrpSpPr/>
+        <p:nvPr/>
+      </p:nvGrpSpPr>
+      <p:grpSpPr>
+        <a:xfrm>
+          <a:off x="0" y="0"/>
+          <a:ext cx="0" cy="0"/>
+          <a:chOff x="0" y="0"/>
+          <a:chExt cx="0" cy="0"/>
+        </a:xfrm>
+      </p:grpSpPr>
+      <p:sp>
+        <p:nvSpPr>
+          <p:cNvPr id="5" name="TextBox 4"/>
+          <p:cNvSpPr txBox="1"/>
+          <p:nvPr/>
+        </p:nvSpPr>
+        <p:spPr>
+          <a:xfrm>
+            <a:off x="251520" y="260648"/>
+            <a:ext cx="7920880" cy="400110"/>
+          </a:xfrm>
+          <a:prstGeom prst="rect">
+            <a:avLst/>
+          </a:prstGeom>
+          <a:noFill/>
+        </p:spPr>
+        <p:txBody>
+          <a:bodyPr wrap="square" rtlCol="0">
+            <a:spAutoFit/>
+          </a:bodyPr>
+          <a:lstStyle/>
+          <a:p>
+            <a:r>
+              <a:rPr lang="ko-KR" altLang="en-US" sz="2000" b="1" dirty="0" smtClean="0"/>
+              <a:t>자료구조 </a:t>
+            </a:r>
+            <a:r>
+              <a:rPr lang="en-US" altLang="ko-KR" sz="2000" b="1" dirty="0" smtClean="0"/>
+              <a:t>1</a:t>
+            </a:r>
+            <a:r>
+              <a:rPr lang="ko-KR" altLang="en-US" sz="2000" b="1" dirty="0" smtClean="0"/>
+              <a:t>일차</a:t>
+            </a:r>
+            <a:r>
+              <a:rPr lang="en-US" altLang="ko-KR" sz="2000" b="1" dirty="0" smtClean="0"/>
+              <a:t>(</a:t>
+            </a:r>
+            <a:r>
+              <a:rPr lang="ko-KR" altLang="en-US" sz="2000" b="1" dirty="0" smtClean="0"/>
+              <a:t>프로그램 실습</a:t>
+            </a:r>
+            <a:r>
+              <a:rPr lang="en-US" altLang="ko-KR" sz="2000" b="1" dirty="0" smtClean="0"/>
+              <a:t>) – </a:t>
+            </a:r>
+            <a:r>
+              <a:rPr lang="ko-KR" altLang="en-US" sz="2000" b="1" dirty="0" smtClean="0">
+                <a:solidFill>
+                  <a:schemeClr val="accent1">
+                    <a:lumMod val="75000"/>
+                  </a:schemeClr>
+                </a:solidFill>
+              </a:rPr>
+              <a:t>계좌</a:t>
+            </a:r>
+            <a:r>
+              <a:rPr lang="ko-KR" altLang="en-US" sz="2000" b="1" dirty="0" smtClean="0"/>
+              <a:t> 관리 프로그램</a:t>
+            </a:r>
+            <a:endParaRPr lang="ko-KR" altLang="en-US" sz="2000" b="1" dirty="0"/>
+          </a:p>
+        </p:txBody>
+      </p:sp>
+      <p:sp>
+        <p:nvSpPr>
+          <p:cNvPr id="20" name="직사각형 19"/>
+          <p:cNvSpPr/>
+          <p:nvPr/>
+        </p:nvSpPr>
+        <p:spPr>
+          <a:xfrm>
+            <a:off x="611560" y="1196752"/>
+            <a:ext cx="4464496" cy="504056"/>
+          </a:xfrm>
+          <a:prstGeom prst="rect">
+            <a:avLst/>
+          </a:prstGeom>
+          <a:solidFill>
+            <a:schemeClr val="bg1"/>
+          </a:solidFill>
+        </p:spPr>
+        <p:style>
+          <a:lnRef idx="2">
+            <a:schemeClr val="accent1">
+              <a:shade val="50000"/>
+            </a:schemeClr>
+          </a:lnRef>
+          <a:fillRef idx="1">
+            <a:schemeClr val="accent1"/>
+          </a:fillRef>
+          <a:effectRef idx="0">
+            <a:schemeClr val="accent1"/>
+          </a:effectRef>
+          <a:fontRef idx="minor">
+            <a:schemeClr val="lt1"/>
+          </a:fontRef>
+        </p:style>
+        <p:txBody>
+          <a:bodyPr rtlCol="0" anchor="ctr"/>
+          <a:lstStyle/>
+          <a:p>
+            <a:pPr algn="ctr"/>
+            <a:r>
+              <a:rPr lang="en-US" altLang="ko-KR" b="1" dirty="0" smtClean="0">
+                <a:solidFill>
+                  <a:schemeClr val="tx1"/>
+                </a:solidFill>
+              </a:rPr>
+              <a:t>App</a:t>
+            </a:r>
+            <a:endParaRPr lang="ko-KR" altLang="en-US" b="1" dirty="0">
+              <a:solidFill>
+                <a:schemeClr val="tx1"/>
+              </a:solidFill>
+            </a:endParaRPr>
+          </a:p>
+        </p:txBody>
+      </p:sp>
+      <p:sp>
+        <p:nvSpPr>
+          <p:cNvPr id="21" name="직사각형 20"/>
+          <p:cNvSpPr/>
+          <p:nvPr/>
+        </p:nvSpPr>
+        <p:spPr>
+          <a:xfrm>
+            <a:off x="611560" y="1700808"/>
+            <a:ext cx="4464496" cy="504056"/>
+          </a:xfrm>
+          <a:prstGeom prst="rect">
+            <a:avLst/>
+          </a:prstGeom>
+          <a:solidFill>
+            <a:schemeClr val="bg1"/>
+          </a:solidFill>
+        </p:spPr>
+        <p:style>
+          <a:lnRef idx="2">
+            <a:schemeClr val="accent1">
+              <a:shade val="50000"/>
+            </a:schemeClr>
+          </a:lnRef>
+          <a:fillRef idx="1">
+            <a:schemeClr val="accent1"/>
+          </a:fillRef>
+          <a:effectRef idx="0">
+            <a:schemeClr val="accent1"/>
+          </a:effectRef>
+          <a:fontRef idx="minor">
+            <a:schemeClr val="lt1"/>
+          </a:fontRef>
+        </p:style>
+        <p:txBody>
+          <a:bodyPr rtlCol="0" anchor="ctr"/>
+          <a:lstStyle/>
+          <a:p>
+            <a:endParaRPr lang="ko-KR" altLang="en-US" dirty="0">
+              <a:solidFill>
+                <a:schemeClr val="tx1"/>
+              </a:solidFill>
+            </a:endParaRPr>
+          </a:p>
+        </p:txBody>
+      </p:sp>
+      <p:sp>
+        <p:nvSpPr>
+          <p:cNvPr id="31" name="직사각형 30"/>
+          <p:cNvSpPr/>
+          <p:nvPr/>
+        </p:nvSpPr>
+        <p:spPr>
+          <a:xfrm>
+            <a:off x="395536" y="692696"/>
+            <a:ext cx="1969385" cy="369332"/>
+          </a:xfrm>
+          <a:prstGeom prst="rect">
+            <a:avLst/>
+          </a:prstGeom>
+        </p:spPr>
+        <p:txBody>
+          <a:bodyPr wrap="none">
+            <a:spAutoFit/>
+          </a:bodyPr>
+          <a:lstStyle/>
+          <a:p>
+            <a:r>
+              <a:rPr lang="en-US" altLang="ko-KR" b="1" dirty="0" smtClean="0"/>
+              <a:t>Step3) </a:t>
+            </a:r>
+            <a:r>
+              <a:rPr lang="ko-KR" altLang="en-US" b="1" dirty="0" smtClean="0"/>
+              <a:t>실행</a:t>
+            </a:r>
+            <a:r>
+              <a:rPr lang="en-US" altLang="ko-KR" b="1" dirty="0" smtClean="0"/>
+              <a:t> </a:t>
+            </a:r>
+            <a:r>
+              <a:rPr lang="ko-KR" altLang="en-US" b="1" dirty="0" smtClean="0"/>
+              <a:t>흐</a:t>
+            </a:r>
+            <a:r>
+              <a:rPr lang="ko-KR" altLang="en-US" b="1" dirty="0"/>
+              <a:t>름</a:t>
+            </a:r>
+          </a:p>
+        </p:txBody>
+      </p:sp>
+      <p:sp>
+        <p:nvSpPr>
+          <p:cNvPr id="17" name="직사각형 16"/>
+          <p:cNvSpPr/>
+          <p:nvPr/>
+        </p:nvSpPr>
+        <p:spPr>
+          <a:xfrm>
+            <a:off x="611560" y="2204864"/>
+            <a:ext cx="4464496" cy="504056"/>
+          </a:xfrm>
+          <a:prstGeom prst="rect">
+            <a:avLst/>
+          </a:prstGeom>
+          <a:solidFill>
+            <a:schemeClr val="bg1"/>
+          </a:solidFill>
+        </p:spPr>
+        <p:style>
+          <a:lnRef idx="2">
+            <a:schemeClr val="accent1">
+              <a:shade val="50000"/>
+            </a:schemeClr>
+          </a:lnRef>
+          <a:fillRef idx="1">
+            <a:schemeClr val="accent1"/>
+          </a:fillRef>
+          <a:effectRef idx="0">
+            <a:schemeClr val="accent1"/>
+          </a:effectRef>
+          <a:fontRef idx="minor">
+            <a:schemeClr val="lt1"/>
+          </a:fontRef>
+        </p:style>
+        <p:txBody>
+          <a:bodyPr rtlCol="0" anchor="ctr"/>
+          <a:lstStyle/>
+          <a:p>
+            <a:endParaRPr lang="ko-KR" altLang="en-US" dirty="0">
+              <a:solidFill>
+                <a:schemeClr val="tx1"/>
+              </a:solidFill>
+            </a:endParaRPr>
+          </a:p>
+        </p:txBody>
+      </p:sp>
+      <p:sp>
+        <p:nvSpPr>
+          <p:cNvPr id="25" name="직사각형 24"/>
+          <p:cNvSpPr/>
+          <p:nvPr/>
+        </p:nvSpPr>
+        <p:spPr>
+          <a:xfrm>
+            <a:off x="5580112" y="1196752"/>
+            <a:ext cx="2413418" cy="2308324"/>
+          </a:xfrm>
+          <a:prstGeom prst="rect">
+            <a:avLst/>
+          </a:prstGeom>
+          <a:ln>
+            <a:solidFill>
+              <a:schemeClr val="accent1"/>
+            </a:solidFill>
+          </a:ln>
+        </p:spPr>
+        <p:txBody>
+          <a:bodyPr wrap="none">
+            <a:spAutoFit/>
+          </a:bodyPr>
+          <a:lstStyle/>
+          <a:p>
+            <a:r>
+              <a:rPr lang="ko-KR" altLang="en-US" b="1" dirty="0" smtClean="0"/>
+              <a:t>기능</a:t>
+            </a:r>
+            <a:endParaRPr lang="en-US" altLang="ko-KR" b="1" dirty="0" smtClean="0"/>
+          </a:p>
+          <a:p>
+            <a:endParaRPr lang="en-US" altLang="ko-KR" b="1" dirty="0" smtClean="0"/>
+          </a:p>
+          <a:p>
+            <a:r>
+              <a:rPr lang="en-US" altLang="ko-KR" b="1" dirty="0" smtClean="0"/>
+              <a:t>[0] </a:t>
+            </a:r>
+            <a:r>
+              <a:rPr lang="ko-KR" altLang="en-US" b="1" dirty="0" smtClean="0"/>
+              <a:t>프로그램 종료</a:t>
+            </a:r>
+            <a:endParaRPr lang="en-US" altLang="ko-KR" b="1" dirty="0"/>
+          </a:p>
+          <a:p>
+            <a:r>
+              <a:rPr lang="en-US" altLang="ko-KR" b="1" dirty="0" smtClean="0"/>
+              <a:t>[1] </a:t>
+            </a:r>
+            <a:r>
+              <a:rPr lang="ko-KR" altLang="en-US" b="1" dirty="0" smtClean="0"/>
+              <a:t>계좌 생성</a:t>
+            </a:r>
+            <a:r>
+              <a:rPr lang="en-US" altLang="ko-KR" b="1" dirty="0" smtClean="0"/>
+              <a:t>(insert)</a:t>
+            </a:r>
+          </a:p>
+          <a:p>
+            <a:r>
+              <a:rPr lang="en-US" altLang="ko-KR" b="1" dirty="0" smtClean="0"/>
+              <a:t>[2] </a:t>
+            </a:r>
+            <a:r>
+              <a:rPr lang="ko-KR" altLang="en-US" b="1" dirty="0" smtClean="0"/>
+              <a:t>계좌 검색</a:t>
+            </a:r>
+            <a:r>
+              <a:rPr lang="en-US" altLang="ko-KR" b="1" dirty="0" smtClean="0"/>
+              <a:t>(select)</a:t>
+            </a:r>
+          </a:p>
+          <a:p>
+            <a:r>
+              <a:rPr lang="en-US" altLang="ko-KR" b="1" dirty="0" smtClean="0"/>
+              <a:t>[3] </a:t>
+            </a:r>
+            <a:r>
+              <a:rPr lang="ko-KR" altLang="en-US" b="1" dirty="0" smtClean="0"/>
+              <a:t>입금</a:t>
+            </a:r>
+            <a:r>
+              <a:rPr lang="en-US" altLang="ko-KR" b="1" dirty="0" smtClean="0"/>
+              <a:t>(update)</a:t>
+            </a:r>
+          </a:p>
+          <a:p>
+            <a:r>
+              <a:rPr lang="en-US" altLang="ko-KR" b="1" dirty="0" smtClean="0"/>
+              <a:t>[4] </a:t>
+            </a:r>
+            <a:r>
+              <a:rPr lang="ko-KR" altLang="en-US" b="1" dirty="0" smtClean="0"/>
+              <a:t>출금</a:t>
+            </a:r>
+            <a:r>
+              <a:rPr lang="en-US" altLang="ko-KR" b="1" dirty="0" smtClean="0"/>
+              <a:t>(update)</a:t>
+            </a:r>
+          </a:p>
+          <a:p>
+            <a:r>
+              <a:rPr lang="en-US" altLang="ko-KR" b="1" dirty="0" smtClean="0"/>
+              <a:t>[5] </a:t>
+            </a:r>
+            <a:r>
+              <a:rPr lang="ko-KR" altLang="en-US" b="1" dirty="0" smtClean="0"/>
+              <a:t>계좌 삭제</a:t>
+            </a:r>
+            <a:r>
+              <a:rPr lang="en-US" altLang="ko-KR" b="1" dirty="0" smtClean="0"/>
+              <a:t>(delete)</a:t>
+            </a:r>
+            <a:endParaRPr lang="ko-KR" altLang="en-US" dirty="0"/>
+          </a:p>
+        </p:txBody>
+      </p:sp>
+    </p:spTree>
+  </p:cSld>
+  <p:clrMapOvr>
+    <a:masterClrMapping/>
+  </p:clrMapOvr>
+</p:sld>
+</file>
+
+<file path=ppt/slides/slide18.xml><?xml version="1.0" encoding="utf-8"?>
+<p:sld xmlns:a="http://schemas.openxmlformats.org/drawingml/2006/main" xmlns:r="http://schemas.openxmlformats.org/officeDocument/2006/relationships" xmlns:p="http://schemas.openxmlformats.org/presentationml/2006/main">
+  <p:cSld>
+    <p:spTree>
+      <p:nvGrpSpPr>
+        <p:cNvPr id="1" name=""/>
+        <p:cNvGrpSpPr/>
+        <p:nvPr/>
+      </p:nvGrpSpPr>
+      <p:grpSpPr>
+        <a:xfrm>
+          <a:off x="0" y="0"/>
+          <a:ext cx="0" cy="0"/>
+          <a:chOff x="0" y="0"/>
+          <a:chExt cx="0" cy="0"/>
+        </a:xfrm>
+      </p:grpSpPr>
+      <p:sp>
+        <p:nvSpPr>
+          <p:cNvPr id="5" name="TextBox 4"/>
+          <p:cNvSpPr txBox="1"/>
+          <p:nvPr/>
+        </p:nvSpPr>
+        <p:spPr>
+          <a:xfrm>
+            <a:off x="251520" y="260648"/>
+            <a:ext cx="7920880" cy="400110"/>
+          </a:xfrm>
+          <a:prstGeom prst="rect">
+            <a:avLst/>
+          </a:prstGeom>
+          <a:noFill/>
+        </p:spPr>
+        <p:txBody>
+          <a:bodyPr wrap="square" rtlCol="0">
+            <a:spAutoFit/>
+          </a:bodyPr>
+          <a:lstStyle/>
+          <a:p>
+            <a:r>
+              <a:rPr lang="ko-KR" altLang="en-US" sz="2000" b="1" dirty="0" smtClean="0"/>
+              <a:t>자료구조 </a:t>
+            </a:r>
+            <a:r>
+              <a:rPr lang="en-US" altLang="ko-KR" sz="2000" b="1" dirty="0" smtClean="0"/>
+              <a:t>1</a:t>
+            </a:r>
+            <a:r>
+              <a:rPr lang="ko-KR" altLang="en-US" sz="2000" b="1" dirty="0" smtClean="0"/>
+              <a:t>일차</a:t>
+            </a:r>
+            <a:r>
+              <a:rPr lang="en-US" altLang="ko-KR" sz="2000" b="1" dirty="0" smtClean="0"/>
+              <a:t>(</a:t>
+            </a:r>
+            <a:r>
+              <a:rPr lang="ko-KR" altLang="en-US" sz="2000" b="1" dirty="0" smtClean="0"/>
+              <a:t>프로그램 실습</a:t>
+            </a:r>
+            <a:r>
+              <a:rPr lang="en-US" altLang="ko-KR" sz="2000" b="1" dirty="0" smtClean="0"/>
+              <a:t>) – </a:t>
+            </a:r>
+            <a:r>
+              <a:rPr lang="ko-KR" altLang="en-US" sz="2000" b="1" dirty="0" smtClean="0">
+                <a:solidFill>
+                  <a:schemeClr val="accent1">
+                    <a:lumMod val="75000"/>
+                  </a:schemeClr>
+                </a:solidFill>
+              </a:rPr>
+              <a:t>계좌</a:t>
+            </a:r>
+            <a:r>
+              <a:rPr lang="ko-KR" altLang="en-US" sz="2000" b="1" dirty="0" smtClean="0"/>
+              <a:t> 관리 프로그램</a:t>
+            </a:r>
+            <a:endParaRPr lang="ko-KR" altLang="en-US" sz="2000" b="1" dirty="0"/>
+          </a:p>
+        </p:txBody>
+      </p:sp>
+      <p:sp>
+        <p:nvSpPr>
+          <p:cNvPr id="31" name="직사각형 30"/>
+          <p:cNvSpPr/>
+          <p:nvPr/>
+        </p:nvSpPr>
+        <p:spPr>
+          <a:xfrm>
+            <a:off x="395536" y="692696"/>
+            <a:ext cx="8352928" cy="6740307"/>
+          </a:xfrm>
+          <a:prstGeom prst="rect">
+            <a:avLst/>
+          </a:prstGeom>
+        </p:spPr>
+        <p:txBody>
+          <a:bodyPr wrap="square">
+            <a:spAutoFit/>
+          </a:bodyPr>
+          <a:lstStyle/>
+          <a:p>
+            <a:r>
+              <a:rPr lang="ko-KR" altLang="en-US" b="1" dirty="0" smtClean="0"/>
+              <a:t>입출금 기능 추가</a:t>
+            </a:r>
+            <a:endParaRPr lang="en-US" altLang="ko-KR" b="1" dirty="0" smtClean="0"/>
+          </a:p>
+          <a:p>
+            <a:endParaRPr lang="en-US" altLang="ko-KR" b="1" dirty="0"/>
+          </a:p>
+          <a:p>
+            <a:r>
+              <a:rPr lang="ko-KR" altLang="en-US" b="1" dirty="0" smtClean="0"/>
+              <a:t>단계</a:t>
+            </a:r>
+            <a:r>
+              <a:rPr lang="en-US" altLang="ko-KR" b="1" dirty="0" smtClean="0"/>
+              <a:t>1) </a:t>
+            </a:r>
+            <a:r>
+              <a:rPr lang="ko-KR" altLang="en-US" b="1" u="sng" dirty="0" smtClean="0"/>
+              <a:t>입출금 관련된 데이터 클래스 정의</a:t>
+            </a:r>
+            <a:endParaRPr lang="en-US" altLang="ko-KR" b="1" u="sng" dirty="0" smtClean="0"/>
+          </a:p>
+          <a:p>
+            <a:r>
+              <a:rPr lang="en-US" altLang="ko-KR" b="1" dirty="0"/>
+              <a:t> </a:t>
+            </a:r>
+            <a:r>
+              <a:rPr lang="en-US" altLang="ko-KR" b="1" dirty="0" smtClean="0"/>
+              <a:t>   </a:t>
+            </a:r>
+            <a:r>
+              <a:rPr lang="en-US" altLang="ko-KR" b="1" dirty="0" err="1" smtClean="0"/>
+              <a:t>AccountIO</a:t>
+            </a:r>
+            <a:r>
+              <a:rPr lang="en-US" altLang="ko-KR" b="1" dirty="0" smtClean="0"/>
+              <a:t>[</a:t>
+            </a:r>
+            <a:r>
+              <a:rPr lang="en-US" altLang="ko-KR" b="1" dirty="0" err="1" smtClean="0"/>
+              <a:t>int</a:t>
+            </a:r>
+            <a:r>
+              <a:rPr lang="en-US" altLang="ko-KR" b="1" dirty="0" smtClean="0"/>
+              <a:t> </a:t>
+            </a:r>
+            <a:r>
+              <a:rPr lang="en-US" altLang="ko-KR" b="1" dirty="0" err="1" smtClean="0"/>
+              <a:t>accnum</a:t>
+            </a:r>
+            <a:r>
+              <a:rPr lang="en-US" altLang="ko-KR" b="1" dirty="0" smtClean="0"/>
+              <a:t>, </a:t>
+            </a:r>
+            <a:r>
+              <a:rPr lang="en-US" altLang="ko-KR" b="1" dirty="0" err="1" smtClean="0"/>
+              <a:t>int</a:t>
+            </a:r>
+            <a:r>
+              <a:rPr lang="en-US" altLang="ko-KR" b="1" dirty="0" smtClean="0"/>
+              <a:t> input, </a:t>
+            </a:r>
+            <a:r>
+              <a:rPr lang="en-US" altLang="ko-KR" b="1" dirty="0" err="1" smtClean="0"/>
+              <a:t>int</a:t>
+            </a:r>
+            <a:r>
+              <a:rPr lang="en-US" altLang="ko-KR" b="1" dirty="0" smtClean="0"/>
+              <a:t> output, </a:t>
+            </a:r>
+            <a:r>
+              <a:rPr lang="en-US" altLang="ko-KR" b="1" dirty="0" err="1" smtClean="0"/>
+              <a:t>int</a:t>
+            </a:r>
+            <a:r>
+              <a:rPr lang="en-US" altLang="ko-KR" b="1" dirty="0" smtClean="0"/>
+              <a:t> balance, </a:t>
+            </a:r>
+            <a:r>
+              <a:rPr lang="en-US" altLang="ko-KR" b="1" dirty="0" err="1" smtClean="0"/>
+              <a:t>Calrendar</a:t>
+            </a:r>
+            <a:r>
+              <a:rPr lang="en-US" altLang="ko-KR" b="1" dirty="0" smtClean="0"/>
+              <a:t> </a:t>
+            </a:r>
+            <a:r>
+              <a:rPr lang="en-US" altLang="ko-KR" b="1" dirty="0" err="1" smtClean="0"/>
+              <a:t>cd</a:t>
+            </a:r>
+            <a:r>
+              <a:rPr lang="en-US" altLang="ko-KR" b="1" dirty="0" smtClean="0"/>
+              <a:t>]</a:t>
+            </a:r>
+          </a:p>
+          <a:p>
+            <a:endParaRPr lang="en-US" altLang="ko-KR" b="1" dirty="0"/>
+          </a:p>
+          <a:p>
+            <a:r>
+              <a:rPr lang="ko-KR" altLang="en-US" b="1" dirty="0" smtClean="0"/>
+              <a:t>단계</a:t>
+            </a:r>
+            <a:r>
+              <a:rPr lang="en-US" altLang="ko-KR" b="1" dirty="0" smtClean="0"/>
+              <a:t>2)  </a:t>
+            </a:r>
+            <a:r>
+              <a:rPr lang="ko-KR" altLang="en-US" b="1" dirty="0" smtClean="0"/>
+              <a:t>입출금을 저장할 데이터 저장공간 생성</a:t>
+            </a:r>
+            <a:r>
+              <a:rPr lang="en-US" altLang="ko-KR" b="1" dirty="0" smtClean="0"/>
+              <a:t>(</a:t>
+            </a:r>
+            <a:r>
+              <a:rPr lang="ko-KR" altLang="en-US" b="1" dirty="0" smtClean="0">
+                <a:solidFill>
+                  <a:srgbClr val="FF0000"/>
+                </a:solidFill>
+              </a:rPr>
+              <a:t>기존 </a:t>
+            </a:r>
+            <a:r>
+              <a:rPr lang="en-US" altLang="ko-KR" b="1" dirty="0" err="1" smtClean="0">
+                <a:solidFill>
+                  <a:srgbClr val="FF0000"/>
+                </a:solidFill>
+              </a:rPr>
+              <a:t>BitArray</a:t>
+            </a:r>
+            <a:r>
+              <a:rPr lang="en-US" altLang="ko-KR" b="1" dirty="0" smtClean="0">
+                <a:solidFill>
+                  <a:srgbClr val="FF0000"/>
+                </a:solidFill>
+              </a:rPr>
+              <a:t> </a:t>
+            </a:r>
+            <a:r>
+              <a:rPr lang="ko-KR" altLang="en-US" b="1" dirty="0" smtClean="0">
+                <a:solidFill>
+                  <a:srgbClr val="FF0000"/>
+                </a:solidFill>
+              </a:rPr>
+              <a:t>사용가능</a:t>
+            </a:r>
+            <a:r>
+              <a:rPr lang="en-US" altLang="ko-KR" b="1" dirty="0" smtClean="0">
+                <a:solidFill>
+                  <a:srgbClr val="FF0000"/>
+                </a:solidFill>
+              </a:rPr>
+              <a:t>!!)</a:t>
+            </a:r>
+          </a:p>
+          <a:p>
+            <a:endParaRPr lang="en-US" altLang="ko-KR" b="1" dirty="0"/>
+          </a:p>
+          <a:p>
+            <a:r>
+              <a:rPr lang="ko-KR" altLang="en-US" b="1" dirty="0" smtClean="0"/>
+              <a:t>단계</a:t>
+            </a:r>
+            <a:r>
+              <a:rPr lang="en-US" altLang="ko-KR" b="1" dirty="0" smtClean="0"/>
+              <a:t>3)  </a:t>
+            </a:r>
+            <a:r>
+              <a:rPr lang="ko-KR" altLang="en-US" b="1" dirty="0" smtClean="0"/>
+              <a:t>기능 구현 </a:t>
+            </a:r>
+            <a:r>
+              <a:rPr lang="en-US" altLang="ko-KR" b="1" dirty="0" smtClean="0"/>
+              <a:t>: </a:t>
+            </a:r>
+            <a:r>
+              <a:rPr lang="ko-KR" altLang="en-US" b="1" dirty="0" smtClean="0"/>
+              <a:t>저장</a:t>
+            </a:r>
+            <a:endParaRPr lang="en-US" altLang="ko-KR" b="1" dirty="0" smtClean="0"/>
+          </a:p>
+          <a:p>
+            <a:r>
+              <a:rPr lang="en-US" altLang="ko-KR" b="1" dirty="0"/>
+              <a:t> </a:t>
+            </a:r>
+            <a:r>
+              <a:rPr lang="en-US" altLang="ko-KR" b="1" dirty="0" smtClean="0"/>
+              <a:t>          </a:t>
+            </a:r>
+            <a:r>
+              <a:rPr lang="ko-KR" altLang="en-US" b="1" dirty="0" smtClean="0">
+                <a:solidFill>
+                  <a:srgbClr val="FF0000"/>
+                </a:solidFill>
+              </a:rPr>
+              <a:t>언제 입출금 정보를 저장할 것인가</a:t>
+            </a:r>
+            <a:r>
+              <a:rPr lang="en-US" altLang="ko-KR" b="1" dirty="0" smtClean="0">
+                <a:solidFill>
+                  <a:srgbClr val="FF0000"/>
+                </a:solidFill>
+              </a:rPr>
+              <a:t>?[ </a:t>
+            </a:r>
+            <a:r>
+              <a:rPr lang="ko-KR" altLang="en-US" b="1" dirty="0" smtClean="0">
+                <a:solidFill>
+                  <a:srgbClr val="FF0000"/>
+                </a:solidFill>
+              </a:rPr>
+              <a:t>계좌개설</a:t>
+            </a:r>
+            <a:r>
+              <a:rPr lang="en-US" altLang="ko-KR" b="1" dirty="0" smtClean="0">
+                <a:solidFill>
+                  <a:srgbClr val="FF0000"/>
+                </a:solidFill>
+              </a:rPr>
+              <a:t> ,  </a:t>
+            </a:r>
+            <a:r>
+              <a:rPr lang="ko-KR" altLang="en-US" b="1" dirty="0" smtClean="0">
+                <a:solidFill>
+                  <a:srgbClr val="FF0000"/>
+                </a:solidFill>
+              </a:rPr>
+              <a:t>입금</a:t>
+            </a:r>
+            <a:r>
+              <a:rPr lang="en-US" altLang="ko-KR" b="1" dirty="0" smtClean="0">
+                <a:solidFill>
+                  <a:srgbClr val="FF0000"/>
+                </a:solidFill>
+              </a:rPr>
+              <a:t>, </a:t>
+            </a:r>
+            <a:r>
+              <a:rPr lang="ko-KR" altLang="en-US" b="1" dirty="0" smtClean="0">
+                <a:solidFill>
+                  <a:srgbClr val="FF0000"/>
+                </a:solidFill>
+              </a:rPr>
+              <a:t>출금</a:t>
+            </a:r>
+            <a:r>
+              <a:rPr lang="en-US" altLang="ko-KR" b="1" dirty="0" smtClean="0">
+                <a:solidFill>
+                  <a:srgbClr val="FF0000"/>
+                </a:solidFill>
+              </a:rPr>
+              <a:t>  ]</a:t>
+            </a:r>
+          </a:p>
+          <a:p>
+            <a:endParaRPr lang="en-US" altLang="ko-KR" b="1" dirty="0"/>
+          </a:p>
+          <a:p>
+            <a:r>
+              <a:rPr lang="ko-KR" altLang="en-US" b="1" dirty="0" smtClean="0"/>
+              <a:t>단계</a:t>
+            </a:r>
+            <a:r>
+              <a:rPr lang="en-US" altLang="ko-KR" b="1" dirty="0" smtClean="0"/>
+              <a:t>4)  </a:t>
+            </a:r>
+            <a:r>
+              <a:rPr lang="ko-KR" altLang="en-US" b="1" dirty="0" smtClean="0"/>
+              <a:t>기능 구현  </a:t>
+            </a:r>
+            <a:r>
+              <a:rPr lang="en-US" altLang="ko-KR" b="1" dirty="0" smtClean="0"/>
+              <a:t>: </a:t>
+            </a:r>
+            <a:r>
+              <a:rPr lang="ko-KR" altLang="en-US" b="1" dirty="0" smtClean="0"/>
+              <a:t>출력</a:t>
+            </a:r>
+            <a:endParaRPr lang="en-US" altLang="ko-KR" b="1" dirty="0" smtClean="0"/>
+          </a:p>
+          <a:p>
+            <a:r>
+              <a:rPr lang="en-US" altLang="ko-KR" b="1" dirty="0"/>
+              <a:t> </a:t>
+            </a:r>
+            <a:r>
+              <a:rPr lang="en-US" altLang="ko-KR" b="1" dirty="0" smtClean="0"/>
+              <a:t>         </a:t>
+            </a:r>
+            <a:r>
+              <a:rPr lang="ko-KR" altLang="en-US" b="1" dirty="0" smtClean="0">
+                <a:solidFill>
+                  <a:srgbClr val="FF0000"/>
+                </a:solidFill>
+              </a:rPr>
+              <a:t>언제 출력기능을 사용할 것인가</a:t>
+            </a:r>
+            <a:r>
+              <a:rPr lang="en-US" altLang="ko-KR" b="1" dirty="0" smtClean="0">
+                <a:solidFill>
+                  <a:srgbClr val="FF0000"/>
+                </a:solidFill>
+              </a:rPr>
+              <a:t>? [</a:t>
+            </a:r>
+            <a:r>
+              <a:rPr lang="ko-KR" altLang="en-US" b="1" dirty="0" smtClean="0">
+                <a:solidFill>
+                  <a:srgbClr val="FF0000"/>
+                </a:solidFill>
+              </a:rPr>
+              <a:t>검색</a:t>
+            </a:r>
+            <a:r>
+              <a:rPr lang="en-US" altLang="ko-KR" b="1" dirty="0" smtClean="0">
+                <a:solidFill>
+                  <a:srgbClr val="FF0000"/>
+                </a:solidFill>
+              </a:rPr>
+              <a:t>]</a:t>
+            </a:r>
+          </a:p>
+          <a:p>
+            <a:r>
+              <a:rPr lang="en-US" altLang="ko-KR" b="1" dirty="0" smtClean="0"/>
+              <a:t>----------------------------------------------------------------------</a:t>
+            </a:r>
+          </a:p>
+          <a:p>
+            <a:endParaRPr lang="en-US" altLang="ko-KR" b="1" dirty="0"/>
+          </a:p>
+          <a:p>
+            <a:pPr>
+              <a:buFont typeface="Arial" charset="0"/>
+              <a:buChar char="•"/>
+            </a:pPr>
+            <a:r>
+              <a:rPr lang="ko-KR" altLang="en-US" b="1" dirty="0" smtClean="0"/>
+              <a:t>삭제  </a:t>
+            </a:r>
+            <a:r>
+              <a:rPr lang="en-US" altLang="ko-KR" b="1" dirty="0" smtClean="0"/>
+              <a:t>: </a:t>
+            </a:r>
+            <a:r>
+              <a:rPr lang="ko-KR" altLang="en-US" b="1" dirty="0" smtClean="0"/>
+              <a:t>해당 계좌를 삭제할 때</a:t>
+            </a:r>
+            <a:r>
+              <a:rPr lang="en-US" altLang="ko-KR" b="1" dirty="0" smtClean="0"/>
+              <a:t>, </a:t>
+            </a:r>
+            <a:r>
+              <a:rPr lang="ko-KR" altLang="en-US" b="1" dirty="0" smtClean="0"/>
+              <a:t>입출금 내용을 먼저 삭제 한 후 </a:t>
+            </a:r>
+            <a:endParaRPr lang="en-US" altLang="ko-KR" b="1" dirty="0" smtClean="0"/>
+          </a:p>
+          <a:p>
+            <a:pPr>
+              <a:buFont typeface="Arial" charset="0"/>
+              <a:buChar char="•"/>
+            </a:pPr>
+            <a:r>
+              <a:rPr lang="en-US" altLang="ko-KR" b="1" dirty="0" smtClean="0"/>
+              <a:t>          </a:t>
+            </a:r>
+            <a:r>
+              <a:rPr lang="ko-KR" altLang="en-US" b="1" dirty="0" smtClean="0"/>
+              <a:t>계좌를 삭제해 보세요</a:t>
+            </a:r>
+            <a:r>
+              <a:rPr lang="en-US" altLang="ko-KR" b="1" dirty="0" smtClean="0"/>
+              <a:t>.</a:t>
+            </a:r>
+            <a:endParaRPr lang="en-US" altLang="ko-KR" b="1" dirty="0"/>
+          </a:p>
+          <a:p>
+            <a:pPr>
+              <a:buFont typeface="Arial" charset="0"/>
+              <a:buChar char="•"/>
+            </a:pPr>
+            <a:endParaRPr lang="en-US" altLang="ko-KR" b="1" dirty="0" smtClean="0"/>
+          </a:p>
+          <a:p>
+            <a:pPr>
+              <a:buFont typeface="Arial" charset="0"/>
+              <a:buChar char="•"/>
+            </a:pPr>
+            <a:r>
+              <a:rPr lang="ko-KR" altLang="en-US" b="1" dirty="0" smtClean="0"/>
+              <a:t>수정</a:t>
+            </a:r>
+            <a:r>
+              <a:rPr lang="en-US" altLang="ko-KR" b="1" dirty="0" smtClean="0"/>
+              <a:t>(X) </a:t>
+            </a:r>
+            <a:r>
+              <a:rPr lang="ko-KR" altLang="en-US" b="1" dirty="0" smtClean="0"/>
+              <a:t>은 존재할 수 없는 기능</a:t>
+            </a:r>
+            <a:endParaRPr lang="en-US" altLang="ko-KR" b="1" dirty="0" smtClean="0"/>
+          </a:p>
+          <a:p>
+            <a:pPr>
+              <a:buFont typeface="Arial" charset="0"/>
+              <a:buChar char="•"/>
+            </a:pPr>
+            <a:endParaRPr lang="en-US" altLang="ko-KR" b="1" dirty="0" smtClean="0"/>
+          </a:p>
+          <a:p>
+            <a:r>
+              <a:rPr lang="en-US" altLang="ko-KR" b="1" dirty="0"/>
+              <a:t> </a:t>
+            </a:r>
+            <a:r>
+              <a:rPr lang="ko-KR" altLang="en-US" b="1" dirty="0" smtClean="0"/>
+              <a:t>검색 </a:t>
+            </a:r>
+            <a:r>
+              <a:rPr lang="en-US" altLang="ko-KR" b="1" dirty="0" smtClean="0"/>
+              <a:t>: </a:t>
+            </a:r>
+            <a:r>
+              <a:rPr lang="ko-KR" altLang="en-US" b="1" dirty="0" smtClean="0"/>
+              <a:t>날짜를 기반으로 검색할 수 있을 것 같습니다</a:t>
+            </a:r>
+            <a:r>
+              <a:rPr lang="en-US" altLang="ko-KR" b="1" dirty="0" smtClean="0"/>
+              <a:t>. …</a:t>
+            </a:r>
+          </a:p>
+          <a:p>
+            <a:endParaRPr lang="en-US" altLang="ko-KR" b="1" dirty="0"/>
+          </a:p>
+          <a:p>
+            <a:endParaRPr lang="en-US" altLang="ko-KR" b="1" dirty="0" smtClean="0"/>
+          </a:p>
+          <a:p>
+            <a:endParaRPr lang="en-US" altLang="ko-KR" b="1" dirty="0"/>
+          </a:p>
+          <a:p>
+            <a:endParaRPr lang="ko-KR" altLang="en-US" b="1" dirty="0"/>
+          </a:p>
+        </p:txBody>
+      </p:sp>
     </p:spTree>
   </p:cSld>
   <p:clrMapOvr>
